--- a/Resumef实践.pptx
+++ b/Resumef实践.pptx
@@ -8,7 +8,7 @@
     <p:notesMasterId r:id="rId5"/>
   </p:notesMasterIdLst>
   <p:handoutMasterIdLst>
-    <p:handoutMasterId r:id="rId47"/>
+    <p:handoutMasterId r:id="rId58"/>
   </p:handoutMasterIdLst>
   <p:sldIdLst>
     <p:sldId id="256" r:id="rId3"/>
@@ -54,6 +54,17 @@
     <p:sldId id="302" r:id="rId44"/>
     <p:sldId id="305" r:id="rId45"/>
     <p:sldId id="306" r:id="rId46"/>
+    <p:sldId id="311" r:id="rId47"/>
+    <p:sldId id="312" r:id="rId48"/>
+    <p:sldId id="313" r:id="rId49"/>
+    <p:sldId id="307" r:id="rId50"/>
+    <p:sldId id="308" r:id="rId51"/>
+    <p:sldId id="309" r:id="rId52"/>
+    <p:sldId id="310" r:id="rId53"/>
+    <p:sldId id="314" r:id="rId54"/>
+    <p:sldId id="315" r:id="rId55"/>
+    <p:sldId id="318" r:id="rId56"/>
+    <p:sldId id="317" r:id="rId57"/>
   </p:sldIdLst>
   <p:sldSz cx="12192000" cy="6858000"/>
   <p:notesSz cx="7103745" cy="10234295"/>
@@ -2792,13 +2803,7 @@
               <a:rPr lang="zh-CN" altLang="en-US">
                 <a:sym typeface="+mn-ea"/>
               </a:rPr>
-              <a:t>其支持协程的</a:t>
-            </a:r>
-            <a:r>
-              <a:rPr lang="zh-CN" altLang="en-US">
-                <a:sym typeface="+mn-ea"/>
-              </a:rPr>
-              <a:t>状态变量通过</a:t>
+              <a:t>其支持协程的状态变量通过</a:t>
             </a:r>
             <a:r>
               <a:rPr lang="en-US" altLang="zh-CN">
@@ -3758,6 +3763,632 @@
 </p:notes>
 </file>
 
+<file path=ppt/notesSlides/notesSlide43.xml><?xml version="1.0" encoding="utf-8"?>
+<p:notes xmlns:a="http://schemas.openxmlformats.org/drawingml/2006/main" xmlns:r="http://schemas.openxmlformats.org/officeDocument/2006/relationships" xmlns:p="http://schemas.openxmlformats.org/presentationml/2006/main">
+  <p:cSld>
+    <p:spTree>
+      <p:nvGrpSpPr>
+        <p:cNvPr id="1" name=""/>
+        <p:cNvGrpSpPr/>
+        <p:nvPr/>
+      </p:nvGrpSpPr>
+      <p:grpSpPr/>
+      <p:sp>
+        <p:nvSpPr>
+          <p:cNvPr id="2" name="幻灯片图像占位符 1"/>
+          <p:cNvSpPr/>
+          <p:nvPr>
+            <p:ph type="sldImg" idx="2"/>
+          </p:nvPr>
+        </p:nvSpPr>
+        <p:spPr/>
+      </p:sp>
+      <p:sp>
+        <p:nvSpPr>
+          <p:cNvPr id="3" name="文本占位符 2"/>
+          <p:cNvSpPr/>
+          <p:nvPr>
+            <p:ph type="body" idx="3"/>
+          </p:nvPr>
+        </p:nvSpPr>
+        <p:spPr/>
+        <p:txBody>
+          <a:bodyPr/>
+          <a:p>
+            <a:r>
+              <a:rPr>
+                <a:sym typeface="+mn-ea"/>
+              </a:rPr>
+              <a:t>对于异步模型，当发生了异步</a:t>
+            </a:r>
+            <a:r>
+              <a:rPr lang="zh-CN">
+                <a:sym typeface="+mn-ea"/>
+              </a:rPr>
+              <a:t>，并且这个异常要抛给调用者处理的时候，</a:t>
+            </a:r>
+            <a:r>
+              <a:rPr>
+                <a:sym typeface="+mn-ea"/>
+              </a:rPr>
+              <a:t>通常是要将异常想办法送回回调函数去处理。</a:t>
+            </a:r>
+            <a:r>
+              <a:rPr lang="zh-CN">
+                <a:sym typeface="+mn-ea"/>
+              </a:rPr>
+              <a:t>毕竟，完整逻辑属于</a:t>
+            </a:r>
+            <a:r>
+              <a:rPr lang="en-US" altLang="zh-CN">
+                <a:sym typeface="+mn-ea"/>
+              </a:rPr>
+              <a:t>Resume function</a:t>
+            </a:r>
+            <a:r>
+              <a:rPr lang="zh-CN" altLang="en-US">
+                <a:sym typeface="+mn-ea"/>
+              </a:rPr>
+              <a:t>代码，而不属于异步调度的代码。</a:t>
+            </a:r>
+            <a:endParaRPr lang="zh-CN" altLang="en-US">
+              <a:sym typeface="+mn-ea"/>
+            </a:endParaRPr>
+          </a:p>
+          <a:p>
+            <a:r>
+              <a:rPr lang="zh-CN" altLang="en-US">
+                <a:sym typeface="+mn-ea"/>
+              </a:rPr>
+              <a:t>对于ASIO来说，就是几乎每个回调函数，都会给一个asio::error_code表示错误。因此，在处理resume function的时候，也要考虑这个问题。</a:t>
+            </a:r>
+            <a:endParaRPr lang="zh-CN" altLang="en-US">
+              <a:sym typeface="+mn-ea"/>
+            </a:endParaRPr>
+          </a:p>
+          <a:p>
+            <a:r>
+              <a:rPr lang="zh-CN" altLang="en-US">
+                <a:sym typeface="+mn-ea"/>
+              </a:rPr>
+              <a:t>因此，通过</a:t>
+            </a:r>
+            <a:r>
+              <a:rPr lang="en-US" altLang="zh-CN">
+                <a:sym typeface="+mn-ea"/>
+              </a:rPr>
+              <a:t>promise</a:t>
+            </a:r>
+            <a:r>
+              <a:rPr lang="zh-CN" altLang="en-US">
+                <a:sym typeface="+mn-ea"/>
+              </a:rPr>
+              <a:t>对象的</a:t>
+            </a:r>
+            <a:r>
+              <a:rPr lang="en-US" altLang="zh-CN">
+                <a:sym typeface="+mn-ea"/>
+              </a:rPr>
+              <a:t>set_exception</a:t>
+            </a:r>
+            <a:r>
+              <a:rPr lang="zh-CN" altLang="en-US">
+                <a:sym typeface="+mn-ea"/>
+              </a:rPr>
+              <a:t>来给关联的</a:t>
+            </a:r>
+            <a:r>
+              <a:rPr lang="en-US" altLang="zh-CN">
+                <a:sym typeface="+mn-ea"/>
+              </a:rPr>
+              <a:t>state</a:t>
+            </a:r>
+            <a:r>
+              <a:rPr lang="zh-CN" altLang="en-US">
+                <a:sym typeface="+mn-ea"/>
+              </a:rPr>
+              <a:t>对象设置异常，以及主动通过</a:t>
+            </a:r>
+            <a:r>
+              <a:rPr lang="en-US" altLang="zh-CN">
+                <a:sym typeface="+mn-ea"/>
+              </a:rPr>
+              <a:t>state</a:t>
+            </a:r>
+            <a:r>
+              <a:rPr lang="zh-CN" altLang="en-US">
+                <a:sym typeface="+mn-ea"/>
+              </a:rPr>
+              <a:t>对象设置异常，来转移当前的异常。</a:t>
+            </a:r>
+            <a:endParaRPr lang="zh-CN" altLang="en-US">
+              <a:sym typeface="+mn-ea"/>
+            </a:endParaRPr>
+          </a:p>
+          <a:p>
+            <a:r>
+              <a:rPr lang="zh-CN" altLang="en-US">
+                <a:sym typeface="+mn-ea"/>
+              </a:rPr>
+              <a:t>后续，通过</a:t>
+            </a:r>
+            <a:r>
+              <a:rPr lang="en-US" altLang="zh-CN">
+                <a:sym typeface="+mn-ea"/>
+              </a:rPr>
+              <a:t>awaitable</a:t>
+            </a:r>
+            <a:r>
+              <a:rPr lang="zh-CN" altLang="en-US">
+                <a:sym typeface="+mn-ea"/>
+              </a:rPr>
+              <a:t>对象的</a:t>
+            </a:r>
+            <a:r>
+              <a:rPr lang="en-US" altLang="zh-CN">
+                <a:sym typeface="+mn-ea"/>
+              </a:rPr>
+              <a:t>await_resume()</a:t>
+            </a:r>
+            <a:r>
+              <a:rPr lang="zh-CN" altLang="en-US">
+                <a:sym typeface="+mn-ea"/>
+              </a:rPr>
+              <a:t>函数来重新抛出异常。因为</a:t>
+            </a:r>
+            <a:r>
+              <a:rPr lang="en-US" altLang="zh-CN">
+                <a:sym typeface="+mn-ea"/>
+              </a:rPr>
+              <a:t>await_resume()</a:t>
+            </a:r>
+            <a:r>
+              <a:rPr lang="zh-CN" altLang="en-US">
+                <a:sym typeface="+mn-ea"/>
+              </a:rPr>
+              <a:t>被调用的时候，又回到了</a:t>
+            </a:r>
+            <a:r>
+              <a:rPr lang="en-US" altLang="zh-CN">
+                <a:sym typeface="+mn-ea"/>
+              </a:rPr>
+              <a:t>Resume function</a:t>
+            </a:r>
+            <a:r>
+              <a:rPr lang="zh-CN" altLang="en-US">
+                <a:sym typeface="+mn-ea"/>
+              </a:rPr>
+              <a:t>代码里了。</a:t>
+            </a:r>
+            <a:endParaRPr lang="zh-CN" altLang="en-US">
+              <a:sym typeface="+mn-ea"/>
+            </a:endParaRPr>
+          </a:p>
+        </p:txBody>
+      </p:sp>
+    </p:spTree>
+  </p:cSld>
+  <p:clrMapOvr>
+    <a:masterClrMapping/>
+  </p:clrMapOvr>
+</p:notes>
+</file>
+
+<file path=ppt/notesSlides/notesSlide44.xml><?xml version="1.0" encoding="utf-8"?>
+<p:notes xmlns:a="http://schemas.openxmlformats.org/drawingml/2006/main" xmlns:r="http://schemas.openxmlformats.org/officeDocument/2006/relationships" xmlns:p="http://schemas.openxmlformats.org/presentationml/2006/main">
+  <p:cSld>
+    <p:spTree>
+      <p:nvGrpSpPr>
+        <p:cNvPr id="1" name=""/>
+        <p:cNvGrpSpPr/>
+        <p:nvPr/>
+      </p:nvGrpSpPr>
+      <p:grpSpPr/>
+      <p:sp>
+        <p:nvSpPr>
+          <p:cNvPr id="2" name="幻灯片图像占位符 1"/>
+          <p:cNvSpPr/>
+          <p:nvPr>
+            <p:ph type="sldImg" idx="2"/>
+          </p:nvPr>
+        </p:nvSpPr>
+        <p:spPr/>
+      </p:sp>
+      <p:sp>
+        <p:nvSpPr>
+          <p:cNvPr id="3" name="文本占位符 2"/>
+          <p:cNvSpPr/>
+          <p:nvPr>
+            <p:ph type="body" idx="3"/>
+          </p:nvPr>
+        </p:nvSpPr>
+        <p:spPr/>
+        <p:txBody>
+          <a:bodyPr/>
+          <a:p>
+            <a:r>
+              <a:rPr lang="zh-CN" altLang="en-US">
+                <a:sym typeface="+mn-ea"/>
+              </a:rPr>
+              <a:t>上述的范例代码，分别给出了两个函数：</a:t>
+            </a:r>
+            <a:endParaRPr lang="zh-CN" altLang="en-US">
+              <a:sym typeface="+mn-ea"/>
+            </a:endParaRPr>
+          </a:p>
+          <a:p>
+            <a:r>
+              <a:rPr lang="zh-CN" altLang="en-US">
+                <a:sym typeface="+mn-ea"/>
+              </a:rPr>
+              <a:t>为了操作Resume function，提供了三个概念：</a:t>
+            </a:r>
+            <a:endParaRPr lang="zh-CN" altLang="en-US">
+              <a:sym typeface="+mn-ea"/>
+            </a:endParaRPr>
+          </a:p>
+          <a:p>
+            <a:r>
+              <a:rPr lang="zh-CN" altLang="en-US">
+                <a:sym typeface="+mn-ea"/>
+              </a:rPr>
+              <a:t>Promise/Awaitable用于Resume function，对于用户来说，Promise几乎不可见。只需要申明返回Awaitable&lt;T&gt;就可以了，然后在代码里使用co_await关键字。</a:t>
+            </a:r>
+            <a:endParaRPr lang="zh-CN" altLang="en-US">
+              <a:sym typeface="+mn-ea"/>
+            </a:endParaRPr>
+          </a:p>
+          <a:p>
+            <a:r>
+              <a:rPr lang="zh-CN" altLang="en-US">
+                <a:sym typeface="+mn-ea"/>
+              </a:rPr>
+              <a:t>Awaitable/State用于Awaitable function。这是一种通用的方法，来绿化阻塞操作，使得阻塞功能也能应用到Resume function上的方法。</a:t>
+            </a:r>
+            <a:endParaRPr lang="zh-CN" altLang="en-US">
+              <a:sym typeface="+mn-ea"/>
+            </a:endParaRPr>
+          </a:p>
+        </p:txBody>
+      </p:sp>
+    </p:spTree>
+  </p:cSld>
+  <p:clrMapOvr>
+    <a:masterClrMapping/>
+  </p:clrMapOvr>
+</p:notes>
+</file>
+
+<file path=ppt/notesSlides/notesSlide45.xml><?xml version="1.0" encoding="utf-8"?>
+<p:notes xmlns:a="http://schemas.openxmlformats.org/drawingml/2006/main" xmlns:r="http://schemas.openxmlformats.org/officeDocument/2006/relationships" xmlns:p="http://schemas.openxmlformats.org/presentationml/2006/main">
+  <p:cSld>
+    <p:spTree>
+      <p:nvGrpSpPr>
+        <p:cNvPr id="1" name=""/>
+        <p:cNvGrpSpPr/>
+        <p:nvPr/>
+      </p:nvGrpSpPr>
+      <p:grpSpPr/>
+      <p:sp>
+        <p:nvSpPr>
+          <p:cNvPr id="2" name="幻灯片图像占位符 1"/>
+          <p:cNvSpPr/>
+          <p:nvPr>
+            <p:ph type="sldImg" idx="2"/>
+          </p:nvPr>
+        </p:nvSpPr>
+        <p:spPr/>
+      </p:sp>
+      <p:sp>
+        <p:nvSpPr>
+          <p:cNvPr id="3" name="文本占位符 2"/>
+          <p:cNvSpPr/>
+          <p:nvPr>
+            <p:ph type="body" idx="3"/>
+          </p:nvPr>
+        </p:nvSpPr>
+        <p:spPr/>
+        <p:txBody>
+          <a:bodyPr/>
+          <a:p>
+            <a:r>
+              <a:rPr lang="zh-CN" altLang="en-US">
+                <a:sym typeface="+mn-ea"/>
+              </a:rPr>
+              <a:t>分别演示了resume function如何应用在</a:t>
+            </a:r>
+            <a:r>
+              <a:rPr lang="en-US" altLang="zh-CN">
+                <a:sym typeface="+mn-ea"/>
+              </a:rPr>
+              <a:t>.</a:t>
+            </a:r>
+            <a:endParaRPr lang="en-US" altLang="zh-CN">
+              <a:sym typeface="+mn-ea"/>
+            </a:endParaRPr>
+          </a:p>
+          <a:p>
+            <a:r>
+              <a:rPr lang="en-US" altLang="zh-CN">
+                <a:sym typeface="+mn-ea"/>
+              </a:rPr>
+              <a:t>通过这些范例，看得出，Resume function能跟现有callback范式的，异步/延迟代码很好的结合，完美解决回调地狱问题，同时也能很容易的跟第三方异步代码的集成。</a:t>
+            </a:r>
+            <a:endParaRPr lang="en-US" altLang="zh-CN">
+              <a:sym typeface="+mn-ea"/>
+            </a:endParaRPr>
+          </a:p>
+        </p:txBody>
+      </p:sp>
+    </p:spTree>
+  </p:cSld>
+  <p:clrMapOvr>
+    <a:masterClrMapping/>
+  </p:clrMapOvr>
+</p:notes>
+</file>
+
+<file path=ppt/notesSlides/notesSlide46.xml><?xml version="1.0" encoding="utf-8"?>
+<p:notes xmlns:a="http://schemas.openxmlformats.org/drawingml/2006/main" xmlns:r="http://schemas.openxmlformats.org/officeDocument/2006/relationships" xmlns:p="http://schemas.openxmlformats.org/presentationml/2006/main">
+  <p:cSld>
+    <p:spTree>
+      <p:nvGrpSpPr>
+        <p:cNvPr id="1" name=""/>
+        <p:cNvGrpSpPr/>
+        <p:nvPr/>
+      </p:nvGrpSpPr>
+      <p:grpSpPr/>
+      <p:sp>
+        <p:nvSpPr>
+          <p:cNvPr id="2" name="幻灯片图像占位符 1"/>
+          <p:cNvSpPr/>
+          <p:nvPr>
+            <p:ph type="sldImg" idx="2"/>
+          </p:nvPr>
+        </p:nvSpPr>
+        <p:spPr/>
+      </p:sp>
+      <p:sp>
+        <p:nvSpPr>
+          <p:cNvPr id="3" name="文本占位符 2"/>
+          <p:cNvSpPr/>
+          <p:nvPr>
+            <p:ph type="body" idx="3"/>
+          </p:nvPr>
+        </p:nvSpPr>
+        <p:spPr/>
+        <p:txBody>
+          <a:bodyPr/>
+          <a:p>
+            <a:r>
+              <a:rPr lang="zh-CN" altLang="en-US">
+                <a:sym typeface="+mn-ea"/>
+              </a:rPr>
+              <a:t>跟万事万物一样，</a:t>
+            </a:r>
+            <a:r>
+              <a:rPr lang="en-US" altLang="zh-CN">
+                <a:sym typeface="+mn-ea"/>
+              </a:rPr>
+              <a:t>Resume function</a:t>
+            </a:r>
+            <a:r>
+              <a:rPr lang="zh-CN" altLang="en-US">
+                <a:sym typeface="+mn-ea"/>
+              </a:rPr>
+              <a:t>也有两面性。</a:t>
+            </a:r>
+            <a:r>
+              <a:rPr lang="en-US" altLang="zh-CN">
+                <a:sym typeface="+mn-ea"/>
+              </a:rPr>
+              <a:t>Resume function</a:t>
+            </a:r>
+            <a:r>
+              <a:rPr lang="zh-CN" altLang="en-US">
+                <a:sym typeface="+mn-ea"/>
+              </a:rPr>
+              <a:t>也有一些问题。最常见的问题，就是在绿化阻塞操作之后，后续代码在另外一个线程调度的问题。通常来说，这种不可控的在多个线程之间运行同一段代码，是要杜绝的</a:t>
+            </a:r>
+            <a:r>
+              <a:rPr lang="en-US" altLang="zh-CN">
+                <a:sym typeface="+mn-ea"/>
+              </a:rPr>
+              <a:t>----</a:t>
+            </a:r>
+            <a:r>
+              <a:rPr lang="zh-CN" altLang="en-US">
+                <a:sym typeface="+mn-ea"/>
+              </a:rPr>
+              <a:t>否则，我直接用多线程不就好了。</a:t>
+            </a:r>
+            <a:endParaRPr lang="zh-CN" altLang="en-US">
+              <a:sym typeface="+mn-ea"/>
+            </a:endParaRPr>
+          </a:p>
+          <a:p>
+            <a:r>
+              <a:rPr lang="zh-CN" altLang="en-US">
+                <a:sym typeface="+mn-ea"/>
+              </a:rPr>
+              <a:t>下面这个例子中的协程被跨线程调度了。</a:t>
+            </a:r>
+            <a:endParaRPr lang="zh-CN" altLang="en-US">
+              <a:sym typeface="+mn-ea"/>
+            </a:endParaRPr>
+          </a:p>
+        </p:txBody>
+      </p:sp>
+    </p:spTree>
+  </p:cSld>
+  <p:clrMapOvr>
+    <a:masterClrMapping/>
+  </p:clrMapOvr>
+</p:notes>
+</file>
+
+<file path=ppt/notesSlides/notesSlide47.xml><?xml version="1.0" encoding="utf-8"?>
+<p:notes xmlns:a="http://schemas.openxmlformats.org/drawingml/2006/main" xmlns:r="http://schemas.openxmlformats.org/officeDocument/2006/relationships" xmlns:p="http://schemas.openxmlformats.org/presentationml/2006/main">
+  <p:cSld>
+    <p:spTree>
+      <p:nvGrpSpPr>
+        <p:cNvPr id="1" name=""/>
+        <p:cNvGrpSpPr/>
+        <p:nvPr/>
+      </p:nvGrpSpPr>
+      <p:grpSpPr/>
+      <p:sp>
+        <p:nvSpPr>
+          <p:cNvPr id="2" name="幻灯片图像占位符 1"/>
+          <p:cNvSpPr/>
+          <p:nvPr>
+            <p:ph type="sldImg" idx="2"/>
+          </p:nvPr>
+        </p:nvSpPr>
+        <p:spPr/>
+      </p:sp>
+      <p:sp>
+        <p:nvSpPr>
+          <p:cNvPr id="3" name="文本占位符 2"/>
+          <p:cNvSpPr/>
+          <p:nvPr>
+            <p:ph type="body" idx="3"/>
+          </p:nvPr>
+        </p:nvSpPr>
+        <p:spPr/>
+        <p:txBody>
+          <a:bodyPr/>
+          <a:p>
+            <a:r>
+              <a:rPr lang="zh-CN" altLang="en-US">
+                <a:sym typeface="+mn-ea"/>
+              </a:rPr>
+              <a:t>连续调用三次这个重度计算，并将调用前后的线程</a:t>
+            </a:r>
+            <a:r>
+              <a:rPr lang="en-US" altLang="zh-CN">
+                <a:sym typeface="+mn-ea"/>
+              </a:rPr>
+              <a:t>id</a:t>
+            </a:r>
+            <a:r>
+              <a:rPr lang="zh-CN" altLang="en-US">
+                <a:sym typeface="+mn-ea"/>
+              </a:rPr>
+              <a:t>打印出来。</a:t>
+            </a:r>
+            <a:endParaRPr lang="zh-CN" altLang="en-US">
+              <a:sym typeface="+mn-ea"/>
+            </a:endParaRPr>
+          </a:p>
+        </p:txBody>
+      </p:sp>
+    </p:spTree>
+  </p:cSld>
+  <p:clrMapOvr>
+    <a:masterClrMapping/>
+  </p:clrMapOvr>
+</p:notes>
+</file>
+
+<file path=ppt/notesSlides/notesSlide48.xml><?xml version="1.0" encoding="utf-8"?>
+<p:notes xmlns:a="http://schemas.openxmlformats.org/drawingml/2006/main" xmlns:r="http://schemas.openxmlformats.org/officeDocument/2006/relationships" xmlns:p="http://schemas.openxmlformats.org/presentationml/2006/main">
+  <p:cSld>
+    <p:spTree>
+      <p:nvGrpSpPr>
+        <p:cNvPr id="1" name=""/>
+        <p:cNvGrpSpPr/>
+        <p:nvPr/>
+      </p:nvGrpSpPr>
+      <p:grpSpPr/>
+      <p:sp>
+        <p:nvSpPr>
+          <p:cNvPr id="2" name="幻灯片图像占位符 1"/>
+          <p:cNvSpPr/>
+          <p:nvPr>
+            <p:ph type="sldImg" idx="2"/>
+          </p:nvPr>
+        </p:nvSpPr>
+        <p:spPr/>
+      </p:sp>
+      <p:sp>
+        <p:nvSpPr>
+          <p:cNvPr id="3" name="文本占位符 2"/>
+          <p:cNvSpPr/>
+          <p:nvPr>
+            <p:ph type="body" idx="3"/>
+          </p:nvPr>
+        </p:nvSpPr>
+        <p:spPr/>
+        <p:txBody>
+          <a:bodyPr/>
+          <a:p>
+            <a:r>
+              <a:rPr lang="zh-CN" altLang="en-US">
+                <a:sym typeface="+mn-ea"/>
+              </a:rPr>
+              <a:t>运行这个例子，得到下面这个打印结果。</a:t>
+            </a:r>
+            <a:endParaRPr lang="zh-CN" altLang="en-US">
+              <a:sym typeface="+mn-ea"/>
+            </a:endParaRPr>
+          </a:p>
+        </p:txBody>
+      </p:sp>
+    </p:spTree>
+  </p:cSld>
+  <p:clrMapOvr>
+    <a:masterClrMapping/>
+  </p:clrMapOvr>
+</p:notes>
+</file>
+
+<file path=ppt/notesSlides/notesSlide49.xml><?xml version="1.0" encoding="utf-8"?>
+<p:notes xmlns:a="http://schemas.openxmlformats.org/drawingml/2006/main" xmlns:r="http://schemas.openxmlformats.org/officeDocument/2006/relationships" xmlns:p="http://schemas.openxmlformats.org/presentationml/2006/main">
+  <p:cSld>
+    <p:spTree>
+      <p:nvGrpSpPr>
+        <p:cNvPr id="1" name=""/>
+        <p:cNvGrpSpPr/>
+        <p:nvPr/>
+      </p:nvGrpSpPr>
+      <p:grpSpPr/>
+      <p:sp>
+        <p:nvSpPr>
+          <p:cNvPr id="2" name="幻灯片图像占位符 1"/>
+          <p:cNvSpPr/>
+          <p:nvPr>
+            <p:ph type="sldImg" idx="2"/>
+          </p:nvPr>
+        </p:nvSpPr>
+        <p:spPr/>
+      </p:sp>
+      <p:sp>
+        <p:nvSpPr>
+          <p:cNvPr id="3" name="文本占位符 2"/>
+          <p:cNvSpPr/>
+          <p:nvPr>
+            <p:ph type="body" idx="3"/>
+          </p:nvPr>
+        </p:nvSpPr>
+        <p:spPr/>
+        <p:txBody>
+          <a:bodyPr/>
+          <a:p>
+            <a:endParaRPr lang="zh-CN" altLang="en-US">
+              <a:sym typeface="+mn-ea"/>
+            </a:endParaRPr>
+          </a:p>
+        </p:txBody>
+      </p:sp>
+    </p:spTree>
+  </p:cSld>
+  <p:clrMapOvr>
+    <a:masterClrMapping/>
+  </p:clrMapOvr>
+</p:notes>
+</file>
+
 <file path=ppt/notesSlides/notesSlide5.xml><?xml version="1.0" encoding="utf-8"?>
 <p:notes xmlns:a="http://schemas.openxmlformats.org/drawingml/2006/main" xmlns:r="http://schemas.openxmlformats.org/officeDocument/2006/relationships" xmlns:p="http://schemas.openxmlformats.org/presentationml/2006/main">
   <p:cSld>
@@ -3822,6 +4453,275 @@
               <a:t>使用这个协程类的代码大概就是这样子：</a:t>
             </a:r>
             <a:endParaRPr lang="zh-CN" altLang="en-US"/>
+          </a:p>
+        </p:txBody>
+      </p:sp>
+    </p:spTree>
+  </p:cSld>
+  <p:clrMapOvr>
+    <a:masterClrMapping/>
+  </p:clrMapOvr>
+</p:notes>
+</file>
+
+<file path=ppt/notesSlides/notesSlide50.xml><?xml version="1.0" encoding="utf-8"?>
+<p:notes xmlns:a="http://schemas.openxmlformats.org/drawingml/2006/main" xmlns:r="http://schemas.openxmlformats.org/officeDocument/2006/relationships" xmlns:p="http://schemas.openxmlformats.org/presentationml/2006/main">
+  <p:cSld>
+    <p:spTree>
+      <p:nvGrpSpPr>
+        <p:cNvPr id="1" name=""/>
+        <p:cNvGrpSpPr/>
+        <p:nvPr/>
+      </p:nvGrpSpPr>
+      <p:grpSpPr/>
+      <p:sp>
+        <p:nvSpPr>
+          <p:cNvPr id="2" name="幻灯片图像占位符 1"/>
+          <p:cNvSpPr/>
+          <p:nvPr>
+            <p:ph type="sldImg" idx="2"/>
+          </p:nvPr>
+        </p:nvSpPr>
+        <p:spPr/>
+      </p:sp>
+      <p:sp>
+        <p:nvSpPr>
+          <p:cNvPr id="3" name="文本占位符 2"/>
+          <p:cNvSpPr/>
+          <p:nvPr>
+            <p:ph type="body" idx="3"/>
+          </p:nvPr>
+        </p:nvSpPr>
+        <p:spPr/>
+        <p:txBody>
+          <a:bodyPr/>
+          <a:p>
+            <a:r>
+              <a:rPr lang="zh-CN" altLang="en-US">
+                <a:sym typeface="+mn-ea"/>
+              </a:rPr>
+              <a:t>(*):虽然也利用了操作系统提供的协程的栈，但协程切换时候，栈的拷贝交换需要手工完成</a:t>
+            </a:r>
+            <a:endParaRPr lang="zh-CN" altLang="en-US">
+              <a:sym typeface="+mn-ea"/>
+            </a:endParaRPr>
+          </a:p>
+        </p:txBody>
+      </p:sp>
+    </p:spTree>
+  </p:cSld>
+  <p:clrMapOvr>
+    <a:masterClrMapping/>
+  </p:clrMapOvr>
+</p:notes>
+</file>
+
+<file path=ppt/notesSlides/notesSlide51.xml><?xml version="1.0" encoding="utf-8"?>
+<p:notes xmlns:a="http://schemas.openxmlformats.org/drawingml/2006/main" xmlns:r="http://schemas.openxmlformats.org/officeDocument/2006/relationships" xmlns:p="http://schemas.openxmlformats.org/presentationml/2006/main">
+  <p:cSld>
+    <p:spTree>
+      <p:nvGrpSpPr>
+        <p:cNvPr id="1" name=""/>
+        <p:cNvGrpSpPr/>
+        <p:nvPr/>
+      </p:nvGrpSpPr>
+      <p:grpSpPr/>
+      <p:sp>
+        <p:nvSpPr>
+          <p:cNvPr id="2" name="幻灯片图像占位符 1"/>
+          <p:cNvSpPr/>
+          <p:nvPr>
+            <p:ph type="sldImg" idx="2"/>
+          </p:nvPr>
+        </p:nvSpPr>
+        <p:spPr/>
+      </p:sp>
+      <p:sp>
+        <p:nvSpPr>
+          <p:cNvPr id="3" name="文本占位符 2"/>
+          <p:cNvSpPr/>
+          <p:nvPr>
+            <p:ph type="body" idx="3"/>
+          </p:nvPr>
+        </p:nvSpPr>
+        <p:spPr/>
+        <p:txBody>
+          <a:bodyPr/>
+          <a:p>
+            <a:r>
+              <a:rPr lang="zh-CN" altLang="en-US">
+                <a:sym typeface="+mn-ea"/>
+              </a:rPr>
+              <a:t>综上，resume function被称作C++ coroutine是名至实归。</a:t>
+            </a:r>
+            <a:endParaRPr lang="zh-CN" altLang="en-US">
+              <a:sym typeface="+mn-ea"/>
+            </a:endParaRPr>
+          </a:p>
+          <a:p>
+            <a:r>
+              <a:rPr lang="zh-CN" altLang="en-US">
+                <a:sym typeface="+mn-ea"/>
+              </a:rPr>
+              <a:t>但是，resume function离现代coroutine需要的一些功能，又还差了一点点。因此，我不得不安利一下我的协程库：</a:t>
+            </a:r>
+            <a:r>
+              <a:rPr lang="zh-CN" altLang="en-US">
+                <a:sym typeface="+mn-ea"/>
+              </a:rPr>
+              <a:t>librf。</a:t>
+            </a:r>
+            <a:endParaRPr lang="zh-CN" altLang="en-US">
+              <a:sym typeface="+mn-ea"/>
+            </a:endParaRPr>
+          </a:p>
+          <a:p>
+            <a:r>
+              <a:rPr lang="zh-CN" altLang="en-US">
+                <a:sym typeface="+mn-ea"/>
+              </a:rPr>
+              <a:t>最开始我的设计目标，是用librf来解决异步回调的，包括解决异步回调的怎么驱动着往下走；解决回调发生在另外一个线程的时候，协程被多个线程之间跳转执行，导致显示加锁带来的复杂度提升。所以，当前librf被设计成一个单线程单实例的样子。</a:t>
+            </a:r>
+            <a:endParaRPr lang="zh-CN" altLang="en-US">
+              <a:sym typeface="+mn-ea"/>
+            </a:endParaRPr>
+          </a:p>
+          <a:p>
+            <a:r>
+              <a:rPr lang="zh-CN" altLang="en-US">
+                <a:sym typeface="+mn-ea"/>
+              </a:rPr>
+              <a:t>为了更好的同步多个协程之间的执行顺序，librf提供了mutex，channel原语。mutex用于互斥访问；channel用于协程通信，用于消费/生产者模型等。同时提供了定时器，用于暂停协程，和支持mutex等的超时功能。</a:t>
+            </a:r>
+            <a:endParaRPr lang="zh-CN" altLang="en-US">
+              <a:sym typeface="+mn-ea"/>
+            </a:endParaRPr>
+          </a:p>
+          <a:p>
+            <a:endParaRPr lang="zh-CN" altLang="en-US">
+              <a:sym typeface="+mn-ea"/>
+            </a:endParaRPr>
+          </a:p>
+        </p:txBody>
+      </p:sp>
+    </p:spTree>
+  </p:cSld>
+  <p:clrMapOvr>
+    <a:masterClrMapping/>
+  </p:clrMapOvr>
+</p:notes>
+</file>
+
+<file path=ppt/notesSlides/notesSlide52.xml><?xml version="1.0" encoding="utf-8"?>
+<p:notes xmlns:a="http://schemas.openxmlformats.org/drawingml/2006/main" xmlns:r="http://schemas.openxmlformats.org/officeDocument/2006/relationships" xmlns:p="http://schemas.openxmlformats.org/presentationml/2006/main">
+  <p:cSld>
+    <p:spTree>
+      <p:nvGrpSpPr>
+        <p:cNvPr id="1" name=""/>
+        <p:cNvGrpSpPr/>
+        <p:nvPr/>
+      </p:nvGrpSpPr>
+      <p:grpSpPr/>
+      <p:sp>
+        <p:nvSpPr>
+          <p:cNvPr id="2" name="幻灯片图像占位符 1"/>
+          <p:cNvSpPr/>
+          <p:nvPr>
+            <p:ph type="sldImg" idx="2"/>
+          </p:nvPr>
+        </p:nvSpPr>
+        <p:spPr/>
+      </p:sp>
+      <p:sp>
+        <p:nvSpPr>
+          <p:cNvPr id="3" name="文本占位符 2"/>
+          <p:cNvSpPr/>
+          <p:nvPr>
+            <p:ph type="body" idx="3"/>
+          </p:nvPr>
+        </p:nvSpPr>
+        <p:spPr/>
+        <p:txBody>
+          <a:bodyPr/>
+          <a:p>
+            <a:r>
+              <a:rPr lang="zh-CN" altLang="en-US">
+                <a:sym typeface="+mn-ea"/>
+              </a:rPr>
+              <a:t>目前，librf还未过多关注性能问题，只是由于stackless的天性，对内存占用很有信心。所以，下一步的目标，是稳定librf，将librf用于对性能不是那么关注的服务器领域，以及C++客户端逻辑。</a:t>
+            </a:r>
+            <a:endParaRPr lang="zh-CN" altLang="en-US">
+              <a:sym typeface="+mn-ea"/>
+            </a:endParaRPr>
+          </a:p>
+          <a:p>
+            <a:r>
+              <a:rPr lang="zh-CN" altLang="en-US">
+                <a:sym typeface="+mn-ea"/>
+              </a:rPr>
+              <a:t>欢迎大家关注librf，并对librf提出改进意见。下面是librf在GitHub上的地址：</a:t>
+            </a:r>
+            <a:endParaRPr lang="zh-CN" altLang="en-US">
+              <a:sym typeface="+mn-ea"/>
+            </a:endParaRPr>
+          </a:p>
+        </p:txBody>
+      </p:sp>
+    </p:spTree>
+  </p:cSld>
+  <p:clrMapOvr>
+    <a:masterClrMapping/>
+  </p:clrMapOvr>
+</p:notes>
+</file>
+
+<file path=ppt/notesSlides/notesSlide53.xml><?xml version="1.0" encoding="utf-8"?>
+<p:notes xmlns:a="http://schemas.openxmlformats.org/drawingml/2006/main" xmlns:r="http://schemas.openxmlformats.org/officeDocument/2006/relationships" xmlns:p="http://schemas.openxmlformats.org/presentationml/2006/main">
+  <p:cSld>
+    <p:spTree>
+      <p:nvGrpSpPr>
+        <p:cNvPr id="1" name=""/>
+        <p:cNvGrpSpPr/>
+        <p:nvPr/>
+      </p:nvGrpSpPr>
+      <p:grpSpPr/>
+      <p:sp>
+        <p:nvSpPr>
+          <p:cNvPr id="2" name="幻灯片图像占位符 1"/>
+          <p:cNvSpPr/>
+          <p:nvPr>
+            <p:ph type="sldImg" idx="2"/>
+          </p:nvPr>
+        </p:nvSpPr>
+        <p:spPr/>
+      </p:sp>
+      <p:sp>
+        <p:nvSpPr>
+          <p:cNvPr id="3" name="文本占位符 2"/>
+          <p:cNvSpPr/>
+          <p:nvPr>
+            <p:ph type="body" idx="3"/>
+          </p:nvPr>
+        </p:nvSpPr>
+        <p:spPr/>
+        <p:txBody>
+          <a:bodyPr/>
+          <a:p>
+            <a:r>
+              <a:rPr lang="zh-CN" altLang="en-US">
+                <a:sym typeface="+mn-ea"/>
+              </a:rPr>
+              <a:t>感谢大家耐心的倾听</a:t>
+            </a:r>
+            <a:r>
+              <a:rPr lang="zh-CN" altLang="en-US">
+                <a:sym typeface="+mn-ea"/>
+              </a:rPr>
+              <a:t>。至此，resume function实践一文就讲到这里。下面是本文相关的资料和范例代码地址：</a:t>
+            </a:r>
+            <a:endParaRPr lang="zh-CN" altLang="en-US">
+              <a:sym typeface="+mn-ea"/>
+            </a:endParaRPr>
           </a:p>
         </p:txBody>
       </p:sp>
@@ -7505,47 +8405,31 @@
                 <a:ea typeface="MS Gothic" panose="020B0609070205080204" charset="-128"/>
                 <a:sym typeface="+mn-ea"/>
               </a:rPr>
-              <a:t>    </a:t>
+              <a:t>        </a:t>
             </a:r>
             <a:r>
               <a:rPr lang="en-US" altLang="zh-CN" sz="1800">
                 <a:latin typeface="Bitstream Vera Sans Mono" panose="020B0609030804020204" charset="0"/>
                 <a:ea typeface="MS Gothic" panose="020B0609070205080204" charset="-128"/>
-                <a:sym typeface="+mn-ea"/>
-              </a:rPr>
-              <a:t>    </a:t>
-            </a:r>
+              </a:rPr>
+              <a:t>coro = new (mem) __Context(a, b);</a:t>
+            </a:r>
+            <a:endParaRPr lang="en-US" altLang="zh-CN" sz="1800">
+              <a:latin typeface="Bitstream Vera Sans Mono" panose="020B0609030804020204" charset="0"/>
+              <a:ea typeface="MS Gothic" panose="020B0609070205080204" charset="-128"/>
+            </a:endParaRPr>
+          </a:p>
+          <a:p>
+            <a:pPr marL="0" indent="0">
+              <a:buNone/>
+            </a:pPr>
             <a:r>
               <a:rPr lang="en-US" altLang="zh-CN" sz="1800">
                 <a:latin typeface="Bitstream Vera Sans Mono" panose="020B0609030804020204" charset="0"/>
                 <a:ea typeface="MS Gothic" panose="020B0609070205080204" charset="-128"/>
-              </a:rPr>
-              <a:t>coro = new (mem) __Context(a, b);</a:t>
-            </a:r>
-            <a:endParaRPr lang="en-US" altLang="zh-CN" sz="1800">
-              <a:latin typeface="Bitstream Vera Sans Mono" panose="020B0609030804020204" charset="0"/>
-              <a:ea typeface="MS Gothic" panose="020B0609070205080204" charset="-128"/>
-            </a:endParaRPr>
-          </a:p>
-          <a:p>
-            <a:pPr marL="0" indent="0">
-              <a:buNone/>
-            </a:pPr>
-            <a:r>
-              <a:rPr lang="en-US" altLang="zh-CN" sz="1800">
-                <a:latin typeface="Bitstream Vera Sans Mono" panose="020B0609030804020204" charset="0"/>
-                <a:ea typeface="MS Gothic" panose="020B0609070205080204" charset="-128"/>
-                <a:sym typeface="+mn-ea"/>
-              </a:rPr>
-              <a:t>        auto handle = </a:t>
-            </a:r>
-            <a:r>
-              <a:rPr lang="en-US" altLang="zh-CN" sz="1800">
-                <a:latin typeface="Bitstream Vera Sans Mono" panose="020B0609030804020204" charset="0"/>
-                <a:ea typeface="MS Gothic" panose="020B0609070205080204" charset="-128"/>
-                <a:sym typeface="+mn-ea"/>
-              </a:rPr>
-              <a:t>std::resumable_handle&lt;__traits::promise_type&gt;::from_promise(&amp;coro-&gt;__Promise);</a:t>
+                <a:sym typeface="+mn-ea"/>
+              </a:rPr>
+              <a:t>        auto handle = std::resumable_handle&lt;__traits::promise_type&gt;::from_promise(&amp;coro-&gt;__Promise);</a:t>
             </a:r>
             <a:endParaRPr lang="en-US" altLang="zh-CN" sz="1800">
               <a:latin typeface="Bitstream Vera Sans Mono" panose="020B0609030804020204" charset="0"/>
@@ -8038,15 +8922,7 @@
                 <a:ea typeface="MS Gothic" panose="020B0609070205080204" charset="-128"/>
                 <a:sym typeface="+mn-ea"/>
               </a:rPr>
-              <a:t>    </a:t>
-            </a:r>
-            <a:r>
-              <a:rPr lang="en-US" altLang="zh-CN" sz="1800">
-                <a:latin typeface="Bitstream Vera Sans Mono" panose="020B0609030804020204" charset="0"/>
-                <a:ea typeface="MS Gothic" panose="020B0609070205080204" charset="-128"/>
-                <a:sym typeface="+mn-ea"/>
-              </a:rPr>
-              <a:t>try{</a:t>
+              <a:t>    try{</a:t>
             </a:r>
             <a:endParaRPr lang="en-US" altLang="zh-CN" sz="1800">
               <a:latin typeface="Bitstream Vera Sans Mono" panose="020B0609030804020204" charset="0"/>
@@ -8064,15 +8940,7 @@
                 <a:ea typeface="MS Gothic" panose="020B0609070205080204" charset="-128"/>
                 <a:sym typeface="+mn-ea"/>
               </a:rPr>
-              <a:t>        </a:t>
-            </a:r>
-            <a:r>
-              <a:rPr lang="en-US" altLang="zh-CN" sz="1800">
-                <a:latin typeface="Bitstream Vera Sans Mono" panose="020B0609030804020204" charset="0"/>
-                <a:ea typeface="MS Gothic" panose="020B0609070205080204" charset="-128"/>
-                <a:sym typeface="+mn-ea"/>
-              </a:rPr>
-              <a:t>body-containing-suspend-resume-points-with-some-changes</a:t>
+              <a:t>        body-containing-suspend-resume-points-with-some-changes</a:t>
             </a:r>
             <a:endParaRPr lang="en-US" altLang="zh-CN" sz="1800">
               <a:latin typeface="Bitstream Vera Sans Mono" panose="020B0609030804020204" charset="0"/>
@@ -8090,15 +8958,7 @@
                 <a:ea typeface="MS Gothic" panose="020B0609070205080204" charset="-128"/>
                 <a:sym typeface="+mn-ea"/>
               </a:rPr>
-              <a:t>    </a:t>
-            </a:r>
-            <a:r>
-              <a:rPr lang="en-US" altLang="zh-CN" sz="1800">
-                <a:latin typeface="Bitstream Vera Sans Mono" panose="020B0609030804020204" charset="0"/>
-                <a:ea typeface="MS Gothic" panose="020B0609070205080204" charset="-128"/>
-                <a:sym typeface="+mn-ea"/>
-              </a:rPr>
-              <a:t>} </a:t>
+              <a:t>    } </a:t>
             </a:r>
             <a:endParaRPr lang="en-US" altLang="zh-CN" sz="1800">
               <a:latin typeface="Bitstream Vera Sans Mono" panose="020B0609030804020204" charset="0"/>
@@ -8116,15 +8976,7 @@
                 <a:ea typeface="MS Gothic" panose="020B0609070205080204" charset="-128"/>
                 <a:sym typeface="+mn-ea"/>
               </a:rPr>
-              <a:t>    </a:t>
-            </a:r>
-            <a:r>
-              <a:rPr lang="en-US" altLang="zh-CN" sz="1800">
-                <a:latin typeface="Bitstream Vera Sans Mono" panose="020B0609030804020204" charset="0"/>
-                <a:ea typeface="MS Gothic" panose="020B0609070205080204" charset="-128"/>
-                <a:sym typeface="+mn-ea"/>
-              </a:rPr>
-              <a:t>catch (...){</a:t>
+              <a:t>    catch (...){</a:t>
             </a:r>
             <a:endParaRPr lang="en-US" altLang="zh-CN" sz="1800">
               <a:latin typeface="Bitstream Vera Sans Mono" panose="020B0609030804020204" charset="0"/>
@@ -8142,15 +8994,7 @@
                 <a:ea typeface="MS Gothic" panose="020B0609070205080204" charset="-128"/>
                 <a:sym typeface="+mn-ea"/>
               </a:rPr>
-              <a:t>        </a:t>
-            </a:r>
-            <a:r>
-              <a:rPr lang="en-US" altLang="zh-CN" sz="1800">
-                <a:latin typeface="Bitstream Vera Sans Mono" panose="020B0609030804020204" charset="0"/>
-                <a:ea typeface="MS Gothic" panose="020B0609070205080204" charset="-128"/>
-                <a:sym typeface="+mn-ea"/>
-              </a:rPr>
-              <a:t>_Promise.set_exception(std::current_exception());</a:t>
+              <a:t>        _Promise.set_exception(std::current_exception());</a:t>
             </a:r>
             <a:endParaRPr lang="en-US" altLang="zh-CN" sz="1800">
               <a:latin typeface="Bitstream Vera Sans Mono" panose="020B0609030804020204" charset="0"/>
@@ -8251,15 +9095,7 @@
                 <a:ea typeface="MS Gothic" panose="020B0609070205080204" charset="-128"/>
                 <a:sym typeface="+mn-ea"/>
               </a:rPr>
-              <a:t>    </a:t>
-            </a:r>
-            <a:r>
-              <a:rPr lang="en-US" altLang="zh-CN" sz="1800">
-                <a:latin typeface="Bitstream Vera Sans Mono" panose="020B0609030804020204" charset="0"/>
-                <a:ea typeface="MS Gothic" panose="020B0609070205080204" charset="-128"/>
-                <a:sym typeface="+mn-ea"/>
-              </a:rPr>
-              <a:t>&lt;deallocate - frame&gt; (this, sizeof(__Context) + &lt;X&gt;); </a:t>
+              <a:t>    &lt;deallocate - frame&gt; (this, sizeof(__Context) + &lt;X&gt;); </a:t>
             </a:r>
             <a:endParaRPr lang="en-US" altLang="zh-CN" sz="1800">
               <a:latin typeface="Bitstream Vera Sans Mono" panose="020B0609030804020204" charset="0"/>
@@ -14751,7 +15587,6 @@
             </a:pPr>
             <a:r>
               <a:rPr lang="zh-CN" altLang="en-US" sz="8800">
-                <a:ln/>
                 <a:solidFill>
                   <a:srgbClr val="FF0000"/>
                 </a:solidFill>
@@ -14766,7 +15601,6 @@
               <a:t>CALLBACK HELL</a:t>
             </a:r>
             <a:endParaRPr lang="zh-CN" altLang="en-US" sz="8800">
-              <a:ln/>
               <a:solidFill>
                 <a:srgbClr val="FF0000"/>
               </a:solidFill>
@@ -15790,15 +16624,25 @@
                 <a:ea typeface="宋体" panose="02010600030101010101" pitchFamily="2" charset="-122"/>
                 <a:sym typeface="+mn-ea"/>
               </a:rPr>
-              <a:t>        </a:t>
-            </a:r>
+              <a:t>        std::cout &lt;&lt; read_buff_.data() &lt;&lt; std::endl;</a:t>
+            </a:r>
+            <a:endParaRPr lang="en-US" sz="2000">
+              <a:latin typeface="Lucida Console" panose="020B0609040504020204" charset="0"/>
+              <a:ea typeface="宋体" panose="02010600030101010101" pitchFamily="2" charset="-122"/>
+              <a:sym typeface="+mn-ea"/>
+            </a:endParaRPr>
+          </a:p>
+          <a:p>
+            <a:pPr marL="0" indent="0">
+              <a:buNone/>
+            </a:pPr>
             <a:r>
               <a:rPr lang="en-US" sz="2000">
                 <a:latin typeface="Lucida Console" panose="020B0609040504020204" charset="0"/>
                 <a:ea typeface="宋体" panose="02010600030101010101" pitchFamily="2" charset="-122"/>
                 <a:sym typeface="+mn-ea"/>
               </a:rPr>
-              <a:t>std::cout &lt;&lt; read_buff_.data() &lt;&lt; std::endl;</a:t>
+              <a:t>        do_write(prepare_write_msg("first logic result : ", size), [this]{</a:t>
             </a:r>
             <a:endParaRPr lang="en-US" sz="2000">
               <a:latin typeface="Lucida Console" panose="020B0609040504020204" charset="0"/>
@@ -15816,15 +16660,25 @@
                 <a:ea typeface="宋体" panose="02010600030101010101" pitchFamily="2" charset="-122"/>
                 <a:sym typeface="+mn-ea"/>
               </a:rPr>
-              <a:t>        </a:t>
-            </a:r>
+              <a:t>            do_read([this](size_t size){</a:t>
+            </a:r>
+            <a:endParaRPr lang="en-US" sz="2000">
+              <a:latin typeface="Lucida Console" panose="020B0609040504020204" charset="0"/>
+              <a:ea typeface="宋体" panose="02010600030101010101" pitchFamily="2" charset="-122"/>
+              <a:sym typeface="+mn-ea"/>
+            </a:endParaRPr>
+          </a:p>
+          <a:p>
+            <a:pPr marL="0" indent="0">
+              <a:buNone/>
+            </a:pPr>
             <a:r>
               <a:rPr lang="en-US" sz="2000">
                 <a:latin typeface="Lucida Console" panose="020B0609040504020204" charset="0"/>
                 <a:ea typeface="宋体" panose="02010600030101010101" pitchFamily="2" charset="-122"/>
                 <a:sym typeface="+mn-ea"/>
               </a:rPr>
-              <a:t>do_write(prepare_write_msg("first logic result : ", size), [this]{</a:t>
+              <a:t>                std::cout &lt;&lt; read_buff_.data() &lt;&lt; std::endl;</a:t>
             </a:r>
             <a:endParaRPr lang="en-US" sz="2000">
               <a:latin typeface="Lucida Console" panose="020B0609040504020204" charset="0"/>
@@ -15842,15 +16696,25 @@
                 <a:ea typeface="宋体" panose="02010600030101010101" pitchFamily="2" charset="-122"/>
                 <a:sym typeface="+mn-ea"/>
               </a:rPr>
-              <a:t>            </a:t>
-            </a:r>
+              <a:t>                do_write(prepare_write_msg("second logic result : ", size), [this]{</a:t>
+            </a:r>
+            <a:endParaRPr lang="en-US" sz="2000">
+              <a:latin typeface="Lucida Console" panose="020B0609040504020204" charset="0"/>
+              <a:ea typeface="宋体" panose="02010600030101010101" pitchFamily="2" charset="-122"/>
+              <a:sym typeface="+mn-ea"/>
+            </a:endParaRPr>
+          </a:p>
+          <a:p>
+            <a:pPr marL="0" indent="0">
+              <a:buNone/>
+            </a:pPr>
             <a:r>
               <a:rPr lang="en-US" sz="2000">
                 <a:latin typeface="Lucida Console" panose="020B0609040504020204" charset="0"/>
                 <a:ea typeface="宋体" panose="02010600030101010101" pitchFamily="2" charset="-122"/>
                 <a:sym typeface="+mn-ea"/>
               </a:rPr>
-              <a:t>do_read([this](size_t size){</a:t>
+              <a:t>                    do_read([this](size_t size){</a:t>
             </a:r>
             <a:endParaRPr lang="en-US" sz="2000">
               <a:latin typeface="Lucida Console" panose="020B0609040504020204" charset="0"/>
@@ -15868,15 +16732,25 @@
                 <a:ea typeface="宋体" panose="02010600030101010101" pitchFamily="2" charset="-122"/>
                 <a:sym typeface="+mn-ea"/>
               </a:rPr>
-              <a:t>                </a:t>
-            </a:r>
+              <a:t>                        std::cout &lt;&lt; read_buff_.data() &lt;&lt; std::endl;</a:t>
+            </a:r>
+            <a:endParaRPr lang="en-US" sz="2000">
+              <a:latin typeface="Lucida Console" panose="020B0609040504020204" charset="0"/>
+              <a:ea typeface="宋体" panose="02010600030101010101" pitchFamily="2" charset="-122"/>
+              <a:sym typeface="+mn-ea"/>
+            </a:endParaRPr>
+          </a:p>
+          <a:p>
+            <a:pPr marL="0" indent="0">
+              <a:buNone/>
+            </a:pPr>
             <a:r>
               <a:rPr lang="en-US" sz="2000">
                 <a:latin typeface="Lucida Console" panose="020B0609040504020204" charset="0"/>
                 <a:ea typeface="宋体" panose="02010600030101010101" pitchFamily="2" charset="-122"/>
                 <a:sym typeface="+mn-ea"/>
               </a:rPr>
-              <a:t>std::cout &lt;&lt; read_buff_.data() &lt;&lt; std::endl;</a:t>
+              <a:t>                        do_write(prepare_write_msg("third logic result : ", size), [this]</a:t>
             </a:r>
             <a:endParaRPr lang="en-US" sz="2000">
               <a:latin typeface="Lucida Console" panose="020B0609040504020204" charset="0"/>
@@ -15894,15 +16768,25 @@
                 <a:ea typeface="宋体" panose="02010600030101010101" pitchFamily="2" charset="-122"/>
                 <a:sym typeface="+mn-ea"/>
               </a:rPr>
-              <a:t>                </a:t>
-            </a:r>
+              <a:t>                        {</a:t>
+            </a:r>
+            <a:endParaRPr lang="en-US" sz="2000">
+              <a:latin typeface="Lucida Console" panose="020B0609040504020204" charset="0"/>
+              <a:ea typeface="宋体" panose="02010600030101010101" pitchFamily="2" charset="-122"/>
+              <a:sym typeface="+mn-ea"/>
+            </a:endParaRPr>
+          </a:p>
+          <a:p>
+            <a:pPr marL="0" indent="0">
+              <a:buNone/>
+            </a:pPr>
             <a:r>
               <a:rPr lang="en-US" sz="2000">
                 <a:latin typeface="Lucida Console" panose="020B0609040504020204" charset="0"/>
                 <a:ea typeface="宋体" panose="02010600030101010101" pitchFamily="2" charset="-122"/>
                 <a:sym typeface="+mn-ea"/>
               </a:rPr>
-              <a:t>do_write(prepare_write_msg("second logic result : ", size), [this]{</a:t>
+              <a:t>                            //无限不循环......</a:t>
             </a:r>
             <a:endParaRPr lang="en-US" sz="2000">
               <a:latin typeface="Lucida Console" panose="020B0609040504020204" charset="0"/>
@@ -15920,15 +16804,25 @@
                 <a:ea typeface="宋体" panose="02010600030101010101" pitchFamily="2" charset="-122"/>
                 <a:sym typeface="+mn-ea"/>
               </a:rPr>
-              <a:t>                    </a:t>
-            </a:r>
+              <a:t>                        });</a:t>
+            </a:r>
+            <a:endParaRPr lang="en-US" sz="2000">
+              <a:latin typeface="Lucida Console" panose="020B0609040504020204" charset="0"/>
+              <a:ea typeface="宋体" panose="02010600030101010101" pitchFamily="2" charset="-122"/>
+              <a:sym typeface="+mn-ea"/>
+            </a:endParaRPr>
+          </a:p>
+          <a:p>
+            <a:pPr marL="0" indent="0">
+              <a:buNone/>
+            </a:pPr>
             <a:r>
               <a:rPr lang="en-US" sz="2000">
                 <a:latin typeface="Lucida Console" panose="020B0609040504020204" charset="0"/>
                 <a:ea typeface="宋体" panose="02010600030101010101" pitchFamily="2" charset="-122"/>
                 <a:sym typeface="+mn-ea"/>
               </a:rPr>
-              <a:t>do_read([this](size_t size){</a:t>
+              <a:t>                    });</a:t>
             </a:r>
             <a:endParaRPr lang="en-US" sz="2000">
               <a:latin typeface="Lucida Console" panose="020B0609040504020204" charset="0"/>
@@ -15946,15 +16840,25 @@
                 <a:ea typeface="宋体" panose="02010600030101010101" pitchFamily="2" charset="-122"/>
                 <a:sym typeface="+mn-ea"/>
               </a:rPr>
-              <a:t>                        </a:t>
-            </a:r>
+              <a:t>                });</a:t>
+            </a:r>
+            <a:endParaRPr lang="en-US" sz="2000">
+              <a:latin typeface="Lucida Console" panose="020B0609040504020204" charset="0"/>
+              <a:ea typeface="宋体" panose="02010600030101010101" pitchFamily="2" charset="-122"/>
+              <a:sym typeface="+mn-ea"/>
+            </a:endParaRPr>
+          </a:p>
+          <a:p>
+            <a:pPr marL="0" indent="0">
+              <a:buNone/>
+            </a:pPr>
             <a:r>
               <a:rPr lang="en-US" sz="2000">
                 <a:latin typeface="Lucida Console" panose="020B0609040504020204" charset="0"/>
                 <a:ea typeface="宋体" panose="02010600030101010101" pitchFamily="2" charset="-122"/>
                 <a:sym typeface="+mn-ea"/>
               </a:rPr>
-              <a:t>std::cout &lt;&lt; read_buff_.data() &lt;&lt; std::endl;</a:t>
+              <a:t>            });</a:t>
             </a:r>
             <a:endParaRPr lang="en-US" sz="2000">
               <a:latin typeface="Lucida Console" panose="020B0609040504020204" charset="0"/>
@@ -15972,223 +16876,25 @@
                 <a:ea typeface="宋体" panose="02010600030101010101" pitchFamily="2" charset="-122"/>
                 <a:sym typeface="+mn-ea"/>
               </a:rPr>
-              <a:t>                        </a:t>
-            </a:r>
+              <a:t>        });</a:t>
+            </a:r>
+            <a:endParaRPr lang="en-US" sz="2000">
+              <a:latin typeface="Lucida Console" panose="020B0609040504020204" charset="0"/>
+              <a:ea typeface="宋体" panose="02010600030101010101" pitchFamily="2" charset="-122"/>
+              <a:sym typeface="+mn-ea"/>
+            </a:endParaRPr>
+          </a:p>
+          <a:p>
+            <a:pPr marL="0" indent="0">
+              <a:buNone/>
+            </a:pPr>
             <a:r>
               <a:rPr lang="en-US" sz="2000">
                 <a:latin typeface="Lucida Console" panose="020B0609040504020204" charset="0"/>
                 <a:ea typeface="宋体" panose="02010600030101010101" pitchFamily="2" charset="-122"/>
                 <a:sym typeface="+mn-ea"/>
               </a:rPr>
-              <a:t>do_write(prepare_write_msg("third logic result : ", size), [this]</a:t>
-            </a:r>
-            <a:endParaRPr lang="en-US" sz="2000">
-              <a:latin typeface="Lucida Console" panose="020B0609040504020204" charset="0"/>
-              <a:ea typeface="宋体" panose="02010600030101010101" pitchFamily="2" charset="-122"/>
-              <a:sym typeface="+mn-ea"/>
-            </a:endParaRPr>
-          </a:p>
-          <a:p>
-            <a:pPr marL="0" indent="0">
-              <a:buNone/>
-            </a:pPr>
-            <a:r>
-              <a:rPr lang="en-US" sz="2000">
-                <a:latin typeface="Lucida Console" panose="020B0609040504020204" charset="0"/>
-                <a:ea typeface="宋体" panose="02010600030101010101" pitchFamily="2" charset="-122"/>
-                <a:sym typeface="+mn-ea"/>
-              </a:rPr>
-              <a:t>                        </a:t>
-            </a:r>
-            <a:r>
-              <a:rPr lang="en-US" sz="2000">
-                <a:latin typeface="Lucida Console" panose="020B0609040504020204" charset="0"/>
-                <a:ea typeface="宋体" panose="02010600030101010101" pitchFamily="2" charset="-122"/>
-                <a:sym typeface="+mn-ea"/>
-              </a:rPr>
-              <a:t>{</a:t>
-            </a:r>
-            <a:endParaRPr lang="en-US" sz="2000">
-              <a:latin typeface="Lucida Console" panose="020B0609040504020204" charset="0"/>
-              <a:ea typeface="宋体" panose="02010600030101010101" pitchFamily="2" charset="-122"/>
-              <a:sym typeface="+mn-ea"/>
-            </a:endParaRPr>
-          </a:p>
-          <a:p>
-            <a:pPr marL="0" indent="0">
-              <a:buNone/>
-            </a:pPr>
-            <a:r>
-              <a:rPr lang="en-US" sz="2000">
-                <a:latin typeface="Lucida Console" panose="020B0609040504020204" charset="0"/>
-                <a:ea typeface="宋体" panose="02010600030101010101" pitchFamily="2" charset="-122"/>
-                <a:sym typeface="+mn-ea"/>
-              </a:rPr>
-              <a:t>                            </a:t>
-            </a:r>
-            <a:r>
-              <a:rPr lang="en-US" sz="2000">
-                <a:latin typeface="Lucida Console" panose="020B0609040504020204" charset="0"/>
-                <a:ea typeface="宋体" panose="02010600030101010101" pitchFamily="2" charset="-122"/>
-                <a:sym typeface="+mn-ea"/>
-              </a:rPr>
-              <a:t>//无限不循环......</a:t>
-            </a:r>
-            <a:endParaRPr lang="en-US" sz="2000">
-              <a:latin typeface="Lucida Console" panose="020B0609040504020204" charset="0"/>
-              <a:ea typeface="宋体" panose="02010600030101010101" pitchFamily="2" charset="-122"/>
-              <a:sym typeface="+mn-ea"/>
-            </a:endParaRPr>
-          </a:p>
-          <a:p>
-            <a:pPr marL="0" indent="0">
-              <a:buNone/>
-            </a:pPr>
-            <a:r>
-              <a:rPr lang="en-US" sz="2000">
-                <a:latin typeface="Lucida Console" panose="020B0609040504020204" charset="0"/>
-                <a:ea typeface="宋体" panose="02010600030101010101" pitchFamily="2" charset="-122"/>
-                <a:sym typeface="+mn-ea"/>
-              </a:rPr>
-              <a:t>                        </a:t>
-            </a:r>
-            <a:r>
-              <a:rPr lang="en-US" sz="2000">
-                <a:latin typeface="Lucida Console" panose="020B0609040504020204" charset="0"/>
-                <a:ea typeface="宋体" panose="02010600030101010101" pitchFamily="2" charset="-122"/>
-                <a:sym typeface="+mn-ea"/>
-              </a:rPr>
-              <a:t>});</a:t>
-            </a:r>
-            <a:endParaRPr lang="en-US" sz="2000">
-              <a:latin typeface="Lucida Console" panose="020B0609040504020204" charset="0"/>
-              <a:ea typeface="宋体" panose="02010600030101010101" pitchFamily="2" charset="-122"/>
-              <a:sym typeface="+mn-ea"/>
-            </a:endParaRPr>
-          </a:p>
-          <a:p>
-            <a:pPr marL="0" indent="0">
-              <a:buNone/>
-            </a:pPr>
-            <a:r>
-              <a:rPr lang="en-US" sz="2000">
-                <a:latin typeface="Lucida Console" panose="020B0609040504020204" charset="0"/>
-                <a:ea typeface="宋体" panose="02010600030101010101" pitchFamily="2" charset="-122"/>
-                <a:sym typeface="+mn-ea"/>
-              </a:rPr>
-              <a:t>                    </a:t>
-            </a:r>
-            <a:r>
-              <a:rPr lang="en-US" sz="2000">
-                <a:latin typeface="Lucida Console" panose="020B0609040504020204" charset="0"/>
-                <a:ea typeface="宋体" panose="02010600030101010101" pitchFamily="2" charset="-122"/>
-                <a:sym typeface="+mn-ea"/>
-              </a:rPr>
-              <a:t>});</a:t>
-            </a:r>
-            <a:endParaRPr lang="en-US" sz="2000">
-              <a:latin typeface="Lucida Console" panose="020B0609040504020204" charset="0"/>
-              <a:ea typeface="宋体" panose="02010600030101010101" pitchFamily="2" charset="-122"/>
-              <a:sym typeface="+mn-ea"/>
-            </a:endParaRPr>
-          </a:p>
-          <a:p>
-            <a:pPr marL="0" indent="0">
-              <a:buNone/>
-            </a:pPr>
-            <a:r>
-              <a:rPr lang="en-US" sz="2000">
-                <a:latin typeface="Lucida Console" panose="020B0609040504020204" charset="0"/>
-                <a:ea typeface="宋体" panose="02010600030101010101" pitchFamily="2" charset="-122"/>
-                <a:sym typeface="+mn-ea"/>
-              </a:rPr>
-              <a:t>                </a:t>
-            </a:r>
-            <a:r>
-              <a:rPr lang="en-US" sz="2000">
-                <a:latin typeface="Lucida Console" panose="020B0609040504020204" charset="0"/>
-                <a:ea typeface="宋体" panose="02010600030101010101" pitchFamily="2" charset="-122"/>
-                <a:sym typeface="+mn-ea"/>
-              </a:rPr>
-              <a:t>});</a:t>
-            </a:r>
-            <a:endParaRPr lang="en-US" sz="2000">
-              <a:latin typeface="Lucida Console" panose="020B0609040504020204" charset="0"/>
-              <a:ea typeface="宋体" panose="02010600030101010101" pitchFamily="2" charset="-122"/>
-              <a:sym typeface="+mn-ea"/>
-            </a:endParaRPr>
-          </a:p>
-          <a:p>
-            <a:pPr marL="0" indent="0">
-              <a:buNone/>
-            </a:pPr>
-            <a:r>
-              <a:rPr lang="en-US" sz="2000">
-                <a:latin typeface="Lucida Console" panose="020B0609040504020204" charset="0"/>
-                <a:ea typeface="宋体" panose="02010600030101010101" pitchFamily="2" charset="-122"/>
-                <a:sym typeface="+mn-ea"/>
-              </a:rPr>
-              <a:t>            </a:t>
-            </a:r>
-            <a:r>
-              <a:rPr lang="en-US" sz="2000">
-                <a:latin typeface="Lucida Console" panose="020B0609040504020204" charset="0"/>
-                <a:ea typeface="宋体" panose="02010600030101010101" pitchFamily="2" charset="-122"/>
-                <a:sym typeface="+mn-ea"/>
-              </a:rPr>
-              <a:t>});</a:t>
-            </a:r>
-            <a:endParaRPr lang="en-US" sz="2000">
-              <a:latin typeface="Lucida Console" panose="020B0609040504020204" charset="0"/>
-              <a:ea typeface="宋体" panose="02010600030101010101" pitchFamily="2" charset="-122"/>
-              <a:sym typeface="+mn-ea"/>
-            </a:endParaRPr>
-          </a:p>
-          <a:p>
-            <a:pPr marL="0" indent="0">
-              <a:buNone/>
-            </a:pPr>
-            <a:r>
-              <a:rPr lang="en-US" sz="2000">
-                <a:latin typeface="Lucida Console" panose="020B0609040504020204" charset="0"/>
-                <a:ea typeface="宋体" panose="02010600030101010101" pitchFamily="2" charset="-122"/>
-                <a:sym typeface="+mn-ea"/>
-              </a:rPr>
-              <a:t>        </a:t>
-            </a:r>
-            <a:r>
-              <a:rPr lang="en-US" sz="2000">
-                <a:latin typeface="Lucida Console" panose="020B0609040504020204" charset="0"/>
-                <a:ea typeface="宋体" panose="02010600030101010101" pitchFamily="2" charset="-122"/>
-                <a:sym typeface="+mn-ea"/>
-              </a:rPr>
-              <a:t>});</a:t>
-            </a:r>
-            <a:endParaRPr lang="en-US" sz="2000">
-              <a:latin typeface="Lucida Console" panose="020B0609040504020204" charset="0"/>
-              <a:ea typeface="宋体" panose="02010600030101010101" pitchFamily="2" charset="-122"/>
-              <a:sym typeface="+mn-ea"/>
-            </a:endParaRPr>
-          </a:p>
-          <a:p>
-            <a:pPr marL="0" indent="0">
-              <a:buNone/>
-            </a:pPr>
-            <a:r>
-              <a:rPr lang="en-US" sz="2000">
-                <a:latin typeface="Lucida Console" panose="020B0609040504020204" charset="0"/>
-                <a:ea typeface="宋体" panose="02010600030101010101" pitchFamily="2" charset="-122"/>
-                <a:sym typeface="+mn-ea"/>
-              </a:rPr>
-              <a:t>    </a:t>
-            </a:r>
-            <a:r>
-              <a:rPr lang="en-US" sz="2000">
-                <a:latin typeface="Lucida Console" panose="020B0609040504020204" charset="0"/>
-                <a:ea typeface="宋体" panose="02010600030101010101" pitchFamily="2" charset="-122"/>
-                <a:sym typeface="+mn-ea"/>
-              </a:rPr>
-              <a:t>});</a:t>
+              <a:t>    });</a:t>
             </a:r>
             <a:endParaRPr lang="en-US" sz="2000">
               <a:latin typeface="Lucida Console" panose="020B0609040504020204" charset="0"/>
@@ -16940,41 +17646,25 @@
                 <a:ea typeface="宋体" panose="02010600030101010101" pitchFamily="2" charset="-122"/>
                 <a:sym typeface="+mn-ea"/>
               </a:rPr>
-              <a:t>  </a:t>
-            </a:r>
+              <a:t>  explicit async_result(Handler&amp;){}</a:t>
+            </a:r>
+            <a:endParaRPr lang="en-US" sz="2000">
+              <a:latin typeface="Lucida Console" panose="020B0609040504020204" charset="0"/>
+              <a:ea typeface="宋体" panose="02010600030101010101" pitchFamily="2" charset="-122"/>
+              <a:sym typeface="+mn-ea"/>
+            </a:endParaRPr>
+          </a:p>
+          <a:p>
+            <a:pPr marL="0" indent="0">
+              <a:buNone/>
+            </a:pPr>
             <a:r>
               <a:rPr lang="en-US" sz="2000">
                 <a:latin typeface="Lucida Console" panose="020B0609040504020204" charset="0"/>
                 <a:ea typeface="宋体" panose="02010600030101010101" pitchFamily="2" charset="-122"/>
                 <a:sym typeface="+mn-ea"/>
               </a:rPr>
-              <a:t>explicit async_result(Handler&amp;){}</a:t>
-            </a:r>
-            <a:endParaRPr lang="en-US" sz="2000">
-              <a:latin typeface="Lucida Console" panose="020B0609040504020204" charset="0"/>
-              <a:ea typeface="宋体" panose="02010600030101010101" pitchFamily="2" charset="-122"/>
-              <a:sym typeface="+mn-ea"/>
-            </a:endParaRPr>
-          </a:p>
-          <a:p>
-            <a:pPr marL="0" indent="0">
-              <a:buNone/>
-            </a:pPr>
-            <a:r>
-              <a:rPr lang="en-US" sz="2000">
-                <a:latin typeface="Lucida Console" panose="020B0609040504020204" charset="0"/>
-                <a:ea typeface="宋体" panose="02010600030101010101" pitchFamily="2" charset="-122"/>
-                <a:sym typeface="+mn-ea"/>
-              </a:rPr>
-              <a:t>  </a:t>
-            </a:r>
-            <a:r>
-              <a:rPr lang="en-US" sz="2000">
-                <a:latin typeface="Lucida Console" panose="020B0609040504020204" charset="0"/>
-                <a:ea typeface="宋体" panose="02010600030101010101" pitchFamily="2" charset="-122"/>
-                <a:sym typeface="+mn-ea"/>
-              </a:rPr>
-              <a:t>type get(){}</a:t>
+              <a:t>  type get(){}</a:t>
             </a:r>
             <a:endParaRPr lang="en-US" sz="2000">
               <a:latin typeface="Lucida Console" panose="020B0609040504020204" charset="0"/>
@@ -19340,15 +20030,7 @@
                 <a:ea typeface="宋体" panose="02010600030101010101" pitchFamily="2" charset="-122"/>
                 <a:sym typeface="+mn-ea"/>
               </a:rPr>
-              <a:t>    </a:t>
-            </a:r>
-            <a:r>
-              <a:rPr lang="en-US" sz="2000">
-                <a:latin typeface="Lucida Console" panose="020B0609040504020204" charset="0"/>
-                <a:ea typeface="宋体" panose="02010600030101010101" pitchFamily="2" charset="-122"/>
-                <a:sym typeface="+mn-ea"/>
-              </a:rPr>
-              <a:t>awaitable_t&lt;T&gt; task_;</a:t>
+              <a:t>    awaitable_t&lt;T&gt; task_;</a:t>
             </a:r>
             <a:endParaRPr lang="en-US" sz="2000">
               <a:latin typeface="Lucida Console" panose="020B0609040504020204" charset="0"/>
@@ -19839,15 +20521,25 @@
                 <a:ea typeface="宋体" panose="02010600030101010101" pitchFamily="2" charset="-122"/>
                 <a:sym typeface="+mn-ea"/>
               </a:rPr>
-              <a:t>    </a:t>
-            </a:r>
+              <a:t>    auto bufs = read_stream_.data();</a:t>
+            </a:r>
+            <a:endParaRPr lang="en-US" sz="2000">
+              <a:latin typeface="Lucida Console" panose="020B0609040504020204" charset="0"/>
+              <a:ea typeface="宋体" panose="02010600030101010101" pitchFamily="2" charset="-122"/>
+              <a:sym typeface="+mn-ea"/>
+            </a:endParaRPr>
+          </a:p>
+          <a:p>
+            <a:pPr marL="0" indent="0">
+              <a:buNone/>
+            </a:pPr>
             <a:r>
               <a:rPr lang="en-US" sz="2000">
                 <a:latin typeface="Lucida Console" panose="020B0609040504020204" charset="0"/>
                 <a:ea typeface="宋体" panose="02010600030101010101" pitchFamily="2" charset="-122"/>
                 <a:sym typeface="+mn-ea"/>
               </a:rPr>
-              <a:t>auto bufs = read_stream_.data();</a:t>
+              <a:t>    std::copy(asio::buffers_begin(bufs), asio::buffers_end(bufs), read_buff_.begin());</a:t>
             </a:r>
             <a:endParaRPr lang="en-US" sz="2000">
               <a:latin typeface="Lucida Console" panose="020B0609040504020204" charset="0"/>
@@ -19865,15 +20557,35 @@
                 <a:ea typeface="宋体" panose="02010600030101010101" pitchFamily="2" charset="-122"/>
                 <a:sym typeface="+mn-ea"/>
               </a:rPr>
-              <a:t>    </a:t>
-            </a:r>
+              <a:t>    read_stream_.consume(asio::buffer_size(bufs));</a:t>
+            </a:r>
+            <a:endParaRPr lang="en-US" sz="2000">
+              <a:latin typeface="Lucida Console" panose="020B0609040504020204" charset="0"/>
+              <a:ea typeface="宋体" panose="02010600030101010101" pitchFamily="2" charset="-122"/>
+              <a:sym typeface="+mn-ea"/>
+            </a:endParaRPr>
+          </a:p>
+          <a:p>
+            <a:pPr marL="0" indent="0">
+              <a:buNone/>
+            </a:pPr>
+            <a:endParaRPr lang="en-US" sz="2000">
+              <a:latin typeface="Lucida Console" panose="020B0609040504020204" charset="0"/>
+              <a:ea typeface="宋体" panose="02010600030101010101" pitchFamily="2" charset="-122"/>
+              <a:sym typeface="+mn-ea"/>
+            </a:endParaRPr>
+          </a:p>
+          <a:p>
+            <a:pPr marL="0" indent="0">
+              <a:buNone/>
+            </a:pPr>
             <a:r>
               <a:rPr lang="en-US" sz="2000">
                 <a:latin typeface="Lucida Console" panose="020B0609040504020204" charset="0"/>
                 <a:ea typeface="宋体" panose="02010600030101010101" pitchFamily="2" charset="-122"/>
                 <a:sym typeface="+mn-ea"/>
               </a:rPr>
-              <a:t>std::copy(asio::buffers_begin(bufs), asio::buffers_end(bufs), read_buff_.begin());</a:t>
+              <a:t>    return asio::buffer_size(bufs);</a:t>
             </a:r>
             <a:endParaRPr lang="en-US" sz="2000">
               <a:latin typeface="Lucida Console" panose="020B0609040504020204" charset="0"/>
@@ -19891,15 +20603,35 @@
                 <a:ea typeface="宋体" panose="02010600030101010101" pitchFamily="2" charset="-122"/>
                 <a:sym typeface="+mn-ea"/>
               </a:rPr>
-              <a:t>    </a:t>
-            </a:r>
+              <a:t>}</a:t>
+            </a:r>
+            <a:endParaRPr lang="en-US" sz="2000">
+              <a:latin typeface="Lucida Console" panose="020B0609040504020204" charset="0"/>
+              <a:ea typeface="宋体" panose="02010600030101010101" pitchFamily="2" charset="-122"/>
+              <a:sym typeface="+mn-ea"/>
+            </a:endParaRPr>
+          </a:p>
+          <a:p>
+            <a:pPr marL="0" indent="0">
+              <a:buNone/>
+            </a:pPr>
+            <a:endParaRPr lang="en-US" sz="2000">
+              <a:latin typeface="Lucida Console" panose="020B0609040504020204" charset="0"/>
+              <a:ea typeface="宋体" panose="02010600030101010101" pitchFamily="2" charset="-122"/>
+              <a:sym typeface="+mn-ea"/>
+            </a:endParaRPr>
+          </a:p>
+          <a:p>
+            <a:pPr marL="0" indent="0">
+              <a:buNone/>
+            </a:pPr>
             <a:r>
               <a:rPr lang="en-US" sz="2000">
                 <a:latin typeface="Lucida Console" panose="020B0609040504020204" charset="0"/>
                 <a:ea typeface="宋体" panose="02010600030101010101" pitchFamily="2" charset="-122"/>
                 <a:sym typeface="+mn-ea"/>
               </a:rPr>
-              <a:t>read_stream_.consume(asio::buffer_size(bufs));</a:t>
+              <a:t>awaitable_t&lt;size_t&gt; myserver::do_write(size_t size){</a:t>
             </a:r>
             <a:endParaRPr lang="en-US" sz="2000">
               <a:latin typeface="Lucida Console" panose="020B0609040504020204" charset="0"/>
@@ -19911,103 +20643,13 @@
             <a:pPr marL="0" indent="0">
               <a:buNone/>
             </a:pPr>
-            <a:endParaRPr lang="en-US" sz="2000">
-              <a:latin typeface="Lucida Console" panose="020B0609040504020204" charset="0"/>
-              <a:ea typeface="宋体" panose="02010600030101010101" pitchFamily="2" charset="-122"/>
-              <a:sym typeface="+mn-ea"/>
-            </a:endParaRPr>
-          </a:p>
-          <a:p>
-            <a:pPr marL="0" indent="0">
-              <a:buNone/>
-            </a:pPr>
             <a:r>
               <a:rPr lang="en-US" sz="2000">
                 <a:latin typeface="Lucida Console" panose="020B0609040504020204" charset="0"/>
                 <a:ea typeface="宋体" panose="02010600030101010101" pitchFamily="2" charset="-122"/>
                 <a:sym typeface="+mn-ea"/>
               </a:rPr>
-              <a:t>    </a:t>
-            </a:r>
-            <a:r>
-              <a:rPr lang="en-US" sz="2000">
-                <a:latin typeface="Lucida Console" panose="020B0609040504020204" charset="0"/>
-                <a:ea typeface="宋体" panose="02010600030101010101" pitchFamily="2" charset="-122"/>
-                <a:sym typeface="+mn-ea"/>
-              </a:rPr>
-              <a:t>return asio::buffer_size(bufs);</a:t>
-            </a:r>
-            <a:endParaRPr lang="en-US" sz="2000">
-              <a:latin typeface="Lucida Console" panose="020B0609040504020204" charset="0"/>
-              <a:ea typeface="宋体" panose="02010600030101010101" pitchFamily="2" charset="-122"/>
-              <a:sym typeface="+mn-ea"/>
-            </a:endParaRPr>
-          </a:p>
-          <a:p>
-            <a:pPr marL="0" indent="0">
-              <a:buNone/>
-            </a:pPr>
-            <a:r>
-              <a:rPr lang="en-US" sz="2000">
-                <a:latin typeface="Lucida Console" panose="020B0609040504020204" charset="0"/>
-                <a:ea typeface="宋体" panose="02010600030101010101" pitchFamily="2" charset="-122"/>
-                <a:sym typeface="+mn-ea"/>
-              </a:rPr>
-              <a:t>}</a:t>
-            </a:r>
-            <a:endParaRPr lang="en-US" sz="2000">
-              <a:latin typeface="Lucida Console" panose="020B0609040504020204" charset="0"/>
-              <a:ea typeface="宋体" panose="02010600030101010101" pitchFamily="2" charset="-122"/>
-              <a:sym typeface="+mn-ea"/>
-            </a:endParaRPr>
-          </a:p>
-          <a:p>
-            <a:pPr marL="0" indent="0">
-              <a:buNone/>
-            </a:pPr>
-            <a:endParaRPr lang="en-US" sz="2000">
-              <a:latin typeface="Lucida Console" panose="020B0609040504020204" charset="0"/>
-              <a:ea typeface="宋体" panose="02010600030101010101" pitchFamily="2" charset="-122"/>
-              <a:sym typeface="+mn-ea"/>
-            </a:endParaRPr>
-          </a:p>
-          <a:p>
-            <a:pPr marL="0" indent="0">
-              <a:buNone/>
-            </a:pPr>
-            <a:r>
-              <a:rPr lang="en-US" sz="2000">
-                <a:latin typeface="Lucida Console" panose="020B0609040504020204" charset="0"/>
-                <a:ea typeface="宋体" panose="02010600030101010101" pitchFamily="2" charset="-122"/>
-                <a:sym typeface="+mn-ea"/>
-              </a:rPr>
-              <a:t>awaitable_t&lt;size_t&gt; myserver::do_write(size_t size){</a:t>
-            </a:r>
-            <a:endParaRPr lang="en-US" sz="2000">
-              <a:latin typeface="Lucida Console" panose="020B0609040504020204" charset="0"/>
-              <a:ea typeface="宋体" panose="02010600030101010101" pitchFamily="2" charset="-122"/>
-              <a:sym typeface="+mn-ea"/>
-            </a:endParaRPr>
-          </a:p>
-          <a:p>
-            <a:pPr marL="0" indent="0">
-              <a:buNone/>
-            </a:pPr>
-            <a:r>
-              <a:rPr lang="en-US" sz="2000">
-                <a:latin typeface="Lucida Console" panose="020B0609040504020204" charset="0"/>
-                <a:ea typeface="宋体" panose="02010600030101010101" pitchFamily="2" charset="-122"/>
-                <a:sym typeface="+mn-ea"/>
-              </a:rPr>
-              <a:t>    </a:t>
-            </a:r>
-            <a:r>
-              <a:rPr lang="en-US" sz="2000">
-                <a:latin typeface="Lucida Console" panose="020B0609040504020204" charset="0"/>
-                <a:ea typeface="宋体" panose="02010600030101010101" pitchFamily="2" charset="-122"/>
-                <a:sym typeface="+mn-ea"/>
-              </a:rPr>
-              <a:t>return asio::async_write(socket_, asio::buffer(write_buff_.data(), size), </a:t>
+              <a:t>    return asio::async_write(socket_, asio::buffer(write_buff_.data(), size), </a:t>
             </a:r>
             <a:r>
               <a:rPr lang="en-US" sz="2000">
@@ -20240,18 +20882,112 @@
                 <a:ea typeface="宋体" panose="02010600030101010101" pitchFamily="2" charset="-122"/>
                 <a:sym typeface="+mn-ea"/>
               </a:rPr>
+              <a:t>    auto size = </a:t>
+            </a:r>
+            <a:r>
+              <a:rPr lang="en-US" sz="2000">
+                <a:solidFill>
+                  <a:schemeClr val="accent1"/>
+                </a:solidFill>
+                <a:latin typeface="Lucida Console" panose="020B0609040504020204" charset="0"/>
+                <a:ea typeface="宋体" panose="02010600030101010101" pitchFamily="2" charset="-122"/>
+                <a:sym typeface="+mn-ea"/>
+              </a:rPr>
+              <a:t>co_await</a:t>
+            </a:r>
+            <a:r>
+              <a:rPr lang="en-US" sz="2000">
+                <a:latin typeface="Lucida Console" panose="020B0609040504020204" charset="0"/>
+                <a:ea typeface="宋体" panose="02010600030101010101" pitchFamily="2" charset="-122"/>
+                <a:sym typeface="+mn-ea"/>
+              </a:rPr>
+              <a:t> do_read();</a:t>
+            </a:r>
+            <a:endParaRPr lang="en-US" sz="2000">
+              <a:latin typeface="Lucida Console" panose="020B0609040504020204" charset="0"/>
+              <a:ea typeface="宋体" panose="02010600030101010101" pitchFamily="2" charset="-122"/>
+              <a:sym typeface="+mn-ea"/>
+            </a:endParaRPr>
+          </a:p>
+          <a:p>
+            <a:pPr marL="0" indent="0">
+              <a:buNone/>
+            </a:pPr>
+            <a:r>
+              <a:rPr lang="en-US" sz="2000">
+                <a:latin typeface="Lucida Console" panose="020B0609040504020204" charset="0"/>
+                <a:ea typeface="宋体" panose="02010600030101010101" pitchFamily="2" charset="-122"/>
+                <a:sym typeface="+mn-ea"/>
+              </a:rPr>
+              <a:t>    std::cout &lt;&lt; read_buff_.data() &lt;&lt; std::endl;</a:t>
+            </a:r>
+            <a:endParaRPr lang="en-US" sz="2000">
+              <a:latin typeface="Lucida Console" panose="020B0609040504020204" charset="0"/>
+              <a:ea typeface="宋体" panose="02010600030101010101" pitchFamily="2" charset="-122"/>
+              <a:sym typeface="+mn-ea"/>
+            </a:endParaRPr>
+          </a:p>
+          <a:p>
+            <a:pPr marL="0" indent="0">
+              <a:buNone/>
+            </a:pPr>
+            <a:r>
+              <a:rPr lang="en-US" sz="2000">
+                <a:latin typeface="Lucida Console" panose="020B0609040504020204" charset="0"/>
+                <a:ea typeface="宋体" panose="02010600030101010101" pitchFamily="2" charset="-122"/>
+                <a:sym typeface="+mn-ea"/>
+              </a:rPr>
               <a:t>    </a:t>
             </a:r>
             <a:r>
               <a:rPr lang="en-US" sz="2000">
-                <a:latin typeface="Lucida Console" panose="020B0609040504020204" charset="0"/>
-                <a:ea typeface="宋体" panose="02010600030101010101" pitchFamily="2" charset="-122"/>
-                <a:sym typeface="+mn-ea"/>
-              </a:rPr>
-              <a:t>auto size = </a:t>
+                <a:solidFill>
+                  <a:schemeClr val="accent1"/>
+                </a:solidFill>
+                <a:latin typeface="Lucida Console" panose="020B0609040504020204" charset="0"/>
+                <a:ea typeface="宋体" panose="02010600030101010101" pitchFamily="2" charset="-122"/>
+                <a:sym typeface="+mn-ea"/>
+              </a:rPr>
+              <a:t>co_await</a:t>
             </a:r>
             <a:r>
               <a:rPr lang="en-US" sz="2000">
+                <a:latin typeface="Lucida Console" panose="020B0609040504020204" charset="0"/>
+                <a:ea typeface="宋体" panose="02010600030101010101" pitchFamily="2" charset="-122"/>
+                <a:sym typeface="+mn-ea"/>
+              </a:rPr>
+              <a:t> do_write(prepare_write_msg("first logic result : ", size));</a:t>
+            </a:r>
+            <a:endParaRPr lang="en-US" sz="2000">
+              <a:latin typeface="Lucida Console" panose="020B0609040504020204" charset="0"/>
+              <a:ea typeface="宋体" panose="02010600030101010101" pitchFamily="2" charset="-122"/>
+              <a:sym typeface="+mn-ea"/>
+            </a:endParaRPr>
+          </a:p>
+          <a:p>
+            <a:pPr marL="0" indent="0">
+              <a:buNone/>
+            </a:pPr>
+            <a:endParaRPr lang="en-US" sz="2000">
+              <a:latin typeface="Lucida Console" panose="020B0609040504020204" charset="0"/>
+              <a:ea typeface="宋体" panose="02010600030101010101" pitchFamily="2" charset="-122"/>
+              <a:sym typeface="+mn-ea"/>
+            </a:endParaRPr>
+          </a:p>
+          <a:p>
+            <a:pPr marL="0" indent="0">
+              <a:buNone/>
+            </a:pPr>
+            <a:r>
+              <a:rPr lang="en-US" sz="2000">
+                <a:latin typeface="Lucida Console" panose="020B0609040504020204" charset="0"/>
+                <a:ea typeface="宋体" panose="02010600030101010101" pitchFamily="2" charset="-122"/>
+                <a:sym typeface="+mn-ea"/>
+              </a:rPr>
+              <a:t>    size = </a:t>
+            </a:r>
+            <a:r>
+              <a:rPr lang="en-US" sz="2000">
                 <a:solidFill>
                   <a:schemeClr val="accent1"/>
                 </a:solidFill>
@@ -20285,15 +21021,44 @@
                 <a:ea typeface="宋体" panose="02010600030101010101" pitchFamily="2" charset="-122"/>
                 <a:sym typeface="+mn-ea"/>
               </a:rPr>
+              <a:t>    std::cout &lt;&lt; read_buff_.data() &lt;&lt; std::endl;</a:t>
+            </a:r>
+            <a:endParaRPr lang="en-US" sz="2000">
+              <a:latin typeface="Lucida Console" panose="020B0609040504020204" charset="0"/>
+              <a:ea typeface="宋体" panose="02010600030101010101" pitchFamily="2" charset="-122"/>
+              <a:sym typeface="+mn-ea"/>
+            </a:endParaRPr>
+          </a:p>
+          <a:p>
+            <a:pPr marL="0" indent="0">
+              <a:buNone/>
+            </a:pPr>
+            <a:r>
+              <a:rPr lang="en-US" sz="2000">
+                <a:latin typeface="Lucida Console" panose="020B0609040504020204" charset="0"/>
+                <a:ea typeface="宋体" panose="02010600030101010101" pitchFamily="2" charset="-122"/>
+                <a:sym typeface="+mn-ea"/>
+              </a:rPr>
               <a:t>    </a:t>
             </a:r>
             <a:r>
               <a:rPr lang="en-US" sz="2000">
-                <a:latin typeface="Lucida Console" panose="020B0609040504020204" charset="0"/>
-                <a:ea typeface="宋体" panose="02010600030101010101" pitchFamily="2" charset="-122"/>
-                <a:sym typeface="+mn-ea"/>
-              </a:rPr>
-              <a:t>std::cout &lt;&lt; read_buff_.data() &lt;&lt; std::endl;</a:t>
+                <a:solidFill>
+                  <a:schemeClr val="accent1"/>
+                </a:solidFill>
+                <a:latin typeface="Lucida Console" panose="020B0609040504020204" charset="0"/>
+                <a:ea typeface="宋体" panose="02010600030101010101" pitchFamily="2" charset="-122"/>
+                <a:sym typeface="+mn-ea"/>
+              </a:rPr>
+              <a:t>co_await</a:t>
+            </a:r>
+            <a:r>
+              <a:rPr lang="en-US" sz="2000">
+                <a:latin typeface="Lucida Console" panose="020B0609040504020204" charset="0"/>
+                <a:ea typeface="宋体" panose="02010600030101010101" pitchFamily="2" charset="-122"/>
+                <a:sym typeface="+mn-ea"/>
+              </a:rPr>
+              <a:t> do_write(prepare_write_msg("second logic result : ", size));</a:t>
             </a:r>
             <a:endParaRPr lang="en-US" sz="2000">
               <a:latin typeface="Lucida Console" panose="020B0609040504020204" charset="0"/>
@@ -20305,12 +21070,77 @@
             <a:pPr marL="0" indent="0">
               <a:buNone/>
             </a:pPr>
+            <a:endParaRPr lang="en-US" sz="2000">
+              <a:latin typeface="Lucida Console" panose="020B0609040504020204" charset="0"/>
+              <a:ea typeface="宋体" panose="02010600030101010101" pitchFamily="2" charset="-122"/>
+              <a:sym typeface="+mn-ea"/>
+            </a:endParaRPr>
+          </a:p>
+          <a:p>
+            <a:pPr marL="0" indent="0">
+              <a:buNone/>
+            </a:pPr>
             <a:r>
               <a:rPr lang="en-US" sz="2000">
                 <a:latin typeface="Lucida Console" panose="020B0609040504020204" charset="0"/>
                 <a:ea typeface="宋体" panose="02010600030101010101" pitchFamily="2" charset="-122"/>
                 <a:sym typeface="+mn-ea"/>
               </a:rPr>
+              <a:t>    size = </a:t>
+            </a:r>
+            <a:r>
+              <a:rPr lang="en-US" sz="2000">
+                <a:solidFill>
+                  <a:schemeClr val="accent1"/>
+                </a:solidFill>
+                <a:latin typeface="Lucida Console" panose="020B0609040504020204" charset="0"/>
+                <a:ea typeface="宋体" panose="02010600030101010101" pitchFamily="2" charset="-122"/>
+                <a:sym typeface="+mn-ea"/>
+              </a:rPr>
+              <a:t>co_await</a:t>
+            </a:r>
+            <a:r>
+              <a:rPr lang="en-US" sz="2000">
+                <a:latin typeface="Lucida Console" panose="020B0609040504020204" charset="0"/>
+                <a:ea typeface="宋体" panose="02010600030101010101" pitchFamily="2" charset="-122"/>
+                <a:sym typeface="+mn-ea"/>
+              </a:rPr>
+              <a:t> do_read();</a:t>
+            </a:r>
+            <a:endParaRPr lang="en-US" sz="2000">
+              <a:latin typeface="Lucida Console" panose="020B0609040504020204" charset="0"/>
+              <a:ea typeface="宋体" panose="02010600030101010101" pitchFamily="2" charset="-122"/>
+              <a:sym typeface="+mn-ea"/>
+            </a:endParaRPr>
+          </a:p>
+          <a:p>
+            <a:pPr marL="0" indent="0">
+              <a:buNone/>
+            </a:pPr>
+            <a:r>
+              <a:rPr lang="en-US" sz="2000">
+                <a:latin typeface="Lucida Console" panose="020B0609040504020204" charset="0"/>
+                <a:ea typeface="宋体" panose="02010600030101010101" pitchFamily="2" charset="-122"/>
+                <a:sym typeface="+mn-ea"/>
+              </a:rPr>
+              <a:t>    std::cout &lt;&lt; read_buff_.data() &lt;&lt; std::endl;</a:t>
+            </a:r>
+            <a:endParaRPr lang="en-US" sz="2000">
+              <a:latin typeface="Lucida Console" panose="020B0609040504020204" charset="0"/>
+              <a:ea typeface="宋体" panose="02010600030101010101" pitchFamily="2" charset="-122"/>
+              <a:sym typeface="+mn-ea"/>
+            </a:endParaRPr>
+          </a:p>
+          <a:p>
+            <a:pPr marL="0" indent="0">
+              <a:buNone/>
+            </a:pPr>
+            <a:r>
+              <a:rPr lang="en-US" sz="2000">
+                <a:latin typeface="Lucida Console" panose="020B0609040504020204" charset="0"/>
+                <a:ea typeface="宋体" panose="02010600030101010101" pitchFamily="2" charset="-122"/>
+                <a:sym typeface="+mn-ea"/>
+              </a:rPr>
               <a:t>    </a:t>
             </a:r>
             <a:r>
@@ -20330,7 +21160,7 @@
                 <a:ea typeface="宋体" panose="02010600030101010101" pitchFamily="2" charset="-122"/>
                 <a:sym typeface="+mn-ea"/>
               </a:rPr>
-              <a:t> do_write(prepare_write_msg("first logic result : ", size));</a:t>
+              <a:t> do_write(prepare_write_msg("third logic result : ", size));</a:t>
             </a:r>
             <a:endParaRPr lang="en-US" sz="2000">
               <a:latin typeface="Lucida Console" panose="020B0609040504020204" charset="0"/>
@@ -20358,6 +21188,193 @@
                 <a:ea typeface="宋体" panose="02010600030101010101" pitchFamily="2" charset="-122"/>
                 <a:sym typeface="+mn-ea"/>
               </a:rPr>
+              <a:t>    //无限不循环......</a:t>
+            </a:r>
+            <a:endParaRPr lang="en-US" sz="2000">
+              <a:latin typeface="Lucida Console" panose="020B0609040504020204" charset="0"/>
+              <a:ea typeface="宋体" panose="02010600030101010101" pitchFamily="2" charset="-122"/>
+              <a:sym typeface="+mn-ea"/>
+            </a:endParaRPr>
+          </a:p>
+          <a:p>
+            <a:pPr marL="0" indent="0">
+              <a:buNone/>
+            </a:pPr>
+            <a:r>
+              <a:rPr lang="en-US" sz="2000">
+                <a:latin typeface="Lucida Console" panose="020B0609040504020204" charset="0"/>
+                <a:ea typeface="宋体" panose="02010600030101010101" pitchFamily="2" charset="-122"/>
+                <a:sym typeface="+mn-ea"/>
+              </a:rPr>
+              <a:t>}</a:t>
+            </a:r>
+            <a:endParaRPr lang="en-US" sz="2000">
+              <a:latin typeface="Lucida Console" panose="020B0609040504020204" charset="0"/>
+              <a:ea typeface="宋体" panose="02010600030101010101" pitchFamily="2" charset="-122"/>
+              <a:sym typeface="+mn-ea"/>
+            </a:endParaRPr>
+          </a:p>
+        </p:txBody>
+      </p:sp>
+    </p:spTree>
+  </p:cSld>
+  <p:clrMapOvr>
+    <a:masterClrMapping/>
+  </p:clrMapOvr>
+  <p:timing>
+    <p:tnLst>
+      <p:par>
+        <p:cTn id="1" dur="indefinite" restart="never" nodeType="tmRoot"/>
+      </p:par>
+    </p:tnLst>
+  </p:timing>
+</p:sld>
+</file>
+
+<file path=ppt/slides/slide44.xml><?xml version="1.0" encoding="utf-8"?>
+<p:sld xmlns:a="http://schemas.openxmlformats.org/drawingml/2006/main" xmlns:r="http://schemas.openxmlformats.org/officeDocument/2006/relationships" xmlns:p="http://schemas.openxmlformats.org/presentationml/2006/main">
+  <p:cSld>
+    <p:spTree>
+      <p:nvGrpSpPr>
+        <p:cNvPr id="1" name=""/>
+        <p:cNvGrpSpPr/>
+        <p:nvPr/>
+      </p:nvGrpSpPr>
+      <p:grpSpPr/>
+      <p:sp>
+        <p:nvSpPr>
+          <p:cNvPr id="2" name="标题 1"/>
+          <p:cNvSpPr>
+            <a:spLocks noGrp="1"/>
+          </p:cNvSpPr>
+          <p:nvPr>
+            <p:ph type="title"/>
+          </p:nvPr>
+        </p:nvSpPr>
+        <p:spPr>
+          <a:xfrm>
+            <a:off x="838200" y="365125"/>
+            <a:ext cx="10515600" cy="596900"/>
+          </a:xfrm>
+        </p:spPr>
+        <p:txBody>
+          <a:bodyPr>
+            <a:normAutofit fontScale="90000"/>
+          </a:bodyPr>
+          <a:p>
+            <a:pPr algn="ctr"/>
+            <a:r>
+              <a:rPr>
+                <a:ln w="10160">
+                  <a:solidFill>
+                    <a:schemeClr val="accent1">
+                      <a:lumMod val="75000"/>
+                    </a:schemeClr>
+                  </a:solidFill>
+                  <a:prstDash val="solid"/>
+                </a:ln>
+                <a:solidFill>
+                  <a:srgbClr val="FFFFFF"/>
+                </a:solidFill>
+                <a:effectLst>
+                  <a:outerShdw blurRad="38100" dist="22860" dir="5400000" algn="tl" rotWithShape="0">
+                    <a:srgbClr val="000000">
+                      <a:alpha val="30000"/>
+                    </a:srgbClr>
+                  </a:outerShdw>
+                </a:effectLst>
+              </a:rPr>
+              <a:t>Exception的处理</a:t>
+            </a:r>
+            <a:endParaRPr>
+              <a:ln w="10160">
+                <a:solidFill>
+                  <a:schemeClr val="accent1">
+                    <a:lumMod val="75000"/>
+                  </a:schemeClr>
+                </a:solidFill>
+                <a:prstDash val="solid"/>
+              </a:ln>
+              <a:solidFill>
+                <a:srgbClr val="FFFFFF"/>
+              </a:solidFill>
+              <a:effectLst>
+                <a:outerShdw blurRad="38100" dist="22860" dir="5400000" algn="tl" rotWithShape="0">
+                  <a:srgbClr val="000000">
+                    <a:alpha val="30000"/>
+                  </a:srgbClr>
+                </a:outerShdw>
+              </a:effectLst>
+            </a:endParaRPr>
+          </a:p>
+        </p:txBody>
+      </p:sp>
+      <p:sp>
+        <p:nvSpPr>
+          <p:cNvPr id="5" name="内容占位符 4"/>
+          <p:cNvSpPr>
+            <a:spLocks noGrp="1"/>
+          </p:cNvSpPr>
+          <p:nvPr>
+            <p:ph idx="1"/>
+          </p:nvPr>
+        </p:nvSpPr>
+        <p:spPr>
+          <a:xfrm>
+            <a:off x="838200" y="1230630"/>
+            <a:ext cx="10515600" cy="5547995"/>
+          </a:xfrm>
+        </p:spPr>
+        <p:txBody>
+          <a:bodyPr>
+            <a:normAutofit fontScale="90000" lnSpcReduction="10000"/>
+          </a:bodyPr>
+          <a:p>
+            <a:pPr marL="0" indent="0">
+              <a:buNone/>
+            </a:pPr>
+            <a:r>
+              <a:rPr lang="en-US" sz="2000">
+                <a:latin typeface="Lucida Console" panose="020B0609040504020204" charset="0"/>
+                <a:ea typeface="宋体" panose="02010600030101010101" pitchFamily="2" charset="-122"/>
+                <a:sym typeface="+mn-ea"/>
+              </a:rPr>
+              <a:t>concept promise&lt;typename T&gt;</a:t>
+            </a:r>
+            <a:endParaRPr lang="en-US" sz="2000">
+              <a:latin typeface="Lucida Console" panose="020B0609040504020204" charset="0"/>
+              <a:ea typeface="宋体" panose="02010600030101010101" pitchFamily="2" charset="-122"/>
+              <a:sym typeface="+mn-ea"/>
+            </a:endParaRPr>
+          </a:p>
+          <a:p>
+            <a:pPr marL="0" indent="0">
+              <a:buNone/>
+            </a:pPr>
+            <a:r>
+              <a:rPr lang="en-US" sz="2000">
+                <a:latin typeface="Lucida Console" panose="020B0609040504020204" charset="0"/>
+                <a:ea typeface="宋体" panose="02010600030101010101" pitchFamily="2" charset="-122"/>
+                <a:sym typeface="+mn-ea"/>
+              </a:rPr>
+              <a:t>{</a:t>
+            </a:r>
+            <a:endParaRPr lang="en-US" sz="2000">
+              <a:latin typeface="Lucida Console" panose="020B0609040504020204" charset="0"/>
+              <a:ea typeface="宋体" panose="02010600030101010101" pitchFamily="2" charset="-122"/>
+              <a:sym typeface="+mn-ea"/>
+            </a:endParaRPr>
+          </a:p>
+          <a:p>
+            <a:pPr marL="0" indent="0">
+              <a:buNone/>
+            </a:pPr>
+            <a:r>
+              <a:rPr lang="en-US" sz="2000">
+                <a:latin typeface="Lucida Console" panose="020B0609040504020204" charset="0"/>
+                <a:ea typeface="宋体" panose="02010600030101010101" pitchFamily="2" charset="-122"/>
+                <a:sym typeface="+mn-ea"/>
+              </a:rPr>
               <a:t>    </a:t>
             </a:r>
             <a:r>
@@ -20366,12 +21383,3294 @@
                 <a:ea typeface="宋体" panose="02010600030101010101" pitchFamily="2" charset="-122"/>
                 <a:sym typeface="+mn-ea"/>
               </a:rPr>
-              <a:t>size = </a:t>
-            </a:r>
+              <a:t>void set_exception(std::exception_ptr &amp;&amp; ex){</a:t>
+            </a:r>
+            <a:endParaRPr lang="en-US" sz="2000">
+              <a:latin typeface="Lucida Console" panose="020B0609040504020204" charset="0"/>
+              <a:ea typeface="宋体" panose="02010600030101010101" pitchFamily="2" charset="-122"/>
+              <a:sym typeface="+mn-ea"/>
+            </a:endParaRPr>
+          </a:p>
+          <a:p>
+            <a:pPr marL="0" indent="0">
+              <a:buNone/>
+            </a:pPr>
             <a:r>
               <a:rPr lang="en-US" sz="2000">
-                <a:solidFill>
-                  <a:schemeClr val="accent1"/>
+                <a:latin typeface="Lucida Console" panose="020B0609040504020204" charset="0"/>
+                <a:ea typeface="宋体" panose="02010600030101010101" pitchFamily="2" charset="-122"/>
+                <a:sym typeface="+mn-ea"/>
+              </a:rPr>
+              <a:t>        </a:t>
+            </a:r>
+            <a:r>
+              <a:rPr lang="en-US" sz="2000">
+                <a:latin typeface="Lucida Console" panose="020B0609040504020204" charset="0"/>
+                <a:ea typeface="宋体" panose="02010600030101010101" pitchFamily="2" charset="-122"/>
+                <a:sym typeface="+mn-ea"/>
+              </a:rPr>
+              <a:t>_state-&gt;</a:t>
+            </a:r>
+            <a:r>
+              <a:rPr lang="en-US" sz="2000">
+                <a:latin typeface="Lucida Console" panose="020B0609040504020204" charset="0"/>
+                <a:ea typeface="宋体" panose="02010600030101010101" pitchFamily="2" charset="-122"/>
+                <a:sym typeface="+mn-ea"/>
+              </a:rPr>
+              <a:t>set_exception(std::move(ex));</a:t>
+            </a:r>
+            <a:endParaRPr lang="en-US" sz="2000">
+              <a:latin typeface="Lucida Console" panose="020B0609040504020204" charset="0"/>
+              <a:ea typeface="宋体" panose="02010600030101010101" pitchFamily="2" charset="-122"/>
+              <a:sym typeface="+mn-ea"/>
+            </a:endParaRPr>
+          </a:p>
+          <a:p>
+            <a:pPr marL="0" indent="0">
+              <a:buNone/>
+            </a:pPr>
+            <a:r>
+              <a:rPr lang="en-US" sz="2000">
+                <a:latin typeface="Lucida Console" panose="020B0609040504020204" charset="0"/>
+                <a:ea typeface="宋体" panose="02010600030101010101" pitchFamily="2" charset="-122"/>
+                <a:sym typeface="+mn-ea"/>
+              </a:rPr>
+              <a:t>    </a:t>
+            </a:r>
+            <a:r>
+              <a:rPr lang="en-US" sz="2000">
+                <a:latin typeface="Lucida Console" panose="020B0609040504020204" charset="0"/>
+                <a:ea typeface="宋体" panose="02010600030101010101" pitchFamily="2" charset="-122"/>
+                <a:sym typeface="+mn-ea"/>
+              </a:rPr>
+              <a:t>}</a:t>
+            </a:r>
+            <a:endParaRPr lang="en-US" sz="2000">
+              <a:latin typeface="Lucida Console" panose="020B0609040504020204" charset="0"/>
+              <a:ea typeface="宋体" panose="02010600030101010101" pitchFamily="2" charset="-122"/>
+              <a:sym typeface="+mn-ea"/>
+            </a:endParaRPr>
+          </a:p>
+          <a:p>
+            <a:pPr marL="0" indent="0">
+              <a:buNone/>
+            </a:pPr>
+            <a:r>
+              <a:rPr lang="en-US" sz="2000">
+                <a:latin typeface="Lucida Console" panose="020B0609040504020204" charset="0"/>
+                <a:ea typeface="宋体" panose="02010600030101010101" pitchFamily="2" charset="-122"/>
+                <a:sym typeface="+mn-ea"/>
+              </a:rPr>
+              <a:t>};</a:t>
+            </a:r>
+            <a:endParaRPr lang="en-US" sz="2000">
+              <a:latin typeface="Lucida Console" panose="020B0609040504020204" charset="0"/>
+              <a:ea typeface="宋体" panose="02010600030101010101" pitchFamily="2" charset="-122"/>
+              <a:sym typeface="+mn-ea"/>
+            </a:endParaRPr>
+          </a:p>
+          <a:p>
+            <a:pPr marL="0" indent="0">
+              <a:buNone/>
+            </a:pPr>
+            <a:endParaRPr lang="en-US" sz="2000">
+              <a:latin typeface="Lucida Console" panose="020B0609040504020204" charset="0"/>
+              <a:ea typeface="宋体" panose="02010600030101010101" pitchFamily="2" charset="-122"/>
+              <a:sym typeface="+mn-ea"/>
+            </a:endParaRPr>
+          </a:p>
+          <a:p>
+            <a:pPr marL="0" indent="0">
+              <a:buNone/>
+            </a:pPr>
+            <a:r>
+              <a:rPr lang="en-US" sz="2000">
+                <a:latin typeface="Lucida Console" panose="020B0609040504020204" charset="0"/>
+                <a:ea typeface="宋体" panose="02010600030101010101" pitchFamily="2" charset="-122"/>
+                <a:sym typeface="+mn-ea"/>
+              </a:rPr>
+              <a:t>template &lt;typename T = void&gt;</a:t>
+            </a:r>
+            <a:endParaRPr lang="en-US" sz="2000">
+              <a:latin typeface="Lucida Console" panose="020B0609040504020204" charset="0"/>
+              <a:ea typeface="宋体" panose="02010600030101010101" pitchFamily="2" charset="-122"/>
+              <a:sym typeface="+mn-ea"/>
+            </a:endParaRPr>
+          </a:p>
+          <a:p>
+            <a:pPr marL="0" indent="0">
+              <a:buNone/>
+            </a:pPr>
+            <a:r>
+              <a:rPr lang="en-US" sz="2000">
+                <a:latin typeface="Lucida Console" panose="020B0609040504020204" charset="0"/>
+                <a:ea typeface="宋体" panose="02010600030101010101" pitchFamily="2" charset="-122"/>
+                <a:sym typeface="+mn-ea"/>
+              </a:rPr>
+              <a:t>struct awaitable_t</a:t>
+            </a:r>
+            <a:endParaRPr lang="en-US" sz="2000">
+              <a:latin typeface="Lucida Console" panose="020B0609040504020204" charset="0"/>
+              <a:ea typeface="宋体" panose="02010600030101010101" pitchFamily="2" charset="-122"/>
+              <a:sym typeface="+mn-ea"/>
+            </a:endParaRPr>
+          </a:p>
+          <a:p>
+            <a:pPr marL="0" indent="0">
+              <a:buNone/>
+            </a:pPr>
+            <a:r>
+              <a:rPr lang="en-US" sz="2000">
+                <a:latin typeface="Lucida Console" panose="020B0609040504020204" charset="0"/>
+                <a:ea typeface="宋体" panose="02010600030101010101" pitchFamily="2" charset="-122"/>
+                <a:sym typeface="+mn-ea"/>
+              </a:rPr>
+              <a:t>{</a:t>
+            </a:r>
+            <a:endParaRPr lang="en-US" sz="2000">
+              <a:latin typeface="Lucida Console" panose="020B0609040504020204" charset="0"/>
+              <a:ea typeface="宋体" panose="02010600030101010101" pitchFamily="2" charset="-122"/>
+              <a:sym typeface="+mn-ea"/>
+            </a:endParaRPr>
+          </a:p>
+          <a:p>
+            <a:pPr marL="0" indent="0">
+              <a:buNone/>
+            </a:pPr>
+            <a:r>
+              <a:rPr lang="en-US" sz="2000">
+                <a:latin typeface="Lucida Console" panose="020B0609040504020204" charset="0"/>
+                <a:ea typeface="宋体" panose="02010600030101010101" pitchFamily="2" charset="-122"/>
+                <a:sym typeface="+mn-ea"/>
+              </a:rPr>
+              <a:t>    T await_resume()</a:t>
+            </a:r>
+            <a:endParaRPr lang="en-US" sz="2000">
+              <a:latin typeface="Lucida Console" panose="020B0609040504020204" charset="0"/>
+              <a:ea typeface="宋体" panose="02010600030101010101" pitchFamily="2" charset="-122"/>
+              <a:sym typeface="+mn-ea"/>
+            </a:endParaRPr>
+          </a:p>
+          <a:p>
+            <a:pPr marL="0" indent="0">
+              <a:buNone/>
+            </a:pPr>
+            <a:r>
+              <a:rPr lang="en-US" sz="2000">
+                <a:latin typeface="Lucida Console" panose="020B0609040504020204" charset="0"/>
+                <a:ea typeface="宋体" panose="02010600030101010101" pitchFamily="2" charset="-122"/>
+                <a:sym typeface="+mn-ea"/>
+              </a:rPr>
+              <a:t>    </a:t>
+            </a:r>
+            <a:r>
+              <a:rPr lang="en-US" sz="2000">
+                <a:latin typeface="Lucida Console" panose="020B0609040504020204" charset="0"/>
+                <a:ea typeface="宋体" panose="02010600030101010101" pitchFamily="2" charset="-122"/>
+                <a:sym typeface="+mn-ea"/>
+              </a:rPr>
+              <a:t>{</a:t>
+            </a:r>
+            <a:endParaRPr lang="en-US" sz="2000">
+              <a:latin typeface="Lucida Console" panose="020B0609040504020204" charset="0"/>
+              <a:ea typeface="宋体" panose="02010600030101010101" pitchFamily="2" charset="-122"/>
+              <a:sym typeface="+mn-ea"/>
+            </a:endParaRPr>
+          </a:p>
+          <a:p>
+            <a:pPr marL="0" indent="0">
+              <a:buNone/>
+            </a:pPr>
+            <a:r>
+              <a:rPr lang="en-US" sz="2000">
+                <a:latin typeface="Lucida Console" panose="020B0609040504020204" charset="0"/>
+                <a:ea typeface="宋体" panose="02010600030101010101" pitchFamily="2" charset="-122"/>
+                <a:sym typeface="+mn-ea"/>
+              </a:rPr>
+              <a:t>        </a:t>
+            </a:r>
+            <a:r>
+              <a:rPr lang="en-US" sz="2000">
+                <a:latin typeface="Lucida Console" panose="020B0609040504020204" charset="0"/>
+                <a:ea typeface="宋体" panose="02010600030101010101" pitchFamily="2" charset="-122"/>
+                <a:sym typeface="+mn-ea"/>
+              </a:rPr>
+              <a:t>_state-&gt;rethrow_if_exception();</a:t>
+            </a:r>
+            <a:endParaRPr lang="en-US" sz="2000">
+              <a:latin typeface="Lucida Console" panose="020B0609040504020204" charset="0"/>
+              <a:ea typeface="宋体" panose="02010600030101010101" pitchFamily="2" charset="-122"/>
+              <a:sym typeface="+mn-ea"/>
+            </a:endParaRPr>
+          </a:p>
+          <a:p>
+            <a:pPr marL="0" indent="0">
+              <a:buNone/>
+            </a:pPr>
+            <a:r>
+              <a:rPr lang="en-US" sz="2000">
+                <a:latin typeface="Lucida Console" panose="020B0609040504020204" charset="0"/>
+                <a:ea typeface="宋体" panose="02010600030101010101" pitchFamily="2" charset="-122"/>
+                <a:sym typeface="+mn-ea"/>
+              </a:rPr>
+              <a:t>        </a:t>
+            </a:r>
+            <a:r>
+              <a:rPr lang="en-US" sz="2000">
+                <a:latin typeface="Lucida Console" panose="020B0609040504020204" charset="0"/>
+                <a:ea typeface="宋体" panose="02010600030101010101" pitchFamily="2" charset="-122"/>
+                <a:sym typeface="+mn-ea"/>
+              </a:rPr>
+              <a:t>return _state-&gt;get_value();</a:t>
+            </a:r>
+            <a:endParaRPr lang="en-US" sz="2000">
+              <a:latin typeface="Lucida Console" panose="020B0609040504020204" charset="0"/>
+              <a:ea typeface="宋体" panose="02010600030101010101" pitchFamily="2" charset="-122"/>
+              <a:sym typeface="+mn-ea"/>
+            </a:endParaRPr>
+          </a:p>
+          <a:p>
+            <a:pPr marL="0" indent="0">
+              <a:buNone/>
+            </a:pPr>
+            <a:r>
+              <a:rPr lang="en-US" sz="2000">
+                <a:latin typeface="Lucida Console" panose="020B0609040504020204" charset="0"/>
+                <a:ea typeface="宋体" panose="02010600030101010101" pitchFamily="2" charset="-122"/>
+                <a:sym typeface="+mn-ea"/>
+              </a:rPr>
+              <a:t>    </a:t>
+            </a:r>
+            <a:r>
+              <a:rPr lang="en-US" sz="2000">
+                <a:latin typeface="Lucida Console" panose="020B0609040504020204" charset="0"/>
+                <a:ea typeface="宋体" panose="02010600030101010101" pitchFamily="2" charset="-122"/>
+                <a:sym typeface="+mn-ea"/>
+              </a:rPr>
+              <a:t>}</a:t>
+            </a:r>
+            <a:endParaRPr lang="en-US" sz="2000">
+              <a:latin typeface="Lucida Console" panose="020B0609040504020204" charset="0"/>
+              <a:ea typeface="宋体" panose="02010600030101010101" pitchFamily="2" charset="-122"/>
+              <a:sym typeface="+mn-ea"/>
+            </a:endParaRPr>
+          </a:p>
+          <a:p>
+            <a:pPr marL="0" indent="0">
+              <a:buNone/>
+            </a:pPr>
+            <a:r>
+              <a:rPr lang="en-US" sz="2000">
+                <a:latin typeface="Lucida Console" panose="020B0609040504020204" charset="0"/>
+                <a:ea typeface="宋体" panose="02010600030101010101" pitchFamily="2" charset="-122"/>
+                <a:sym typeface="+mn-ea"/>
+              </a:rPr>
+              <a:t>};</a:t>
+            </a:r>
+            <a:endParaRPr lang="en-US" sz="2000">
+              <a:latin typeface="Lucida Console" panose="020B0609040504020204" charset="0"/>
+              <a:ea typeface="宋体" panose="02010600030101010101" pitchFamily="2" charset="-122"/>
+              <a:sym typeface="+mn-ea"/>
+            </a:endParaRPr>
+          </a:p>
+        </p:txBody>
+      </p:sp>
+    </p:spTree>
+  </p:cSld>
+  <p:clrMapOvr>
+    <a:masterClrMapping/>
+  </p:clrMapOvr>
+  <p:timing>
+    <p:tnLst>
+      <p:par>
+        <p:cTn id="1" dur="indefinite" restart="never" nodeType="tmRoot"/>
+      </p:par>
+    </p:tnLst>
+  </p:timing>
+</p:sld>
+</file>
+
+<file path=ppt/slides/slide45.xml><?xml version="1.0" encoding="utf-8"?>
+<p:sld xmlns:a="http://schemas.openxmlformats.org/drawingml/2006/main" xmlns:r="http://schemas.openxmlformats.org/officeDocument/2006/relationships" xmlns:p="http://schemas.openxmlformats.org/presentationml/2006/main">
+  <p:cSld>
+    <p:spTree>
+      <p:nvGrpSpPr>
+        <p:cNvPr id="1" name=""/>
+        <p:cNvGrpSpPr/>
+        <p:nvPr/>
+      </p:nvGrpSpPr>
+      <p:grpSpPr/>
+      <p:sp>
+        <p:nvSpPr>
+          <p:cNvPr id="2" name="标题 1"/>
+          <p:cNvSpPr>
+            <a:spLocks noGrp="1"/>
+          </p:cNvSpPr>
+          <p:nvPr>
+            <p:ph type="title"/>
+          </p:nvPr>
+        </p:nvSpPr>
+        <p:spPr>
+          <a:xfrm>
+            <a:off x="838200" y="365125"/>
+            <a:ext cx="10515600" cy="596900"/>
+          </a:xfrm>
+        </p:spPr>
+        <p:txBody>
+          <a:bodyPr>
+            <a:normAutofit fontScale="90000"/>
+          </a:bodyPr>
+          <a:p>
+            <a:pPr algn="ctr"/>
+            <a:r>
+              <a:rPr>
+                <a:ln w="10160">
+                  <a:solidFill>
+                    <a:schemeClr val="accent6"/>
+                  </a:solidFill>
+                  <a:prstDash val="solid"/>
+                </a:ln>
+                <a:solidFill>
+                  <a:srgbClr val="FFFFFF"/>
+                </a:solidFill>
+                <a:effectLst>
+                  <a:outerShdw blurRad="38100" dist="22860" dir="5400000" algn="tl" rotWithShape="0">
+                    <a:srgbClr val="000000">
+                      <a:alpha val="30000"/>
+                    </a:srgbClr>
+                  </a:outerShdw>
+                </a:effectLst>
+              </a:rPr>
+              <a:t>Resume function的总结</a:t>
+            </a:r>
+            <a:endParaRPr>
+              <a:ln w="10160">
+                <a:solidFill>
+                  <a:schemeClr val="accent6"/>
+                </a:solidFill>
+                <a:prstDash val="solid"/>
+              </a:ln>
+              <a:solidFill>
+                <a:srgbClr val="FFFFFF"/>
+              </a:solidFill>
+              <a:effectLst>
+                <a:outerShdw blurRad="38100" dist="22860" dir="5400000" algn="tl" rotWithShape="0">
+                  <a:srgbClr val="000000">
+                    <a:alpha val="30000"/>
+                  </a:srgbClr>
+                </a:outerShdw>
+              </a:effectLst>
+            </a:endParaRPr>
+          </a:p>
+        </p:txBody>
+      </p:sp>
+      <p:sp>
+        <p:nvSpPr>
+          <p:cNvPr id="4" name="内容占位符 4"/>
+          <p:cNvSpPr>
+            <a:spLocks noGrp="1"/>
+          </p:cNvSpPr>
+          <p:nvPr/>
+        </p:nvSpPr>
+        <p:spPr>
+          <a:xfrm>
+            <a:off x="838200" y="1332865"/>
+            <a:ext cx="10515600" cy="1769110"/>
+          </a:xfrm>
+          <a:prstGeom prst="rect">
+            <a:avLst/>
+          </a:prstGeom>
+        </p:spPr>
+        <p:txBody>
+          <a:bodyPr vert="horz" lIns="91440" tIns="45720" rIns="91440" bIns="45720" rtlCol="0">
+            <a:normAutofit/>
+          </a:bodyPr>
+          <a:lstStyle>
+            <a:lvl1pPr marL="228600" indent="-228600" algn="l" defTabSz="914400" rtl="0" eaLnBrk="1" latinLnBrk="0" hangingPunct="1">
+              <a:lnSpc>
+                <a:spcPct val="90000"/>
+              </a:lnSpc>
+              <a:spcBef>
+                <a:spcPts val="1000"/>
+              </a:spcBef>
+              <a:buFont typeface="Arial" panose="020B0604020202020204" pitchFamily="34" charset="0"/>
+              <a:buChar char="•"/>
+              <a:defRPr sz="2800" kern="1200">
+                <a:solidFill>
+                  <a:schemeClr val="tx1"/>
+                </a:solidFill>
+                <a:latin typeface="+mn-lt"/>
+                <a:ea typeface="+mn-ea"/>
+                <a:cs typeface="+mn-cs"/>
+              </a:defRPr>
+            </a:lvl1pPr>
+            <a:lvl2pPr marL="685800" indent="-228600" algn="l" defTabSz="914400" rtl="0" eaLnBrk="1" latinLnBrk="0" hangingPunct="1">
+              <a:lnSpc>
+                <a:spcPct val="90000"/>
+              </a:lnSpc>
+              <a:spcBef>
+                <a:spcPts val="500"/>
+              </a:spcBef>
+              <a:buFont typeface="Arial" panose="020B0604020202020204" pitchFamily="34" charset="0"/>
+              <a:buChar char="•"/>
+              <a:defRPr sz="2400" kern="1200">
+                <a:solidFill>
+                  <a:schemeClr val="tx1"/>
+                </a:solidFill>
+                <a:latin typeface="+mn-lt"/>
+                <a:ea typeface="+mn-ea"/>
+                <a:cs typeface="+mn-cs"/>
+              </a:defRPr>
+            </a:lvl2pPr>
+            <a:lvl3pPr marL="1143000" indent="-228600" algn="l" defTabSz="914400" rtl="0" eaLnBrk="1" latinLnBrk="0" hangingPunct="1">
+              <a:lnSpc>
+                <a:spcPct val="90000"/>
+              </a:lnSpc>
+              <a:spcBef>
+                <a:spcPts val="500"/>
+              </a:spcBef>
+              <a:buFont typeface="Arial" panose="020B0604020202020204" pitchFamily="34" charset="0"/>
+              <a:buChar char="•"/>
+              <a:defRPr sz="2000" kern="1200">
+                <a:solidFill>
+                  <a:schemeClr val="tx1"/>
+                </a:solidFill>
+                <a:latin typeface="+mn-lt"/>
+                <a:ea typeface="+mn-ea"/>
+                <a:cs typeface="+mn-cs"/>
+              </a:defRPr>
+            </a:lvl3pPr>
+            <a:lvl4pPr marL="1600200" indent="-228600" algn="l" defTabSz="914400" rtl="0" eaLnBrk="1" latinLnBrk="0" hangingPunct="1">
+              <a:lnSpc>
+                <a:spcPct val="90000"/>
+              </a:lnSpc>
+              <a:spcBef>
+                <a:spcPts val="500"/>
+              </a:spcBef>
+              <a:buFont typeface="Arial" panose="020B0604020202020204" pitchFamily="34" charset="0"/>
+              <a:buChar char="•"/>
+              <a:defRPr sz="1800" kern="1200">
+                <a:solidFill>
+                  <a:schemeClr val="tx1"/>
+                </a:solidFill>
+                <a:latin typeface="+mn-lt"/>
+                <a:ea typeface="+mn-ea"/>
+                <a:cs typeface="+mn-cs"/>
+              </a:defRPr>
+            </a:lvl4pPr>
+            <a:lvl5pPr marL="2057400" indent="-228600" algn="l" defTabSz="914400" rtl="0" eaLnBrk="1" latinLnBrk="0" hangingPunct="1">
+              <a:lnSpc>
+                <a:spcPct val="90000"/>
+              </a:lnSpc>
+              <a:spcBef>
+                <a:spcPts val="500"/>
+              </a:spcBef>
+              <a:buFont typeface="Arial" panose="020B0604020202020204" pitchFamily="34" charset="0"/>
+              <a:buChar char="•"/>
+              <a:defRPr sz="1800" kern="1200">
+                <a:solidFill>
+                  <a:schemeClr val="tx1"/>
+                </a:solidFill>
+                <a:latin typeface="+mn-lt"/>
+                <a:ea typeface="+mn-ea"/>
+                <a:cs typeface="+mn-cs"/>
+              </a:defRPr>
+            </a:lvl5pPr>
+            <a:lvl6pPr marL="2514600" indent="-228600" algn="l" defTabSz="914400" rtl="0" eaLnBrk="1" latinLnBrk="0" hangingPunct="1">
+              <a:lnSpc>
+                <a:spcPct val="90000"/>
+              </a:lnSpc>
+              <a:spcBef>
+                <a:spcPts val="500"/>
+              </a:spcBef>
+              <a:buFont typeface="Arial" panose="020B0604020202020204" pitchFamily="34" charset="0"/>
+              <a:buChar char="•"/>
+              <a:defRPr sz="1800" kern="1200">
+                <a:solidFill>
+                  <a:schemeClr val="tx1"/>
+                </a:solidFill>
+                <a:latin typeface="+mn-lt"/>
+                <a:ea typeface="+mn-ea"/>
+                <a:cs typeface="+mn-cs"/>
+              </a:defRPr>
+            </a:lvl6pPr>
+            <a:lvl7pPr marL="2971800" indent="-228600" algn="l" defTabSz="914400" rtl="0" eaLnBrk="1" latinLnBrk="0" hangingPunct="1">
+              <a:lnSpc>
+                <a:spcPct val="90000"/>
+              </a:lnSpc>
+              <a:spcBef>
+                <a:spcPts val="500"/>
+              </a:spcBef>
+              <a:buFont typeface="Arial" panose="020B0604020202020204" pitchFamily="34" charset="0"/>
+              <a:buChar char="•"/>
+              <a:defRPr sz="1800" kern="1200">
+                <a:solidFill>
+                  <a:schemeClr val="tx1"/>
+                </a:solidFill>
+                <a:latin typeface="+mn-lt"/>
+                <a:ea typeface="+mn-ea"/>
+                <a:cs typeface="+mn-cs"/>
+              </a:defRPr>
+            </a:lvl7pPr>
+            <a:lvl8pPr marL="3429000" indent="-228600" algn="l" defTabSz="914400" rtl="0" eaLnBrk="1" latinLnBrk="0" hangingPunct="1">
+              <a:lnSpc>
+                <a:spcPct val="90000"/>
+              </a:lnSpc>
+              <a:spcBef>
+                <a:spcPts val="500"/>
+              </a:spcBef>
+              <a:buFont typeface="Arial" panose="020B0604020202020204" pitchFamily="34" charset="0"/>
+              <a:buChar char="•"/>
+              <a:defRPr sz="1800" kern="1200">
+                <a:solidFill>
+                  <a:schemeClr val="tx1"/>
+                </a:solidFill>
+                <a:latin typeface="+mn-lt"/>
+                <a:ea typeface="+mn-ea"/>
+                <a:cs typeface="+mn-cs"/>
+              </a:defRPr>
+            </a:lvl8pPr>
+            <a:lvl9pPr marL="3886200" indent="-228600" algn="l" defTabSz="914400" rtl="0" eaLnBrk="1" latinLnBrk="0" hangingPunct="1">
+              <a:lnSpc>
+                <a:spcPct val="90000"/>
+              </a:lnSpc>
+              <a:spcBef>
+                <a:spcPts val="500"/>
+              </a:spcBef>
+              <a:buFont typeface="Arial" panose="020B0604020202020204" pitchFamily="34" charset="0"/>
+              <a:buChar char="•"/>
+              <a:defRPr sz="1800" kern="1200">
+                <a:solidFill>
+                  <a:schemeClr val="tx1"/>
+                </a:solidFill>
+                <a:latin typeface="+mn-lt"/>
+                <a:ea typeface="+mn-ea"/>
+                <a:cs typeface="+mn-cs"/>
+              </a:defRPr>
+            </a:lvl9pPr>
+          </a:lstStyle>
+          <a:p>
+            <a:pPr marL="457200" indent="-457200">
+              <a:buAutoNum type="arabicPeriod"/>
+            </a:pPr>
+            <a:r>
+              <a:rPr lang="zh-CN" altLang="en-US" sz="2000">
+                <a:solidFill>
+                  <a:schemeClr val="tx1"/>
+                </a:solidFill>
+                <a:latin typeface="Lucida Console" panose="020B0609040504020204" charset="0"/>
+                <a:ea typeface="宋体" panose="02010600030101010101" pitchFamily="2" charset="-122"/>
+                <a:sym typeface="+mn-ea"/>
+              </a:rPr>
+              <a:t>Resume function</a:t>
+            </a:r>
+            <a:endParaRPr lang="zh-CN" altLang="en-US" sz="2000">
+              <a:solidFill>
+                <a:schemeClr val="tx1"/>
+              </a:solidFill>
+              <a:latin typeface="Lucida Console" panose="020B0609040504020204" charset="0"/>
+              <a:ea typeface="宋体" panose="02010600030101010101" pitchFamily="2" charset="-122"/>
+              <a:sym typeface="+mn-ea"/>
+            </a:endParaRPr>
+          </a:p>
+          <a:p>
+            <a:pPr marL="457200" lvl="1" indent="0">
+              <a:buNone/>
+            </a:pPr>
+            <a:r>
+              <a:rPr lang="zh-CN" altLang="en-US" sz="1465">
+                <a:solidFill>
+                  <a:schemeClr val="tx1"/>
+                </a:solidFill>
+                <a:latin typeface="Lucida Console" panose="020B0609040504020204" charset="0"/>
+                <a:ea typeface="宋体" panose="02010600030101010101" pitchFamily="2" charset="-122"/>
+                <a:sym typeface="+mn-ea"/>
+              </a:rPr>
+              <a:t>使用</a:t>
+            </a:r>
+            <a:r>
+              <a:rPr lang="en-US" altLang="zh-CN" sz="1465">
+                <a:solidFill>
+                  <a:srgbClr val="0070C0"/>
+                </a:solidFill>
+                <a:latin typeface="Lucida Console" panose="020B0609040504020204" charset="0"/>
+                <a:ea typeface="宋体" panose="02010600030101010101" pitchFamily="2" charset="-122"/>
+                <a:sym typeface="+mn-ea"/>
+              </a:rPr>
+              <a:t>await/yield</a:t>
+            </a:r>
+            <a:r>
+              <a:rPr lang="zh-CN" altLang="en-US" sz="1465">
+                <a:solidFill>
+                  <a:schemeClr val="tx1"/>
+                </a:solidFill>
+                <a:latin typeface="Lucida Console" panose="020B0609040504020204" charset="0"/>
+                <a:ea typeface="宋体" panose="02010600030101010101" pitchFamily="2" charset="-122"/>
+                <a:sym typeface="+mn-ea"/>
+              </a:rPr>
+              <a:t>关键字，由编译器完成的协程逻辑代码。</a:t>
+            </a:r>
+            <a:endParaRPr lang="zh-CN" altLang="en-US" sz="1465">
+              <a:solidFill>
+                <a:schemeClr val="tx1"/>
+              </a:solidFill>
+              <a:latin typeface="Lucida Console" panose="020B0609040504020204" charset="0"/>
+              <a:ea typeface="宋体" panose="02010600030101010101" pitchFamily="2" charset="-122"/>
+              <a:sym typeface="+mn-ea"/>
+            </a:endParaRPr>
+          </a:p>
+          <a:p>
+            <a:pPr marL="457200" indent="-457200">
+              <a:buAutoNum type="arabicPeriod"/>
+            </a:pPr>
+            <a:r>
+              <a:rPr sz="2000">
+                <a:solidFill>
+                  <a:schemeClr val="tx1"/>
+                </a:solidFill>
+                <a:latin typeface="Lucida Console" panose="020B0609040504020204" charset="0"/>
+                <a:ea typeface="宋体" panose="02010600030101010101" pitchFamily="2" charset="-122"/>
+                <a:sym typeface="+mn-ea"/>
+              </a:rPr>
+              <a:t>Awaitable function</a:t>
+            </a:r>
+            <a:endParaRPr sz="2000">
+              <a:solidFill>
+                <a:schemeClr val="tx1"/>
+              </a:solidFill>
+              <a:latin typeface="Lucida Console" panose="020B0609040504020204" charset="0"/>
+              <a:ea typeface="宋体" panose="02010600030101010101" pitchFamily="2" charset="-122"/>
+              <a:sym typeface="+mn-ea"/>
+            </a:endParaRPr>
+          </a:p>
+          <a:p>
+            <a:pPr marL="457200" lvl="1" indent="0">
+              <a:buNone/>
+            </a:pPr>
+            <a:r>
+              <a:rPr lang="zh-CN" altLang="en-US" sz="1710">
+                <a:solidFill>
+                  <a:schemeClr val="tx1"/>
+                </a:solidFill>
+                <a:latin typeface="Lucida Console" panose="020B0609040504020204" charset="0"/>
+                <a:ea typeface="宋体" panose="02010600030101010101" pitchFamily="2" charset="-122"/>
+                <a:sym typeface="+mn-ea"/>
+              </a:rPr>
+              <a:t>支持</a:t>
+            </a:r>
+            <a:r>
+              <a:rPr lang="en-US" altLang="zh-CN" sz="1710">
+                <a:solidFill>
+                  <a:schemeClr val="tx1"/>
+                </a:solidFill>
+                <a:latin typeface="Lucida Console" panose="020B0609040504020204" charset="0"/>
+                <a:ea typeface="宋体" panose="02010600030101010101" pitchFamily="2" charset="-122"/>
+                <a:sym typeface="+mn-ea"/>
+              </a:rPr>
+              <a:t>“</a:t>
+            </a:r>
+            <a:r>
+              <a:rPr lang="zh-CN" altLang="en-US" sz="1710">
+                <a:solidFill>
+                  <a:schemeClr val="tx1"/>
+                </a:solidFill>
+                <a:latin typeface="Lucida Console" panose="020B0609040504020204" charset="0"/>
+                <a:ea typeface="宋体" panose="02010600030101010101" pitchFamily="2" charset="-122"/>
+                <a:sym typeface="+mn-ea"/>
+              </a:rPr>
+              <a:t>等待</a:t>
+            </a:r>
+            <a:r>
+              <a:rPr lang="en-US" altLang="zh-CN" sz="1710">
+                <a:solidFill>
+                  <a:schemeClr val="tx1"/>
+                </a:solidFill>
+                <a:latin typeface="Lucida Console" panose="020B0609040504020204" charset="0"/>
+                <a:ea typeface="宋体" panose="02010600030101010101" pitchFamily="2" charset="-122"/>
+                <a:sym typeface="+mn-ea"/>
+              </a:rPr>
+              <a:t>”</a:t>
+            </a:r>
+            <a:r>
+              <a:rPr lang="zh-CN" altLang="en-US" sz="1710">
+                <a:solidFill>
+                  <a:schemeClr val="tx1"/>
+                </a:solidFill>
+                <a:latin typeface="Lucida Console" panose="020B0609040504020204" charset="0"/>
+                <a:ea typeface="宋体" panose="02010600030101010101" pitchFamily="2" charset="-122"/>
+                <a:sym typeface="+mn-ea"/>
+              </a:rPr>
+              <a:t>行为的函数。</a:t>
+            </a:r>
+            <a:r>
+              <a:rPr lang="en-US" altLang="zh-CN" sz="1710">
+                <a:solidFill>
+                  <a:schemeClr val="tx1"/>
+                </a:solidFill>
+                <a:latin typeface="Lucida Console" panose="020B0609040504020204" charset="0"/>
+                <a:ea typeface="宋体" panose="02010600030101010101" pitchFamily="2" charset="-122"/>
+                <a:sym typeface="+mn-ea"/>
+              </a:rPr>
+              <a:t>Resume function</a:t>
+            </a:r>
+            <a:r>
+              <a:rPr lang="zh-CN" altLang="en-US" sz="1710">
+                <a:solidFill>
+                  <a:schemeClr val="tx1"/>
+                </a:solidFill>
+                <a:latin typeface="Lucida Console" panose="020B0609040504020204" charset="0"/>
+                <a:ea typeface="宋体" panose="02010600030101010101" pitchFamily="2" charset="-122"/>
+                <a:sym typeface="+mn-ea"/>
+              </a:rPr>
+              <a:t>也是一个</a:t>
+            </a:r>
+            <a:r>
+              <a:rPr lang="en-US" altLang="zh-CN" sz="1710">
+                <a:solidFill>
+                  <a:schemeClr val="tx1"/>
+                </a:solidFill>
+                <a:latin typeface="Lucida Console" panose="020B0609040504020204" charset="0"/>
+                <a:ea typeface="宋体" panose="02010600030101010101" pitchFamily="2" charset="-122"/>
+                <a:sym typeface="+mn-ea"/>
+              </a:rPr>
+              <a:t>Awaitable function</a:t>
+            </a:r>
+            <a:r>
+              <a:rPr lang="zh-CN" altLang="en-US" sz="1710">
+                <a:solidFill>
+                  <a:schemeClr val="tx1"/>
+                </a:solidFill>
+                <a:latin typeface="Lucida Console" panose="020B0609040504020204" charset="0"/>
+                <a:ea typeface="宋体" panose="02010600030101010101" pitchFamily="2" charset="-122"/>
+                <a:sym typeface="+mn-ea"/>
+              </a:rPr>
+              <a:t>。主要用于</a:t>
+            </a:r>
+            <a:r>
+              <a:rPr lang="en-US" altLang="zh-CN" sz="1710">
+                <a:solidFill>
+                  <a:schemeClr val="tx1"/>
+                </a:solidFill>
+                <a:latin typeface="Lucida Console" panose="020B0609040504020204" charset="0"/>
+                <a:ea typeface="宋体" panose="02010600030101010101" pitchFamily="2" charset="-122"/>
+                <a:sym typeface="+mn-ea"/>
+              </a:rPr>
+              <a:t>“</a:t>
+            </a:r>
+            <a:r>
+              <a:rPr lang="zh-CN" altLang="en-US" sz="1710">
+                <a:solidFill>
+                  <a:schemeClr val="tx1"/>
+                </a:solidFill>
+                <a:latin typeface="Lucida Console" panose="020B0609040504020204" charset="0"/>
+                <a:ea typeface="宋体" panose="02010600030101010101" pitchFamily="2" charset="-122"/>
+                <a:sym typeface="+mn-ea"/>
+              </a:rPr>
+              <a:t>绿化</a:t>
+            </a:r>
+            <a:r>
+              <a:rPr lang="en-US" altLang="zh-CN" sz="1710">
+                <a:solidFill>
+                  <a:schemeClr val="tx1"/>
+                </a:solidFill>
+                <a:latin typeface="Lucida Console" panose="020B0609040504020204" charset="0"/>
+                <a:ea typeface="宋体" panose="02010600030101010101" pitchFamily="2" charset="-122"/>
+                <a:sym typeface="+mn-ea"/>
+              </a:rPr>
+              <a:t>”</a:t>
+            </a:r>
+            <a:r>
+              <a:rPr lang="zh-CN" altLang="en-US" sz="1710">
+                <a:solidFill>
+                  <a:schemeClr val="tx1"/>
+                </a:solidFill>
+                <a:latin typeface="Lucida Console" panose="020B0609040504020204" charset="0"/>
+                <a:ea typeface="宋体" panose="02010600030101010101" pitchFamily="2" charset="-122"/>
+                <a:sym typeface="+mn-ea"/>
+              </a:rPr>
+              <a:t>阻塞</a:t>
+            </a:r>
+            <a:r>
+              <a:rPr lang="en-US" altLang="zh-CN" sz="1710">
+                <a:solidFill>
+                  <a:schemeClr val="tx1"/>
+                </a:solidFill>
+                <a:latin typeface="Lucida Console" panose="020B0609040504020204" charset="0"/>
+                <a:ea typeface="宋体" panose="02010600030101010101" pitchFamily="2" charset="-122"/>
+                <a:sym typeface="+mn-ea"/>
+              </a:rPr>
+              <a:t>/</a:t>
+            </a:r>
+            <a:r>
+              <a:rPr lang="zh-CN" altLang="en-US" sz="1710">
+                <a:solidFill>
+                  <a:schemeClr val="tx1"/>
+                </a:solidFill>
+                <a:latin typeface="Lucida Console" panose="020B0609040504020204" charset="0"/>
+                <a:ea typeface="宋体" panose="02010600030101010101" pitchFamily="2" charset="-122"/>
+                <a:sym typeface="+mn-ea"/>
+              </a:rPr>
+              <a:t>异步代码。</a:t>
+            </a:r>
+            <a:endParaRPr lang="en-US" altLang="zh-CN" sz="2000">
+              <a:solidFill>
+                <a:schemeClr val="tx1"/>
+              </a:solidFill>
+              <a:latin typeface="Lucida Console" panose="020B0609040504020204" charset="0"/>
+              <a:ea typeface="宋体" panose="02010600030101010101" pitchFamily="2" charset="-122"/>
+              <a:sym typeface="+mn-ea"/>
+            </a:endParaRPr>
+          </a:p>
+        </p:txBody>
+      </p:sp>
+      <p:sp>
+        <p:nvSpPr>
+          <p:cNvPr id="5" name="内容占位符 4"/>
+          <p:cNvSpPr>
+            <a:spLocks noGrp="1"/>
+          </p:cNvSpPr>
+          <p:nvPr/>
+        </p:nvSpPr>
+        <p:spPr>
+          <a:xfrm>
+            <a:off x="838200" y="4002405"/>
+            <a:ext cx="10515600" cy="1961515"/>
+          </a:xfrm>
+          <a:prstGeom prst="rect">
+            <a:avLst/>
+          </a:prstGeom>
+        </p:spPr>
+        <p:txBody>
+          <a:bodyPr vert="horz" lIns="91440" tIns="45720" rIns="91440" bIns="45720" rtlCol="0">
+            <a:normAutofit lnSpcReduction="10000"/>
+          </a:bodyPr>
+          <a:lstStyle>
+            <a:lvl1pPr marL="228600" indent="-228600" algn="l" defTabSz="914400" rtl="0" eaLnBrk="1" latinLnBrk="0" hangingPunct="1">
+              <a:lnSpc>
+                <a:spcPct val="90000"/>
+              </a:lnSpc>
+              <a:spcBef>
+                <a:spcPts val="1000"/>
+              </a:spcBef>
+              <a:buFont typeface="Arial" panose="020B0604020202020204" pitchFamily="34" charset="0"/>
+              <a:buChar char="•"/>
+              <a:defRPr sz="2800" kern="1200">
+                <a:solidFill>
+                  <a:schemeClr val="tx1"/>
+                </a:solidFill>
+                <a:latin typeface="+mn-lt"/>
+                <a:ea typeface="+mn-ea"/>
+                <a:cs typeface="+mn-cs"/>
+              </a:defRPr>
+            </a:lvl1pPr>
+            <a:lvl2pPr marL="685800" indent="-228600" algn="l" defTabSz="914400" rtl="0" eaLnBrk="1" latinLnBrk="0" hangingPunct="1">
+              <a:lnSpc>
+                <a:spcPct val="90000"/>
+              </a:lnSpc>
+              <a:spcBef>
+                <a:spcPts val="500"/>
+              </a:spcBef>
+              <a:buFont typeface="Arial" panose="020B0604020202020204" pitchFamily="34" charset="0"/>
+              <a:buChar char="•"/>
+              <a:defRPr sz="2400" kern="1200">
+                <a:solidFill>
+                  <a:schemeClr val="tx1"/>
+                </a:solidFill>
+                <a:latin typeface="+mn-lt"/>
+                <a:ea typeface="+mn-ea"/>
+                <a:cs typeface="+mn-cs"/>
+              </a:defRPr>
+            </a:lvl2pPr>
+            <a:lvl3pPr marL="1143000" indent="-228600" algn="l" defTabSz="914400" rtl="0" eaLnBrk="1" latinLnBrk="0" hangingPunct="1">
+              <a:lnSpc>
+                <a:spcPct val="90000"/>
+              </a:lnSpc>
+              <a:spcBef>
+                <a:spcPts val="500"/>
+              </a:spcBef>
+              <a:buFont typeface="Arial" panose="020B0604020202020204" pitchFamily="34" charset="0"/>
+              <a:buChar char="•"/>
+              <a:defRPr sz="2000" kern="1200">
+                <a:solidFill>
+                  <a:schemeClr val="tx1"/>
+                </a:solidFill>
+                <a:latin typeface="+mn-lt"/>
+                <a:ea typeface="+mn-ea"/>
+                <a:cs typeface="+mn-cs"/>
+              </a:defRPr>
+            </a:lvl3pPr>
+            <a:lvl4pPr marL="1600200" indent="-228600" algn="l" defTabSz="914400" rtl="0" eaLnBrk="1" latinLnBrk="0" hangingPunct="1">
+              <a:lnSpc>
+                <a:spcPct val="90000"/>
+              </a:lnSpc>
+              <a:spcBef>
+                <a:spcPts val="500"/>
+              </a:spcBef>
+              <a:buFont typeface="Arial" panose="020B0604020202020204" pitchFamily="34" charset="0"/>
+              <a:buChar char="•"/>
+              <a:defRPr sz="1800" kern="1200">
+                <a:solidFill>
+                  <a:schemeClr val="tx1"/>
+                </a:solidFill>
+                <a:latin typeface="+mn-lt"/>
+                <a:ea typeface="+mn-ea"/>
+                <a:cs typeface="+mn-cs"/>
+              </a:defRPr>
+            </a:lvl4pPr>
+            <a:lvl5pPr marL="2057400" indent="-228600" algn="l" defTabSz="914400" rtl="0" eaLnBrk="1" latinLnBrk="0" hangingPunct="1">
+              <a:lnSpc>
+                <a:spcPct val="90000"/>
+              </a:lnSpc>
+              <a:spcBef>
+                <a:spcPts val="500"/>
+              </a:spcBef>
+              <a:buFont typeface="Arial" panose="020B0604020202020204" pitchFamily="34" charset="0"/>
+              <a:buChar char="•"/>
+              <a:defRPr sz="1800" kern="1200">
+                <a:solidFill>
+                  <a:schemeClr val="tx1"/>
+                </a:solidFill>
+                <a:latin typeface="+mn-lt"/>
+                <a:ea typeface="+mn-ea"/>
+                <a:cs typeface="+mn-cs"/>
+              </a:defRPr>
+            </a:lvl5pPr>
+            <a:lvl6pPr marL="2514600" indent="-228600" algn="l" defTabSz="914400" rtl="0" eaLnBrk="1" latinLnBrk="0" hangingPunct="1">
+              <a:lnSpc>
+                <a:spcPct val="90000"/>
+              </a:lnSpc>
+              <a:spcBef>
+                <a:spcPts val="500"/>
+              </a:spcBef>
+              <a:buFont typeface="Arial" panose="020B0604020202020204" pitchFamily="34" charset="0"/>
+              <a:buChar char="•"/>
+              <a:defRPr sz="1800" kern="1200">
+                <a:solidFill>
+                  <a:schemeClr val="tx1"/>
+                </a:solidFill>
+                <a:latin typeface="+mn-lt"/>
+                <a:ea typeface="+mn-ea"/>
+                <a:cs typeface="+mn-cs"/>
+              </a:defRPr>
+            </a:lvl6pPr>
+            <a:lvl7pPr marL="2971800" indent="-228600" algn="l" defTabSz="914400" rtl="0" eaLnBrk="1" latinLnBrk="0" hangingPunct="1">
+              <a:lnSpc>
+                <a:spcPct val="90000"/>
+              </a:lnSpc>
+              <a:spcBef>
+                <a:spcPts val="500"/>
+              </a:spcBef>
+              <a:buFont typeface="Arial" panose="020B0604020202020204" pitchFamily="34" charset="0"/>
+              <a:buChar char="•"/>
+              <a:defRPr sz="1800" kern="1200">
+                <a:solidFill>
+                  <a:schemeClr val="tx1"/>
+                </a:solidFill>
+                <a:latin typeface="+mn-lt"/>
+                <a:ea typeface="+mn-ea"/>
+                <a:cs typeface="+mn-cs"/>
+              </a:defRPr>
+            </a:lvl7pPr>
+            <a:lvl8pPr marL="3429000" indent="-228600" algn="l" defTabSz="914400" rtl="0" eaLnBrk="1" latinLnBrk="0" hangingPunct="1">
+              <a:lnSpc>
+                <a:spcPct val="90000"/>
+              </a:lnSpc>
+              <a:spcBef>
+                <a:spcPts val="500"/>
+              </a:spcBef>
+              <a:buFont typeface="Arial" panose="020B0604020202020204" pitchFamily="34" charset="0"/>
+              <a:buChar char="•"/>
+              <a:defRPr sz="1800" kern="1200">
+                <a:solidFill>
+                  <a:schemeClr val="tx1"/>
+                </a:solidFill>
+                <a:latin typeface="+mn-lt"/>
+                <a:ea typeface="+mn-ea"/>
+                <a:cs typeface="+mn-cs"/>
+              </a:defRPr>
+            </a:lvl8pPr>
+            <a:lvl9pPr marL="3886200" indent="-228600" algn="l" defTabSz="914400" rtl="0" eaLnBrk="1" latinLnBrk="0" hangingPunct="1">
+              <a:lnSpc>
+                <a:spcPct val="90000"/>
+              </a:lnSpc>
+              <a:spcBef>
+                <a:spcPts val="500"/>
+              </a:spcBef>
+              <a:buFont typeface="Arial" panose="020B0604020202020204" pitchFamily="34" charset="0"/>
+              <a:buChar char="•"/>
+              <a:defRPr sz="1800" kern="1200">
+                <a:solidFill>
+                  <a:schemeClr val="tx1"/>
+                </a:solidFill>
+                <a:latin typeface="+mn-lt"/>
+                <a:ea typeface="+mn-ea"/>
+                <a:cs typeface="+mn-cs"/>
+              </a:defRPr>
+            </a:lvl9pPr>
+          </a:lstStyle>
+          <a:p>
+            <a:pPr marL="0" indent="0">
+              <a:buNone/>
+            </a:pPr>
+            <a:endParaRPr lang="en-US" sz="2000">
+              <a:solidFill>
+                <a:schemeClr val="accent4">
+                  <a:lumMod val="75000"/>
+                </a:schemeClr>
+              </a:solidFill>
+              <a:latin typeface="Lucida Console" panose="020B0609040504020204" charset="0"/>
+              <a:ea typeface="宋体" panose="02010600030101010101" pitchFamily="2" charset="-122"/>
+              <a:sym typeface="+mn-ea"/>
+            </a:endParaRPr>
+          </a:p>
+        </p:txBody>
+      </p:sp>
+      <p:sp>
+        <p:nvSpPr>
+          <p:cNvPr id="3" name="内容占位符 4"/>
+          <p:cNvSpPr>
+            <a:spLocks noGrp="1"/>
+          </p:cNvSpPr>
+          <p:nvPr/>
+        </p:nvSpPr>
+        <p:spPr>
+          <a:xfrm>
+            <a:off x="895350" y="3180080"/>
+            <a:ext cx="10515600" cy="2298700"/>
+          </a:xfrm>
+          <a:prstGeom prst="rect">
+            <a:avLst/>
+          </a:prstGeom>
+        </p:spPr>
+        <p:txBody>
+          <a:bodyPr vert="horz" lIns="91440" tIns="45720" rIns="91440" bIns="45720" rtlCol="0">
+            <a:normAutofit fontScale="90000" lnSpcReduction="10000"/>
+          </a:bodyPr>
+          <a:lstStyle>
+            <a:lvl1pPr marL="228600" indent="-228600" algn="l" defTabSz="914400" rtl="0" eaLnBrk="1" latinLnBrk="0" hangingPunct="1">
+              <a:lnSpc>
+                <a:spcPct val="90000"/>
+              </a:lnSpc>
+              <a:spcBef>
+                <a:spcPts val="1000"/>
+              </a:spcBef>
+              <a:buFont typeface="Arial" panose="020B0604020202020204" pitchFamily="34" charset="0"/>
+              <a:buChar char="•"/>
+              <a:defRPr sz="2800" kern="1200">
+                <a:solidFill>
+                  <a:schemeClr val="tx1"/>
+                </a:solidFill>
+                <a:latin typeface="+mn-lt"/>
+                <a:ea typeface="+mn-ea"/>
+                <a:cs typeface="+mn-cs"/>
+              </a:defRPr>
+            </a:lvl1pPr>
+            <a:lvl2pPr marL="685800" indent="-228600" algn="l" defTabSz="914400" rtl="0" eaLnBrk="1" latinLnBrk="0" hangingPunct="1">
+              <a:lnSpc>
+                <a:spcPct val="90000"/>
+              </a:lnSpc>
+              <a:spcBef>
+                <a:spcPts val="500"/>
+              </a:spcBef>
+              <a:buFont typeface="Arial" panose="020B0604020202020204" pitchFamily="34" charset="0"/>
+              <a:buChar char="•"/>
+              <a:defRPr sz="2400" kern="1200">
+                <a:solidFill>
+                  <a:schemeClr val="tx1"/>
+                </a:solidFill>
+                <a:latin typeface="+mn-lt"/>
+                <a:ea typeface="+mn-ea"/>
+                <a:cs typeface="+mn-cs"/>
+              </a:defRPr>
+            </a:lvl2pPr>
+            <a:lvl3pPr marL="1143000" indent="-228600" algn="l" defTabSz="914400" rtl="0" eaLnBrk="1" latinLnBrk="0" hangingPunct="1">
+              <a:lnSpc>
+                <a:spcPct val="90000"/>
+              </a:lnSpc>
+              <a:spcBef>
+                <a:spcPts val="500"/>
+              </a:spcBef>
+              <a:buFont typeface="Arial" panose="020B0604020202020204" pitchFamily="34" charset="0"/>
+              <a:buChar char="•"/>
+              <a:defRPr sz="2000" kern="1200">
+                <a:solidFill>
+                  <a:schemeClr val="tx1"/>
+                </a:solidFill>
+                <a:latin typeface="+mn-lt"/>
+                <a:ea typeface="+mn-ea"/>
+                <a:cs typeface="+mn-cs"/>
+              </a:defRPr>
+            </a:lvl3pPr>
+            <a:lvl4pPr marL="1600200" indent="-228600" algn="l" defTabSz="914400" rtl="0" eaLnBrk="1" latinLnBrk="0" hangingPunct="1">
+              <a:lnSpc>
+                <a:spcPct val="90000"/>
+              </a:lnSpc>
+              <a:spcBef>
+                <a:spcPts val="500"/>
+              </a:spcBef>
+              <a:buFont typeface="Arial" panose="020B0604020202020204" pitchFamily="34" charset="0"/>
+              <a:buChar char="•"/>
+              <a:defRPr sz="1800" kern="1200">
+                <a:solidFill>
+                  <a:schemeClr val="tx1"/>
+                </a:solidFill>
+                <a:latin typeface="+mn-lt"/>
+                <a:ea typeface="+mn-ea"/>
+                <a:cs typeface="+mn-cs"/>
+              </a:defRPr>
+            </a:lvl4pPr>
+            <a:lvl5pPr marL="2057400" indent="-228600" algn="l" defTabSz="914400" rtl="0" eaLnBrk="1" latinLnBrk="0" hangingPunct="1">
+              <a:lnSpc>
+                <a:spcPct val="90000"/>
+              </a:lnSpc>
+              <a:spcBef>
+                <a:spcPts val="500"/>
+              </a:spcBef>
+              <a:buFont typeface="Arial" panose="020B0604020202020204" pitchFamily="34" charset="0"/>
+              <a:buChar char="•"/>
+              <a:defRPr sz="1800" kern="1200">
+                <a:solidFill>
+                  <a:schemeClr val="tx1"/>
+                </a:solidFill>
+                <a:latin typeface="+mn-lt"/>
+                <a:ea typeface="+mn-ea"/>
+                <a:cs typeface="+mn-cs"/>
+              </a:defRPr>
+            </a:lvl5pPr>
+            <a:lvl6pPr marL="2514600" indent="-228600" algn="l" defTabSz="914400" rtl="0" eaLnBrk="1" latinLnBrk="0" hangingPunct="1">
+              <a:lnSpc>
+                <a:spcPct val="90000"/>
+              </a:lnSpc>
+              <a:spcBef>
+                <a:spcPts val="500"/>
+              </a:spcBef>
+              <a:buFont typeface="Arial" panose="020B0604020202020204" pitchFamily="34" charset="0"/>
+              <a:buChar char="•"/>
+              <a:defRPr sz="1800" kern="1200">
+                <a:solidFill>
+                  <a:schemeClr val="tx1"/>
+                </a:solidFill>
+                <a:latin typeface="+mn-lt"/>
+                <a:ea typeface="+mn-ea"/>
+                <a:cs typeface="+mn-cs"/>
+              </a:defRPr>
+            </a:lvl6pPr>
+            <a:lvl7pPr marL="2971800" indent="-228600" algn="l" defTabSz="914400" rtl="0" eaLnBrk="1" latinLnBrk="0" hangingPunct="1">
+              <a:lnSpc>
+                <a:spcPct val="90000"/>
+              </a:lnSpc>
+              <a:spcBef>
+                <a:spcPts val="500"/>
+              </a:spcBef>
+              <a:buFont typeface="Arial" panose="020B0604020202020204" pitchFamily="34" charset="0"/>
+              <a:buChar char="•"/>
+              <a:defRPr sz="1800" kern="1200">
+                <a:solidFill>
+                  <a:schemeClr val="tx1"/>
+                </a:solidFill>
+                <a:latin typeface="+mn-lt"/>
+                <a:ea typeface="+mn-ea"/>
+                <a:cs typeface="+mn-cs"/>
+              </a:defRPr>
+            </a:lvl7pPr>
+            <a:lvl8pPr marL="3429000" indent="-228600" algn="l" defTabSz="914400" rtl="0" eaLnBrk="1" latinLnBrk="0" hangingPunct="1">
+              <a:lnSpc>
+                <a:spcPct val="90000"/>
+              </a:lnSpc>
+              <a:spcBef>
+                <a:spcPts val="500"/>
+              </a:spcBef>
+              <a:buFont typeface="Arial" panose="020B0604020202020204" pitchFamily="34" charset="0"/>
+              <a:buChar char="•"/>
+              <a:defRPr sz="1800" kern="1200">
+                <a:solidFill>
+                  <a:schemeClr val="tx1"/>
+                </a:solidFill>
+                <a:latin typeface="+mn-lt"/>
+                <a:ea typeface="+mn-ea"/>
+                <a:cs typeface="+mn-cs"/>
+              </a:defRPr>
+            </a:lvl8pPr>
+            <a:lvl9pPr marL="3886200" indent="-228600" algn="l" defTabSz="914400" rtl="0" eaLnBrk="1" latinLnBrk="0" hangingPunct="1">
+              <a:lnSpc>
+                <a:spcPct val="90000"/>
+              </a:lnSpc>
+              <a:spcBef>
+                <a:spcPts val="500"/>
+              </a:spcBef>
+              <a:buFont typeface="Arial" panose="020B0604020202020204" pitchFamily="34" charset="0"/>
+              <a:buChar char="•"/>
+              <a:defRPr sz="1800" kern="1200">
+                <a:solidFill>
+                  <a:schemeClr val="tx1"/>
+                </a:solidFill>
+                <a:latin typeface="+mn-lt"/>
+                <a:ea typeface="+mn-ea"/>
+                <a:cs typeface="+mn-cs"/>
+              </a:defRPr>
+            </a:lvl9pPr>
+          </a:lstStyle>
+          <a:p>
+            <a:pPr marL="457200" indent="-457200">
+              <a:buAutoNum type="arabicPeriod"/>
+            </a:pPr>
+            <a:r>
+              <a:rPr lang="en-US" altLang="zh-CN" sz="2000">
+                <a:solidFill>
+                  <a:schemeClr val="tx1"/>
+                </a:solidFill>
+                <a:latin typeface="Lucida Console" panose="020B0609040504020204" charset="0"/>
+                <a:ea typeface="宋体" panose="02010600030101010101" pitchFamily="2" charset="-122"/>
+                <a:sym typeface="+mn-ea"/>
+              </a:rPr>
+              <a:t>Promise</a:t>
+            </a:r>
+            <a:endParaRPr lang="zh-CN" altLang="en-US" sz="2000">
+              <a:solidFill>
+                <a:schemeClr val="tx1"/>
+              </a:solidFill>
+              <a:latin typeface="Lucida Console" panose="020B0609040504020204" charset="0"/>
+              <a:ea typeface="宋体" panose="02010600030101010101" pitchFamily="2" charset="-122"/>
+              <a:sym typeface="+mn-ea"/>
+            </a:endParaRPr>
+          </a:p>
+          <a:p>
+            <a:pPr marL="457200" lvl="1" indent="0">
+              <a:buNone/>
+            </a:pPr>
+            <a:r>
+              <a:rPr lang="zh-CN" altLang="en-US" sz="1465">
+                <a:solidFill>
+                  <a:schemeClr val="tx1"/>
+                </a:solidFill>
+                <a:latin typeface="Lucida Console" panose="020B0609040504020204" charset="0"/>
+                <a:ea typeface="宋体" panose="02010600030101010101" pitchFamily="2" charset="-122"/>
+                <a:sym typeface="+mn-ea"/>
+              </a:rPr>
+              <a:t>使用</a:t>
+            </a:r>
+            <a:r>
+              <a:rPr lang="en-US" altLang="zh-CN" sz="1465">
+                <a:solidFill>
+                  <a:srgbClr val="0070C0"/>
+                </a:solidFill>
+                <a:latin typeface="Lucida Console" panose="020B0609040504020204" charset="0"/>
+                <a:ea typeface="宋体" panose="02010600030101010101" pitchFamily="2" charset="-122"/>
+                <a:sym typeface="+mn-ea"/>
+              </a:rPr>
+              <a:t>await/yield</a:t>
+            </a:r>
+            <a:r>
+              <a:rPr lang="zh-CN" altLang="en-US" sz="1465">
+                <a:solidFill>
+                  <a:schemeClr val="tx1"/>
+                </a:solidFill>
+                <a:latin typeface="Lucida Console" panose="020B0609040504020204" charset="0"/>
+                <a:ea typeface="宋体" panose="02010600030101010101" pitchFamily="2" charset="-122"/>
+                <a:sym typeface="+mn-ea"/>
+              </a:rPr>
+              <a:t>关键字，由编译器完成的协程逻辑代码。</a:t>
+            </a:r>
+            <a:endParaRPr lang="zh-CN" altLang="en-US" sz="1465">
+              <a:solidFill>
+                <a:schemeClr val="tx1"/>
+              </a:solidFill>
+              <a:latin typeface="Lucida Console" panose="020B0609040504020204" charset="0"/>
+              <a:ea typeface="宋体" panose="02010600030101010101" pitchFamily="2" charset="-122"/>
+              <a:sym typeface="+mn-ea"/>
+            </a:endParaRPr>
+          </a:p>
+          <a:p>
+            <a:pPr marL="457200" lvl="1" indent="0">
+              <a:buNone/>
+            </a:pPr>
+            <a:endParaRPr lang="zh-CN" altLang="en-US" sz="1465">
+              <a:solidFill>
+                <a:schemeClr val="tx1"/>
+              </a:solidFill>
+              <a:latin typeface="Lucida Console" panose="020B0609040504020204" charset="0"/>
+              <a:ea typeface="宋体" panose="02010600030101010101" pitchFamily="2" charset="-122"/>
+              <a:sym typeface="+mn-ea"/>
+            </a:endParaRPr>
+          </a:p>
+          <a:p>
+            <a:pPr marL="457200" indent="-457200">
+              <a:buAutoNum type="arabicPeriod"/>
+            </a:pPr>
+            <a:r>
+              <a:rPr sz="2000">
+                <a:solidFill>
+                  <a:schemeClr val="tx1"/>
+                </a:solidFill>
+                <a:latin typeface="Lucida Console" panose="020B0609040504020204" charset="0"/>
+                <a:ea typeface="宋体" panose="02010600030101010101" pitchFamily="2" charset="-122"/>
+                <a:sym typeface="+mn-ea"/>
+              </a:rPr>
+              <a:t>Awaitable</a:t>
+            </a:r>
+            <a:endParaRPr sz="2000">
+              <a:solidFill>
+                <a:schemeClr val="tx1"/>
+              </a:solidFill>
+              <a:latin typeface="Lucida Console" panose="020B0609040504020204" charset="0"/>
+              <a:ea typeface="宋体" panose="02010600030101010101" pitchFamily="2" charset="-122"/>
+              <a:sym typeface="+mn-ea"/>
+            </a:endParaRPr>
+          </a:p>
+          <a:p>
+            <a:pPr marL="457200" lvl="1" indent="0">
+              <a:buNone/>
+            </a:pPr>
+            <a:r>
+              <a:rPr lang="zh-CN" altLang="en-US" sz="1710">
+                <a:solidFill>
+                  <a:schemeClr val="tx1"/>
+                </a:solidFill>
+                <a:latin typeface="Lucida Console" panose="020B0609040504020204" charset="0"/>
+                <a:ea typeface="宋体" panose="02010600030101010101" pitchFamily="2" charset="-122"/>
+                <a:sym typeface="+mn-ea"/>
+              </a:rPr>
+              <a:t>支持</a:t>
+            </a:r>
+            <a:r>
+              <a:rPr lang="en-US" altLang="zh-CN" sz="1710">
+                <a:solidFill>
+                  <a:schemeClr val="tx1"/>
+                </a:solidFill>
+                <a:latin typeface="Lucida Console" panose="020B0609040504020204" charset="0"/>
+                <a:ea typeface="宋体" panose="02010600030101010101" pitchFamily="2" charset="-122"/>
+                <a:sym typeface="+mn-ea"/>
+              </a:rPr>
+              <a:t>“</a:t>
+            </a:r>
+            <a:r>
+              <a:rPr lang="zh-CN" altLang="en-US" sz="1710">
+                <a:solidFill>
+                  <a:schemeClr val="tx1"/>
+                </a:solidFill>
+                <a:latin typeface="Lucida Console" panose="020B0609040504020204" charset="0"/>
+                <a:ea typeface="宋体" panose="02010600030101010101" pitchFamily="2" charset="-122"/>
+                <a:sym typeface="+mn-ea"/>
+              </a:rPr>
+              <a:t>等待</a:t>
+            </a:r>
+            <a:r>
+              <a:rPr lang="en-US" altLang="zh-CN" sz="1710">
+                <a:solidFill>
+                  <a:schemeClr val="tx1"/>
+                </a:solidFill>
+                <a:latin typeface="Lucida Console" panose="020B0609040504020204" charset="0"/>
+                <a:ea typeface="宋体" panose="02010600030101010101" pitchFamily="2" charset="-122"/>
+                <a:sym typeface="+mn-ea"/>
+              </a:rPr>
+              <a:t>”</a:t>
+            </a:r>
+            <a:r>
+              <a:rPr lang="zh-CN" altLang="en-US" sz="1710">
+                <a:solidFill>
+                  <a:schemeClr val="tx1"/>
+                </a:solidFill>
+                <a:latin typeface="Lucida Console" panose="020B0609040504020204" charset="0"/>
+                <a:ea typeface="宋体" panose="02010600030101010101" pitchFamily="2" charset="-122"/>
+                <a:sym typeface="+mn-ea"/>
+              </a:rPr>
+              <a:t>行为的函数。</a:t>
+            </a:r>
+            <a:r>
+              <a:rPr lang="en-US" altLang="zh-CN" sz="1710">
+                <a:solidFill>
+                  <a:schemeClr val="tx1"/>
+                </a:solidFill>
+                <a:latin typeface="Lucida Console" panose="020B0609040504020204" charset="0"/>
+                <a:ea typeface="宋体" panose="02010600030101010101" pitchFamily="2" charset="-122"/>
+                <a:sym typeface="+mn-ea"/>
+              </a:rPr>
+              <a:t>Resume function</a:t>
+            </a:r>
+            <a:r>
+              <a:rPr lang="zh-CN" altLang="en-US" sz="1710">
+                <a:solidFill>
+                  <a:schemeClr val="tx1"/>
+                </a:solidFill>
+                <a:latin typeface="Lucida Console" panose="020B0609040504020204" charset="0"/>
+                <a:ea typeface="宋体" panose="02010600030101010101" pitchFamily="2" charset="-122"/>
+                <a:sym typeface="+mn-ea"/>
+              </a:rPr>
+              <a:t>也是一个</a:t>
+            </a:r>
+            <a:r>
+              <a:rPr lang="en-US" altLang="zh-CN" sz="1710">
+                <a:solidFill>
+                  <a:schemeClr val="tx1"/>
+                </a:solidFill>
+                <a:latin typeface="Lucida Console" panose="020B0609040504020204" charset="0"/>
+                <a:ea typeface="宋体" panose="02010600030101010101" pitchFamily="2" charset="-122"/>
+                <a:sym typeface="+mn-ea"/>
+              </a:rPr>
+              <a:t>Awaitable function</a:t>
+            </a:r>
+            <a:r>
+              <a:rPr lang="zh-CN" altLang="en-US" sz="1710">
+                <a:solidFill>
+                  <a:schemeClr val="tx1"/>
+                </a:solidFill>
+                <a:latin typeface="Lucida Console" panose="020B0609040504020204" charset="0"/>
+                <a:ea typeface="宋体" panose="02010600030101010101" pitchFamily="2" charset="-122"/>
+                <a:sym typeface="+mn-ea"/>
+              </a:rPr>
+              <a:t>。主要用于</a:t>
+            </a:r>
+            <a:r>
+              <a:rPr lang="en-US" altLang="zh-CN" sz="1710">
+                <a:solidFill>
+                  <a:schemeClr val="tx1"/>
+                </a:solidFill>
+                <a:latin typeface="Lucida Console" panose="020B0609040504020204" charset="0"/>
+                <a:ea typeface="宋体" panose="02010600030101010101" pitchFamily="2" charset="-122"/>
+                <a:sym typeface="+mn-ea"/>
+              </a:rPr>
+              <a:t>“</a:t>
+            </a:r>
+            <a:r>
+              <a:rPr lang="zh-CN" altLang="en-US" sz="1710">
+                <a:solidFill>
+                  <a:schemeClr val="tx1"/>
+                </a:solidFill>
+                <a:latin typeface="Lucida Console" panose="020B0609040504020204" charset="0"/>
+                <a:ea typeface="宋体" panose="02010600030101010101" pitchFamily="2" charset="-122"/>
+                <a:sym typeface="+mn-ea"/>
+              </a:rPr>
+              <a:t>绿化</a:t>
+            </a:r>
+            <a:r>
+              <a:rPr lang="en-US" altLang="zh-CN" sz="1710">
+                <a:solidFill>
+                  <a:schemeClr val="tx1"/>
+                </a:solidFill>
+                <a:latin typeface="Lucida Console" panose="020B0609040504020204" charset="0"/>
+                <a:ea typeface="宋体" panose="02010600030101010101" pitchFamily="2" charset="-122"/>
+                <a:sym typeface="+mn-ea"/>
+              </a:rPr>
+              <a:t>”</a:t>
+            </a:r>
+            <a:r>
+              <a:rPr lang="zh-CN" altLang="en-US" sz="1710">
+                <a:solidFill>
+                  <a:schemeClr val="tx1"/>
+                </a:solidFill>
+                <a:latin typeface="Lucida Console" panose="020B0609040504020204" charset="0"/>
+                <a:ea typeface="宋体" panose="02010600030101010101" pitchFamily="2" charset="-122"/>
+                <a:sym typeface="+mn-ea"/>
+              </a:rPr>
+              <a:t>阻塞</a:t>
+            </a:r>
+            <a:r>
+              <a:rPr lang="en-US" altLang="zh-CN" sz="1710">
+                <a:solidFill>
+                  <a:schemeClr val="tx1"/>
+                </a:solidFill>
+                <a:latin typeface="Lucida Console" panose="020B0609040504020204" charset="0"/>
+                <a:ea typeface="宋体" panose="02010600030101010101" pitchFamily="2" charset="-122"/>
+                <a:sym typeface="+mn-ea"/>
+              </a:rPr>
+              <a:t>/</a:t>
+            </a:r>
+            <a:r>
+              <a:rPr lang="zh-CN" altLang="en-US" sz="1710">
+                <a:solidFill>
+                  <a:schemeClr val="tx1"/>
+                </a:solidFill>
+                <a:latin typeface="Lucida Console" panose="020B0609040504020204" charset="0"/>
+                <a:ea typeface="宋体" panose="02010600030101010101" pitchFamily="2" charset="-122"/>
+                <a:sym typeface="+mn-ea"/>
+              </a:rPr>
+              <a:t>异步代码。</a:t>
+            </a:r>
+            <a:endParaRPr lang="zh-CN" altLang="en-US" sz="1710">
+              <a:solidFill>
+                <a:schemeClr val="tx1"/>
+              </a:solidFill>
+              <a:latin typeface="Lucida Console" panose="020B0609040504020204" charset="0"/>
+              <a:ea typeface="宋体" panose="02010600030101010101" pitchFamily="2" charset="-122"/>
+              <a:sym typeface="+mn-ea"/>
+            </a:endParaRPr>
+          </a:p>
+          <a:p>
+            <a:pPr marL="457200" lvl="1" indent="0">
+              <a:buNone/>
+            </a:pPr>
+            <a:endParaRPr lang="zh-CN" altLang="en-US" sz="1710">
+              <a:solidFill>
+                <a:schemeClr val="tx1"/>
+              </a:solidFill>
+              <a:latin typeface="Lucida Console" panose="020B0609040504020204" charset="0"/>
+              <a:ea typeface="宋体" panose="02010600030101010101" pitchFamily="2" charset="-122"/>
+              <a:sym typeface="+mn-ea"/>
+            </a:endParaRPr>
+          </a:p>
+          <a:p>
+            <a:pPr marL="457200" indent="-457200">
+              <a:buAutoNum type="arabicPeriod"/>
+            </a:pPr>
+            <a:r>
+              <a:rPr lang="en-US" altLang="zh-CN" sz="2000">
+                <a:solidFill>
+                  <a:schemeClr val="tx1"/>
+                </a:solidFill>
+                <a:latin typeface="Lucida Console" panose="020B0609040504020204" charset="0"/>
+                <a:ea typeface="宋体" panose="02010600030101010101" pitchFamily="2" charset="-122"/>
+                <a:sym typeface="+mn-ea"/>
+              </a:rPr>
+              <a:t>State</a:t>
+            </a:r>
+            <a:endParaRPr lang="en-US" altLang="zh-CN" sz="2000">
+              <a:solidFill>
+                <a:schemeClr val="tx1"/>
+              </a:solidFill>
+              <a:latin typeface="Lucida Console" panose="020B0609040504020204" charset="0"/>
+              <a:ea typeface="宋体" panose="02010600030101010101" pitchFamily="2" charset="-122"/>
+              <a:sym typeface="+mn-ea"/>
+            </a:endParaRPr>
+          </a:p>
+          <a:p>
+            <a:pPr marL="457200" lvl="1" indent="0">
+              <a:buNone/>
+            </a:pPr>
+            <a:r>
+              <a:rPr lang="zh-CN" altLang="en-US" sz="1710">
+                <a:solidFill>
+                  <a:schemeClr val="tx1"/>
+                </a:solidFill>
+                <a:latin typeface="Lucida Console" panose="020B0609040504020204" charset="0"/>
+                <a:ea typeface="宋体" panose="02010600030101010101" pitchFamily="2" charset="-122"/>
+                <a:sym typeface="+mn-ea"/>
+              </a:rPr>
+              <a:t>考虑前后数据的变化，重新校验数据</a:t>
+            </a:r>
+            <a:endParaRPr lang="en-US" altLang="zh-CN" sz="2000">
+              <a:solidFill>
+                <a:schemeClr val="tx1"/>
+              </a:solidFill>
+              <a:latin typeface="Lucida Console" panose="020B0609040504020204" charset="0"/>
+              <a:ea typeface="宋体" panose="02010600030101010101" pitchFamily="2" charset="-122"/>
+              <a:sym typeface="+mn-ea"/>
+            </a:endParaRPr>
+          </a:p>
+        </p:txBody>
+      </p:sp>
+    </p:spTree>
+  </p:cSld>
+  <p:clrMapOvr>
+    <a:masterClrMapping/>
+  </p:clrMapOvr>
+  <p:timing>
+    <p:tnLst>
+      <p:par>
+        <p:cTn id="1" dur="indefinite" restart="never" nodeType="tmRoot">
+          <p:childTnLst>
+            <p:seq concurrent="1" nextAc="seek">
+              <p:cTn id="2" dur="indefinite" nodeType="mainSeq">
+                <p:childTnLst>
+                  <p:par>
+                    <p:cTn id="3" fill="hold">
+                      <p:stCondLst>
+                        <p:cond delay="indefinite"/>
+                      </p:stCondLst>
+                      <p:childTnLst>
+                        <p:par>
+                          <p:cTn id="4" fill="hold">
+                            <p:stCondLst>
+                              <p:cond delay="0"/>
+                            </p:stCondLst>
+                            <p:childTnLst>
+                              <p:par>
+                                <p:cTn id="5" presetID="8" presetClass="entr" presetSubtype="16" fill="hold" grpId="0" nodeType="clickEffect">
+                                  <p:stCondLst>
+                                    <p:cond delay="0"/>
+                                  </p:stCondLst>
+                                  <p:childTnLst>
+                                    <p:set>
+                                      <p:cBhvr>
+                                        <p:cTn id="6" dur="1" fill="hold">
+                                          <p:stCondLst>
+                                            <p:cond delay="0"/>
+                                          </p:stCondLst>
+                                        </p:cTn>
+                                        <p:tgtEl>
+                                          <p:spTgt spid="3"/>
+                                        </p:tgtEl>
+                                        <p:attrNameLst>
+                                          <p:attrName>style.visibility</p:attrName>
+                                        </p:attrNameLst>
+                                      </p:cBhvr>
+                                      <p:to>
+                                        <p:strVal val="visible"/>
+                                      </p:to>
+                                    </p:set>
+                                    <p:animEffect transition="in" filter="diamond(in)">
+                                      <p:cBhvr>
+                                        <p:cTn id="7" dur="2000"/>
+                                        <p:tgtEl>
+                                          <p:spTgt spid="3"/>
+                                        </p:tgtEl>
+                                      </p:cBhvr>
+                                    </p:animEffect>
+                                  </p:childTnLst>
+                                </p:cTn>
+                              </p:par>
+                            </p:childTnLst>
+                          </p:cTn>
+                        </p:par>
+                      </p:childTnLst>
+                    </p:cTn>
+                  </p:par>
+                </p:childTnLst>
+              </p:cTn>
+              <p:prevCondLst>
+                <p:cond evt="onPrev" delay="0">
+                  <p:tgtEl>
+                    <p:sldTgt/>
+                  </p:tgtEl>
+                </p:cond>
+              </p:prevCondLst>
+              <p:nextCondLst>
+                <p:cond evt="onNext" delay="0">
+                  <p:tgtEl>
+                    <p:sldTgt/>
+                  </p:tgtEl>
+                </p:cond>
+              </p:nextCondLst>
+            </p:seq>
+          </p:childTnLst>
+        </p:cTn>
+      </p:par>
+    </p:tnLst>
+    <p:bldLst>
+      <p:bldP spid="3" grpId="0"/>
+    </p:bldLst>
+  </p:timing>
+</p:sld>
+</file>
+
+<file path=ppt/slides/slide46.xml><?xml version="1.0" encoding="utf-8"?>
+<p:sld xmlns:a="http://schemas.openxmlformats.org/drawingml/2006/main" xmlns:r="http://schemas.openxmlformats.org/officeDocument/2006/relationships" xmlns:p="http://schemas.openxmlformats.org/presentationml/2006/main">
+  <p:cSld>
+    <p:spTree>
+      <p:nvGrpSpPr>
+        <p:cNvPr id="1" name=""/>
+        <p:cNvGrpSpPr/>
+        <p:nvPr/>
+      </p:nvGrpSpPr>
+      <p:grpSpPr/>
+      <p:sp>
+        <p:nvSpPr>
+          <p:cNvPr id="2" name="标题 1"/>
+          <p:cNvSpPr>
+            <a:spLocks noGrp="1"/>
+          </p:cNvSpPr>
+          <p:nvPr>
+            <p:ph type="title"/>
+          </p:nvPr>
+        </p:nvSpPr>
+        <p:spPr>
+          <a:xfrm>
+            <a:off x="838200" y="365125"/>
+            <a:ext cx="10515600" cy="596900"/>
+          </a:xfrm>
+        </p:spPr>
+        <p:txBody>
+          <a:bodyPr>
+            <a:normAutofit fontScale="90000"/>
+          </a:bodyPr>
+          <a:p>
+            <a:pPr algn="ctr"/>
+            <a:r>
+              <a:rPr>
+                <a:ln w="10160">
+                  <a:solidFill>
+                    <a:schemeClr val="accent6"/>
+                  </a:solidFill>
+                  <a:prstDash val="solid"/>
+                </a:ln>
+                <a:solidFill>
+                  <a:srgbClr val="FFFFFF"/>
+                </a:solidFill>
+                <a:effectLst>
+                  <a:outerShdw blurRad="38100" dist="22860" dir="5400000" algn="tl" rotWithShape="0">
+                    <a:srgbClr val="000000">
+                      <a:alpha val="30000"/>
+                    </a:srgbClr>
+                  </a:outerShdw>
+                </a:effectLst>
+              </a:rPr>
+              <a:t>Resume function的总结</a:t>
+            </a:r>
+            <a:endParaRPr>
+              <a:ln w="10160">
+                <a:solidFill>
+                  <a:schemeClr val="accent6"/>
+                </a:solidFill>
+                <a:prstDash val="solid"/>
+              </a:ln>
+              <a:solidFill>
+                <a:srgbClr val="FFFFFF"/>
+              </a:solidFill>
+              <a:effectLst>
+                <a:outerShdw blurRad="38100" dist="22860" dir="5400000" algn="tl" rotWithShape="0">
+                  <a:srgbClr val="000000">
+                    <a:alpha val="30000"/>
+                  </a:srgbClr>
+                </a:outerShdw>
+              </a:effectLst>
+            </a:endParaRPr>
+          </a:p>
+        </p:txBody>
+      </p:sp>
+      <p:sp>
+        <p:nvSpPr>
+          <p:cNvPr id="4" name="内容占位符 4"/>
+          <p:cNvSpPr>
+            <a:spLocks noGrp="1"/>
+          </p:cNvSpPr>
+          <p:nvPr/>
+        </p:nvSpPr>
+        <p:spPr>
+          <a:xfrm>
+            <a:off x="838200" y="1332865"/>
+            <a:ext cx="10515600" cy="2715895"/>
+          </a:xfrm>
+          <a:prstGeom prst="rect">
+            <a:avLst/>
+          </a:prstGeom>
+        </p:spPr>
+        <p:txBody>
+          <a:bodyPr vert="horz" lIns="91440" tIns="45720" rIns="91440" bIns="45720" rtlCol="0">
+            <a:noAutofit/>
+          </a:bodyPr>
+          <a:lstStyle>
+            <a:lvl1pPr marL="228600" indent="-228600" algn="l" defTabSz="914400" rtl="0" eaLnBrk="1" latinLnBrk="0" hangingPunct="1">
+              <a:lnSpc>
+                <a:spcPct val="90000"/>
+              </a:lnSpc>
+              <a:spcBef>
+                <a:spcPts val="1000"/>
+              </a:spcBef>
+              <a:buFont typeface="Arial" panose="020B0604020202020204" pitchFamily="34" charset="0"/>
+              <a:buChar char="•"/>
+              <a:defRPr sz="2800" kern="1200">
+                <a:solidFill>
+                  <a:schemeClr val="tx1"/>
+                </a:solidFill>
+                <a:latin typeface="+mn-lt"/>
+                <a:ea typeface="+mn-ea"/>
+                <a:cs typeface="+mn-cs"/>
+              </a:defRPr>
+            </a:lvl1pPr>
+            <a:lvl2pPr marL="685800" indent="-228600" algn="l" defTabSz="914400" rtl="0" eaLnBrk="1" latinLnBrk="0" hangingPunct="1">
+              <a:lnSpc>
+                <a:spcPct val="90000"/>
+              </a:lnSpc>
+              <a:spcBef>
+                <a:spcPts val="500"/>
+              </a:spcBef>
+              <a:buFont typeface="Arial" panose="020B0604020202020204" pitchFamily="34" charset="0"/>
+              <a:buChar char="•"/>
+              <a:defRPr sz="2400" kern="1200">
+                <a:solidFill>
+                  <a:schemeClr val="tx1"/>
+                </a:solidFill>
+                <a:latin typeface="+mn-lt"/>
+                <a:ea typeface="+mn-ea"/>
+                <a:cs typeface="+mn-cs"/>
+              </a:defRPr>
+            </a:lvl2pPr>
+            <a:lvl3pPr marL="1143000" indent="-228600" algn="l" defTabSz="914400" rtl="0" eaLnBrk="1" latinLnBrk="0" hangingPunct="1">
+              <a:lnSpc>
+                <a:spcPct val="90000"/>
+              </a:lnSpc>
+              <a:spcBef>
+                <a:spcPts val="500"/>
+              </a:spcBef>
+              <a:buFont typeface="Arial" panose="020B0604020202020204" pitchFamily="34" charset="0"/>
+              <a:buChar char="•"/>
+              <a:defRPr sz="2000" kern="1200">
+                <a:solidFill>
+                  <a:schemeClr val="tx1"/>
+                </a:solidFill>
+                <a:latin typeface="+mn-lt"/>
+                <a:ea typeface="+mn-ea"/>
+                <a:cs typeface="+mn-cs"/>
+              </a:defRPr>
+            </a:lvl3pPr>
+            <a:lvl4pPr marL="1600200" indent="-228600" algn="l" defTabSz="914400" rtl="0" eaLnBrk="1" latinLnBrk="0" hangingPunct="1">
+              <a:lnSpc>
+                <a:spcPct val="90000"/>
+              </a:lnSpc>
+              <a:spcBef>
+                <a:spcPts val="500"/>
+              </a:spcBef>
+              <a:buFont typeface="Arial" panose="020B0604020202020204" pitchFamily="34" charset="0"/>
+              <a:buChar char="•"/>
+              <a:defRPr sz="1800" kern="1200">
+                <a:solidFill>
+                  <a:schemeClr val="tx1"/>
+                </a:solidFill>
+                <a:latin typeface="+mn-lt"/>
+                <a:ea typeface="+mn-ea"/>
+                <a:cs typeface="+mn-cs"/>
+              </a:defRPr>
+            </a:lvl4pPr>
+            <a:lvl5pPr marL="2057400" indent="-228600" algn="l" defTabSz="914400" rtl="0" eaLnBrk="1" latinLnBrk="0" hangingPunct="1">
+              <a:lnSpc>
+                <a:spcPct val="90000"/>
+              </a:lnSpc>
+              <a:spcBef>
+                <a:spcPts val="500"/>
+              </a:spcBef>
+              <a:buFont typeface="Arial" panose="020B0604020202020204" pitchFamily="34" charset="0"/>
+              <a:buChar char="•"/>
+              <a:defRPr sz="1800" kern="1200">
+                <a:solidFill>
+                  <a:schemeClr val="tx1"/>
+                </a:solidFill>
+                <a:latin typeface="+mn-lt"/>
+                <a:ea typeface="+mn-ea"/>
+                <a:cs typeface="+mn-cs"/>
+              </a:defRPr>
+            </a:lvl5pPr>
+            <a:lvl6pPr marL="2514600" indent="-228600" algn="l" defTabSz="914400" rtl="0" eaLnBrk="1" latinLnBrk="0" hangingPunct="1">
+              <a:lnSpc>
+                <a:spcPct val="90000"/>
+              </a:lnSpc>
+              <a:spcBef>
+                <a:spcPts val="500"/>
+              </a:spcBef>
+              <a:buFont typeface="Arial" panose="020B0604020202020204" pitchFamily="34" charset="0"/>
+              <a:buChar char="•"/>
+              <a:defRPr sz="1800" kern="1200">
+                <a:solidFill>
+                  <a:schemeClr val="tx1"/>
+                </a:solidFill>
+                <a:latin typeface="+mn-lt"/>
+                <a:ea typeface="+mn-ea"/>
+                <a:cs typeface="+mn-cs"/>
+              </a:defRPr>
+            </a:lvl6pPr>
+            <a:lvl7pPr marL="2971800" indent="-228600" algn="l" defTabSz="914400" rtl="0" eaLnBrk="1" latinLnBrk="0" hangingPunct="1">
+              <a:lnSpc>
+                <a:spcPct val="90000"/>
+              </a:lnSpc>
+              <a:spcBef>
+                <a:spcPts val="500"/>
+              </a:spcBef>
+              <a:buFont typeface="Arial" panose="020B0604020202020204" pitchFamily="34" charset="0"/>
+              <a:buChar char="•"/>
+              <a:defRPr sz="1800" kern="1200">
+                <a:solidFill>
+                  <a:schemeClr val="tx1"/>
+                </a:solidFill>
+                <a:latin typeface="+mn-lt"/>
+                <a:ea typeface="+mn-ea"/>
+                <a:cs typeface="+mn-cs"/>
+              </a:defRPr>
+            </a:lvl7pPr>
+            <a:lvl8pPr marL="3429000" indent="-228600" algn="l" defTabSz="914400" rtl="0" eaLnBrk="1" latinLnBrk="0" hangingPunct="1">
+              <a:lnSpc>
+                <a:spcPct val="90000"/>
+              </a:lnSpc>
+              <a:spcBef>
+                <a:spcPts val="500"/>
+              </a:spcBef>
+              <a:buFont typeface="Arial" panose="020B0604020202020204" pitchFamily="34" charset="0"/>
+              <a:buChar char="•"/>
+              <a:defRPr sz="1800" kern="1200">
+                <a:solidFill>
+                  <a:schemeClr val="tx1"/>
+                </a:solidFill>
+                <a:latin typeface="+mn-lt"/>
+                <a:ea typeface="+mn-ea"/>
+                <a:cs typeface="+mn-cs"/>
+              </a:defRPr>
+            </a:lvl8pPr>
+            <a:lvl9pPr marL="3886200" indent="-228600" algn="l" defTabSz="914400" rtl="0" eaLnBrk="1" latinLnBrk="0" hangingPunct="1">
+              <a:lnSpc>
+                <a:spcPct val="90000"/>
+              </a:lnSpc>
+              <a:spcBef>
+                <a:spcPts val="500"/>
+              </a:spcBef>
+              <a:buFont typeface="Arial" panose="020B0604020202020204" pitchFamily="34" charset="0"/>
+              <a:buChar char="•"/>
+              <a:defRPr sz="1800" kern="1200">
+                <a:solidFill>
+                  <a:schemeClr val="tx1"/>
+                </a:solidFill>
+                <a:latin typeface="+mn-lt"/>
+                <a:ea typeface="+mn-ea"/>
+                <a:cs typeface="+mn-cs"/>
+              </a:defRPr>
+            </a:lvl9pPr>
+          </a:lstStyle>
+          <a:p>
+            <a:pPr marL="0" indent="0" algn="ctr">
+              <a:buNone/>
+            </a:pPr>
+            <a:r>
+              <a:rPr lang="en-US" altLang="zh-CN" sz="6000">
+                <a:solidFill>
+                  <a:schemeClr val="tx1"/>
+                </a:solidFill>
+                <a:latin typeface="Lucida Console" panose="020B0609040504020204" charset="0"/>
+                <a:ea typeface="宋体" panose="02010600030101010101" pitchFamily="2" charset="-122"/>
+                <a:sym typeface="+mn-ea"/>
+              </a:rPr>
+              <a:t>UI</a:t>
+            </a:r>
+            <a:endParaRPr lang="en-US" altLang="zh-CN" sz="6000">
+              <a:solidFill>
+                <a:schemeClr val="tx1"/>
+              </a:solidFill>
+              <a:latin typeface="Lucida Console" panose="020B0609040504020204" charset="0"/>
+              <a:ea typeface="宋体" panose="02010600030101010101" pitchFamily="2" charset="-122"/>
+              <a:sym typeface="+mn-ea"/>
+            </a:endParaRPr>
+          </a:p>
+          <a:p>
+            <a:pPr marL="0" indent="0" algn="ctr">
+              <a:buNone/>
+            </a:pPr>
+            <a:r>
+              <a:rPr lang="en-US" sz="6000">
+                <a:solidFill>
+                  <a:schemeClr val="tx1"/>
+                </a:solidFill>
+                <a:latin typeface="Lucida Console" panose="020B0609040504020204" charset="0"/>
+                <a:ea typeface="宋体" panose="02010600030101010101" pitchFamily="2" charset="-122"/>
+                <a:sym typeface="+mn-ea"/>
+              </a:rPr>
+              <a:t>MySQL</a:t>
+            </a:r>
+            <a:endParaRPr lang="en-US" sz="6000">
+              <a:solidFill>
+                <a:schemeClr val="tx1"/>
+              </a:solidFill>
+              <a:latin typeface="Lucida Console" panose="020B0609040504020204" charset="0"/>
+              <a:ea typeface="宋体" panose="02010600030101010101" pitchFamily="2" charset="-122"/>
+              <a:sym typeface="+mn-ea"/>
+            </a:endParaRPr>
+          </a:p>
+          <a:p>
+            <a:pPr marL="0" indent="0" algn="ctr">
+              <a:buNone/>
+            </a:pPr>
+            <a:r>
+              <a:rPr lang="en-US" altLang="zh-CN" sz="6000">
+                <a:solidFill>
+                  <a:schemeClr val="tx1"/>
+                </a:solidFill>
+                <a:latin typeface="Lucida Console" panose="020B0609040504020204" charset="0"/>
+                <a:ea typeface="宋体" panose="02010600030101010101" pitchFamily="2" charset="-122"/>
+                <a:sym typeface="+mn-ea"/>
+              </a:rPr>
+              <a:t>ASIO</a:t>
+            </a:r>
+            <a:endParaRPr lang="en-US" altLang="zh-CN" sz="6000">
+              <a:solidFill>
+                <a:schemeClr val="tx1"/>
+              </a:solidFill>
+              <a:latin typeface="Lucida Console" panose="020B0609040504020204" charset="0"/>
+              <a:ea typeface="宋体" panose="02010600030101010101" pitchFamily="2" charset="-122"/>
+              <a:sym typeface="+mn-ea"/>
+            </a:endParaRPr>
+          </a:p>
+        </p:txBody>
+      </p:sp>
+      <p:sp>
+        <p:nvSpPr>
+          <p:cNvPr id="5" name="内容占位符 4"/>
+          <p:cNvSpPr>
+            <a:spLocks noGrp="1"/>
+          </p:cNvSpPr>
+          <p:nvPr/>
+        </p:nvSpPr>
+        <p:spPr>
+          <a:xfrm>
+            <a:off x="838200" y="4002405"/>
+            <a:ext cx="10515600" cy="1961515"/>
+          </a:xfrm>
+          <a:prstGeom prst="rect">
+            <a:avLst/>
+          </a:prstGeom>
+        </p:spPr>
+        <p:txBody>
+          <a:bodyPr vert="horz" lIns="91440" tIns="45720" rIns="91440" bIns="45720" rtlCol="0">
+            <a:normAutofit lnSpcReduction="10000"/>
+          </a:bodyPr>
+          <a:lstStyle>
+            <a:lvl1pPr marL="228600" indent="-228600" algn="l" defTabSz="914400" rtl="0" eaLnBrk="1" latinLnBrk="0" hangingPunct="1">
+              <a:lnSpc>
+                <a:spcPct val="90000"/>
+              </a:lnSpc>
+              <a:spcBef>
+                <a:spcPts val="1000"/>
+              </a:spcBef>
+              <a:buFont typeface="Arial" panose="020B0604020202020204" pitchFamily="34" charset="0"/>
+              <a:buChar char="•"/>
+              <a:defRPr sz="2800" kern="1200">
+                <a:solidFill>
+                  <a:schemeClr val="tx1"/>
+                </a:solidFill>
+                <a:latin typeface="+mn-lt"/>
+                <a:ea typeface="+mn-ea"/>
+                <a:cs typeface="+mn-cs"/>
+              </a:defRPr>
+            </a:lvl1pPr>
+            <a:lvl2pPr marL="685800" indent="-228600" algn="l" defTabSz="914400" rtl="0" eaLnBrk="1" latinLnBrk="0" hangingPunct="1">
+              <a:lnSpc>
+                <a:spcPct val="90000"/>
+              </a:lnSpc>
+              <a:spcBef>
+                <a:spcPts val="500"/>
+              </a:spcBef>
+              <a:buFont typeface="Arial" panose="020B0604020202020204" pitchFamily="34" charset="0"/>
+              <a:buChar char="•"/>
+              <a:defRPr sz="2400" kern="1200">
+                <a:solidFill>
+                  <a:schemeClr val="tx1"/>
+                </a:solidFill>
+                <a:latin typeface="+mn-lt"/>
+                <a:ea typeface="+mn-ea"/>
+                <a:cs typeface="+mn-cs"/>
+              </a:defRPr>
+            </a:lvl2pPr>
+            <a:lvl3pPr marL="1143000" indent="-228600" algn="l" defTabSz="914400" rtl="0" eaLnBrk="1" latinLnBrk="0" hangingPunct="1">
+              <a:lnSpc>
+                <a:spcPct val="90000"/>
+              </a:lnSpc>
+              <a:spcBef>
+                <a:spcPts val="500"/>
+              </a:spcBef>
+              <a:buFont typeface="Arial" panose="020B0604020202020204" pitchFamily="34" charset="0"/>
+              <a:buChar char="•"/>
+              <a:defRPr sz="2000" kern="1200">
+                <a:solidFill>
+                  <a:schemeClr val="tx1"/>
+                </a:solidFill>
+                <a:latin typeface="+mn-lt"/>
+                <a:ea typeface="+mn-ea"/>
+                <a:cs typeface="+mn-cs"/>
+              </a:defRPr>
+            </a:lvl3pPr>
+            <a:lvl4pPr marL="1600200" indent="-228600" algn="l" defTabSz="914400" rtl="0" eaLnBrk="1" latinLnBrk="0" hangingPunct="1">
+              <a:lnSpc>
+                <a:spcPct val="90000"/>
+              </a:lnSpc>
+              <a:spcBef>
+                <a:spcPts val="500"/>
+              </a:spcBef>
+              <a:buFont typeface="Arial" panose="020B0604020202020204" pitchFamily="34" charset="0"/>
+              <a:buChar char="•"/>
+              <a:defRPr sz="1800" kern="1200">
+                <a:solidFill>
+                  <a:schemeClr val="tx1"/>
+                </a:solidFill>
+                <a:latin typeface="+mn-lt"/>
+                <a:ea typeface="+mn-ea"/>
+                <a:cs typeface="+mn-cs"/>
+              </a:defRPr>
+            </a:lvl4pPr>
+            <a:lvl5pPr marL="2057400" indent="-228600" algn="l" defTabSz="914400" rtl="0" eaLnBrk="1" latinLnBrk="0" hangingPunct="1">
+              <a:lnSpc>
+                <a:spcPct val="90000"/>
+              </a:lnSpc>
+              <a:spcBef>
+                <a:spcPts val="500"/>
+              </a:spcBef>
+              <a:buFont typeface="Arial" panose="020B0604020202020204" pitchFamily="34" charset="0"/>
+              <a:buChar char="•"/>
+              <a:defRPr sz="1800" kern="1200">
+                <a:solidFill>
+                  <a:schemeClr val="tx1"/>
+                </a:solidFill>
+                <a:latin typeface="+mn-lt"/>
+                <a:ea typeface="+mn-ea"/>
+                <a:cs typeface="+mn-cs"/>
+              </a:defRPr>
+            </a:lvl5pPr>
+            <a:lvl6pPr marL="2514600" indent="-228600" algn="l" defTabSz="914400" rtl="0" eaLnBrk="1" latinLnBrk="0" hangingPunct="1">
+              <a:lnSpc>
+                <a:spcPct val="90000"/>
+              </a:lnSpc>
+              <a:spcBef>
+                <a:spcPts val="500"/>
+              </a:spcBef>
+              <a:buFont typeface="Arial" panose="020B0604020202020204" pitchFamily="34" charset="0"/>
+              <a:buChar char="•"/>
+              <a:defRPr sz="1800" kern="1200">
+                <a:solidFill>
+                  <a:schemeClr val="tx1"/>
+                </a:solidFill>
+                <a:latin typeface="+mn-lt"/>
+                <a:ea typeface="+mn-ea"/>
+                <a:cs typeface="+mn-cs"/>
+              </a:defRPr>
+            </a:lvl6pPr>
+            <a:lvl7pPr marL="2971800" indent="-228600" algn="l" defTabSz="914400" rtl="0" eaLnBrk="1" latinLnBrk="0" hangingPunct="1">
+              <a:lnSpc>
+                <a:spcPct val="90000"/>
+              </a:lnSpc>
+              <a:spcBef>
+                <a:spcPts val="500"/>
+              </a:spcBef>
+              <a:buFont typeface="Arial" panose="020B0604020202020204" pitchFamily="34" charset="0"/>
+              <a:buChar char="•"/>
+              <a:defRPr sz="1800" kern="1200">
+                <a:solidFill>
+                  <a:schemeClr val="tx1"/>
+                </a:solidFill>
+                <a:latin typeface="+mn-lt"/>
+                <a:ea typeface="+mn-ea"/>
+                <a:cs typeface="+mn-cs"/>
+              </a:defRPr>
+            </a:lvl7pPr>
+            <a:lvl8pPr marL="3429000" indent="-228600" algn="l" defTabSz="914400" rtl="0" eaLnBrk="1" latinLnBrk="0" hangingPunct="1">
+              <a:lnSpc>
+                <a:spcPct val="90000"/>
+              </a:lnSpc>
+              <a:spcBef>
+                <a:spcPts val="500"/>
+              </a:spcBef>
+              <a:buFont typeface="Arial" panose="020B0604020202020204" pitchFamily="34" charset="0"/>
+              <a:buChar char="•"/>
+              <a:defRPr sz="1800" kern="1200">
+                <a:solidFill>
+                  <a:schemeClr val="tx1"/>
+                </a:solidFill>
+                <a:latin typeface="+mn-lt"/>
+                <a:ea typeface="+mn-ea"/>
+                <a:cs typeface="+mn-cs"/>
+              </a:defRPr>
+            </a:lvl8pPr>
+            <a:lvl9pPr marL="3886200" indent="-228600" algn="l" defTabSz="914400" rtl="0" eaLnBrk="1" latinLnBrk="0" hangingPunct="1">
+              <a:lnSpc>
+                <a:spcPct val="90000"/>
+              </a:lnSpc>
+              <a:spcBef>
+                <a:spcPts val="500"/>
+              </a:spcBef>
+              <a:buFont typeface="Arial" panose="020B0604020202020204" pitchFamily="34" charset="0"/>
+              <a:buChar char="•"/>
+              <a:defRPr sz="1800" kern="1200">
+                <a:solidFill>
+                  <a:schemeClr val="tx1"/>
+                </a:solidFill>
+                <a:latin typeface="+mn-lt"/>
+                <a:ea typeface="+mn-ea"/>
+                <a:cs typeface="+mn-cs"/>
+              </a:defRPr>
+            </a:lvl9pPr>
+          </a:lstStyle>
+          <a:p>
+            <a:pPr marL="0" indent="0">
+              <a:buNone/>
+            </a:pPr>
+            <a:endParaRPr lang="en-US" sz="2000">
+              <a:solidFill>
+                <a:schemeClr val="accent4">
+                  <a:lumMod val="75000"/>
+                </a:schemeClr>
+              </a:solidFill>
+              <a:latin typeface="Lucida Console" panose="020B0609040504020204" charset="0"/>
+              <a:ea typeface="宋体" panose="02010600030101010101" pitchFamily="2" charset="-122"/>
+              <a:sym typeface="+mn-ea"/>
+            </a:endParaRPr>
+          </a:p>
+        </p:txBody>
+      </p:sp>
+      <p:sp>
+        <p:nvSpPr>
+          <p:cNvPr id="3" name="内容占位符 4"/>
+          <p:cNvSpPr>
+            <a:spLocks noGrp="1"/>
+          </p:cNvSpPr>
+          <p:nvPr/>
+        </p:nvSpPr>
+        <p:spPr>
+          <a:xfrm>
+            <a:off x="895350" y="3180080"/>
+            <a:ext cx="10515600" cy="2298700"/>
+          </a:xfrm>
+          <a:prstGeom prst="rect">
+            <a:avLst/>
+          </a:prstGeom>
+        </p:spPr>
+        <p:txBody>
+          <a:bodyPr vert="horz" lIns="91440" tIns="45720" rIns="91440" bIns="45720" rtlCol="0">
+            <a:normAutofit/>
+          </a:bodyPr>
+          <a:lstStyle>
+            <a:lvl1pPr marL="228600" indent="-228600" algn="l" defTabSz="914400" rtl="0" eaLnBrk="1" latinLnBrk="0" hangingPunct="1">
+              <a:lnSpc>
+                <a:spcPct val="90000"/>
+              </a:lnSpc>
+              <a:spcBef>
+                <a:spcPts val="1000"/>
+              </a:spcBef>
+              <a:buFont typeface="Arial" panose="020B0604020202020204" pitchFamily="34" charset="0"/>
+              <a:buChar char="•"/>
+              <a:defRPr sz="2800" kern="1200">
+                <a:solidFill>
+                  <a:schemeClr val="tx1"/>
+                </a:solidFill>
+                <a:latin typeface="+mn-lt"/>
+                <a:ea typeface="+mn-ea"/>
+                <a:cs typeface="+mn-cs"/>
+              </a:defRPr>
+            </a:lvl1pPr>
+            <a:lvl2pPr marL="685800" indent="-228600" algn="l" defTabSz="914400" rtl="0" eaLnBrk="1" latinLnBrk="0" hangingPunct="1">
+              <a:lnSpc>
+                <a:spcPct val="90000"/>
+              </a:lnSpc>
+              <a:spcBef>
+                <a:spcPts val="500"/>
+              </a:spcBef>
+              <a:buFont typeface="Arial" panose="020B0604020202020204" pitchFamily="34" charset="0"/>
+              <a:buChar char="•"/>
+              <a:defRPr sz="2400" kern="1200">
+                <a:solidFill>
+                  <a:schemeClr val="tx1"/>
+                </a:solidFill>
+                <a:latin typeface="+mn-lt"/>
+                <a:ea typeface="+mn-ea"/>
+                <a:cs typeface="+mn-cs"/>
+              </a:defRPr>
+            </a:lvl2pPr>
+            <a:lvl3pPr marL="1143000" indent="-228600" algn="l" defTabSz="914400" rtl="0" eaLnBrk="1" latinLnBrk="0" hangingPunct="1">
+              <a:lnSpc>
+                <a:spcPct val="90000"/>
+              </a:lnSpc>
+              <a:spcBef>
+                <a:spcPts val="500"/>
+              </a:spcBef>
+              <a:buFont typeface="Arial" panose="020B0604020202020204" pitchFamily="34" charset="0"/>
+              <a:buChar char="•"/>
+              <a:defRPr sz="2000" kern="1200">
+                <a:solidFill>
+                  <a:schemeClr val="tx1"/>
+                </a:solidFill>
+                <a:latin typeface="+mn-lt"/>
+                <a:ea typeface="+mn-ea"/>
+                <a:cs typeface="+mn-cs"/>
+              </a:defRPr>
+            </a:lvl3pPr>
+            <a:lvl4pPr marL="1600200" indent="-228600" algn="l" defTabSz="914400" rtl="0" eaLnBrk="1" latinLnBrk="0" hangingPunct="1">
+              <a:lnSpc>
+                <a:spcPct val="90000"/>
+              </a:lnSpc>
+              <a:spcBef>
+                <a:spcPts val="500"/>
+              </a:spcBef>
+              <a:buFont typeface="Arial" panose="020B0604020202020204" pitchFamily="34" charset="0"/>
+              <a:buChar char="•"/>
+              <a:defRPr sz="1800" kern="1200">
+                <a:solidFill>
+                  <a:schemeClr val="tx1"/>
+                </a:solidFill>
+                <a:latin typeface="+mn-lt"/>
+                <a:ea typeface="+mn-ea"/>
+                <a:cs typeface="+mn-cs"/>
+              </a:defRPr>
+            </a:lvl4pPr>
+            <a:lvl5pPr marL="2057400" indent="-228600" algn="l" defTabSz="914400" rtl="0" eaLnBrk="1" latinLnBrk="0" hangingPunct="1">
+              <a:lnSpc>
+                <a:spcPct val="90000"/>
+              </a:lnSpc>
+              <a:spcBef>
+                <a:spcPts val="500"/>
+              </a:spcBef>
+              <a:buFont typeface="Arial" panose="020B0604020202020204" pitchFamily="34" charset="0"/>
+              <a:buChar char="•"/>
+              <a:defRPr sz="1800" kern="1200">
+                <a:solidFill>
+                  <a:schemeClr val="tx1"/>
+                </a:solidFill>
+                <a:latin typeface="+mn-lt"/>
+                <a:ea typeface="+mn-ea"/>
+                <a:cs typeface="+mn-cs"/>
+              </a:defRPr>
+            </a:lvl5pPr>
+            <a:lvl6pPr marL="2514600" indent="-228600" algn="l" defTabSz="914400" rtl="0" eaLnBrk="1" latinLnBrk="0" hangingPunct="1">
+              <a:lnSpc>
+                <a:spcPct val="90000"/>
+              </a:lnSpc>
+              <a:spcBef>
+                <a:spcPts val="500"/>
+              </a:spcBef>
+              <a:buFont typeface="Arial" panose="020B0604020202020204" pitchFamily="34" charset="0"/>
+              <a:buChar char="•"/>
+              <a:defRPr sz="1800" kern="1200">
+                <a:solidFill>
+                  <a:schemeClr val="tx1"/>
+                </a:solidFill>
+                <a:latin typeface="+mn-lt"/>
+                <a:ea typeface="+mn-ea"/>
+                <a:cs typeface="+mn-cs"/>
+              </a:defRPr>
+            </a:lvl6pPr>
+            <a:lvl7pPr marL="2971800" indent="-228600" algn="l" defTabSz="914400" rtl="0" eaLnBrk="1" latinLnBrk="0" hangingPunct="1">
+              <a:lnSpc>
+                <a:spcPct val="90000"/>
+              </a:lnSpc>
+              <a:spcBef>
+                <a:spcPts val="500"/>
+              </a:spcBef>
+              <a:buFont typeface="Arial" panose="020B0604020202020204" pitchFamily="34" charset="0"/>
+              <a:buChar char="•"/>
+              <a:defRPr sz="1800" kern="1200">
+                <a:solidFill>
+                  <a:schemeClr val="tx1"/>
+                </a:solidFill>
+                <a:latin typeface="+mn-lt"/>
+                <a:ea typeface="+mn-ea"/>
+                <a:cs typeface="+mn-cs"/>
+              </a:defRPr>
+            </a:lvl7pPr>
+            <a:lvl8pPr marL="3429000" indent="-228600" algn="l" defTabSz="914400" rtl="0" eaLnBrk="1" latinLnBrk="0" hangingPunct="1">
+              <a:lnSpc>
+                <a:spcPct val="90000"/>
+              </a:lnSpc>
+              <a:spcBef>
+                <a:spcPts val="500"/>
+              </a:spcBef>
+              <a:buFont typeface="Arial" panose="020B0604020202020204" pitchFamily="34" charset="0"/>
+              <a:buChar char="•"/>
+              <a:defRPr sz="1800" kern="1200">
+                <a:solidFill>
+                  <a:schemeClr val="tx1"/>
+                </a:solidFill>
+                <a:latin typeface="+mn-lt"/>
+                <a:ea typeface="+mn-ea"/>
+                <a:cs typeface="+mn-cs"/>
+              </a:defRPr>
+            </a:lvl8pPr>
+            <a:lvl9pPr marL="3886200" indent="-228600" algn="l" defTabSz="914400" rtl="0" eaLnBrk="1" latinLnBrk="0" hangingPunct="1">
+              <a:lnSpc>
+                <a:spcPct val="90000"/>
+              </a:lnSpc>
+              <a:spcBef>
+                <a:spcPts val="500"/>
+              </a:spcBef>
+              <a:buFont typeface="Arial" panose="020B0604020202020204" pitchFamily="34" charset="0"/>
+              <a:buChar char="•"/>
+              <a:defRPr sz="1800" kern="1200">
+                <a:solidFill>
+                  <a:schemeClr val="tx1"/>
+                </a:solidFill>
+                <a:latin typeface="+mn-lt"/>
+                <a:ea typeface="+mn-ea"/>
+                <a:cs typeface="+mn-cs"/>
+              </a:defRPr>
+            </a:lvl9pPr>
+          </a:lstStyle>
+          <a:p>
+            <a:pPr marL="457200" indent="-457200">
+              <a:buAutoNum type="arabicPeriod"/>
+            </a:pPr>
+            <a:endParaRPr lang="en-US" altLang="zh-CN" sz="2000">
+              <a:solidFill>
+                <a:schemeClr val="tx1"/>
+              </a:solidFill>
+              <a:latin typeface="Lucida Console" panose="020B0609040504020204" charset="0"/>
+              <a:ea typeface="宋体" panose="02010600030101010101" pitchFamily="2" charset="-122"/>
+              <a:sym typeface="+mn-ea"/>
+            </a:endParaRPr>
+          </a:p>
+        </p:txBody>
+      </p:sp>
+    </p:spTree>
+  </p:cSld>
+  <p:clrMapOvr>
+    <a:masterClrMapping/>
+  </p:clrMapOvr>
+  <p:timing>
+    <p:tnLst>
+      <p:par>
+        <p:cTn id="1" dur="indefinite" restart="never" nodeType="tmRoot"/>
+      </p:par>
+    </p:tnLst>
+  </p:timing>
+</p:sld>
+</file>
+
+<file path=ppt/slides/slide47.xml><?xml version="1.0" encoding="utf-8"?>
+<p:sld xmlns:a="http://schemas.openxmlformats.org/drawingml/2006/main" xmlns:r="http://schemas.openxmlformats.org/officeDocument/2006/relationships" xmlns:p="http://schemas.openxmlformats.org/presentationml/2006/main">
+  <p:cSld>
+    <p:spTree>
+      <p:nvGrpSpPr>
+        <p:cNvPr id="1" name=""/>
+        <p:cNvGrpSpPr/>
+        <p:nvPr/>
+      </p:nvGrpSpPr>
+      <p:grpSpPr/>
+      <p:sp>
+        <p:nvSpPr>
+          <p:cNvPr id="2" name="标题 1"/>
+          <p:cNvSpPr>
+            <a:spLocks noGrp="1"/>
+          </p:cNvSpPr>
+          <p:nvPr>
+            <p:ph type="title"/>
+          </p:nvPr>
+        </p:nvSpPr>
+        <p:spPr>
+          <a:xfrm>
+            <a:off x="838200" y="365125"/>
+            <a:ext cx="10515600" cy="596900"/>
+          </a:xfrm>
+        </p:spPr>
+        <p:txBody>
+          <a:bodyPr>
+            <a:normAutofit fontScale="90000"/>
+          </a:bodyPr>
+          <a:p>
+            <a:pPr algn="ctr"/>
+            <a:r>
+              <a:rPr>
+                <a:ln w="10160">
+                  <a:solidFill>
+                    <a:srgbClr val="FF0000"/>
+                  </a:solidFill>
+                  <a:prstDash val="solid"/>
+                </a:ln>
+                <a:solidFill>
+                  <a:srgbClr val="FFFFFF"/>
+                </a:solidFill>
+                <a:effectLst>
+                  <a:outerShdw blurRad="38100" dist="22860" dir="5400000" algn="tl" rotWithShape="0">
+                    <a:srgbClr val="000000">
+                      <a:alpha val="30000"/>
+                    </a:srgbClr>
+                  </a:outerShdw>
+                </a:effectLst>
+              </a:rPr>
+              <a:t>跨线程调度</a:t>
+            </a:r>
+            <a:endParaRPr>
+              <a:ln w="10160">
+                <a:solidFill>
+                  <a:srgbClr val="FF0000"/>
+                </a:solidFill>
+                <a:prstDash val="solid"/>
+              </a:ln>
+              <a:solidFill>
+                <a:srgbClr val="FFFFFF"/>
+              </a:solidFill>
+              <a:effectLst>
+                <a:outerShdw blurRad="38100" dist="22860" dir="5400000" algn="tl" rotWithShape="0">
+                  <a:srgbClr val="000000">
+                    <a:alpha val="30000"/>
+                  </a:srgbClr>
+                </a:outerShdw>
+              </a:effectLst>
+            </a:endParaRPr>
+          </a:p>
+        </p:txBody>
+      </p:sp>
+      <p:sp>
+        <p:nvSpPr>
+          <p:cNvPr id="5" name="内容占位符 4"/>
+          <p:cNvSpPr>
+            <a:spLocks noGrp="1"/>
+          </p:cNvSpPr>
+          <p:nvPr>
+            <p:ph idx="1"/>
+          </p:nvPr>
+        </p:nvSpPr>
+        <p:spPr>
+          <a:xfrm>
+            <a:off x="837565" y="1022350"/>
+            <a:ext cx="10516235" cy="5266055"/>
+          </a:xfrm>
+        </p:spPr>
+        <p:txBody>
+          <a:bodyPr>
+            <a:normAutofit/>
+          </a:bodyPr>
+          <a:p>
+            <a:pPr marL="0" indent="0">
+              <a:buNone/>
+            </a:pPr>
+            <a:r>
+              <a:rPr lang="en-US" sz="2000">
+                <a:solidFill>
+                  <a:schemeClr val="accent2">
+                    <a:lumMod val="75000"/>
+                  </a:schemeClr>
+                </a:solidFill>
+                <a:latin typeface="Lucida Console" panose="020B0609040504020204" charset="0"/>
+                <a:ea typeface="宋体" panose="02010600030101010101" pitchFamily="2" charset="-122"/>
+                <a:sym typeface="+mn-ea"/>
+              </a:rPr>
+              <a:t>//这是一个重度计算任务，只能单开线程来避免主线程被阻塞</a:t>
+            </a:r>
+            <a:endParaRPr lang="en-US" sz="2000">
+              <a:solidFill>
+                <a:schemeClr val="accent2">
+                  <a:lumMod val="75000"/>
+                </a:schemeClr>
+              </a:solidFill>
+              <a:latin typeface="Lucida Console" panose="020B0609040504020204" charset="0"/>
+              <a:ea typeface="宋体" panose="02010600030101010101" pitchFamily="2" charset="-122"/>
+              <a:sym typeface="+mn-ea"/>
+            </a:endParaRPr>
+          </a:p>
+          <a:p>
+            <a:pPr marL="0" indent="0">
+              <a:buNone/>
+            </a:pPr>
+            <a:r>
+              <a:rPr lang="en-US" sz="2000">
+                <a:solidFill>
+                  <a:schemeClr val="accent2">
+                    <a:lumMod val="75000"/>
+                  </a:schemeClr>
+                </a:solidFill>
+                <a:latin typeface="Lucida Console" panose="020B0609040504020204" charset="0"/>
+                <a:ea typeface="宋体" panose="02010600030101010101" pitchFamily="2" charset="-122"/>
+                <a:sym typeface="+mn-ea"/>
+              </a:rPr>
+              <a:t>auto async_heavy_computing_tasks(int64_t val)</a:t>
+            </a:r>
+            <a:endParaRPr lang="en-US" sz="2000">
+              <a:solidFill>
+                <a:schemeClr val="accent2">
+                  <a:lumMod val="75000"/>
+                </a:schemeClr>
+              </a:solidFill>
+              <a:latin typeface="Lucida Console" panose="020B0609040504020204" charset="0"/>
+              <a:ea typeface="宋体" panose="02010600030101010101" pitchFamily="2" charset="-122"/>
+              <a:sym typeface="+mn-ea"/>
+            </a:endParaRPr>
+          </a:p>
+          <a:p>
+            <a:pPr marL="0" indent="0">
+              <a:buNone/>
+            </a:pPr>
+            <a:r>
+              <a:rPr lang="en-US" sz="2000">
+                <a:solidFill>
+                  <a:schemeClr val="accent2">
+                    <a:lumMod val="75000"/>
+                  </a:schemeClr>
+                </a:solidFill>
+                <a:latin typeface="Lucida Console" panose="020B0609040504020204" charset="0"/>
+                <a:ea typeface="宋体" panose="02010600030101010101" pitchFamily="2" charset="-122"/>
+                <a:sym typeface="+mn-ea"/>
+              </a:rPr>
+              <a:t>{</a:t>
+            </a:r>
+            <a:endParaRPr lang="en-US" sz="2000">
+              <a:solidFill>
+                <a:schemeClr val="accent2">
+                  <a:lumMod val="75000"/>
+                </a:schemeClr>
+              </a:solidFill>
+              <a:latin typeface="Lucida Console" panose="020B0609040504020204" charset="0"/>
+              <a:ea typeface="宋体" panose="02010600030101010101" pitchFamily="2" charset="-122"/>
+              <a:sym typeface="+mn-ea"/>
+            </a:endParaRPr>
+          </a:p>
+          <a:p>
+            <a:pPr marL="0" indent="0">
+              <a:buNone/>
+            </a:pPr>
+            <a:r>
+              <a:rPr lang="en-US" sz="2000">
+                <a:solidFill>
+                  <a:schemeClr val="accent2">
+                    <a:lumMod val="75000"/>
+                  </a:schemeClr>
+                </a:solidFill>
+                <a:latin typeface="Lucida Console" panose="020B0609040504020204" charset="0"/>
+                <a:ea typeface="宋体" panose="02010600030101010101" pitchFamily="2" charset="-122"/>
+                <a:sym typeface="+mn-ea"/>
+              </a:rPr>
+              <a:t>    awaituv::awaitable_t&lt;int64_t&gt; awaitable;</a:t>
+            </a:r>
+            <a:endParaRPr lang="en-US" sz="2000">
+              <a:solidFill>
+                <a:schemeClr val="accent2">
+                  <a:lumMod val="75000"/>
+                </a:schemeClr>
+              </a:solidFill>
+              <a:latin typeface="Lucida Console" panose="020B0609040504020204" charset="0"/>
+              <a:ea typeface="宋体" panose="02010600030101010101" pitchFamily="2" charset="-122"/>
+              <a:sym typeface="+mn-ea"/>
+            </a:endParaRPr>
+          </a:p>
+          <a:p>
+            <a:pPr marL="0" indent="0">
+              <a:buNone/>
+            </a:pPr>
+            <a:r>
+              <a:rPr lang="en-US" sz="2000">
+                <a:solidFill>
+                  <a:schemeClr val="accent2">
+                    <a:lumMod val="75000"/>
+                  </a:schemeClr>
+                </a:solidFill>
+                <a:latin typeface="Lucida Console" panose="020B0609040504020204" charset="0"/>
+                <a:ea typeface="宋体" panose="02010600030101010101" pitchFamily="2" charset="-122"/>
+                <a:sym typeface="+mn-ea"/>
+              </a:rPr>
+              <a:t>    </a:t>
+            </a:r>
+            <a:r>
+              <a:rPr lang="en-US" sz="2000">
+                <a:solidFill>
+                  <a:schemeClr val="accent2">
+                    <a:lumMod val="75000"/>
+                  </a:schemeClr>
+                </a:solidFill>
+                <a:latin typeface="Lucida Console" panose="020B0609040504020204" charset="0"/>
+                <a:ea typeface="宋体" panose="02010600030101010101" pitchFamily="2" charset="-122"/>
+                <a:sym typeface="+mn-ea"/>
+              </a:rPr>
+              <a:t>std::thread([val, st = awaitable._state]</a:t>
+            </a:r>
+            <a:endParaRPr lang="en-US" sz="2000">
+              <a:solidFill>
+                <a:schemeClr val="accent2">
+                  <a:lumMod val="75000"/>
+                </a:schemeClr>
+              </a:solidFill>
+              <a:latin typeface="Lucida Console" panose="020B0609040504020204" charset="0"/>
+              <a:ea typeface="宋体" panose="02010600030101010101" pitchFamily="2" charset="-122"/>
+              <a:sym typeface="+mn-ea"/>
+            </a:endParaRPr>
+          </a:p>
+          <a:p>
+            <a:pPr marL="0" indent="0">
+              <a:buNone/>
+            </a:pPr>
+            <a:r>
+              <a:rPr lang="en-US" sz="2000">
+                <a:solidFill>
+                  <a:schemeClr val="accent2">
+                    <a:lumMod val="75000"/>
+                  </a:schemeClr>
+                </a:solidFill>
+                <a:latin typeface="Lucida Console" panose="020B0609040504020204" charset="0"/>
+                <a:ea typeface="宋体" panose="02010600030101010101" pitchFamily="2" charset="-122"/>
+                <a:sym typeface="+mn-ea"/>
+              </a:rPr>
+              <a:t>    </a:t>
+            </a:r>
+            <a:r>
+              <a:rPr lang="en-US" sz="2000">
+                <a:solidFill>
+                  <a:schemeClr val="accent2">
+                    <a:lumMod val="75000"/>
+                  </a:schemeClr>
+                </a:solidFill>
+                <a:latin typeface="Lucida Console" panose="020B0609040504020204" charset="0"/>
+                <a:ea typeface="宋体" panose="02010600030101010101" pitchFamily="2" charset="-122"/>
+                <a:sym typeface="+mn-ea"/>
+              </a:rPr>
+              <a:t>{</a:t>
+            </a:r>
+            <a:endParaRPr lang="en-US" sz="2000">
+              <a:solidFill>
+                <a:schemeClr val="accent2">
+                  <a:lumMod val="75000"/>
+                </a:schemeClr>
+              </a:solidFill>
+              <a:latin typeface="Lucida Console" panose="020B0609040504020204" charset="0"/>
+              <a:ea typeface="宋体" panose="02010600030101010101" pitchFamily="2" charset="-122"/>
+              <a:sym typeface="+mn-ea"/>
+            </a:endParaRPr>
+          </a:p>
+          <a:p>
+            <a:pPr marL="0" indent="0">
+              <a:buNone/>
+            </a:pPr>
+            <a:r>
+              <a:rPr lang="en-US" sz="2000">
+                <a:solidFill>
+                  <a:schemeClr val="accent2">
+                    <a:lumMod val="75000"/>
+                  </a:schemeClr>
+                </a:solidFill>
+                <a:latin typeface="Lucida Console" panose="020B0609040504020204" charset="0"/>
+                <a:ea typeface="宋体" panose="02010600030101010101" pitchFamily="2" charset="-122"/>
+                <a:sym typeface="+mn-ea"/>
+              </a:rPr>
+              <a:t>        </a:t>
+            </a:r>
+            <a:r>
+              <a:rPr lang="en-US" sz="2000">
+                <a:solidFill>
+                  <a:schemeClr val="accent2">
+                    <a:lumMod val="75000"/>
+                  </a:schemeClr>
+                </a:solidFill>
+                <a:latin typeface="Lucida Console" panose="020B0609040504020204" charset="0"/>
+                <a:ea typeface="宋体" panose="02010600030101010101" pitchFamily="2" charset="-122"/>
+                <a:sym typeface="+mn-ea"/>
+              </a:rPr>
+              <a:t>std::this_thread::sleep_for(500ms);</a:t>
+            </a:r>
+            <a:endParaRPr lang="en-US" sz="2000">
+              <a:solidFill>
+                <a:schemeClr val="accent2">
+                  <a:lumMod val="75000"/>
+                </a:schemeClr>
+              </a:solidFill>
+              <a:latin typeface="Lucida Console" panose="020B0609040504020204" charset="0"/>
+              <a:ea typeface="宋体" panose="02010600030101010101" pitchFamily="2" charset="-122"/>
+              <a:sym typeface="+mn-ea"/>
+            </a:endParaRPr>
+          </a:p>
+          <a:p>
+            <a:pPr marL="0" indent="0">
+              <a:buNone/>
+            </a:pPr>
+            <a:r>
+              <a:rPr lang="en-US" sz="2000">
+                <a:solidFill>
+                  <a:schemeClr val="accent2">
+                    <a:lumMod val="75000"/>
+                  </a:schemeClr>
+                </a:solidFill>
+                <a:latin typeface="Lucida Console" panose="020B0609040504020204" charset="0"/>
+                <a:ea typeface="宋体" panose="02010600030101010101" pitchFamily="2" charset="-122"/>
+                <a:sym typeface="+mn-ea"/>
+              </a:rPr>
+              <a:t>        </a:t>
+            </a:r>
+            <a:r>
+              <a:rPr lang="en-US" sz="2000">
+                <a:solidFill>
+                  <a:schemeClr val="accent2">
+                    <a:lumMod val="75000"/>
+                  </a:schemeClr>
+                </a:solidFill>
+                <a:latin typeface="Lucida Console" panose="020B0609040504020204" charset="0"/>
+                <a:ea typeface="宋体" panose="02010600030101010101" pitchFamily="2" charset="-122"/>
+                <a:sym typeface="+mn-ea"/>
+              </a:rPr>
+              <a:t>st-&gt;set_value(val * val);</a:t>
+            </a:r>
+            <a:endParaRPr lang="en-US" sz="2000">
+              <a:solidFill>
+                <a:schemeClr val="accent2">
+                  <a:lumMod val="75000"/>
+                </a:schemeClr>
+              </a:solidFill>
+              <a:latin typeface="Lucida Console" panose="020B0609040504020204" charset="0"/>
+              <a:ea typeface="宋体" panose="02010600030101010101" pitchFamily="2" charset="-122"/>
+              <a:sym typeface="+mn-ea"/>
+            </a:endParaRPr>
+          </a:p>
+          <a:p>
+            <a:pPr marL="0" indent="0">
+              <a:buNone/>
+            </a:pPr>
+            <a:r>
+              <a:rPr lang="en-US" sz="2000">
+                <a:solidFill>
+                  <a:schemeClr val="accent2">
+                    <a:lumMod val="75000"/>
+                  </a:schemeClr>
+                </a:solidFill>
+                <a:latin typeface="Lucida Console" panose="020B0609040504020204" charset="0"/>
+                <a:ea typeface="宋体" panose="02010600030101010101" pitchFamily="2" charset="-122"/>
+                <a:sym typeface="+mn-ea"/>
+              </a:rPr>
+              <a:t>        st-&gt;resume();</a:t>
+            </a:r>
+            <a:endParaRPr lang="en-US" sz="2000">
+              <a:solidFill>
+                <a:schemeClr val="accent2">
+                  <a:lumMod val="75000"/>
+                </a:schemeClr>
+              </a:solidFill>
+              <a:latin typeface="Lucida Console" panose="020B0609040504020204" charset="0"/>
+              <a:ea typeface="宋体" panose="02010600030101010101" pitchFamily="2" charset="-122"/>
+              <a:sym typeface="+mn-ea"/>
+            </a:endParaRPr>
+          </a:p>
+          <a:p>
+            <a:pPr marL="0" indent="0">
+              <a:buNone/>
+            </a:pPr>
+            <a:r>
+              <a:rPr lang="en-US" sz="2000">
+                <a:solidFill>
+                  <a:schemeClr val="accent2">
+                    <a:lumMod val="75000"/>
+                  </a:schemeClr>
+                </a:solidFill>
+                <a:latin typeface="Lucida Console" panose="020B0609040504020204" charset="0"/>
+                <a:ea typeface="宋体" panose="02010600030101010101" pitchFamily="2" charset="-122"/>
+                <a:sym typeface="+mn-ea"/>
+              </a:rPr>
+              <a:t>    </a:t>
+            </a:r>
+            <a:r>
+              <a:rPr lang="en-US" sz="2000">
+                <a:solidFill>
+                  <a:schemeClr val="accent2">
+                    <a:lumMod val="75000"/>
+                  </a:schemeClr>
+                </a:solidFill>
+                <a:latin typeface="Lucida Console" panose="020B0609040504020204" charset="0"/>
+                <a:ea typeface="宋体" panose="02010600030101010101" pitchFamily="2" charset="-122"/>
+                <a:sym typeface="+mn-ea"/>
+              </a:rPr>
+              <a:t>}).detach();</a:t>
+            </a:r>
+            <a:endParaRPr lang="en-US" sz="2000">
+              <a:solidFill>
+                <a:schemeClr val="accent2">
+                  <a:lumMod val="75000"/>
+                </a:schemeClr>
+              </a:solidFill>
+              <a:latin typeface="Lucida Console" panose="020B0609040504020204" charset="0"/>
+              <a:ea typeface="宋体" panose="02010600030101010101" pitchFamily="2" charset="-122"/>
+              <a:sym typeface="+mn-ea"/>
+            </a:endParaRPr>
+          </a:p>
+          <a:p>
+            <a:pPr marL="0" indent="0">
+              <a:buNone/>
+            </a:pPr>
+            <a:endParaRPr lang="en-US" sz="2000">
+              <a:solidFill>
+                <a:schemeClr val="accent2">
+                  <a:lumMod val="75000"/>
+                </a:schemeClr>
+              </a:solidFill>
+              <a:latin typeface="Lucida Console" panose="020B0609040504020204" charset="0"/>
+              <a:ea typeface="宋体" panose="02010600030101010101" pitchFamily="2" charset="-122"/>
+              <a:sym typeface="+mn-ea"/>
+            </a:endParaRPr>
+          </a:p>
+          <a:p>
+            <a:pPr marL="0" indent="0">
+              <a:buNone/>
+            </a:pPr>
+            <a:r>
+              <a:rPr lang="en-US" sz="2000">
+                <a:solidFill>
+                  <a:schemeClr val="accent2">
+                    <a:lumMod val="75000"/>
+                  </a:schemeClr>
+                </a:solidFill>
+                <a:latin typeface="Lucida Console" panose="020B0609040504020204" charset="0"/>
+                <a:ea typeface="宋体" panose="02010600030101010101" pitchFamily="2" charset="-122"/>
+                <a:sym typeface="+mn-ea"/>
+              </a:rPr>
+              <a:t>    </a:t>
+            </a:r>
+            <a:r>
+              <a:rPr lang="en-US" sz="2000">
+                <a:solidFill>
+                  <a:schemeClr val="accent2">
+                    <a:lumMod val="75000"/>
+                  </a:schemeClr>
+                </a:solidFill>
+                <a:latin typeface="Lucida Console" panose="020B0609040504020204" charset="0"/>
+                <a:ea typeface="宋体" panose="02010600030101010101" pitchFamily="2" charset="-122"/>
+                <a:sym typeface="+mn-ea"/>
+              </a:rPr>
+              <a:t>return awaitable;</a:t>
+            </a:r>
+            <a:endParaRPr lang="en-US" sz="2000">
+              <a:solidFill>
+                <a:schemeClr val="accent2">
+                  <a:lumMod val="75000"/>
+                </a:schemeClr>
+              </a:solidFill>
+              <a:latin typeface="Lucida Console" panose="020B0609040504020204" charset="0"/>
+              <a:ea typeface="宋体" panose="02010600030101010101" pitchFamily="2" charset="-122"/>
+              <a:sym typeface="+mn-ea"/>
+            </a:endParaRPr>
+          </a:p>
+          <a:p>
+            <a:pPr marL="0" indent="0">
+              <a:buNone/>
+            </a:pPr>
+            <a:r>
+              <a:rPr lang="en-US" sz="2000">
+                <a:solidFill>
+                  <a:schemeClr val="accent2">
+                    <a:lumMod val="75000"/>
+                  </a:schemeClr>
+                </a:solidFill>
+                <a:latin typeface="Lucida Console" panose="020B0609040504020204" charset="0"/>
+                <a:ea typeface="宋体" panose="02010600030101010101" pitchFamily="2" charset="-122"/>
+                <a:sym typeface="+mn-ea"/>
+              </a:rPr>
+              <a:t>}</a:t>
+            </a:r>
+            <a:endParaRPr lang="en-US" sz="2000">
+              <a:solidFill>
+                <a:schemeClr val="accent2">
+                  <a:lumMod val="75000"/>
+                </a:schemeClr>
+              </a:solidFill>
+              <a:latin typeface="Lucida Console" panose="020B0609040504020204" charset="0"/>
+              <a:ea typeface="宋体" panose="02010600030101010101" pitchFamily="2" charset="-122"/>
+              <a:sym typeface="+mn-ea"/>
+            </a:endParaRPr>
+          </a:p>
+        </p:txBody>
+      </p:sp>
+    </p:spTree>
+  </p:cSld>
+  <p:clrMapOvr>
+    <a:masterClrMapping/>
+  </p:clrMapOvr>
+  <p:timing>
+    <p:tnLst>
+      <p:par>
+        <p:cTn id="1" dur="indefinite" restart="never" nodeType="tmRoot"/>
+      </p:par>
+    </p:tnLst>
+  </p:timing>
+</p:sld>
+</file>
+
+<file path=ppt/slides/slide48.xml><?xml version="1.0" encoding="utf-8"?>
+<p:sld xmlns:a="http://schemas.openxmlformats.org/drawingml/2006/main" xmlns:r="http://schemas.openxmlformats.org/officeDocument/2006/relationships" xmlns:p="http://schemas.openxmlformats.org/presentationml/2006/main">
+  <p:cSld>
+    <p:spTree>
+      <p:nvGrpSpPr>
+        <p:cNvPr id="1" name=""/>
+        <p:cNvGrpSpPr/>
+        <p:nvPr/>
+      </p:nvGrpSpPr>
+      <p:grpSpPr/>
+      <p:sp>
+        <p:nvSpPr>
+          <p:cNvPr id="2" name="标题 1"/>
+          <p:cNvSpPr>
+            <a:spLocks noGrp="1"/>
+          </p:cNvSpPr>
+          <p:nvPr>
+            <p:ph type="title"/>
+          </p:nvPr>
+        </p:nvSpPr>
+        <p:spPr>
+          <a:xfrm>
+            <a:off x="838200" y="365125"/>
+            <a:ext cx="10515600" cy="596900"/>
+          </a:xfrm>
+        </p:spPr>
+        <p:txBody>
+          <a:bodyPr>
+            <a:normAutofit fontScale="90000"/>
+          </a:bodyPr>
+          <a:p>
+            <a:pPr algn="ctr"/>
+            <a:r>
+              <a:rPr>
+                <a:ln w="10160">
+                  <a:solidFill>
+                    <a:srgbClr val="FF0000"/>
+                  </a:solidFill>
+                  <a:prstDash val="solid"/>
+                </a:ln>
+                <a:solidFill>
+                  <a:srgbClr val="FFFFFF"/>
+                </a:solidFill>
+                <a:effectLst>
+                  <a:outerShdw blurRad="38100" dist="22860" dir="5400000" algn="tl" rotWithShape="0">
+                    <a:srgbClr val="000000">
+                      <a:alpha val="30000"/>
+                    </a:srgbClr>
+                  </a:outerShdw>
+                </a:effectLst>
+              </a:rPr>
+              <a:t>跨线程调度</a:t>
+            </a:r>
+            <a:endParaRPr>
+              <a:ln w="10160">
+                <a:solidFill>
+                  <a:srgbClr val="FF0000"/>
+                </a:solidFill>
+                <a:prstDash val="solid"/>
+              </a:ln>
+              <a:solidFill>
+                <a:srgbClr val="FFFFFF"/>
+              </a:solidFill>
+              <a:effectLst>
+                <a:outerShdw blurRad="38100" dist="22860" dir="5400000" algn="tl" rotWithShape="0">
+                  <a:srgbClr val="000000">
+                    <a:alpha val="30000"/>
+                  </a:srgbClr>
+                </a:outerShdw>
+              </a:effectLst>
+            </a:endParaRPr>
+          </a:p>
+        </p:txBody>
+      </p:sp>
+      <p:sp>
+        <p:nvSpPr>
+          <p:cNvPr id="3" name="内容占位符 4"/>
+          <p:cNvSpPr>
+            <a:spLocks noGrp="1"/>
+          </p:cNvSpPr>
+          <p:nvPr/>
+        </p:nvSpPr>
+        <p:spPr>
+          <a:xfrm>
+            <a:off x="871855" y="1022350"/>
+            <a:ext cx="10481310" cy="5307965"/>
+          </a:xfrm>
+          <a:prstGeom prst="rect">
+            <a:avLst/>
+          </a:prstGeom>
+        </p:spPr>
+        <p:txBody>
+          <a:bodyPr vert="horz" lIns="91440" tIns="45720" rIns="91440" bIns="45720" rtlCol="0">
+            <a:normAutofit/>
+          </a:bodyPr>
+          <a:lstStyle>
+            <a:lvl1pPr marL="228600" indent="-228600" algn="l" defTabSz="914400" rtl="0" eaLnBrk="1" latinLnBrk="0" hangingPunct="1">
+              <a:lnSpc>
+                <a:spcPct val="90000"/>
+              </a:lnSpc>
+              <a:spcBef>
+                <a:spcPts val="1000"/>
+              </a:spcBef>
+              <a:buFont typeface="Arial" panose="020B0604020202020204" pitchFamily="34" charset="0"/>
+              <a:buChar char="•"/>
+              <a:defRPr sz="2800" kern="1200">
+                <a:solidFill>
+                  <a:schemeClr val="tx1"/>
+                </a:solidFill>
+                <a:latin typeface="+mn-lt"/>
+                <a:ea typeface="+mn-ea"/>
+                <a:cs typeface="+mn-cs"/>
+              </a:defRPr>
+            </a:lvl1pPr>
+            <a:lvl2pPr marL="685800" indent="-228600" algn="l" defTabSz="914400" rtl="0" eaLnBrk="1" latinLnBrk="0" hangingPunct="1">
+              <a:lnSpc>
+                <a:spcPct val="90000"/>
+              </a:lnSpc>
+              <a:spcBef>
+                <a:spcPts val="500"/>
+              </a:spcBef>
+              <a:buFont typeface="Arial" panose="020B0604020202020204" pitchFamily="34" charset="0"/>
+              <a:buChar char="•"/>
+              <a:defRPr sz="2400" kern="1200">
+                <a:solidFill>
+                  <a:schemeClr val="tx1"/>
+                </a:solidFill>
+                <a:latin typeface="+mn-lt"/>
+                <a:ea typeface="+mn-ea"/>
+                <a:cs typeface="+mn-cs"/>
+              </a:defRPr>
+            </a:lvl2pPr>
+            <a:lvl3pPr marL="1143000" indent="-228600" algn="l" defTabSz="914400" rtl="0" eaLnBrk="1" latinLnBrk="0" hangingPunct="1">
+              <a:lnSpc>
+                <a:spcPct val="90000"/>
+              </a:lnSpc>
+              <a:spcBef>
+                <a:spcPts val="500"/>
+              </a:spcBef>
+              <a:buFont typeface="Arial" panose="020B0604020202020204" pitchFamily="34" charset="0"/>
+              <a:buChar char="•"/>
+              <a:defRPr sz="2000" kern="1200">
+                <a:solidFill>
+                  <a:schemeClr val="tx1"/>
+                </a:solidFill>
+                <a:latin typeface="+mn-lt"/>
+                <a:ea typeface="+mn-ea"/>
+                <a:cs typeface="+mn-cs"/>
+              </a:defRPr>
+            </a:lvl3pPr>
+            <a:lvl4pPr marL="1600200" indent="-228600" algn="l" defTabSz="914400" rtl="0" eaLnBrk="1" latinLnBrk="0" hangingPunct="1">
+              <a:lnSpc>
+                <a:spcPct val="90000"/>
+              </a:lnSpc>
+              <a:spcBef>
+                <a:spcPts val="500"/>
+              </a:spcBef>
+              <a:buFont typeface="Arial" panose="020B0604020202020204" pitchFamily="34" charset="0"/>
+              <a:buChar char="•"/>
+              <a:defRPr sz="1800" kern="1200">
+                <a:solidFill>
+                  <a:schemeClr val="tx1"/>
+                </a:solidFill>
+                <a:latin typeface="+mn-lt"/>
+                <a:ea typeface="+mn-ea"/>
+                <a:cs typeface="+mn-cs"/>
+              </a:defRPr>
+            </a:lvl4pPr>
+            <a:lvl5pPr marL="2057400" indent="-228600" algn="l" defTabSz="914400" rtl="0" eaLnBrk="1" latinLnBrk="0" hangingPunct="1">
+              <a:lnSpc>
+                <a:spcPct val="90000"/>
+              </a:lnSpc>
+              <a:spcBef>
+                <a:spcPts val="500"/>
+              </a:spcBef>
+              <a:buFont typeface="Arial" panose="020B0604020202020204" pitchFamily="34" charset="0"/>
+              <a:buChar char="•"/>
+              <a:defRPr sz="1800" kern="1200">
+                <a:solidFill>
+                  <a:schemeClr val="tx1"/>
+                </a:solidFill>
+                <a:latin typeface="+mn-lt"/>
+                <a:ea typeface="+mn-ea"/>
+                <a:cs typeface="+mn-cs"/>
+              </a:defRPr>
+            </a:lvl5pPr>
+            <a:lvl6pPr marL="2514600" indent="-228600" algn="l" defTabSz="914400" rtl="0" eaLnBrk="1" latinLnBrk="0" hangingPunct="1">
+              <a:lnSpc>
+                <a:spcPct val="90000"/>
+              </a:lnSpc>
+              <a:spcBef>
+                <a:spcPts val="500"/>
+              </a:spcBef>
+              <a:buFont typeface="Arial" panose="020B0604020202020204" pitchFamily="34" charset="0"/>
+              <a:buChar char="•"/>
+              <a:defRPr sz="1800" kern="1200">
+                <a:solidFill>
+                  <a:schemeClr val="tx1"/>
+                </a:solidFill>
+                <a:latin typeface="+mn-lt"/>
+                <a:ea typeface="+mn-ea"/>
+                <a:cs typeface="+mn-cs"/>
+              </a:defRPr>
+            </a:lvl6pPr>
+            <a:lvl7pPr marL="2971800" indent="-228600" algn="l" defTabSz="914400" rtl="0" eaLnBrk="1" latinLnBrk="0" hangingPunct="1">
+              <a:lnSpc>
+                <a:spcPct val="90000"/>
+              </a:lnSpc>
+              <a:spcBef>
+                <a:spcPts val="500"/>
+              </a:spcBef>
+              <a:buFont typeface="Arial" panose="020B0604020202020204" pitchFamily="34" charset="0"/>
+              <a:buChar char="•"/>
+              <a:defRPr sz="1800" kern="1200">
+                <a:solidFill>
+                  <a:schemeClr val="tx1"/>
+                </a:solidFill>
+                <a:latin typeface="+mn-lt"/>
+                <a:ea typeface="+mn-ea"/>
+                <a:cs typeface="+mn-cs"/>
+              </a:defRPr>
+            </a:lvl7pPr>
+            <a:lvl8pPr marL="3429000" indent="-228600" algn="l" defTabSz="914400" rtl="0" eaLnBrk="1" latinLnBrk="0" hangingPunct="1">
+              <a:lnSpc>
+                <a:spcPct val="90000"/>
+              </a:lnSpc>
+              <a:spcBef>
+                <a:spcPts val="500"/>
+              </a:spcBef>
+              <a:buFont typeface="Arial" panose="020B0604020202020204" pitchFamily="34" charset="0"/>
+              <a:buChar char="•"/>
+              <a:defRPr sz="1800" kern="1200">
+                <a:solidFill>
+                  <a:schemeClr val="tx1"/>
+                </a:solidFill>
+                <a:latin typeface="+mn-lt"/>
+                <a:ea typeface="+mn-ea"/>
+                <a:cs typeface="+mn-cs"/>
+              </a:defRPr>
+            </a:lvl8pPr>
+            <a:lvl9pPr marL="3886200" indent="-228600" algn="l" defTabSz="914400" rtl="0" eaLnBrk="1" latinLnBrk="0" hangingPunct="1">
+              <a:lnSpc>
+                <a:spcPct val="90000"/>
+              </a:lnSpc>
+              <a:spcBef>
+                <a:spcPts val="500"/>
+              </a:spcBef>
+              <a:buFont typeface="Arial" panose="020B0604020202020204" pitchFamily="34" charset="0"/>
+              <a:buChar char="•"/>
+              <a:defRPr sz="1800" kern="1200">
+                <a:solidFill>
+                  <a:schemeClr val="tx1"/>
+                </a:solidFill>
+                <a:latin typeface="+mn-lt"/>
+                <a:ea typeface="+mn-ea"/>
+                <a:cs typeface="+mn-cs"/>
+              </a:defRPr>
+            </a:lvl9pPr>
+          </a:lstStyle>
+          <a:p>
+            <a:pPr marL="0" indent="0">
+              <a:buNone/>
+            </a:pPr>
+            <a:r>
+              <a:rPr lang="en-US" sz="2000">
+                <a:latin typeface="Lucida Console" panose="020B0609040504020204" charset="0"/>
+                <a:ea typeface="宋体" panose="02010600030101010101" pitchFamily="2" charset="-122"/>
+                <a:sym typeface="+mn-ea"/>
+              </a:rPr>
+              <a:t>awaitable_t&lt;void&gt; heavy_computing_sequential(int64_t val)</a:t>
+            </a:r>
+            <a:endParaRPr lang="en-US" sz="2000">
+              <a:latin typeface="Lucida Console" panose="020B0609040504020204" charset="0"/>
+              <a:ea typeface="宋体" panose="02010600030101010101" pitchFamily="2" charset="-122"/>
+              <a:sym typeface="+mn-ea"/>
+            </a:endParaRPr>
+          </a:p>
+          <a:p>
+            <a:pPr marL="0" indent="0">
+              <a:buNone/>
+            </a:pPr>
+            <a:r>
+              <a:rPr lang="en-US" sz="2000">
+                <a:latin typeface="Lucida Console" panose="020B0609040504020204" charset="0"/>
+                <a:ea typeface="宋体" panose="02010600030101010101" pitchFamily="2" charset="-122"/>
+                <a:sym typeface="+mn-ea"/>
+              </a:rPr>
+              <a:t>{</a:t>
+            </a:r>
+            <a:endParaRPr lang="en-US" sz="2000">
+              <a:latin typeface="Lucida Console" panose="020B0609040504020204" charset="0"/>
+              <a:ea typeface="宋体" panose="02010600030101010101" pitchFamily="2" charset="-122"/>
+              <a:sym typeface="+mn-ea"/>
+            </a:endParaRPr>
+          </a:p>
+          <a:p>
+            <a:pPr marL="0" indent="0">
+              <a:buNone/>
+            </a:pPr>
+            <a:r>
+              <a:rPr lang="en-US" sz="2000">
+                <a:latin typeface="Lucida Console" panose="020B0609040504020204" charset="0"/>
+                <a:ea typeface="宋体" panose="02010600030101010101" pitchFamily="2" charset="-122"/>
+                <a:sym typeface="+mn-ea"/>
+              </a:rPr>
+              <a:t>    std::cout&lt;&lt;val&lt;&lt;" @"&lt;&lt;std::this_thread::get_id()&lt;&lt;std::endl;</a:t>
+            </a:r>
+            <a:endParaRPr lang="en-US" sz="2000">
+              <a:latin typeface="Lucida Console" panose="020B0609040504020204" charset="0"/>
+              <a:ea typeface="宋体" panose="02010600030101010101" pitchFamily="2" charset="-122"/>
+              <a:sym typeface="+mn-ea"/>
+            </a:endParaRPr>
+          </a:p>
+          <a:p>
+            <a:pPr marL="0" indent="0">
+              <a:buNone/>
+            </a:pPr>
+            <a:r>
+              <a:rPr lang="en-US" sz="2000">
+                <a:latin typeface="Lucida Console" panose="020B0609040504020204" charset="0"/>
+                <a:ea typeface="宋体" panose="02010600030101010101" pitchFamily="2" charset="-122"/>
+                <a:sym typeface="+mn-ea"/>
+              </a:rPr>
+              <a:t>    val = </a:t>
+            </a:r>
+            <a:r>
+              <a:rPr lang="en-US" sz="2000">
+                <a:solidFill>
+                  <a:srgbClr val="0070C0"/>
                 </a:solidFill>
                 <a:latin typeface="Lucida Console" panose="020B0609040504020204" charset="0"/>
                 <a:ea typeface="宋体" panose="02010600030101010101" pitchFamily="2" charset="-122"/>
@@ -20385,7 +24684,7 @@
                 <a:ea typeface="宋体" panose="02010600030101010101" pitchFamily="2" charset="-122"/>
                 <a:sym typeface="+mn-ea"/>
               </a:rPr>
-              <a:t> do_read();</a:t>
+              <a:t> async_heavy_computing_tasks(val);</a:t>
             </a:r>
             <a:endParaRPr lang="en-US" sz="2000">
               <a:latin typeface="Lucida Console" panose="020B0609040504020204" charset="0"/>
@@ -20397,21 +24696,60 @@
             <a:pPr marL="0" indent="0">
               <a:buNone/>
             </a:pPr>
+            <a:endParaRPr lang="en-US" sz="2000">
+              <a:latin typeface="Lucida Console" panose="020B0609040504020204" charset="0"/>
+              <a:ea typeface="宋体" panose="02010600030101010101" pitchFamily="2" charset="-122"/>
+              <a:sym typeface="+mn-ea"/>
+            </a:endParaRPr>
+          </a:p>
+          <a:p>
+            <a:pPr marL="0" indent="0">
+              <a:buNone/>
+            </a:pPr>
             <a:r>
               <a:rPr lang="en-US" sz="2000">
                 <a:latin typeface="Lucida Console" panose="020B0609040504020204" charset="0"/>
                 <a:ea typeface="宋体" panose="02010600030101010101" pitchFamily="2" charset="-122"/>
                 <a:sym typeface="+mn-ea"/>
               </a:rPr>
-              <a:t>    </a:t>
-            </a:r>
+              <a:t>    std::cout&lt;&lt;val&lt;&lt;" @"&lt;&lt;std::this_thread::get_id()&lt;&lt;std::endl;</a:t>
+            </a:r>
+            <a:endParaRPr lang="en-US" sz="2000">
+              <a:latin typeface="Lucida Console" panose="020B0609040504020204" charset="0"/>
+              <a:ea typeface="宋体" panose="02010600030101010101" pitchFamily="2" charset="-122"/>
+              <a:sym typeface="+mn-ea"/>
+            </a:endParaRPr>
+          </a:p>
+          <a:p>
+            <a:pPr marL="0" indent="0">
+              <a:buNone/>
+            </a:pPr>
             <a:r>
               <a:rPr lang="en-US" sz="2000">
                 <a:latin typeface="Lucida Console" panose="020B0609040504020204" charset="0"/>
                 <a:ea typeface="宋体" panose="02010600030101010101" pitchFamily="2" charset="-122"/>
                 <a:sym typeface="+mn-ea"/>
               </a:rPr>
-              <a:t>std::cout &lt;&lt; read_buff_.data() &lt;&lt; std::endl;</a:t>
+              <a:t>    val = </a:t>
+            </a:r>
+            <a:r>
+              <a:rPr lang="en-US" sz="2000">
+                <a:solidFill>
+                  <a:srgbClr val="0070C0"/>
+                </a:solidFill>
+                <a:latin typeface="Lucida Console" panose="020B0609040504020204" charset="0"/>
+                <a:ea typeface="宋体" panose="02010600030101010101" pitchFamily="2" charset="-122"/>
+                <a:sym typeface="+mn-ea"/>
+              </a:rPr>
+              <a:t>co_await</a:t>
+            </a:r>
+            <a:r>
+              <a:rPr lang="en-US" sz="2000">
+                <a:latin typeface="Lucida Console" panose="020B0609040504020204" charset="0"/>
+                <a:ea typeface="宋体" panose="02010600030101010101" pitchFamily="2" charset="-122"/>
+                <a:sym typeface="+mn-ea"/>
+              </a:rPr>
+              <a:t> async_heavy_computing_tasks(val);</a:t>
             </a:r>
             <a:endParaRPr lang="en-US" sz="2000">
               <a:latin typeface="Lucida Console" panose="020B0609040504020204" charset="0"/>
@@ -20423,18 +24761,46 @@
             <a:pPr marL="0" indent="0">
               <a:buNone/>
             </a:pPr>
+            <a:endParaRPr lang="en-US" sz="2000">
+              <a:latin typeface="Lucida Console" panose="020B0609040504020204" charset="0"/>
+              <a:ea typeface="宋体" panose="02010600030101010101" pitchFamily="2" charset="-122"/>
+              <a:sym typeface="+mn-ea"/>
+            </a:endParaRPr>
+          </a:p>
+          <a:p>
+            <a:pPr marL="0" indent="0">
+              <a:buNone/>
+            </a:pPr>
             <a:r>
               <a:rPr lang="en-US" sz="2000">
                 <a:latin typeface="Lucida Console" panose="020B0609040504020204" charset="0"/>
                 <a:ea typeface="宋体" panose="02010600030101010101" pitchFamily="2" charset="-122"/>
                 <a:sym typeface="+mn-ea"/>
               </a:rPr>
-              <a:t>    </a:t>
-            </a:r>
+              <a:t>    std::cout&lt;&lt;val&lt;&lt;" @"&lt;&lt;std::this_thread::get_id()&lt;&lt;std::endl;</a:t>
+            </a:r>
+            <a:endParaRPr lang="en-US" sz="2000">
+              <a:latin typeface="Lucida Console" panose="020B0609040504020204" charset="0"/>
+              <a:ea typeface="宋体" panose="02010600030101010101" pitchFamily="2" charset="-122"/>
+              <a:sym typeface="+mn-ea"/>
+            </a:endParaRPr>
+          </a:p>
+          <a:p>
+            <a:pPr marL="0" indent="0">
+              <a:buNone/>
+            </a:pPr>
             <a:r>
               <a:rPr lang="en-US" sz="2000">
-                <a:solidFill>
-                  <a:schemeClr val="accent1"/>
+                <a:latin typeface="Lucida Console" panose="020B0609040504020204" charset="0"/>
+                <a:ea typeface="宋体" panose="02010600030101010101" pitchFamily="2" charset="-122"/>
+                <a:sym typeface="+mn-ea"/>
+              </a:rPr>
+              <a:t>    val = </a:t>
+            </a:r>
+            <a:r>
+              <a:rPr lang="en-US" sz="2000">
+                <a:solidFill>
+                  <a:srgbClr val="0070C0"/>
                 </a:solidFill>
                 <a:latin typeface="Lucida Console" panose="020B0609040504020204" charset="0"/>
                 <a:ea typeface="宋体" panose="02010600030101010101" pitchFamily="2" charset="-122"/>
@@ -20448,7 +24814,7 @@
                 <a:ea typeface="宋体" panose="02010600030101010101" pitchFamily="2" charset="-122"/>
                 <a:sym typeface="+mn-ea"/>
               </a:rPr>
-              <a:t> do_write(prepare_write_msg("second logic result : ", size));</a:t>
+              <a:t> async_heavy_computing_tasks(val);</a:t>
             </a:r>
             <a:endParaRPr lang="en-US" sz="2000">
               <a:latin typeface="Lucida Console" panose="020B0609040504020204" charset="0"/>
@@ -20476,36 +24842,359 @@
                 <a:ea typeface="宋体" panose="02010600030101010101" pitchFamily="2" charset="-122"/>
                 <a:sym typeface="+mn-ea"/>
               </a:rPr>
-              <a:t>    </a:t>
-            </a:r>
+              <a:t>    std::cout&lt;&lt;val&lt;&lt;" @"&lt;&lt;std::this_thread::get_id()&lt;&lt;std::endl;</a:t>
+            </a:r>
+            <a:endParaRPr lang="en-US" sz="2000">
+              <a:latin typeface="Lucida Console" panose="020B0609040504020204" charset="0"/>
+              <a:ea typeface="宋体" panose="02010600030101010101" pitchFamily="2" charset="-122"/>
+              <a:sym typeface="+mn-ea"/>
+            </a:endParaRPr>
+          </a:p>
+          <a:p>
+            <a:pPr marL="0" indent="0">
+              <a:buNone/>
+            </a:pPr>
             <a:r>
               <a:rPr lang="en-US" sz="2000">
                 <a:latin typeface="Lucida Console" panose="020B0609040504020204" charset="0"/>
                 <a:ea typeface="宋体" panose="02010600030101010101" pitchFamily="2" charset="-122"/>
                 <a:sym typeface="+mn-ea"/>
               </a:rPr>
-              <a:t>size = </a:t>
-            </a:r>
+              <a:t>}</a:t>
+            </a:r>
+            <a:endParaRPr lang="en-US" sz="2000">
+              <a:latin typeface="Lucida Console" panose="020B0609040504020204" charset="0"/>
+              <a:ea typeface="宋体" panose="02010600030101010101" pitchFamily="2" charset="-122"/>
+              <a:sym typeface="+mn-ea"/>
+            </a:endParaRPr>
+          </a:p>
+        </p:txBody>
+      </p:sp>
+    </p:spTree>
+  </p:cSld>
+  <p:clrMapOvr>
+    <a:masterClrMapping/>
+  </p:clrMapOvr>
+  <p:timing>
+    <p:tnLst>
+      <p:par>
+        <p:cTn id="1" dur="indefinite" restart="never" nodeType="tmRoot"/>
+      </p:par>
+    </p:tnLst>
+  </p:timing>
+</p:sld>
+</file>
+
+<file path=ppt/slides/slide49.xml><?xml version="1.0" encoding="utf-8"?>
+<p:sld xmlns:a="http://schemas.openxmlformats.org/drawingml/2006/main" xmlns:r="http://schemas.openxmlformats.org/officeDocument/2006/relationships" xmlns:p="http://schemas.openxmlformats.org/presentationml/2006/main">
+  <p:cSld>
+    <p:spTree>
+      <p:nvGrpSpPr>
+        <p:cNvPr id="1" name=""/>
+        <p:cNvGrpSpPr/>
+        <p:nvPr/>
+      </p:nvGrpSpPr>
+      <p:grpSpPr/>
+      <p:sp>
+        <p:nvSpPr>
+          <p:cNvPr id="2" name="标题 1"/>
+          <p:cNvSpPr>
+            <a:spLocks noGrp="1"/>
+          </p:cNvSpPr>
+          <p:nvPr>
+            <p:ph type="title"/>
+          </p:nvPr>
+        </p:nvSpPr>
+        <p:spPr>
+          <a:xfrm>
+            <a:off x="838200" y="365125"/>
+            <a:ext cx="10515600" cy="596900"/>
+          </a:xfrm>
+        </p:spPr>
+        <p:txBody>
+          <a:bodyPr>
+            <a:normAutofit fontScale="90000"/>
+          </a:bodyPr>
+          <a:p>
+            <a:pPr algn="ctr"/>
+            <a:r>
+              <a:rPr>
+                <a:ln w="10160">
+                  <a:solidFill>
+                    <a:srgbClr val="FF0000"/>
+                  </a:solidFill>
+                  <a:prstDash val="solid"/>
+                </a:ln>
+                <a:solidFill>
+                  <a:srgbClr val="FFFFFF"/>
+                </a:solidFill>
+                <a:effectLst>
+                  <a:outerShdw blurRad="38100" dist="22860" dir="5400000" algn="tl" rotWithShape="0">
+                    <a:srgbClr val="000000">
+                      <a:alpha val="30000"/>
+                    </a:srgbClr>
+                  </a:outerShdw>
+                </a:effectLst>
+              </a:rPr>
+              <a:t>跨线程调度</a:t>
+            </a:r>
+            <a:endParaRPr>
+              <a:ln w="10160">
+                <a:solidFill>
+                  <a:srgbClr val="FF0000"/>
+                </a:solidFill>
+                <a:prstDash val="solid"/>
+              </a:ln>
+              <a:solidFill>
+                <a:srgbClr val="FFFFFF"/>
+              </a:solidFill>
+              <a:effectLst>
+                <a:outerShdw blurRad="38100" dist="22860" dir="5400000" algn="tl" rotWithShape="0">
+                  <a:srgbClr val="000000">
+                    <a:alpha val="30000"/>
+                  </a:srgbClr>
+                </a:outerShdw>
+              </a:effectLst>
+            </a:endParaRPr>
+          </a:p>
+        </p:txBody>
+      </p:sp>
+      <p:sp>
+        <p:nvSpPr>
+          <p:cNvPr id="4" name="内容占位符 4"/>
+          <p:cNvSpPr>
+            <a:spLocks noGrp="1"/>
+          </p:cNvSpPr>
+          <p:nvPr/>
+        </p:nvSpPr>
+        <p:spPr>
+          <a:xfrm>
+            <a:off x="838200" y="1332865"/>
+            <a:ext cx="10515600" cy="2506345"/>
+          </a:xfrm>
+          <a:prstGeom prst="rect">
+            <a:avLst/>
+          </a:prstGeom>
+        </p:spPr>
+        <p:txBody>
+          <a:bodyPr vert="horz" lIns="91440" tIns="45720" rIns="91440" bIns="45720" rtlCol="0">
+            <a:normAutofit fontScale="90000" lnSpcReduction="10000"/>
+          </a:bodyPr>
+          <a:lstStyle>
+            <a:lvl1pPr marL="228600" indent="-228600" algn="l" defTabSz="914400" rtl="0" eaLnBrk="1" latinLnBrk="0" hangingPunct="1">
+              <a:lnSpc>
+                <a:spcPct val="90000"/>
+              </a:lnSpc>
+              <a:spcBef>
+                <a:spcPts val="1000"/>
+              </a:spcBef>
+              <a:buFont typeface="Arial" panose="020B0604020202020204" pitchFamily="34" charset="0"/>
+              <a:buChar char="•"/>
+              <a:defRPr sz="2800" kern="1200">
+                <a:solidFill>
+                  <a:schemeClr val="tx1"/>
+                </a:solidFill>
+                <a:latin typeface="+mn-lt"/>
+                <a:ea typeface="+mn-ea"/>
+                <a:cs typeface="+mn-cs"/>
+              </a:defRPr>
+            </a:lvl1pPr>
+            <a:lvl2pPr marL="685800" indent="-228600" algn="l" defTabSz="914400" rtl="0" eaLnBrk="1" latinLnBrk="0" hangingPunct="1">
+              <a:lnSpc>
+                <a:spcPct val="90000"/>
+              </a:lnSpc>
+              <a:spcBef>
+                <a:spcPts val="500"/>
+              </a:spcBef>
+              <a:buFont typeface="Arial" panose="020B0604020202020204" pitchFamily="34" charset="0"/>
+              <a:buChar char="•"/>
+              <a:defRPr sz="2400" kern="1200">
+                <a:solidFill>
+                  <a:schemeClr val="tx1"/>
+                </a:solidFill>
+                <a:latin typeface="+mn-lt"/>
+                <a:ea typeface="+mn-ea"/>
+                <a:cs typeface="+mn-cs"/>
+              </a:defRPr>
+            </a:lvl2pPr>
+            <a:lvl3pPr marL="1143000" indent="-228600" algn="l" defTabSz="914400" rtl="0" eaLnBrk="1" latinLnBrk="0" hangingPunct="1">
+              <a:lnSpc>
+                <a:spcPct val="90000"/>
+              </a:lnSpc>
+              <a:spcBef>
+                <a:spcPts val="500"/>
+              </a:spcBef>
+              <a:buFont typeface="Arial" panose="020B0604020202020204" pitchFamily="34" charset="0"/>
+              <a:buChar char="•"/>
+              <a:defRPr sz="2000" kern="1200">
+                <a:solidFill>
+                  <a:schemeClr val="tx1"/>
+                </a:solidFill>
+                <a:latin typeface="+mn-lt"/>
+                <a:ea typeface="+mn-ea"/>
+                <a:cs typeface="+mn-cs"/>
+              </a:defRPr>
+            </a:lvl3pPr>
+            <a:lvl4pPr marL="1600200" indent="-228600" algn="l" defTabSz="914400" rtl="0" eaLnBrk="1" latinLnBrk="0" hangingPunct="1">
+              <a:lnSpc>
+                <a:spcPct val="90000"/>
+              </a:lnSpc>
+              <a:spcBef>
+                <a:spcPts val="500"/>
+              </a:spcBef>
+              <a:buFont typeface="Arial" panose="020B0604020202020204" pitchFamily="34" charset="0"/>
+              <a:buChar char="•"/>
+              <a:defRPr sz="1800" kern="1200">
+                <a:solidFill>
+                  <a:schemeClr val="tx1"/>
+                </a:solidFill>
+                <a:latin typeface="+mn-lt"/>
+                <a:ea typeface="+mn-ea"/>
+                <a:cs typeface="+mn-cs"/>
+              </a:defRPr>
+            </a:lvl4pPr>
+            <a:lvl5pPr marL="2057400" indent="-228600" algn="l" defTabSz="914400" rtl="0" eaLnBrk="1" latinLnBrk="0" hangingPunct="1">
+              <a:lnSpc>
+                <a:spcPct val="90000"/>
+              </a:lnSpc>
+              <a:spcBef>
+                <a:spcPts val="500"/>
+              </a:spcBef>
+              <a:buFont typeface="Arial" panose="020B0604020202020204" pitchFamily="34" charset="0"/>
+              <a:buChar char="•"/>
+              <a:defRPr sz="1800" kern="1200">
+                <a:solidFill>
+                  <a:schemeClr val="tx1"/>
+                </a:solidFill>
+                <a:latin typeface="+mn-lt"/>
+                <a:ea typeface="+mn-ea"/>
+                <a:cs typeface="+mn-cs"/>
+              </a:defRPr>
+            </a:lvl5pPr>
+            <a:lvl6pPr marL="2514600" indent="-228600" algn="l" defTabSz="914400" rtl="0" eaLnBrk="1" latinLnBrk="0" hangingPunct="1">
+              <a:lnSpc>
+                <a:spcPct val="90000"/>
+              </a:lnSpc>
+              <a:spcBef>
+                <a:spcPts val="500"/>
+              </a:spcBef>
+              <a:buFont typeface="Arial" panose="020B0604020202020204" pitchFamily="34" charset="0"/>
+              <a:buChar char="•"/>
+              <a:defRPr sz="1800" kern="1200">
+                <a:solidFill>
+                  <a:schemeClr val="tx1"/>
+                </a:solidFill>
+                <a:latin typeface="+mn-lt"/>
+                <a:ea typeface="+mn-ea"/>
+                <a:cs typeface="+mn-cs"/>
+              </a:defRPr>
+            </a:lvl6pPr>
+            <a:lvl7pPr marL="2971800" indent="-228600" algn="l" defTabSz="914400" rtl="0" eaLnBrk="1" latinLnBrk="0" hangingPunct="1">
+              <a:lnSpc>
+                <a:spcPct val="90000"/>
+              </a:lnSpc>
+              <a:spcBef>
+                <a:spcPts val="500"/>
+              </a:spcBef>
+              <a:buFont typeface="Arial" panose="020B0604020202020204" pitchFamily="34" charset="0"/>
+              <a:buChar char="•"/>
+              <a:defRPr sz="1800" kern="1200">
+                <a:solidFill>
+                  <a:schemeClr val="tx1"/>
+                </a:solidFill>
+                <a:latin typeface="+mn-lt"/>
+                <a:ea typeface="+mn-ea"/>
+                <a:cs typeface="+mn-cs"/>
+              </a:defRPr>
+            </a:lvl7pPr>
+            <a:lvl8pPr marL="3429000" indent="-228600" algn="l" defTabSz="914400" rtl="0" eaLnBrk="1" latinLnBrk="0" hangingPunct="1">
+              <a:lnSpc>
+                <a:spcPct val="90000"/>
+              </a:lnSpc>
+              <a:spcBef>
+                <a:spcPts val="500"/>
+              </a:spcBef>
+              <a:buFont typeface="Arial" panose="020B0604020202020204" pitchFamily="34" charset="0"/>
+              <a:buChar char="•"/>
+              <a:defRPr sz="1800" kern="1200">
+                <a:solidFill>
+                  <a:schemeClr val="tx1"/>
+                </a:solidFill>
+                <a:latin typeface="+mn-lt"/>
+                <a:ea typeface="+mn-ea"/>
+                <a:cs typeface="+mn-cs"/>
+              </a:defRPr>
+            </a:lvl8pPr>
+            <a:lvl9pPr marL="3886200" indent="-228600" algn="l" defTabSz="914400" rtl="0" eaLnBrk="1" latinLnBrk="0" hangingPunct="1">
+              <a:lnSpc>
+                <a:spcPct val="90000"/>
+              </a:lnSpc>
+              <a:spcBef>
+                <a:spcPts val="500"/>
+              </a:spcBef>
+              <a:buFont typeface="Arial" panose="020B0604020202020204" pitchFamily="34" charset="0"/>
+              <a:buChar char="•"/>
+              <a:defRPr sz="1800" kern="1200">
+                <a:solidFill>
+                  <a:schemeClr val="tx1"/>
+                </a:solidFill>
+                <a:latin typeface="+mn-lt"/>
+                <a:ea typeface="+mn-ea"/>
+                <a:cs typeface="+mn-cs"/>
+              </a:defRPr>
+            </a:lvl9pPr>
+          </a:lstStyle>
+          <a:p>
+            <a:pPr marL="0" indent="0">
+              <a:buNone/>
+            </a:pPr>
             <a:r>
               <a:rPr lang="en-US" sz="2000">
                 <a:solidFill>
-                  <a:schemeClr val="accent1"/>
-                </a:solidFill>
-                <a:latin typeface="Lucida Console" panose="020B0609040504020204" charset="0"/>
-                <a:ea typeface="宋体" panose="02010600030101010101" pitchFamily="2" charset="-122"/>
-                <a:sym typeface="+mn-ea"/>
-              </a:rPr>
-              <a:t>co_await</a:t>
-            </a:r>
+                  <a:schemeClr val="accent4">
+                    <a:lumMod val="75000"/>
+                  </a:schemeClr>
+                </a:solidFill>
+                <a:latin typeface="Lucida Console" panose="020B0609040504020204" charset="0"/>
+                <a:ea typeface="宋体" panose="02010600030101010101" pitchFamily="2" charset="-122"/>
+                <a:sym typeface="+mn-ea"/>
+              </a:rPr>
+              <a:t>int main(int argc, char* argv[])</a:t>
+            </a:r>
+            <a:endParaRPr lang="en-US" sz="2000">
+              <a:solidFill>
+                <a:schemeClr val="accent4">
+                  <a:lumMod val="75000"/>
+                </a:schemeClr>
+              </a:solidFill>
+              <a:latin typeface="Lucida Console" panose="020B0609040504020204" charset="0"/>
+              <a:ea typeface="宋体" panose="02010600030101010101" pitchFamily="2" charset="-122"/>
+              <a:sym typeface="+mn-ea"/>
+            </a:endParaRPr>
+          </a:p>
+          <a:p>
+            <a:pPr marL="0" indent="0">
+              <a:buNone/>
+            </a:pPr>
             <a:r>
               <a:rPr lang="en-US" sz="2000">
-                <a:latin typeface="Lucida Console" panose="020B0609040504020204" charset="0"/>
-                <a:ea typeface="宋体" panose="02010600030101010101" pitchFamily="2" charset="-122"/>
-                <a:sym typeface="+mn-ea"/>
-              </a:rPr>
-              <a:t> do_read();</a:t>
+                <a:solidFill>
+                  <a:schemeClr val="accent4">
+                    <a:lumMod val="75000"/>
+                  </a:schemeClr>
+                </a:solidFill>
+                <a:latin typeface="Lucida Console" panose="020B0609040504020204" charset="0"/>
+                <a:ea typeface="宋体" panose="02010600030101010101" pitchFamily="2" charset="-122"/>
+                <a:sym typeface="+mn-ea"/>
+              </a:rPr>
+              <a:t>{</a:t>
             </a:r>
             <a:endParaRPr lang="en-US" sz="2000">
+              <a:solidFill>
+                <a:schemeClr val="accent4">
+                  <a:lumMod val="75000"/>
+                </a:schemeClr>
+              </a:solidFill>
               <a:latin typeface="Lucida Console" panose="020B0609040504020204" charset="0"/>
               <a:ea typeface="宋体" panose="02010600030101010101" pitchFamily="2" charset="-122"/>
               <a:sym typeface="+mn-ea"/>
@@ -20517,21 +25206,51 @@
             </a:pPr>
             <a:r>
               <a:rPr lang="en-US" sz="2000">
-                <a:latin typeface="Lucida Console" panose="020B0609040504020204" charset="0"/>
-                <a:ea typeface="宋体" panose="02010600030101010101" pitchFamily="2" charset="-122"/>
-                <a:sym typeface="+mn-ea"/>
-              </a:rPr>
-              <a:t>    </a:t>
-            </a:r>
+                <a:solidFill>
+                  <a:schemeClr val="accent4">
+                    <a:lumMod val="75000"/>
+                  </a:schemeClr>
+                </a:solidFill>
+                <a:latin typeface="Lucida Console" panose="020B0609040504020204" charset="0"/>
+                <a:ea typeface="宋体" panose="02010600030101010101" pitchFamily="2" charset="-122"/>
+                <a:sym typeface="+mn-ea"/>
+              </a:rPr>
+              <a:t>    std::cout&lt;&lt;"main thread id is "&lt;&lt;std::this_thread::get_id()&lt;&lt;std::endl;</a:t>
+            </a:r>
+            <a:endParaRPr lang="en-US" sz="2000">
+              <a:solidFill>
+                <a:schemeClr val="accent4">
+                  <a:lumMod val="75000"/>
+                </a:schemeClr>
+              </a:solidFill>
+              <a:latin typeface="Lucida Console" panose="020B0609040504020204" charset="0"/>
+              <a:ea typeface="宋体" panose="02010600030101010101" pitchFamily="2" charset="-122"/>
+              <a:sym typeface="+mn-ea"/>
+            </a:endParaRPr>
+          </a:p>
+          <a:p>
+            <a:pPr marL="0" indent="0">
+              <a:buNone/>
+            </a:pPr>
             <a:r>
               <a:rPr lang="en-US" sz="2000">
-                <a:latin typeface="Lucida Console" panose="020B0609040504020204" charset="0"/>
-                <a:ea typeface="宋体" panose="02010600030101010101" pitchFamily="2" charset="-122"/>
-                <a:sym typeface="+mn-ea"/>
-              </a:rPr>
-              <a:t>std::cout &lt;&lt; read_buff_.data() &lt;&lt; std::endl;</a:t>
+                <a:solidFill>
+                  <a:schemeClr val="accent4">
+                    <a:lumMod val="75000"/>
+                  </a:schemeClr>
+                </a:solidFill>
+                <a:latin typeface="Lucida Console" panose="020B0609040504020204" charset="0"/>
+                <a:ea typeface="宋体" panose="02010600030101010101" pitchFamily="2" charset="-122"/>
+                <a:sym typeface="+mn-ea"/>
+              </a:rPr>
+              <a:t>    heavy_computing_sequential(2);</a:t>
             </a:r>
             <a:endParaRPr lang="en-US" sz="2000">
+              <a:solidFill>
+                <a:schemeClr val="accent4">
+                  <a:lumMod val="75000"/>
+                </a:schemeClr>
+              </a:solidFill>
               <a:latin typeface="Lucida Console" panose="020B0609040504020204" charset="0"/>
               <a:ea typeface="宋体" panose="02010600030101010101" pitchFamily="2" charset="-122"/>
               <a:sym typeface="+mn-ea"/>
@@ -20543,42 +25262,294 @@
             </a:pPr>
             <a:r>
               <a:rPr lang="en-US" sz="2000">
-                <a:latin typeface="Lucida Console" panose="020B0609040504020204" charset="0"/>
-                <a:ea typeface="宋体" panose="02010600030101010101" pitchFamily="2" charset="-122"/>
-                <a:sym typeface="+mn-ea"/>
-              </a:rPr>
-              <a:t>    </a:t>
-            </a:r>
+                <a:solidFill>
+                  <a:schemeClr val="accent4">
+                    <a:lumMod val="75000"/>
+                  </a:schemeClr>
+                </a:solidFill>
+                <a:latin typeface="Lucida Console" panose="020B0609040504020204" charset="0"/>
+                <a:ea typeface="宋体" panose="02010600030101010101" pitchFamily="2" charset="-122"/>
+                <a:sym typeface="+mn-ea"/>
+              </a:rPr>
+              <a:t>    std::this_thread::sleep(2s);</a:t>
+            </a:r>
+            <a:endParaRPr lang="en-US" sz="2000">
+              <a:solidFill>
+                <a:schemeClr val="accent4">
+                  <a:lumMod val="75000"/>
+                </a:schemeClr>
+              </a:solidFill>
+              <a:latin typeface="Lucida Console" panose="020B0609040504020204" charset="0"/>
+              <a:ea typeface="宋体" panose="02010600030101010101" pitchFamily="2" charset="-122"/>
+              <a:sym typeface="+mn-ea"/>
+            </a:endParaRPr>
+          </a:p>
+          <a:p>
+            <a:pPr marL="0" indent="0">
+              <a:buNone/>
+            </a:pPr>
             <a:r>
               <a:rPr lang="en-US" sz="2000">
                 <a:solidFill>
-                  <a:schemeClr val="accent1"/>
-                </a:solidFill>
-                <a:latin typeface="Lucida Console" panose="020B0609040504020204" charset="0"/>
-                <a:ea typeface="宋体" panose="02010600030101010101" pitchFamily="2" charset="-122"/>
-                <a:sym typeface="+mn-ea"/>
-              </a:rPr>
-              <a:t>co_await</a:t>
-            </a:r>
+                  <a:schemeClr val="accent4">
+                    <a:lumMod val="75000"/>
+                  </a:schemeClr>
+                </a:solidFill>
+                <a:latin typeface="Lucida Console" panose="020B0609040504020204" charset="0"/>
+                <a:ea typeface="宋体" panose="02010600030101010101" pitchFamily="2" charset="-122"/>
+                <a:sym typeface="+mn-ea"/>
+              </a:rPr>
+              <a:t>    return 0;</a:t>
+            </a:r>
+            <a:endParaRPr lang="en-US" sz="2000">
+              <a:solidFill>
+                <a:schemeClr val="accent4">
+                  <a:lumMod val="75000"/>
+                </a:schemeClr>
+              </a:solidFill>
+              <a:latin typeface="Lucida Console" panose="020B0609040504020204" charset="0"/>
+              <a:ea typeface="宋体" panose="02010600030101010101" pitchFamily="2" charset="-122"/>
+              <a:sym typeface="+mn-ea"/>
+            </a:endParaRPr>
+          </a:p>
+          <a:p>
+            <a:pPr marL="0" indent="0">
+              <a:buNone/>
+            </a:pPr>
             <a:r>
               <a:rPr lang="en-US" sz="2000">
-                <a:latin typeface="Lucida Console" panose="020B0609040504020204" charset="0"/>
-                <a:ea typeface="宋体" panose="02010600030101010101" pitchFamily="2" charset="-122"/>
-                <a:sym typeface="+mn-ea"/>
-              </a:rPr>
-              <a:t> do_write(prepare_write_msg("third logic result : ", size));</a:t>
+                <a:solidFill>
+                  <a:schemeClr val="accent4">
+                    <a:lumMod val="75000"/>
+                  </a:schemeClr>
+                </a:solidFill>
+                <a:latin typeface="Lucida Console" panose="020B0609040504020204" charset="0"/>
+                <a:ea typeface="宋体" panose="02010600030101010101" pitchFamily="2" charset="-122"/>
+                <a:sym typeface="+mn-ea"/>
+              </a:rPr>
+              <a:t>}</a:t>
             </a:r>
             <a:endParaRPr lang="en-US" sz="2000">
+              <a:solidFill>
+                <a:schemeClr val="accent4">
+                  <a:lumMod val="75000"/>
+                </a:schemeClr>
+              </a:solidFill>
               <a:latin typeface="Lucida Console" panose="020B0609040504020204" charset="0"/>
               <a:ea typeface="宋体" panose="02010600030101010101" pitchFamily="2" charset="-122"/>
               <a:sym typeface="+mn-ea"/>
             </a:endParaRPr>
           </a:p>
-          <a:p>
-            <a:pPr marL="0" indent="0">
-              <a:buNone/>
-            </a:pPr>
+        </p:txBody>
+      </p:sp>
+      <p:sp>
+        <p:nvSpPr>
+          <p:cNvPr id="5" name="内容占位符 4"/>
+          <p:cNvSpPr>
+            <a:spLocks noGrp="1"/>
+          </p:cNvSpPr>
+          <p:nvPr/>
+        </p:nvSpPr>
+        <p:spPr>
+          <a:xfrm>
+            <a:off x="838200" y="4002405"/>
+            <a:ext cx="10515600" cy="1961515"/>
+          </a:xfrm>
+          <a:prstGeom prst="rect">
+            <a:avLst/>
+          </a:prstGeom>
+        </p:spPr>
+        <p:txBody>
+          <a:bodyPr vert="horz" lIns="91440" tIns="45720" rIns="91440" bIns="45720" rtlCol="0">
+            <a:normAutofit lnSpcReduction="10000"/>
+          </a:bodyPr>
+          <a:lstStyle>
+            <a:lvl1pPr marL="228600" indent="-228600" algn="l" defTabSz="914400" rtl="0" eaLnBrk="1" latinLnBrk="0" hangingPunct="1">
+              <a:lnSpc>
+                <a:spcPct val="90000"/>
+              </a:lnSpc>
+              <a:spcBef>
+                <a:spcPts val="1000"/>
+              </a:spcBef>
+              <a:buFont typeface="Arial" panose="020B0604020202020204" pitchFamily="34" charset="0"/>
+              <a:buChar char="•"/>
+              <a:defRPr sz="2800" kern="1200">
+                <a:solidFill>
+                  <a:schemeClr val="tx1"/>
+                </a:solidFill>
+                <a:latin typeface="+mn-lt"/>
+                <a:ea typeface="+mn-ea"/>
+                <a:cs typeface="+mn-cs"/>
+              </a:defRPr>
+            </a:lvl1pPr>
+            <a:lvl2pPr marL="685800" indent="-228600" algn="l" defTabSz="914400" rtl="0" eaLnBrk="1" latinLnBrk="0" hangingPunct="1">
+              <a:lnSpc>
+                <a:spcPct val="90000"/>
+              </a:lnSpc>
+              <a:spcBef>
+                <a:spcPts val="500"/>
+              </a:spcBef>
+              <a:buFont typeface="Arial" panose="020B0604020202020204" pitchFamily="34" charset="0"/>
+              <a:buChar char="•"/>
+              <a:defRPr sz="2400" kern="1200">
+                <a:solidFill>
+                  <a:schemeClr val="tx1"/>
+                </a:solidFill>
+                <a:latin typeface="+mn-lt"/>
+                <a:ea typeface="+mn-ea"/>
+                <a:cs typeface="+mn-cs"/>
+              </a:defRPr>
+            </a:lvl2pPr>
+            <a:lvl3pPr marL="1143000" indent="-228600" algn="l" defTabSz="914400" rtl="0" eaLnBrk="1" latinLnBrk="0" hangingPunct="1">
+              <a:lnSpc>
+                <a:spcPct val="90000"/>
+              </a:lnSpc>
+              <a:spcBef>
+                <a:spcPts val="500"/>
+              </a:spcBef>
+              <a:buFont typeface="Arial" panose="020B0604020202020204" pitchFamily="34" charset="0"/>
+              <a:buChar char="•"/>
+              <a:defRPr sz="2000" kern="1200">
+                <a:solidFill>
+                  <a:schemeClr val="tx1"/>
+                </a:solidFill>
+                <a:latin typeface="+mn-lt"/>
+                <a:ea typeface="+mn-ea"/>
+                <a:cs typeface="+mn-cs"/>
+              </a:defRPr>
+            </a:lvl3pPr>
+            <a:lvl4pPr marL="1600200" indent="-228600" algn="l" defTabSz="914400" rtl="0" eaLnBrk="1" latinLnBrk="0" hangingPunct="1">
+              <a:lnSpc>
+                <a:spcPct val="90000"/>
+              </a:lnSpc>
+              <a:spcBef>
+                <a:spcPts val="500"/>
+              </a:spcBef>
+              <a:buFont typeface="Arial" panose="020B0604020202020204" pitchFamily="34" charset="0"/>
+              <a:buChar char="•"/>
+              <a:defRPr sz="1800" kern="1200">
+                <a:solidFill>
+                  <a:schemeClr val="tx1"/>
+                </a:solidFill>
+                <a:latin typeface="+mn-lt"/>
+                <a:ea typeface="+mn-ea"/>
+                <a:cs typeface="+mn-cs"/>
+              </a:defRPr>
+            </a:lvl4pPr>
+            <a:lvl5pPr marL="2057400" indent="-228600" algn="l" defTabSz="914400" rtl="0" eaLnBrk="1" latinLnBrk="0" hangingPunct="1">
+              <a:lnSpc>
+                <a:spcPct val="90000"/>
+              </a:lnSpc>
+              <a:spcBef>
+                <a:spcPts val="500"/>
+              </a:spcBef>
+              <a:buFont typeface="Arial" panose="020B0604020202020204" pitchFamily="34" charset="0"/>
+              <a:buChar char="•"/>
+              <a:defRPr sz="1800" kern="1200">
+                <a:solidFill>
+                  <a:schemeClr val="tx1"/>
+                </a:solidFill>
+                <a:latin typeface="+mn-lt"/>
+                <a:ea typeface="+mn-ea"/>
+                <a:cs typeface="+mn-cs"/>
+              </a:defRPr>
+            </a:lvl5pPr>
+            <a:lvl6pPr marL="2514600" indent="-228600" algn="l" defTabSz="914400" rtl="0" eaLnBrk="1" latinLnBrk="0" hangingPunct="1">
+              <a:lnSpc>
+                <a:spcPct val="90000"/>
+              </a:lnSpc>
+              <a:spcBef>
+                <a:spcPts val="500"/>
+              </a:spcBef>
+              <a:buFont typeface="Arial" panose="020B0604020202020204" pitchFamily="34" charset="0"/>
+              <a:buChar char="•"/>
+              <a:defRPr sz="1800" kern="1200">
+                <a:solidFill>
+                  <a:schemeClr val="tx1"/>
+                </a:solidFill>
+                <a:latin typeface="+mn-lt"/>
+                <a:ea typeface="+mn-ea"/>
+                <a:cs typeface="+mn-cs"/>
+              </a:defRPr>
+            </a:lvl6pPr>
+            <a:lvl7pPr marL="2971800" indent="-228600" algn="l" defTabSz="914400" rtl="0" eaLnBrk="1" latinLnBrk="0" hangingPunct="1">
+              <a:lnSpc>
+                <a:spcPct val="90000"/>
+              </a:lnSpc>
+              <a:spcBef>
+                <a:spcPts val="500"/>
+              </a:spcBef>
+              <a:buFont typeface="Arial" panose="020B0604020202020204" pitchFamily="34" charset="0"/>
+              <a:buChar char="•"/>
+              <a:defRPr sz="1800" kern="1200">
+                <a:solidFill>
+                  <a:schemeClr val="tx1"/>
+                </a:solidFill>
+                <a:latin typeface="+mn-lt"/>
+                <a:ea typeface="+mn-ea"/>
+                <a:cs typeface="+mn-cs"/>
+              </a:defRPr>
+            </a:lvl7pPr>
+            <a:lvl8pPr marL="3429000" indent="-228600" algn="l" defTabSz="914400" rtl="0" eaLnBrk="1" latinLnBrk="0" hangingPunct="1">
+              <a:lnSpc>
+                <a:spcPct val="90000"/>
+              </a:lnSpc>
+              <a:spcBef>
+                <a:spcPts val="500"/>
+              </a:spcBef>
+              <a:buFont typeface="Arial" panose="020B0604020202020204" pitchFamily="34" charset="0"/>
+              <a:buChar char="•"/>
+              <a:defRPr sz="1800" kern="1200">
+                <a:solidFill>
+                  <a:schemeClr val="tx1"/>
+                </a:solidFill>
+                <a:latin typeface="+mn-lt"/>
+                <a:ea typeface="+mn-ea"/>
+                <a:cs typeface="+mn-cs"/>
+              </a:defRPr>
+            </a:lvl8pPr>
+            <a:lvl9pPr marL="3886200" indent="-228600" algn="l" defTabSz="914400" rtl="0" eaLnBrk="1" latinLnBrk="0" hangingPunct="1">
+              <a:lnSpc>
+                <a:spcPct val="90000"/>
+              </a:lnSpc>
+              <a:spcBef>
+                <a:spcPts val="500"/>
+              </a:spcBef>
+              <a:buFont typeface="Arial" panose="020B0604020202020204" pitchFamily="34" charset="0"/>
+              <a:buChar char="•"/>
+              <a:defRPr sz="1800" kern="1200">
+                <a:solidFill>
+                  <a:schemeClr val="tx1"/>
+                </a:solidFill>
+                <a:latin typeface="+mn-lt"/>
+                <a:ea typeface="+mn-ea"/>
+                <a:cs typeface="+mn-cs"/>
+              </a:defRPr>
+            </a:lvl9pPr>
+          </a:lstStyle>
+          <a:p>
+            <a:pPr marL="0" indent="0">
+              <a:buNone/>
+            </a:pPr>
+            <a:r>
+              <a:rPr lang="en-US" sz="2000">
+                <a:solidFill>
+                  <a:schemeClr val="accent4">
+                    <a:lumMod val="75000"/>
+                  </a:schemeClr>
+                </a:solidFill>
+                <a:latin typeface="Lucida Console" panose="020B0609040504020204" charset="0"/>
+                <a:ea typeface="宋体" panose="02010600030101010101" pitchFamily="2" charset="-122"/>
+                <a:sym typeface="+mn-ea"/>
+              </a:rPr>
+              <a:t>main thread id is 11716</a:t>
+            </a:r>
             <a:endParaRPr lang="en-US" sz="2000">
+              <a:solidFill>
+                <a:schemeClr val="accent4">
+                  <a:lumMod val="75000"/>
+                </a:schemeClr>
+              </a:solidFill>
               <a:latin typeface="Lucida Console" panose="020B0609040504020204" charset="0"/>
               <a:ea typeface="宋体" panose="02010600030101010101" pitchFamily="2" charset="-122"/>
               <a:sym typeface="+mn-ea"/>
@@ -20590,21 +25561,51 @@
             </a:pPr>
             <a:r>
               <a:rPr lang="en-US" sz="2000">
-                <a:latin typeface="Lucida Console" panose="020B0609040504020204" charset="0"/>
-                <a:ea typeface="宋体" panose="02010600030101010101" pitchFamily="2" charset="-122"/>
-                <a:sym typeface="+mn-ea"/>
-              </a:rPr>
-              <a:t>    </a:t>
-            </a:r>
+                <a:solidFill>
+                  <a:schemeClr val="accent4">
+                    <a:lumMod val="75000"/>
+                  </a:schemeClr>
+                </a:solidFill>
+                <a:latin typeface="Lucida Console" panose="020B0609040504020204" charset="0"/>
+                <a:ea typeface="宋体" panose="02010600030101010101" pitchFamily="2" charset="-122"/>
+                <a:sym typeface="+mn-ea"/>
+              </a:rPr>
+              <a:t>2 @11716</a:t>
+            </a:r>
+            <a:endParaRPr lang="en-US" sz="2000">
+              <a:solidFill>
+                <a:schemeClr val="accent4">
+                  <a:lumMod val="75000"/>
+                </a:schemeClr>
+              </a:solidFill>
+              <a:latin typeface="Lucida Console" panose="020B0609040504020204" charset="0"/>
+              <a:ea typeface="宋体" panose="02010600030101010101" pitchFamily="2" charset="-122"/>
+              <a:sym typeface="+mn-ea"/>
+            </a:endParaRPr>
+          </a:p>
+          <a:p>
+            <a:pPr marL="0" indent="0">
+              <a:buNone/>
+            </a:pPr>
             <a:r>
               <a:rPr lang="en-US" sz="2000">
-                <a:latin typeface="Lucida Console" panose="020B0609040504020204" charset="0"/>
-                <a:ea typeface="宋体" panose="02010600030101010101" pitchFamily="2" charset="-122"/>
-                <a:sym typeface="+mn-ea"/>
-              </a:rPr>
-              <a:t>//无限不循环......</a:t>
+                <a:solidFill>
+                  <a:schemeClr val="accent4">
+                    <a:lumMod val="75000"/>
+                  </a:schemeClr>
+                </a:solidFill>
+                <a:latin typeface="Lucida Console" panose="020B0609040504020204" charset="0"/>
+                <a:ea typeface="宋体" panose="02010600030101010101" pitchFamily="2" charset="-122"/>
+                <a:sym typeface="+mn-ea"/>
+              </a:rPr>
+              <a:t>4 @12688</a:t>
             </a:r>
             <a:endParaRPr lang="en-US" sz="2000">
+              <a:solidFill>
+                <a:schemeClr val="accent4">
+                  <a:lumMod val="75000"/>
+                </a:schemeClr>
+              </a:solidFill>
               <a:latin typeface="Lucida Console" panose="020B0609040504020204" charset="0"/>
               <a:ea typeface="宋体" panose="02010600030101010101" pitchFamily="2" charset="-122"/>
               <a:sym typeface="+mn-ea"/>
@@ -20616,13 +25617,51 @@
             </a:pPr>
             <a:r>
               <a:rPr lang="en-US" sz="2000">
-                <a:latin typeface="Lucida Console" panose="020B0609040504020204" charset="0"/>
-                <a:ea typeface="宋体" panose="02010600030101010101" pitchFamily="2" charset="-122"/>
-                <a:sym typeface="+mn-ea"/>
-              </a:rPr>
-              <a:t>}</a:t>
+                <a:solidFill>
+                  <a:schemeClr val="accent4">
+                    <a:lumMod val="75000"/>
+                  </a:schemeClr>
+                </a:solidFill>
+                <a:latin typeface="Lucida Console" panose="020B0609040504020204" charset="0"/>
+                <a:ea typeface="宋体" panose="02010600030101010101" pitchFamily="2" charset="-122"/>
+                <a:sym typeface="+mn-ea"/>
+              </a:rPr>
+              <a:t>16 @264</a:t>
             </a:r>
             <a:endParaRPr lang="en-US" sz="2000">
+              <a:solidFill>
+                <a:schemeClr val="accent4">
+                  <a:lumMod val="75000"/>
+                </a:schemeClr>
+              </a:solidFill>
+              <a:latin typeface="Lucida Console" panose="020B0609040504020204" charset="0"/>
+              <a:ea typeface="宋体" panose="02010600030101010101" pitchFamily="2" charset="-122"/>
+              <a:sym typeface="+mn-ea"/>
+            </a:endParaRPr>
+          </a:p>
+          <a:p>
+            <a:pPr marL="0" indent="0">
+              <a:buNone/>
+            </a:pPr>
+            <a:r>
+              <a:rPr lang="en-US" sz="2000">
+                <a:solidFill>
+                  <a:schemeClr val="accent4">
+                    <a:lumMod val="75000"/>
+                  </a:schemeClr>
+                </a:solidFill>
+                <a:latin typeface="Lucida Console" panose="020B0609040504020204" charset="0"/>
+                <a:ea typeface="宋体" panose="02010600030101010101" pitchFamily="2" charset="-122"/>
+                <a:sym typeface="+mn-ea"/>
+              </a:rPr>
+              <a:t>256 @10472</a:t>
+            </a:r>
+            <a:endParaRPr lang="en-US" sz="2000">
+              <a:solidFill>
+                <a:schemeClr val="accent4">
+                  <a:lumMod val="75000"/>
+                </a:schemeClr>
+              </a:solidFill>
               <a:latin typeface="Lucida Console" panose="020B0609040504020204" charset="0"/>
               <a:ea typeface="宋体" panose="02010600030101010101" pitchFamily="2" charset="-122"/>
               <a:sym typeface="+mn-ea"/>
@@ -21146,6 +26185,3289 @@
   <p:clrMapOvr>
     <a:masterClrMapping/>
   </p:clrMapOvr>
+</p:sld>
+</file>
+
+<file path=ppt/slides/slide50.xml><?xml version="1.0" encoding="utf-8"?>
+<p:sld xmlns:a="http://schemas.openxmlformats.org/drawingml/2006/main" xmlns:r="http://schemas.openxmlformats.org/officeDocument/2006/relationships" xmlns:p="http://schemas.openxmlformats.org/presentationml/2006/main">
+  <p:cSld>
+    <p:spTree>
+      <p:nvGrpSpPr>
+        <p:cNvPr id="1" name=""/>
+        <p:cNvGrpSpPr/>
+        <p:nvPr/>
+      </p:nvGrpSpPr>
+      <p:grpSpPr/>
+      <p:sp>
+        <p:nvSpPr>
+          <p:cNvPr id="2" name="标题 1"/>
+          <p:cNvSpPr>
+            <a:spLocks noGrp="1"/>
+          </p:cNvSpPr>
+          <p:nvPr>
+            <p:ph type="title"/>
+          </p:nvPr>
+        </p:nvSpPr>
+        <p:spPr>
+          <a:xfrm>
+            <a:off x="838200" y="365125"/>
+            <a:ext cx="10515600" cy="596900"/>
+          </a:xfrm>
+        </p:spPr>
+        <p:txBody>
+          <a:bodyPr>
+            <a:normAutofit fontScale="90000"/>
+          </a:bodyPr>
+          <a:p>
+            <a:pPr algn="ctr"/>
+            <a:r>
+              <a:rPr>
+                <a:ln w="10160">
+                  <a:solidFill>
+                    <a:srgbClr val="FF0000"/>
+                  </a:solidFill>
+                  <a:prstDash val="solid"/>
+                </a:ln>
+                <a:solidFill>
+                  <a:srgbClr val="FFFFFF"/>
+                </a:solidFill>
+                <a:effectLst>
+                  <a:outerShdw blurRad="38100" dist="22860" dir="5400000" algn="tl" rotWithShape="0">
+                    <a:srgbClr val="000000">
+                      <a:alpha val="30000"/>
+                    </a:srgbClr>
+                  </a:outerShdw>
+                </a:effectLst>
+              </a:rPr>
+              <a:t>协程的通用限制</a:t>
+            </a:r>
+            <a:endParaRPr>
+              <a:ln w="10160">
+                <a:solidFill>
+                  <a:srgbClr val="FF0000"/>
+                </a:solidFill>
+                <a:prstDash val="solid"/>
+              </a:ln>
+              <a:solidFill>
+                <a:srgbClr val="FFFFFF"/>
+              </a:solidFill>
+              <a:effectLst>
+                <a:outerShdw blurRad="38100" dist="22860" dir="5400000" algn="tl" rotWithShape="0">
+                  <a:srgbClr val="000000">
+                    <a:alpha val="30000"/>
+                  </a:srgbClr>
+                </a:outerShdw>
+              </a:effectLst>
+            </a:endParaRPr>
+          </a:p>
+        </p:txBody>
+      </p:sp>
+      <p:sp>
+        <p:nvSpPr>
+          <p:cNvPr id="4" name="内容占位符 4"/>
+          <p:cNvSpPr>
+            <a:spLocks noGrp="1"/>
+          </p:cNvSpPr>
+          <p:nvPr/>
+        </p:nvSpPr>
+        <p:spPr>
+          <a:xfrm>
+            <a:off x="838200" y="1332865"/>
+            <a:ext cx="10515600" cy="4969510"/>
+          </a:xfrm>
+          <a:prstGeom prst="rect">
+            <a:avLst/>
+          </a:prstGeom>
+        </p:spPr>
+        <p:txBody>
+          <a:bodyPr vert="horz" lIns="91440" tIns="45720" rIns="91440" bIns="45720" rtlCol="0">
+            <a:normAutofit/>
+          </a:bodyPr>
+          <a:lstStyle>
+            <a:lvl1pPr marL="228600" indent="-228600" algn="l" defTabSz="914400" rtl="0" eaLnBrk="1" latinLnBrk="0" hangingPunct="1">
+              <a:lnSpc>
+                <a:spcPct val="90000"/>
+              </a:lnSpc>
+              <a:spcBef>
+                <a:spcPts val="1000"/>
+              </a:spcBef>
+              <a:buFont typeface="Arial" panose="020B0604020202020204" pitchFamily="34" charset="0"/>
+              <a:buChar char="•"/>
+              <a:defRPr sz="2800" kern="1200">
+                <a:solidFill>
+                  <a:schemeClr val="tx1"/>
+                </a:solidFill>
+                <a:latin typeface="+mn-lt"/>
+                <a:ea typeface="+mn-ea"/>
+                <a:cs typeface="+mn-cs"/>
+              </a:defRPr>
+            </a:lvl1pPr>
+            <a:lvl2pPr marL="685800" indent="-228600" algn="l" defTabSz="914400" rtl="0" eaLnBrk="1" latinLnBrk="0" hangingPunct="1">
+              <a:lnSpc>
+                <a:spcPct val="90000"/>
+              </a:lnSpc>
+              <a:spcBef>
+                <a:spcPts val="500"/>
+              </a:spcBef>
+              <a:buFont typeface="Arial" panose="020B0604020202020204" pitchFamily="34" charset="0"/>
+              <a:buChar char="•"/>
+              <a:defRPr sz="2400" kern="1200">
+                <a:solidFill>
+                  <a:schemeClr val="tx1"/>
+                </a:solidFill>
+                <a:latin typeface="+mn-lt"/>
+                <a:ea typeface="+mn-ea"/>
+                <a:cs typeface="+mn-cs"/>
+              </a:defRPr>
+            </a:lvl2pPr>
+            <a:lvl3pPr marL="1143000" indent="-228600" algn="l" defTabSz="914400" rtl="0" eaLnBrk="1" latinLnBrk="0" hangingPunct="1">
+              <a:lnSpc>
+                <a:spcPct val="90000"/>
+              </a:lnSpc>
+              <a:spcBef>
+                <a:spcPts val="500"/>
+              </a:spcBef>
+              <a:buFont typeface="Arial" panose="020B0604020202020204" pitchFamily="34" charset="0"/>
+              <a:buChar char="•"/>
+              <a:defRPr sz="2000" kern="1200">
+                <a:solidFill>
+                  <a:schemeClr val="tx1"/>
+                </a:solidFill>
+                <a:latin typeface="+mn-lt"/>
+                <a:ea typeface="+mn-ea"/>
+                <a:cs typeface="+mn-cs"/>
+              </a:defRPr>
+            </a:lvl3pPr>
+            <a:lvl4pPr marL="1600200" indent="-228600" algn="l" defTabSz="914400" rtl="0" eaLnBrk="1" latinLnBrk="0" hangingPunct="1">
+              <a:lnSpc>
+                <a:spcPct val="90000"/>
+              </a:lnSpc>
+              <a:spcBef>
+                <a:spcPts val="500"/>
+              </a:spcBef>
+              <a:buFont typeface="Arial" panose="020B0604020202020204" pitchFamily="34" charset="0"/>
+              <a:buChar char="•"/>
+              <a:defRPr sz="1800" kern="1200">
+                <a:solidFill>
+                  <a:schemeClr val="tx1"/>
+                </a:solidFill>
+                <a:latin typeface="+mn-lt"/>
+                <a:ea typeface="+mn-ea"/>
+                <a:cs typeface="+mn-cs"/>
+              </a:defRPr>
+            </a:lvl4pPr>
+            <a:lvl5pPr marL="2057400" indent="-228600" algn="l" defTabSz="914400" rtl="0" eaLnBrk="1" latinLnBrk="0" hangingPunct="1">
+              <a:lnSpc>
+                <a:spcPct val="90000"/>
+              </a:lnSpc>
+              <a:spcBef>
+                <a:spcPts val="500"/>
+              </a:spcBef>
+              <a:buFont typeface="Arial" panose="020B0604020202020204" pitchFamily="34" charset="0"/>
+              <a:buChar char="•"/>
+              <a:defRPr sz="1800" kern="1200">
+                <a:solidFill>
+                  <a:schemeClr val="tx1"/>
+                </a:solidFill>
+                <a:latin typeface="+mn-lt"/>
+                <a:ea typeface="+mn-ea"/>
+                <a:cs typeface="+mn-cs"/>
+              </a:defRPr>
+            </a:lvl5pPr>
+            <a:lvl6pPr marL="2514600" indent="-228600" algn="l" defTabSz="914400" rtl="0" eaLnBrk="1" latinLnBrk="0" hangingPunct="1">
+              <a:lnSpc>
+                <a:spcPct val="90000"/>
+              </a:lnSpc>
+              <a:spcBef>
+                <a:spcPts val="500"/>
+              </a:spcBef>
+              <a:buFont typeface="Arial" panose="020B0604020202020204" pitchFamily="34" charset="0"/>
+              <a:buChar char="•"/>
+              <a:defRPr sz="1800" kern="1200">
+                <a:solidFill>
+                  <a:schemeClr val="tx1"/>
+                </a:solidFill>
+                <a:latin typeface="+mn-lt"/>
+                <a:ea typeface="+mn-ea"/>
+                <a:cs typeface="+mn-cs"/>
+              </a:defRPr>
+            </a:lvl6pPr>
+            <a:lvl7pPr marL="2971800" indent="-228600" algn="l" defTabSz="914400" rtl="0" eaLnBrk="1" latinLnBrk="0" hangingPunct="1">
+              <a:lnSpc>
+                <a:spcPct val="90000"/>
+              </a:lnSpc>
+              <a:spcBef>
+                <a:spcPts val="500"/>
+              </a:spcBef>
+              <a:buFont typeface="Arial" panose="020B0604020202020204" pitchFamily="34" charset="0"/>
+              <a:buChar char="•"/>
+              <a:defRPr sz="1800" kern="1200">
+                <a:solidFill>
+                  <a:schemeClr val="tx1"/>
+                </a:solidFill>
+                <a:latin typeface="+mn-lt"/>
+                <a:ea typeface="+mn-ea"/>
+                <a:cs typeface="+mn-cs"/>
+              </a:defRPr>
+            </a:lvl7pPr>
+            <a:lvl8pPr marL="3429000" indent="-228600" algn="l" defTabSz="914400" rtl="0" eaLnBrk="1" latinLnBrk="0" hangingPunct="1">
+              <a:lnSpc>
+                <a:spcPct val="90000"/>
+              </a:lnSpc>
+              <a:spcBef>
+                <a:spcPts val="500"/>
+              </a:spcBef>
+              <a:buFont typeface="Arial" panose="020B0604020202020204" pitchFamily="34" charset="0"/>
+              <a:buChar char="•"/>
+              <a:defRPr sz="1800" kern="1200">
+                <a:solidFill>
+                  <a:schemeClr val="tx1"/>
+                </a:solidFill>
+                <a:latin typeface="+mn-lt"/>
+                <a:ea typeface="+mn-ea"/>
+                <a:cs typeface="+mn-cs"/>
+              </a:defRPr>
+            </a:lvl8pPr>
+            <a:lvl9pPr marL="3886200" indent="-228600" algn="l" defTabSz="914400" rtl="0" eaLnBrk="1" latinLnBrk="0" hangingPunct="1">
+              <a:lnSpc>
+                <a:spcPct val="90000"/>
+              </a:lnSpc>
+              <a:spcBef>
+                <a:spcPts val="500"/>
+              </a:spcBef>
+              <a:buFont typeface="Arial" panose="020B0604020202020204" pitchFamily="34" charset="0"/>
+              <a:buChar char="•"/>
+              <a:defRPr sz="1800" kern="1200">
+                <a:solidFill>
+                  <a:schemeClr val="tx1"/>
+                </a:solidFill>
+                <a:latin typeface="+mn-lt"/>
+                <a:ea typeface="+mn-ea"/>
+                <a:cs typeface="+mn-cs"/>
+              </a:defRPr>
+            </a:lvl9pPr>
+          </a:lstStyle>
+          <a:p>
+            <a:pPr marL="457200" indent="-457200">
+              <a:buAutoNum type="arabicPeriod"/>
+            </a:pPr>
+            <a:r>
+              <a:rPr lang="zh-CN" altLang="en-US" sz="2000">
+                <a:solidFill>
+                  <a:schemeClr val="accent4">
+                    <a:lumMod val="75000"/>
+                  </a:schemeClr>
+                </a:solidFill>
+                <a:latin typeface="Lucida Console" panose="020B0609040504020204" charset="0"/>
+                <a:ea typeface="宋体" panose="02010600030101010101" pitchFamily="2" charset="-122"/>
+                <a:sym typeface="+mn-ea"/>
+              </a:rPr>
+              <a:t>避免使用</a:t>
+            </a:r>
+            <a:r>
+              <a:rPr lang="zh-CN" altLang="en-US" sz="2000">
+                <a:solidFill>
+                  <a:schemeClr val="accent4">
+                    <a:lumMod val="75000"/>
+                  </a:schemeClr>
+                </a:solidFill>
+                <a:latin typeface="Lucida Console" panose="020B0609040504020204" charset="0"/>
+                <a:ea typeface="宋体" panose="02010600030101010101" pitchFamily="2" charset="-122"/>
+                <a:sym typeface="+mn-ea"/>
+              </a:rPr>
+              <a:t>阻塞操作</a:t>
+            </a:r>
+            <a:endParaRPr lang="zh-CN" altLang="en-US" sz="2000">
+              <a:solidFill>
+                <a:schemeClr val="accent4">
+                  <a:lumMod val="75000"/>
+                </a:schemeClr>
+              </a:solidFill>
+              <a:latin typeface="Lucida Console" panose="020B0609040504020204" charset="0"/>
+              <a:ea typeface="宋体" panose="02010600030101010101" pitchFamily="2" charset="-122"/>
+              <a:sym typeface="+mn-ea"/>
+            </a:endParaRPr>
+          </a:p>
+          <a:p>
+            <a:pPr marL="457200" lvl="1" indent="0">
+              <a:buNone/>
+            </a:pPr>
+            <a:r>
+              <a:rPr lang="zh-CN" altLang="en-US" sz="1710">
+                <a:solidFill>
+                  <a:schemeClr val="accent4">
+                    <a:lumMod val="75000"/>
+                  </a:schemeClr>
+                </a:solidFill>
+                <a:latin typeface="Lucida Console" panose="020B0609040504020204" charset="0"/>
+                <a:ea typeface="宋体" panose="02010600030101010101" pitchFamily="2" charset="-122"/>
+                <a:sym typeface="+mn-ea"/>
+              </a:rPr>
+              <a:t>诸如</a:t>
+            </a:r>
+            <a:r>
+              <a:rPr lang="en-US" altLang="zh-CN" sz="1710">
+                <a:solidFill>
+                  <a:schemeClr val="accent4">
+                    <a:lumMod val="75000"/>
+                  </a:schemeClr>
+                </a:solidFill>
+                <a:latin typeface="Lucida Console" panose="020B0609040504020204" charset="0"/>
+                <a:ea typeface="宋体" panose="02010600030101010101" pitchFamily="2" charset="-122"/>
+                <a:sym typeface="+mn-ea"/>
+              </a:rPr>
+              <a:t>sleep()</a:t>
+            </a:r>
+            <a:r>
+              <a:rPr lang="zh-CN" altLang="en-US" sz="1710">
+                <a:solidFill>
+                  <a:schemeClr val="accent4">
+                    <a:lumMod val="75000"/>
+                  </a:schemeClr>
+                </a:solidFill>
+                <a:latin typeface="Lucida Console" panose="020B0609040504020204" charset="0"/>
+                <a:ea typeface="宋体" panose="02010600030101010101" pitchFamily="2" charset="-122"/>
+                <a:sym typeface="+mn-ea"/>
+              </a:rPr>
+              <a:t>函数，或者是阻塞</a:t>
+            </a:r>
+            <a:r>
+              <a:rPr lang="en-US" altLang="zh-CN" sz="1710">
+                <a:solidFill>
+                  <a:schemeClr val="accent4">
+                    <a:lumMod val="75000"/>
+                  </a:schemeClr>
+                </a:solidFill>
+                <a:latin typeface="Lucida Console" panose="020B0609040504020204" charset="0"/>
+                <a:ea typeface="宋体" panose="02010600030101010101" pitchFamily="2" charset="-122"/>
+                <a:sym typeface="+mn-ea"/>
+              </a:rPr>
+              <a:t>IO</a:t>
+            </a:r>
+            <a:r>
+              <a:rPr lang="zh-CN" altLang="en-US" sz="1710">
+                <a:solidFill>
+                  <a:schemeClr val="accent4">
+                    <a:lumMod val="75000"/>
+                  </a:schemeClr>
+                </a:solidFill>
+                <a:latin typeface="Lucida Console" panose="020B0609040504020204" charset="0"/>
+                <a:ea typeface="宋体" panose="02010600030101010101" pitchFamily="2" charset="-122"/>
+                <a:sym typeface="+mn-ea"/>
+              </a:rPr>
+              <a:t>，或者是繁重的计算任务</a:t>
+            </a:r>
+            <a:endParaRPr lang="zh-CN" altLang="en-US" sz="1710">
+              <a:solidFill>
+                <a:schemeClr val="accent4">
+                  <a:lumMod val="75000"/>
+                </a:schemeClr>
+              </a:solidFill>
+              <a:latin typeface="Lucida Console" panose="020B0609040504020204" charset="0"/>
+              <a:ea typeface="宋体" panose="02010600030101010101" pitchFamily="2" charset="-122"/>
+              <a:sym typeface="+mn-ea"/>
+            </a:endParaRPr>
+          </a:p>
+          <a:p>
+            <a:pPr marL="457200" lvl="1" indent="0">
+              <a:buNone/>
+            </a:pPr>
+            <a:endParaRPr lang="zh-CN" altLang="en-US" sz="1710">
+              <a:solidFill>
+                <a:schemeClr val="accent4">
+                  <a:lumMod val="75000"/>
+                </a:schemeClr>
+              </a:solidFill>
+              <a:latin typeface="Lucida Console" panose="020B0609040504020204" charset="0"/>
+              <a:ea typeface="宋体" panose="02010600030101010101" pitchFamily="2" charset="-122"/>
+              <a:sym typeface="+mn-ea"/>
+            </a:endParaRPr>
+          </a:p>
+          <a:p>
+            <a:pPr marL="457200" indent="-457200">
+              <a:buAutoNum type="arabicPeriod"/>
+            </a:pPr>
+            <a:r>
+              <a:rPr lang="zh-CN" altLang="en-US" sz="2000">
+                <a:solidFill>
+                  <a:schemeClr val="accent4">
+                    <a:lumMod val="75000"/>
+                  </a:schemeClr>
+                </a:solidFill>
+                <a:latin typeface="Lucida Console" panose="020B0609040504020204" charset="0"/>
+                <a:ea typeface="宋体" panose="02010600030101010101" pitchFamily="2" charset="-122"/>
+                <a:sym typeface="+mn-ea"/>
+              </a:rPr>
+              <a:t>万分小心的使用</a:t>
+            </a:r>
+            <a:r>
+              <a:rPr lang="en-US" altLang="zh-CN" sz="2000">
+                <a:solidFill>
+                  <a:schemeClr val="accent4">
+                    <a:lumMod val="75000"/>
+                  </a:schemeClr>
+                </a:solidFill>
+                <a:latin typeface="Lucida Console" panose="020B0609040504020204" charset="0"/>
+                <a:ea typeface="宋体" panose="02010600030101010101" pitchFamily="2" charset="-122"/>
+                <a:sym typeface="+mn-ea"/>
+              </a:rPr>
+              <a:t>TLS</a:t>
+            </a:r>
+            <a:r>
+              <a:rPr lang="zh-CN" altLang="en-US" sz="2000">
+                <a:solidFill>
+                  <a:schemeClr val="accent4">
+                    <a:lumMod val="75000"/>
+                  </a:schemeClr>
+                </a:solidFill>
+                <a:latin typeface="Lucida Console" panose="020B0609040504020204" charset="0"/>
+                <a:ea typeface="宋体" panose="02010600030101010101" pitchFamily="2" charset="-122"/>
+                <a:sym typeface="+mn-ea"/>
+              </a:rPr>
+              <a:t>功能的函数</a:t>
+            </a:r>
+            <a:endParaRPr lang="zh-CN" altLang="en-US" sz="2000">
+              <a:solidFill>
+                <a:schemeClr val="accent4">
+                  <a:lumMod val="75000"/>
+                </a:schemeClr>
+              </a:solidFill>
+              <a:latin typeface="Lucida Console" panose="020B0609040504020204" charset="0"/>
+              <a:ea typeface="宋体" panose="02010600030101010101" pitchFamily="2" charset="-122"/>
+              <a:sym typeface="+mn-ea"/>
+            </a:endParaRPr>
+          </a:p>
+          <a:p>
+            <a:pPr marL="457200" lvl="1" indent="0">
+              <a:buNone/>
+            </a:pPr>
+            <a:r>
+              <a:rPr lang="zh-CN" altLang="en-US" sz="1710">
+                <a:solidFill>
+                  <a:schemeClr val="accent4">
+                    <a:lumMod val="75000"/>
+                  </a:schemeClr>
+                </a:solidFill>
+                <a:latin typeface="Lucida Console" panose="020B0609040504020204" charset="0"/>
+                <a:ea typeface="宋体" panose="02010600030101010101" pitchFamily="2" charset="-122"/>
+                <a:sym typeface="+mn-ea"/>
+              </a:rPr>
+              <a:t>诸如</a:t>
+            </a:r>
+            <a:r>
+              <a:rPr lang="en-US" altLang="zh-CN" sz="1710">
+                <a:solidFill>
+                  <a:schemeClr val="accent4">
+                    <a:lumMod val="75000"/>
+                  </a:schemeClr>
+                </a:solidFill>
+                <a:latin typeface="Lucida Console" panose="020B0609040504020204" charset="0"/>
+                <a:ea typeface="宋体" panose="02010600030101010101" pitchFamily="2" charset="-122"/>
+                <a:sym typeface="+mn-ea"/>
+              </a:rPr>
+              <a:t>errno()</a:t>
+            </a:r>
+            <a:r>
+              <a:rPr lang="zh-CN" altLang="en-US" sz="1710">
+                <a:solidFill>
+                  <a:schemeClr val="accent4">
+                    <a:lumMod val="75000"/>
+                  </a:schemeClr>
+                </a:solidFill>
+                <a:latin typeface="Lucida Console" panose="020B0609040504020204" charset="0"/>
+                <a:ea typeface="宋体" panose="02010600030101010101" pitchFamily="2" charset="-122"/>
+                <a:sym typeface="+mn-ea"/>
+              </a:rPr>
+              <a:t>函数，如果主动切换的时机不对，拿到的可能就是别的协程的错误码。</a:t>
+            </a:r>
+            <a:endParaRPr lang="zh-CN" altLang="en-US" sz="1710">
+              <a:solidFill>
+                <a:schemeClr val="accent4">
+                  <a:lumMod val="75000"/>
+                </a:schemeClr>
+              </a:solidFill>
+              <a:latin typeface="Lucida Console" panose="020B0609040504020204" charset="0"/>
+              <a:ea typeface="宋体" panose="02010600030101010101" pitchFamily="2" charset="-122"/>
+              <a:sym typeface="+mn-ea"/>
+            </a:endParaRPr>
+          </a:p>
+          <a:p>
+            <a:pPr marL="457200" lvl="1" indent="0">
+              <a:buNone/>
+            </a:pPr>
+            <a:r>
+              <a:rPr lang="zh-CN" altLang="en-US" sz="1710">
+                <a:solidFill>
+                  <a:schemeClr val="accent4">
+                    <a:lumMod val="75000"/>
+                  </a:schemeClr>
+                </a:solidFill>
+                <a:latin typeface="Lucida Console" panose="020B0609040504020204" charset="0"/>
+                <a:ea typeface="宋体" panose="02010600030101010101" pitchFamily="2" charset="-122"/>
+                <a:sym typeface="+mn-ea"/>
+              </a:rPr>
+              <a:t>又如</a:t>
+            </a:r>
+            <a:r>
+              <a:rPr lang="en-US" altLang="zh-CN" sz="1710">
+                <a:solidFill>
+                  <a:schemeClr val="accent4">
+                    <a:lumMod val="75000"/>
+                  </a:schemeClr>
+                </a:solidFill>
+                <a:latin typeface="Lucida Console" panose="020B0609040504020204" charset="0"/>
+                <a:ea typeface="宋体" panose="02010600030101010101" pitchFamily="2" charset="-122"/>
+                <a:sym typeface="+mn-ea"/>
+              </a:rPr>
+              <a:t>ctime()</a:t>
+            </a:r>
+            <a:r>
+              <a:rPr lang="zh-CN" altLang="en-US" sz="1710">
+                <a:solidFill>
+                  <a:schemeClr val="accent4">
+                    <a:lumMod val="75000"/>
+                  </a:schemeClr>
+                </a:solidFill>
+                <a:latin typeface="Lucida Console" panose="020B0609040504020204" charset="0"/>
+                <a:ea typeface="宋体" panose="02010600030101010101" pitchFamily="2" charset="-122"/>
+                <a:sym typeface="+mn-ea"/>
+              </a:rPr>
+              <a:t>函数，拿着返回的指针，保存到下一个时刻去用。如果期间发生了协程切换，则很可能拿到的是一个错误的数据。针对这种函数，要么老老实实的根据推荐，使用</a:t>
+            </a:r>
+            <a:r>
+              <a:rPr lang="en-US" altLang="zh-CN" sz="1710">
+                <a:solidFill>
+                  <a:schemeClr val="accent4">
+                    <a:lumMod val="75000"/>
+                  </a:schemeClr>
+                </a:solidFill>
+                <a:latin typeface="Lucida Console" panose="020B0609040504020204" charset="0"/>
+                <a:ea typeface="宋体" panose="02010600030101010101" pitchFamily="2" charset="-122"/>
+                <a:sym typeface="+mn-ea"/>
+              </a:rPr>
+              <a:t>C11</a:t>
+            </a:r>
+            <a:r>
+              <a:rPr lang="zh-CN" altLang="en-US" sz="1710">
+                <a:solidFill>
+                  <a:schemeClr val="accent4">
+                    <a:lumMod val="75000"/>
+                  </a:schemeClr>
+                </a:solidFill>
+                <a:latin typeface="Lucida Console" panose="020B0609040504020204" charset="0"/>
+                <a:ea typeface="宋体" panose="02010600030101010101" pitchFamily="2" charset="-122"/>
+                <a:sym typeface="+mn-ea"/>
+              </a:rPr>
+              <a:t>以后的更安全的函数；要么赶紧用一个</a:t>
+            </a:r>
+            <a:r>
+              <a:rPr lang="en-US" altLang="zh-CN" sz="1710">
+                <a:solidFill>
+                  <a:schemeClr val="accent4">
+                    <a:lumMod val="75000"/>
+                  </a:schemeClr>
+                </a:solidFill>
+                <a:latin typeface="Lucida Console" panose="020B0609040504020204" charset="0"/>
+                <a:ea typeface="宋体" panose="02010600030101010101" pitchFamily="2" charset="-122"/>
+                <a:sym typeface="+mn-ea"/>
+              </a:rPr>
+              <a:t>string</a:t>
+            </a:r>
+            <a:r>
+              <a:rPr lang="zh-CN" altLang="en-US" sz="1710">
+                <a:solidFill>
+                  <a:schemeClr val="accent4">
+                    <a:lumMod val="75000"/>
+                  </a:schemeClr>
+                </a:solidFill>
+                <a:latin typeface="Lucida Console" panose="020B0609040504020204" charset="0"/>
+                <a:ea typeface="宋体" panose="02010600030101010101" pitchFamily="2" charset="-122"/>
+                <a:sym typeface="+mn-ea"/>
+              </a:rPr>
+              <a:t>给构造一个</a:t>
+            </a:r>
+            <a:r>
+              <a:rPr lang="en-US" altLang="zh-CN" sz="1710">
+                <a:solidFill>
+                  <a:schemeClr val="accent4">
+                    <a:lumMod val="75000"/>
+                  </a:schemeClr>
+                </a:solidFill>
+                <a:latin typeface="Lucida Console" panose="020B0609040504020204" charset="0"/>
+                <a:ea typeface="宋体" panose="02010600030101010101" pitchFamily="2" charset="-122"/>
+                <a:sym typeface="+mn-ea"/>
+              </a:rPr>
+              <a:t>“</a:t>
+            </a:r>
+            <a:r>
+              <a:rPr lang="zh-CN" altLang="en-US" sz="1710">
+                <a:solidFill>
+                  <a:schemeClr val="accent4">
+                    <a:lumMod val="75000"/>
+                  </a:schemeClr>
+                </a:solidFill>
+                <a:latin typeface="Lucida Console" panose="020B0609040504020204" charset="0"/>
+                <a:ea typeface="宋体" panose="02010600030101010101" pitchFamily="2" charset="-122"/>
+                <a:sym typeface="+mn-ea"/>
+              </a:rPr>
+              <a:t>拷贝</a:t>
+            </a:r>
+            <a:r>
+              <a:rPr lang="en-US" altLang="zh-CN" sz="1710">
+                <a:solidFill>
+                  <a:schemeClr val="accent4">
+                    <a:lumMod val="75000"/>
+                  </a:schemeClr>
+                </a:solidFill>
+                <a:latin typeface="Lucida Console" panose="020B0609040504020204" charset="0"/>
+                <a:ea typeface="宋体" panose="02010600030101010101" pitchFamily="2" charset="-122"/>
+                <a:sym typeface="+mn-ea"/>
+              </a:rPr>
+              <a:t>”</a:t>
+            </a:r>
+            <a:r>
+              <a:rPr lang="zh-CN" altLang="en-US" sz="1710">
+                <a:solidFill>
+                  <a:schemeClr val="accent4">
+                    <a:lumMod val="75000"/>
+                  </a:schemeClr>
+                </a:solidFill>
+                <a:latin typeface="Lucida Console" panose="020B0609040504020204" charset="0"/>
+                <a:ea typeface="宋体" panose="02010600030101010101" pitchFamily="2" charset="-122"/>
+                <a:sym typeface="+mn-ea"/>
+              </a:rPr>
+              <a:t>语义的内容。</a:t>
+            </a:r>
+            <a:endParaRPr lang="zh-CN" altLang="en-US" sz="1710">
+              <a:solidFill>
+                <a:schemeClr val="accent4">
+                  <a:lumMod val="75000"/>
+                </a:schemeClr>
+              </a:solidFill>
+              <a:latin typeface="Lucida Console" panose="020B0609040504020204" charset="0"/>
+              <a:ea typeface="宋体" panose="02010600030101010101" pitchFamily="2" charset="-122"/>
+              <a:sym typeface="+mn-ea"/>
+            </a:endParaRPr>
+          </a:p>
+          <a:p>
+            <a:pPr marL="457200" lvl="1" indent="0">
+              <a:buNone/>
+            </a:pPr>
+            <a:endParaRPr lang="zh-CN" altLang="en-US" sz="1710">
+              <a:solidFill>
+                <a:schemeClr val="accent4">
+                  <a:lumMod val="75000"/>
+                </a:schemeClr>
+              </a:solidFill>
+              <a:latin typeface="Lucida Console" panose="020B0609040504020204" charset="0"/>
+              <a:ea typeface="宋体" panose="02010600030101010101" pitchFamily="2" charset="-122"/>
+              <a:sym typeface="+mn-ea"/>
+            </a:endParaRPr>
+          </a:p>
+          <a:p>
+            <a:pPr marL="457200" indent="-457200">
+              <a:buAutoNum type="arabicPeriod"/>
+            </a:pPr>
+            <a:r>
+              <a:rPr lang="zh-CN" altLang="en-US" sz="2000">
+                <a:solidFill>
+                  <a:schemeClr val="accent4">
+                    <a:lumMod val="75000"/>
+                  </a:schemeClr>
+                </a:solidFill>
+                <a:latin typeface="Lucida Console" panose="020B0609040504020204" charset="0"/>
+                <a:ea typeface="宋体" panose="02010600030101010101" pitchFamily="2" charset="-122"/>
+                <a:sym typeface="+mn-ea"/>
+              </a:rPr>
+              <a:t>考虑前后数据的变化，重新校验数据</a:t>
+            </a:r>
+            <a:endParaRPr lang="zh-CN" altLang="en-US" sz="2000">
+              <a:solidFill>
+                <a:schemeClr val="accent4">
+                  <a:lumMod val="75000"/>
+                </a:schemeClr>
+              </a:solidFill>
+              <a:latin typeface="Lucida Console" panose="020B0609040504020204" charset="0"/>
+              <a:ea typeface="宋体" panose="02010600030101010101" pitchFamily="2" charset="-122"/>
+              <a:sym typeface="+mn-ea"/>
+            </a:endParaRPr>
+          </a:p>
+          <a:p>
+            <a:pPr marL="457200" lvl="1" indent="0">
+              <a:buNone/>
+            </a:pPr>
+            <a:r>
+              <a:rPr lang="zh-CN" altLang="en-US" sz="1710">
+                <a:solidFill>
+                  <a:schemeClr val="accent4">
+                    <a:lumMod val="75000"/>
+                  </a:schemeClr>
+                </a:solidFill>
+                <a:latin typeface="Lucida Console" panose="020B0609040504020204" charset="0"/>
+                <a:ea typeface="宋体" panose="02010600030101010101" pitchFamily="2" charset="-122"/>
+                <a:sym typeface="+mn-ea"/>
+              </a:rPr>
+              <a:t>由于协程代码，前后会跨越较长时间，期间的数据可能发生了改变。要留意重新校验这些数据是否合理。</a:t>
+            </a:r>
+            <a:endParaRPr lang="zh-CN" altLang="en-US" sz="1710">
+              <a:solidFill>
+                <a:schemeClr val="accent4">
+                  <a:lumMod val="75000"/>
+                </a:schemeClr>
+              </a:solidFill>
+              <a:latin typeface="Lucida Console" panose="020B0609040504020204" charset="0"/>
+              <a:ea typeface="宋体" panose="02010600030101010101" pitchFamily="2" charset="-122"/>
+              <a:sym typeface="+mn-ea"/>
+            </a:endParaRPr>
+          </a:p>
+          <a:p>
+            <a:pPr marL="457200" lvl="1" indent="0">
+              <a:buNone/>
+            </a:pPr>
+            <a:r>
+              <a:rPr lang="zh-CN" altLang="en-US" sz="1710">
+                <a:solidFill>
+                  <a:schemeClr val="accent4">
+                    <a:lumMod val="75000"/>
+                  </a:schemeClr>
+                </a:solidFill>
+                <a:latin typeface="Lucida Console" panose="020B0609040504020204" charset="0"/>
+                <a:ea typeface="宋体" panose="02010600030101010101" pitchFamily="2" charset="-122"/>
+                <a:sym typeface="+mn-ea"/>
+              </a:rPr>
+              <a:t>对于笔者的应用场合，就是游戏里判断游戏代币的数量后执行一个数据库操作，执行完毕后，很可能还需要再次校验游戏代币数量。或者选择先扣减代币，在执行后续任务失败后，把扣除的代币又还回去</a:t>
+            </a:r>
+            <a:r>
+              <a:rPr lang="en-US" altLang="zh-CN" sz="1710">
+                <a:solidFill>
+                  <a:schemeClr val="accent4">
+                    <a:lumMod val="75000"/>
+                  </a:schemeClr>
+                </a:solidFill>
+                <a:latin typeface="Lucida Console" panose="020B0609040504020204" charset="0"/>
+                <a:ea typeface="宋体" panose="02010600030101010101" pitchFamily="2" charset="-122"/>
+                <a:sym typeface="+mn-ea"/>
+              </a:rPr>
+              <a:t>----</a:t>
+            </a:r>
+            <a:r>
+              <a:rPr lang="zh-CN" altLang="en-US" sz="1710">
+                <a:solidFill>
+                  <a:schemeClr val="accent4">
+                    <a:lumMod val="75000"/>
+                  </a:schemeClr>
+                </a:solidFill>
+                <a:latin typeface="Lucida Console" panose="020B0609040504020204" charset="0"/>
+                <a:ea typeface="宋体" panose="02010600030101010101" pitchFamily="2" charset="-122"/>
+                <a:sym typeface="+mn-ea"/>
+              </a:rPr>
+              <a:t>通常来说，还回去的操作不会失败。</a:t>
+            </a:r>
+            <a:endParaRPr lang="en-US" altLang="zh-CN" sz="1710">
+              <a:solidFill>
+                <a:schemeClr val="accent4">
+                  <a:lumMod val="75000"/>
+                </a:schemeClr>
+              </a:solidFill>
+              <a:latin typeface="Lucida Console" panose="020B0609040504020204" charset="0"/>
+              <a:ea typeface="宋体" panose="02010600030101010101" pitchFamily="2" charset="-122"/>
+              <a:sym typeface="+mn-ea"/>
+            </a:endParaRPr>
+          </a:p>
+          <a:p>
+            <a:pPr marL="0" indent="0">
+              <a:buNone/>
+            </a:pPr>
+            <a:r>
+              <a:rPr lang="en-US" altLang="zh-CN" sz="2000">
+                <a:solidFill>
+                  <a:schemeClr val="accent4">
+                    <a:lumMod val="75000"/>
+                  </a:schemeClr>
+                </a:solidFill>
+                <a:latin typeface="Lucida Console" panose="020B0609040504020204" charset="0"/>
+                <a:ea typeface="宋体" panose="02010600030101010101" pitchFamily="2" charset="-122"/>
+                <a:sym typeface="+mn-ea"/>
+              </a:rPr>
+              <a:t>	</a:t>
+            </a:r>
+            <a:endParaRPr lang="en-US" altLang="zh-CN" sz="2000">
+              <a:solidFill>
+                <a:schemeClr val="accent4">
+                  <a:lumMod val="75000"/>
+                </a:schemeClr>
+              </a:solidFill>
+              <a:latin typeface="Lucida Console" panose="020B0609040504020204" charset="0"/>
+              <a:ea typeface="宋体" panose="02010600030101010101" pitchFamily="2" charset="-122"/>
+              <a:sym typeface="+mn-ea"/>
+            </a:endParaRPr>
+          </a:p>
+        </p:txBody>
+      </p:sp>
+      <p:sp>
+        <p:nvSpPr>
+          <p:cNvPr id="5" name="内容占位符 4"/>
+          <p:cNvSpPr>
+            <a:spLocks noGrp="1"/>
+          </p:cNvSpPr>
+          <p:nvPr/>
+        </p:nvSpPr>
+        <p:spPr>
+          <a:xfrm>
+            <a:off x="838200" y="4002405"/>
+            <a:ext cx="10515600" cy="1961515"/>
+          </a:xfrm>
+          <a:prstGeom prst="rect">
+            <a:avLst/>
+          </a:prstGeom>
+        </p:spPr>
+        <p:txBody>
+          <a:bodyPr vert="horz" lIns="91440" tIns="45720" rIns="91440" bIns="45720" rtlCol="0">
+            <a:normAutofit lnSpcReduction="10000"/>
+          </a:bodyPr>
+          <a:lstStyle>
+            <a:lvl1pPr marL="228600" indent="-228600" algn="l" defTabSz="914400" rtl="0" eaLnBrk="1" latinLnBrk="0" hangingPunct="1">
+              <a:lnSpc>
+                <a:spcPct val="90000"/>
+              </a:lnSpc>
+              <a:spcBef>
+                <a:spcPts val="1000"/>
+              </a:spcBef>
+              <a:buFont typeface="Arial" panose="020B0604020202020204" pitchFamily="34" charset="0"/>
+              <a:buChar char="•"/>
+              <a:defRPr sz="2800" kern="1200">
+                <a:solidFill>
+                  <a:schemeClr val="tx1"/>
+                </a:solidFill>
+                <a:latin typeface="+mn-lt"/>
+                <a:ea typeface="+mn-ea"/>
+                <a:cs typeface="+mn-cs"/>
+              </a:defRPr>
+            </a:lvl1pPr>
+            <a:lvl2pPr marL="685800" indent="-228600" algn="l" defTabSz="914400" rtl="0" eaLnBrk="1" latinLnBrk="0" hangingPunct="1">
+              <a:lnSpc>
+                <a:spcPct val="90000"/>
+              </a:lnSpc>
+              <a:spcBef>
+                <a:spcPts val="500"/>
+              </a:spcBef>
+              <a:buFont typeface="Arial" panose="020B0604020202020204" pitchFamily="34" charset="0"/>
+              <a:buChar char="•"/>
+              <a:defRPr sz="2400" kern="1200">
+                <a:solidFill>
+                  <a:schemeClr val="tx1"/>
+                </a:solidFill>
+                <a:latin typeface="+mn-lt"/>
+                <a:ea typeface="+mn-ea"/>
+                <a:cs typeface="+mn-cs"/>
+              </a:defRPr>
+            </a:lvl2pPr>
+            <a:lvl3pPr marL="1143000" indent="-228600" algn="l" defTabSz="914400" rtl="0" eaLnBrk="1" latinLnBrk="0" hangingPunct="1">
+              <a:lnSpc>
+                <a:spcPct val="90000"/>
+              </a:lnSpc>
+              <a:spcBef>
+                <a:spcPts val="500"/>
+              </a:spcBef>
+              <a:buFont typeface="Arial" panose="020B0604020202020204" pitchFamily="34" charset="0"/>
+              <a:buChar char="•"/>
+              <a:defRPr sz="2000" kern="1200">
+                <a:solidFill>
+                  <a:schemeClr val="tx1"/>
+                </a:solidFill>
+                <a:latin typeface="+mn-lt"/>
+                <a:ea typeface="+mn-ea"/>
+                <a:cs typeface="+mn-cs"/>
+              </a:defRPr>
+            </a:lvl3pPr>
+            <a:lvl4pPr marL="1600200" indent="-228600" algn="l" defTabSz="914400" rtl="0" eaLnBrk="1" latinLnBrk="0" hangingPunct="1">
+              <a:lnSpc>
+                <a:spcPct val="90000"/>
+              </a:lnSpc>
+              <a:spcBef>
+                <a:spcPts val="500"/>
+              </a:spcBef>
+              <a:buFont typeface="Arial" panose="020B0604020202020204" pitchFamily="34" charset="0"/>
+              <a:buChar char="•"/>
+              <a:defRPr sz="1800" kern="1200">
+                <a:solidFill>
+                  <a:schemeClr val="tx1"/>
+                </a:solidFill>
+                <a:latin typeface="+mn-lt"/>
+                <a:ea typeface="+mn-ea"/>
+                <a:cs typeface="+mn-cs"/>
+              </a:defRPr>
+            </a:lvl4pPr>
+            <a:lvl5pPr marL="2057400" indent="-228600" algn="l" defTabSz="914400" rtl="0" eaLnBrk="1" latinLnBrk="0" hangingPunct="1">
+              <a:lnSpc>
+                <a:spcPct val="90000"/>
+              </a:lnSpc>
+              <a:spcBef>
+                <a:spcPts val="500"/>
+              </a:spcBef>
+              <a:buFont typeface="Arial" panose="020B0604020202020204" pitchFamily="34" charset="0"/>
+              <a:buChar char="•"/>
+              <a:defRPr sz="1800" kern="1200">
+                <a:solidFill>
+                  <a:schemeClr val="tx1"/>
+                </a:solidFill>
+                <a:latin typeface="+mn-lt"/>
+                <a:ea typeface="+mn-ea"/>
+                <a:cs typeface="+mn-cs"/>
+              </a:defRPr>
+            </a:lvl5pPr>
+            <a:lvl6pPr marL="2514600" indent="-228600" algn="l" defTabSz="914400" rtl="0" eaLnBrk="1" latinLnBrk="0" hangingPunct="1">
+              <a:lnSpc>
+                <a:spcPct val="90000"/>
+              </a:lnSpc>
+              <a:spcBef>
+                <a:spcPts val="500"/>
+              </a:spcBef>
+              <a:buFont typeface="Arial" panose="020B0604020202020204" pitchFamily="34" charset="0"/>
+              <a:buChar char="•"/>
+              <a:defRPr sz="1800" kern="1200">
+                <a:solidFill>
+                  <a:schemeClr val="tx1"/>
+                </a:solidFill>
+                <a:latin typeface="+mn-lt"/>
+                <a:ea typeface="+mn-ea"/>
+                <a:cs typeface="+mn-cs"/>
+              </a:defRPr>
+            </a:lvl6pPr>
+            <a:lvl7pPr marL="2971800" indent="-228600" algn="l" defTabSz="914400" rtl="0" eaLnBrk="1" latinLnBrk="0" hangingPunct="1">
+              <a:lnSpc>
+                <a:spcPct val="90000"/>
+              </a:lnSpc>
+              <a:spcBef>
+                <a:spcPts val="500"/>
+              </a:spcBef>
+              <a:buFont typeface="Arial" panose="020B0604020202020204" pitchFamily="34" charset="0"/>
+              <a:buChar char="•"/>
+              <a:defRPr sz="1800" kern="1200">
+                <a:solidFill>
+                  <a:schemeClr val="tx1"/>
+                </a:solidFill>
+                <a:latin typeface="+mn-lt"/>
+                <a:ea typeface="+mn-ea"/>
+                <a:cs typeface="+mn-cs"/>
+              </a:defRPr>
+            </a:lvl7pPr>
+            <a:lvl8pPr marL="3429000" indent="-228600" algn="l" defTabSz="914400" rtl="0" eaLnBrk="1" latinLnBrk="0" hangingPunct="1">
+              <a:lnSpc>
+                <a:spcPct val="90000"/>
+              </a:lnSpc>
+              <a:spcBef>
+                <a:spcPts val="500"/>
+              </a:spcBef>
+              <a:buFont typeface="Arial" panose="020B0604020202020204" pitchFamily="34" charset="0"/>
+              <a:buChar char="•"/>
+              <a:defRPr sz="1800" kern="1200">
+                <a:solidFill>
+                  <a:schemeClr val="tx1"/>
+                </a:solidFill>
+                <a:latin typeface="+mn-lt"/>
+                <a:ea typeface="+mn-ea"/>
+                <a:cs typeface="+mn-cs"/>
+              </a:defRPr>
+            </a:lvl8pPr>
+            <a:lvl9pPr marL="3886200" indent="-228600" algn="l" defTabSz="914400" rtl="0" eaLnBrk="1" latinLnBrk="0" hangingPunct="1">
+              <a:lnSpc>
+                <a:spcPct val="90000"/>
+              </a:lnSpc>
+              <a:spcBef>
+                <a:spcPts val="500"/>
+              </a:spcBef>
+              <a:buFont typeface="Arial" panose="020B0604020202020204" pitchFamily="34" charset="0"/>
+              <a:buChar char="•"/>
+              <a:defRPr sz="1800" kern="1200">
+                <a:solidFill>
+                  <a:schemeClr val="tx1"/>
+                </a:solidFill>
+                <a:latin typeface="+mn-lt"/>
+                <a:ea typeface="+mn-ea"/>
+                <a:cs typeface="+mn-cs"/>
+              </a:defRPr>
+            </a:lvl9pPr>
+          </a:lstStyle>
+          <a:p>
+            <a:pPr marL="0" indent="0">
+              <a:buNone/>
+            </a:pPr>
+            <a:endParaRPr lang="en-US" sz="2000">
+              <a:solidFill>
+                <a:schemeClr val="accent4">
+                  <a:lumMod val="75000"/>
+                </a:schemeClr>
+              </a:solidFill>
+              <a:latin typeface="Lucida Console" panose="020B0609040504020204" charset="0"/>
+              <a:ea typeface="宋体" panose="02010600030101010101" pitchFamily="2" charset="-122"/>
+              <a:sym typeface="+mn-ea"/>
+            </a:endParaRPr>
+          </a:p>
+        </p:txBody>
+      </p:sp>
+    </p:spTree>
+  </p:cSld>
+  <p:clrMapOvr>
+    <a:masterClrMapping/>
+  </p:clrMapOvr>
+  <p:timing>
+    <p:tnLst>
+      <p:par>
+        <p:cTn id="1" dur="indefinite" restart="never" nodeType="tmRoot"/>
+      </p:par>
+    </p:tnLst>
+  </p:timing>
+</p:sld>
+</file>
+
+<file path=ppt/slides/slide51.xml><?xml version="1.0" encoding="utf-8"?>
+<p:sld xmlns:a="http://schemas.openxmlformats.org/drawingml/2006/main" xmlns:r="http://schemas.openxmlformats.org/officeDocument/2006/relationships" xmlns:p="http://schemas.openxmlformats.org/presentationml/2006/main">
+  <p:cSld>
+    <p:spTree>
+      <p:nvGrpSpPr>
+        <p:cNvPr id="1" name=""/>
+        <p:cNvGrpSpPr/>
+        <p:nvPr/>
+      </p:nvGrpSpPr>
+      <p:grpSpPr/>
+      <p:sp>
+        <p:nvSpPr>
+          <p:cNvPr id="2" name="标题 1"/>
+          <p:cNvSpPr>
+            <a:spLocks noGrp="1"/>
+          </p:cNvSpPr>
+          <p:nvPr>
+            <p:ph type="title"/>
+          </p:nvPr>
+        </p:nvSpPr>
+        <p:spPr>
+          <a:xfrm>
+            <a:off x="838200" y="365125"/>
+            <a:ext cx="10515600" cy="596900"/>
+          </a:xfrm>
+        </p:spPr>
+        <p:txBody>
+          <a:bodyPr>
+            <a:normAutofit fontScale="90000"/>
+          </a:bodyPr>
+          <a:p>
+            <a:pPr algn="ctr"/>
+            <a:r>
+              <a:rPr lang="zh-CN">
+                <a:ln w="10160">
+                  <a:solidFill>
+                    <a:srgbClr val="00B0F0"/>
+                  </a:solidFill>
+                  <a:prstDash val="solid"/>
+                </a:ln>
+                <a:solidFill>
+                  <a:srgbClr val="FFFFFF"/>
+                </a:solidFill>
+                <a:effectLst>
+                  <a:outerShdw blurRad="38100" dist="22860" dir="5400000" algn="tl" rotWithShape="0">
+                    <a:srgbClr val="000000">
+                      <a:alpha val="30000"/>
+                    </a:srgbClr>
+                  </a:outerShdw>
+                </a:effectLst>
+              </a:rPr>
+              <a:t>协程方案的对比</a:t>
+            </a:r>
+            <a:endParaRPr lang="zh-CN">
+              <a:ln w="10160">
+                <a:solidFill>
+                  <a:srgbClr val="00B0F0"/>
+                </a:solidFill>
+                <a:prstDash val="solid"/>
+              </a:ln>
+              <a:solidFill>
+                <a:srgbClr val="FFFFFF"/>
+              </a:solidFill>
+              <a:effectLst>
+                <a:outerShdw blurRad="38100" dist="22860" dir="5400000" algn="tl" rotWithShape="0">
+                  <a:srgbClr val="000000">
+                    <a:alpha val="30000"/>
+                  </a:srgbClr>
+                </a:outerShdw>
+              </a:effectLst>
+            </a:endParaRPr>
+          </a:p>
+        </p:txBody>
+      </p:sp>
+      <p:sp>
+        <p:nvSpPr>
+          <p:cNvPr id="5" name="内容占位符 4"/>
+          <p:cNvSpPr>
+            <a:spLocks noGrp="1"/>
+          </p:cNvSpPr>
+          <p:nvPr/>
+        </p:nvSpPr>
+        <p:spPr>
+          <a:xfrm>
+            <a:off x="838200" y="4002405"/>
+            <a:ext cx="10515600" cy="1961515"/>
+          </a:xfrm>
+          <a:prstGeom prst="rect">
+            <a:avLst/>
+          </a:prstGeom>
+        </p:spPr>
+        <p:txBody>
+          <a:bodyPr vert="horz" lIns="91440" tIns="45720" rIns="91440" bIns="45720" rtlCol="0">
+            <a:normAutofit lnSpcReduction="10000"/>
+          </a:bodyPr>
+          <a:lstStyle>
+            <a:lvl1pPr marL="228600" indent="-228600" algn="l" defTabSz="914400" rtl="0" eaLnBrk="1" latinLnBrk="0" hangingPunct="1">
+              <a:lnSpc>
+                <a:spcPct val="90000"/>
+              </a:lnSpc>
+              <a:spcBef>
+                <a:spcPts val="1000"/>
+              </a:spcBef>
+              <a:buFont typeface="Arial" panose="020B0604020202020204" pitchFamily="34" charset="0"/>
+              <a:buChar char="•"/>
+              <a:defRPr sz="2800" kern="1200">
+                <a:solidFill>
+                  <a:schemeClr val="tx1"/>
+                </a:solidFill>
+                <a:latin typeface="+mn-lt"/>
+                <a:ea typeface="+mn-ea"/>
+                <a:cs typeface="+mn-cs"/>
+              </a:defRPr>
+            </a:lvl1pPr>
+            <a:lvl2pPr marL="685800" indent="-228600" algn="l" defTabSz="914400" rtl="0" eaLnBrk="1" latinLnBrk="0" hangingPunct="1">
+              <a:lnSpc>
+                <a:spcPct val="90000"/>
+              </a:lnSpc>
+              <a:spcBef>
+                <a:spcPts val="500"/>
+              </a:spcBef>
+              <a:buFont typeface="Arial" panose="020B0604020202020204" pitchFamily="34" charset="0"/>
+              <a:buChar char="•"/>
+              <a:defRPr sz="2400" kern="1200">
+                <a:solidFill>
+                  <a:schemeClr val="tx1"/>
+                </a:solidFill>
+                <a:latin typeface="+mn-lt"/>
+                <a:ea typeface="+mn-ea"/>
+                <a:cs typeface="+mn-cs"/>
+              </a:defRPr>
+            </a:lvl2pPr>
+            <a:lvl3pPr marL="1143000" indent="-228600" algn="l" defTabSz="914400" rtl="0" eaLnBrk="1" latinLnBrk="0" hangingPunct="1">
+              <a:lnSpc>
+                <a:spcPct val="90000"/>
+              </a:lnSpc>
+              <a:spcBef>
+                <a:spcPts val="500"/>
+              </a:spcBef>
+              <a:buFont typeface="Arial" panose="020B0604020202020204" pitchFamily="34" charset="0"/>
+              <a:buChar char="•"/>
+              <a:defRPr sz="2000" kern="1200">
+                <a:solidFill>
+                  <a:schemeClr val="tx1"/>
+                </a:solidFill>
+                <a:latin typeface="+mn-lt"/>
+                <a:ea typeface="+mn-ea"/>
+                <a:cs typeface="+mn-cs"/>
+              </a:defRPr>
+            </a:lvl3pPr>
+            <a:lvl4pPr marL="1600200" indent="-228600" algn="l" defTabSz="914400" rtl="0" eaLnBrk="1" latinLnBrk="0" hangingPunct="1">
+              <a:lnSpc>
+                <a:spcPct val="90000"/>
+              </a:lnSpc>
+              <a:spcBef>
+                <a:spcPts val="500"/>
+              </a:spcBef>
+              <a:buFont typeface="Arial" panose="020B0604020202020204" pitchFamily="34" charset="0"/>
+              <a:buChar char="•"/>
+              <a:defRPr sz="1800" kern="1200">
+                <a:solidFill>
+                  <a:schemeClr val="tx1"/>
+                </a:solidFill>
+                <a:latin typeface="+mn-lt"/>
+                <a:ea typeface="+mn-ea"/>
+                <a:cs typeface="+mn-cs"/>
+              </a:defRPr>
+            </a:lvl4pPr>
+            <a:lvl5pPr marL="2057400" indent="-228600" algn="l" defTabSz="914400" rtl="0" eaLnBrk="1" latinLnBrk="0" hangingPunct="1">
+              <a:lnSpc>
+                <a:spcPct val="90000"/>
+              </a:lnSpc>
+              <a:spcBef>
+                <a:spcPts val="500"/>
+              </a:spcBef>
+              <a:buFont typeface="Arial" panose="020B0604020202020204" pitchFamily="34" charset="0"/>
+              <a:buChar char="•"/>
+              <a:defRPr sz="1800" kern="1200">
+                <a:solidFill>
+                  <a:schemeClr val="tx1"/>
+                </a:solidFill>
+                <a:latin typeface="+mn-lt"/>
+                <a:ea typeface="+mn-ea"/>
+                <a:cs typeface="+mn-cs"/>
+              </a:defRPr>
+            </a:lvl5pPr>
+            <a:lvl6pPr marL="2514600" indent="-228600" algn="l" defTabSz="914400" rtl="0" eaLnBrk="1" latinLnBrk="0" hangingPunct="1">
+              <a:lnSpc>
+                <a:spcPct val="90000"/>
+              </a:lnSpc>
+              <a:spcBef>
+                <a:spcPts val="500"/>
+              </a:spcBef>
+              <a:buFont typeface="Arial" panose="020B0604020202020204" pitchFamily="34" charset="0"/>
+              <a:buChar char="•"/>
+              <a:defRPr sz="1800" kern="1200">
+                <a:solidFill>
+                  <a:schemeClr val="tx1"/>
+                </a:solidFill>
+                <a:latin typeface="+mn-lt"/>
+                <a:ea typeface="+mn-ea"/>
+                <a:cs typeface="+mn-cs"/>
+              </a:defRPr>
+            </a:lvl6pPr>
+            <a:lvl7pPr marL="2971800" indent="-228600" algn="l" defTabSz="914400" rtl="0" eaLnBrk="1" latinLnBrk="0" hangingPunct="1">
+              <a:lnSpc>
+                <a:spcPct val="90000"/>
+              </a:lnSpc>
+              <a:spcBef>
+                <a:spcPts val="500"/>
+              </a:spcBef>
+              <a:buFont typeface="Arial" panose="020B0604020202020204" pitchFamily="34" charset="0"/>
+              <a:buChar char="•"/>
+              <a:defRPr sz="1800" kern="1200">
+                <a:solidFill>
+                  <a:schemeClr val="tx1"/>
+                </a:solidFill>
+                <a:latin typeface="+mn-lt"/>
+                <a:ea typeface="+mn-ea"/>
+                <a:cs typeface="+mn-cs"/>
+              </a:defRPr>
+            </a:lvl7pPr>
+            <a:lvl8pPr marL="3429000" indent="-228600" algn="l" defTabSz="914400" rtl="0" eaLnBrk="1" latinLnBrk="0" hangingPunct="1">
+              <a:lnSpc>
+                <a:spcPct val="90000"/>
+              </a:lnSpc>
+              <a:spcBef>
+                <a:spcPts val="500"/>
+              </a:spcBef>
+              <a:buFont typeface="Arial" panose="020B0604020202020204" pitchFamily="34" charset="0"/>
+              <a:buChar char="•"/>
+              <a:defRPr sz="1800" kern="1200">
+                <a:solidFill>
+                  <a:schemeClr val="tx1"/>
+                </a:solidFill>
+                <a:latin typeface="+mn-lt"/>
+                <a:ea typeface="+mn-ea"/>
+                <a:cs typeface="+mn-cs"/>
+              </a:defRPr>
+            </a:lvl8pPr>
+            <a:lvl9pPr marL="3886200" indent="-228600" algn="l" defTabSz="914400" rtl="0" eaLnBrk="1" latinLnBrk="0" hangingPunct="1">
+              <a:lnSpc>
+                <a:spcPct val="90000"/>
+              </a:lnSpc>
+              <a:spcBef>
+                <a:spcPts val="500"/>
+              </a:spcBef>
+              <a:buFont typeface="Arial" panose="020B0604020202020204" pitchFamily="34" charset="0"/>
+              <a:buChar char="•"/>
+              <a:defRPr sz="1800" kern="1200">
+                <a:solidFill>
+                  <a:schemeClr val="tx1"/>
+                </a:solidFill>
+                <a:latin typeface="+mn-lt"/>
+                <a:ea typeface="+mn-ea"/>
+                <a:cs typeface="+mn-cs"/>
+              </a:defRPr>
+            </a:lvl9pPr>
+          </a:lstStyle>
+          <a:p>
+            <a:pPr marL="0" indent="0">
+              <a:buNone/>
+            </a:pPr>
+            <a:endParaRPr lang="en-US" sz="2000">
+              <a:solidFill>
+                <a:schemeClr val="accent4">
+                  <a:lumMod val="75000"/>
+                </a:schemeClr>
+              </a:solidFill>
+              <a:latin typeface="Lucida Console" panose="020B0609040504020204" charset="0"/>
+              <a:ea typeface="宋体" panose="02010600030101010101" pitchFamily="2" charset="-122"/>
+              <a:sym typeface="+mn-ea"/>
+            </a:endParaRPr>
+          </a:p>
+        </p:txBody>
+      </p:sp>
+      <p:graphicFrame>
+        <p:nvGraphicFramePr>
+          <p:cNvPr id="3" name="表格 2"/>
+          <p:cNvGraphicFramePr/>
+          <p:nvPr/>
+        </p:nvGraphicFramePr>
+        <p:xfrm>
+          <a:off x="835025" y="1524000"/>
+          <a:ext cx="10518775" cy="4191000"/>
+        </p:xfrm>
+        <a:graphic>
+          <a:graphicData uri="http://schemas.openxmlformats.org/drawingml/2006/table">
+            <a:tbl>
+              <a:tblPr firstRow="1" bandRow="1">
+                <a:tableStyleId>{5C22544A-7EE6-4342-B048-85BDC9FD1C3A}</a:tableStyleId>
+              </a:tblPr>
+              <a:tblGrid>
+                <a:gridCol w="1057910"/>
+                <a:gridCol w="2564765"/>
+                <a:gridCol w="2688590"/>
+                <a:gridCol w="2103755"/>
+                <a:gridCol w="2103755"/>
+              </a:tblGrid>
+              <a:tr h="381000">
+                <a:tc rowSpan="2">
+                  <a:txBody>
+                    <a:bodyPr/>
+                    <a:p>
+                      <a:pPr algn="ctr">
+                        <a:buNone/>
+                      </a:pPr>
+                      <a:endParaRPr lang="zh-CN" altLang="en-US" sz="1600"/>
+                    </a:p>
+                  </a:txBody>
+                  <a:tcPr/>
+                </a:tc>
+                <a:tc rowSpan="2">
+                  <a:txBody>
+                    <a:bodyPr/>
+                    <a:p>
+                      <a:pPr algn="ctr">
+                        <a:buNone/>
+                      </a:pPr>
+                      <a:r>
+                        <a:rPr lang="en-US" altLang="zh-CN" sz="1600"/>
+                        <a:t>stackfull</a:t>
+                      </a:r>
+                      <a:endParaRPr lang="en-US" altLang="zh-CN" sz="1600"/>
+                    </a:p>
+                  </a:txBody>
+                  <a:tcPr/>
+                </a:tc>
+                <a:tc rowSpan="2">
+                  <a:txBody>
+                    <a:bodyPr/>
+                    <a:p>
+                      <a:pPr algn="ctr">
+                        <a:buNone/>
+                      </a:pPr>
+                      <a:r>
+                        <a:rPr lang="en-US" altLang="zh-CN" sz="1600"/>
+                        <a:t>stackcopy</a:t>
+                      </a:r>
+                      <a:endParaRPr lang="en-US" altLang="zh-CN" sz="1600"/>
+                    </a:p>
+                  </a:txBody>
+                  <a:tcPr/>
+                </a:tc>
+                <a:tc gridSpan="2">
+                  <a:txBody>
+                    <a:bodyPr/>
+                    <a:p>
+                      <a:pPr algn="ctr">
+                        <a:buNone/>
+                      </a:pPr>
+                      <a:r>
+                        <a:rPr lang="en-US" altLang="zh-CN"/>
+                        <a:t>stackless</a:t>
+                      </a:r>
+                      <a:endParaRPr lang="en-US" altLang="zh-CN"/>
+                    </a:p>
+                  </a:txBody>
+                  <a:tcPr/>
+                </a:tc>
+                <a:tc hMerge="1">
+                  <a:tcPr/>
+                </a:tc>
+              </a:tr>
+              <a:tr h="381000">
+                <a:tc vMerge="1">
+                  <a:tcPr/>
+                </a:tc>
+                <a:tc vMerge="1">
+                  <a:tcPr/>
+                </a:tc>
+                <a:tc vMerge="1">
+                  <a:tcPr/>
+                </a:tc>
+                <a:tc>
+                  <a:txBody>
+                    <a:bodyPr/>
+                    <a:p>
+                      <a:pPr algn="ctr">
+                        <a:buNone/>
+                      </a:pPr>
+                      <a:r>
+                        <a:rPr lang="zh-CN" altLang="en-US" sz="1600"/>
+                        <a:t>传统方案</a:t>
+                      </a:r>
+                      <a:endParaRPr lang="zh-CN" altLang="en-US" sz="1600"/>
+                    </a:p>
+                  </a:txBody>
+                  <a:tcPr/>
+                </a:tc>
+                <a:tc>
+                  <a:txBody>
+                    <a:bodyPr/>
+                    <a:p>
+                      <a:pPr algn="ctr">
+                        <a:buNone/>
+                      </a:pPr>
+                      <a:r>
+                        <a:rPr lang="en-US" altLang="zh-CN" sz="1600"/>
+                        <a:t>resume function</a:t>
+                      </a:r>
+                      <a:endParaRPr lang="en-US" altLang="zh-CN" sz="1600"/>
+                    </a:p>
+                  </a:txBody>
+                  <a:tcPr/>
+                </a:tc>
+              </a:tr>
+              <a:tr h="381000">
+                <a:tc>
+                  <a:txBody>
+                    <a:bodyPr/>
+                    <a:p>
+                      <a:pPr algn="ctr">
+                        <a:buNone/>
+                      </a:pPr>
+                      <a:r>
+                        <a:rPr lang="zh-CN" altLang="en-US" sz="1600"/>
+                        <a:t>特点</a:t>
+                      </a:r>
+                      <a:endParaRPr lang="zh-CN" altLang="en-US" sz="1600"/>
+                    </a:p>
+                  </a:txBody>
+                  <a:tcPr/>
+                </a:tc>
+                <a:tc>
+                  <a:txBody>
+                    <a:bodyPr/>
+                    <a:p>
+                      <a:pPr algn="ctr">
+                        <a:buNone/>
+                      </a:pPr>
+                      <a:r>
+                        <a:rPr lang="zh-CN" altLang="en-US" sz="1600"/>
+                        <a:t>每一个协程单独一个栈</a:t>
+                      </a:r>
+                      <a:endParaRPr lang="zh-CN" altLang="en-US" sz="1600"/>
+                    </a:p>
+                  </a:txBody>
+                  <a:tcPr/>
+                </a:tc>
+                <a:tc>
+                  <a:txBody>
+                    <a:bodyPr/>
+                    <a:p>
+                      <a:pPr algn="ctr">
+                        <a:buNone/>
+                      </a:pPr>
+                      <a:r>
+                        <a:rPr lang="zh-CN" altLang="en-US" sz="1600"/>
+                        <a:t>所有协程共享一个栈</a:t>
+                      </a:r>
+                      <a:endParaRPr lang="zh-CN" altLang="en-US" sz="1600"/>
+                    </a:p>
+                  </a:txBody>
+                  <a:tcPr/>
+                </a:tc>
+                <a:tc gridSpan="2">
+                  <a:txBody>
+                    <a:bodyPr/>
+                    <a:p>
+                      <a:pPr algn="ctr">
+                        <a:buNone/>
+                      </a:pPr>
+                      <a:r>
+                        <a:rPr lang="zh-CN" altLang="en-US" sz="1600"/>
+                        <a:t>不需要栈空间，使用堆内存</a:t>
+                      </a:r>
+                      <a:endParaRPr lang="zh-CN" altLang="en-US" sz="1600"/>
+                    </a:p>
+                  </a:txBody>
+                  <a:tcPr/>
+                </a:tc>
+                <a:tc hMerge="1">
+                  <a:tcPr/>
+                </a:tc>
+              </a:tr>
+              <a:tr h="381000">
+                <a:tc>
+                  <a:txBody>
+                    <a:bodyPr/>
+                    <a:p>
+                      <a:pPr algn="ctr">
+                        <a:buNone/>
+                      </a:pPr>
+                      <a:r>
+                        <a:rPr lang="zh-CN" altLang="en-US" sz="1600"/>
+                        <a:t>内存占用</a:t>
+                      </a:r>
+                      <a:endParaRPr lang="zh-CN" altLang="en-US" sz="1600"/>
+                    </a:p>
+                  </a:txBody>
+                  <a:tcPr/>
+                </a:tc>
+                <a:tc>
+                  <a:txBody>
+                    <a:bodyPr/>
+                    <a:p>
+                      <a:pPr algn="ctr">
+                        <a:buNone/>
+                      </a:pPr>
+                      <a:r>
+                        <a:rPr lang="zh-CN" altLang="en-US" sz="1600"/>
+                        <a:t>高</a:t>
+                      </a:r>
+                      <a:endParaRPr lang="zh-CN" altLang="en-US" sz="1600"/>
+                    </a:p>
+                  </a:txBody>
+                  <a:tcPr/>
+                </a:tc>
+                <a:tc>
+                  <a:txBody>
+                    <a:bodyPr/>
+                    <a:p>
+                      <a:pPr algn="ctr">
+                        <a:buNone/>
+                      </a:pPr>
+                      <a:r>
+                        <a:rPr lang="zh-CN" altLang="en-US" sz="1600"/>
+                        <a:t>低</a:t>
+                      </a:r>
+                      <a:endParaRPr lang="zh-CN" altLang="en-US" sz="1600"/>
+                    </a:p>
+                  </a:txBody>
+                  <a:tcPr/>
+                </a:tc>
+                <a:tc>
+                  <a:txBody>
+                    <a:bodyPr/>
+                    <a:p>
+                      <a:pPr algn="ctr">
+                        <a:buNone/>
+                      </a:pPr>
+                      <a:r>
+                        <a:rPr lang="zh-CN" altLang="en-US" sz="1600"/>
+                        <a:t>低</a:t>
+                      </a:r>
+                      <a:endParaRPr lang="zh-CN" altLang="en-US" sz="1600"/>
+                    </a:p>
+                  </a:txBody>
+                  <a:tcPr/>
+                </a:tc>
+                <a:tc>
+                  <a:txBody>
+                    <a:bodyPr/>
+                    <a:p>
+                      <a:pPr algn="ctr">
+                        <a:buNone/>
+                      </a:pPr>
+                      <a:r>
+                        <a:rPr lang="zh-CN" altLang="en-US" sz="1600"/>
+                        <a:t>低</a:t>
+                      </a:r>
+                      <a:endParaRPr lang="zh-CN" altLang="en-US" sz="1600"/>
+                    </a:p>
+                  </a:txBody>
+                  <a:tcPr/>
+                </a:tc>
+              </a:tr>
+              <a:tr h="381000">
+                <a:tc>
+                  <a:txBody>
+                    <a:bodyPr/>
+                    <a:p>
+                      <a:pPr algn="ctr">
+                        <a:buNone/>
+                      </a:pPr>
+                      <a:r>
+                        <a:rPr lang="zh-CN" altLang="en-US" sz="1600"/>
+                        <a:t>切换代价</a:t>
+                      </a:r>
+                      <a:endParaRPr lang="zh-CN" altLang="en-US" sz="1600"/>
+                    </a:p>
+                  </a:txBody>
+                  <a:tcPr/>
+                </a:tc>
+                <a:tc>
+                  <a:txBody>
+                    <a:bodyPr/>
+                    <a:p>
+                      <a:pPr algn="ctr">
+                        <a:buNone/>
+                      </a:pPr>
+                      <a:r>
+                        <a:rPr lang="zh-CN" altLang="en-US" sz="1600"/>
+                        <a:t>小</a:t>
+                      </a:r>
+                      <a:endParaRPr lang="zh-CN" altLang="en-US" sz="1600"/>
+                    </a:p>
+                  </a:txBody>
+                  <a:tcPr/>
+                </a:tc>
+                <a:tc>
+                  <a:txBody>
+                    <a:bodyPr/>
+                    <a:p>
+                      <a:pPr algn="ctr">
+                        <a:buNone/>
+                      </a:pPr>
+                      <a:r>
+                        <a:rPr lang="zh-CN" altLang="en-US" sz="1600"/>
+                        <a:t>大</a:t>
+                      </a:r>
+                      <a:endParaRPr lang="zh-CN" altLang="en-US" sz="1600"/>
+                    </a:p>
+                  </a:txBody>
+                  <a:tcPr/>
+                </a:tc>
+                <a:tc>
+                  <a:txBody>
+                    <a:bodyPr/>
+                    <a:p>
+                      <a:pPr algn="ctr">
+                        <a:buNone/>
+                      </a:pPr>
+                      <a:r>
+                        <a:rPr lang="zh-CN" altLang="en-US" sz="1600"/>
+                        <a:t>小</a:t>
+                      </a:r>
+                      <a:endParaRPr lang="zh-CN" altLang="en-US" sz="1600"/>
+                    </a:p>
+                  </a:txBody>
+                  <a:tcPr/>
+                </a:tc>
+                <a:tc>
+                  <a:txBody>
+                    <a:bodyPr/>
+                    <a:p>
+                      <a:pPr algn="ctr">
+                        <a:buNone/>
+                      </a:pPr>
+                      <a:r>
+                        <a:rPr lang="zh-CN" altLang="en-US" sz="1600"/>
+                        <a:t>小</a:t>
+                      </a:r>
+                      <a:endParaRPr lang="zh-CN" altLang="en-US" sz="1600"/>
+                    </a:p>
+                  </a:txBody>
+                  <a:tcPr/>
+                </a:tc>
+              </a:tr>
+              <a:tr h="381000">
+                <a:tc>
+                  <a:txBody>
+                    <a:bodyPr/>
+                    <a:p>
+                      <a:pPr algn="ctr">
+                        <a:buNone/>
+                      </a:pPr>
+                      <a:r>
+                        <a:rPr lang="zh-CN" altLang="en-US" sz="1600"/>
+                        <a:t>编码难度</a:t>
+                      </a:r>
+                      <a:endParaRPr lang="zh-CN" altLang="en-US" sz="1600"/>
+                    </a:p>
+                  </a:txBody>
+                  <a:tcPr/>
+                </a:tc>
+                <a:tc>
+                  <a:txBody>
+                    <a:bodyPr/>
+                    <a:p>
+                      <a:pPr algn="ctr">
+                        <a:buNone/>
+                      </a:pPr>
+                      <a:r>
+                        <a:rPr lang="zh-CN" altLang="en-US" sz="1600"/>
+                        <a:t>简单</a:t>
+                      </a:r>
+                      <a:endParaRPr lang="zh-CN" altLang="en-US" sz="1600"/>
+                    </a:p>
+                  </a:txBody>
+                  <a:tcPr/>
+                </a:tc>
+                <a:tc>
+                  <a:txBody>
+                    <a:bodyPr/>
+                    <a:p>
+                      <a:pPr algn="ctr">
+                        <a:buNone/>
+                      </a:pPr>
+                      <a:r>
+                        <a:rPr lang="en-US" altLang="zh-CN" sz="1600"/>
+                        <a:t>C++</a:t>
+                      </a:r>
+                      <a:r>
+                        <a:rPr lang="zh-CN" altLang="en-US" sz="1600"/>
+                        <a:t>下及其困难</a:t>
+                      </a:r>
+                      <a:endParaRPr lang="zh-CN" altLang="en-US" sz="1600"/>
+                    </a:p>
+                  </a:txBody>
+                  <a:tcPr/>
+                </a:tc>
+                <a:tc>
+                  <a:txBody>
+                    <a:bodyPr/>
+                    <a:p>
+                      <a:pPr algn="ctr">
+                        <a:buNone/>
+                      </a:pPr>
+                      <a:r>
+                        <a:rPr lang="zh-CN" altLang="en-US" sz="1600"/>
+                        <a:t>困难，通常用宏实现为状态机</a:t>
+                      </a:r>
+                      <a:endParaRPr lang="zh-CN" altLang="en-US" sz="1600"/>
+                    </a:p>
+                  </a:txBody>
+                  <a:tcPr/>
+                </a:tc>
+                <a:tc>
+                  <a:txBody>
+                    <a:bodyPr/>
+                    <a:p>
+                      <a:pPr algn="ctr">
+                        <a:buNone/>
+                      </a:pPr>
+                      <a:r>
+                        <a:rPr lang="zh-CN" altLang="en-US" sz="1600"/>
+                        <a:t>简单</a:t>
+                      </a:r>
+                      <a:endParaRPr lang="zh-CN" altLang="en-US" sz="1600"/>
+                    </a:p>
+                  </a:txBody>
+                  <a:tcPr/>
+                </a:tc>
+              </a:tr>
+              <a:tr h="381000">
+                <a:tc>
+                  <a:txBody>
+                    <a:bodyPr/>
+                    <a:p>
+                      <a:pPr algn="ctr">
+                        <a:buNone/>
+                      </a:pPr>
+                      <a:r>
+                        <a:rPr lang="zh-CN" altLang="en-US" sz="1600"/>
+                        <a:t>系统支持</a:t>
+                      </a:r>
+                      <a:endParaRPr lang="zh-CN" altLang="en-US" sz="1600"/>
+                    </a:p>
+                  </a:txBody>
+                  <a:tcPr/>
+                </a:tc>
+                <a:tc>
+                  <a:txBody>
+                    <a:bodyPr/>
+                    <a:p>
+                      <a:pPr algn="ctr">
+                        <a:buNone/>
+                      </a:pPr>
+                      <a:r>
+                        <a:rPr lang="zh-CN" altLang="en-US" sz="1600"/>
+                        <a:t>操作系统支持</a:t>
+                      </a:r>
+                      <a:endParaRPr lang="zh-CN" altLang="en-US" sz="1600"/>
+                    </a:p>
+                  </a:txBody>
+                  <a:tcPr/>
+                </a:tc>
+                <a:tc>
+                  <a:txBody>
+                    <a:bodyPr/>
+                    <a:p>
+                      <a:pPr algn="ctr">
+                        <a:buNone/>
+                      </a:pPr>
+                      <a:r>
+                        <a:rPr lang="zh-CN" altLang="en-US" sz="1600"/>
+                        <a:t>需协程库完成底层工作</a:t>
+                      </a:r>
+                      <a:r>
+                        <a:rPr lang="en-US" altLang="zh-CN" sz="1600"/>
+                        <a:t>(*)</a:t>
+                      </a:r>
+                      <a:endParaRPr lang="en-US" altLang="zh-CN" sz="1600"/>
+                    </a:p>
+                  </a:txBody>
+                  <a:tcPr/>
+                </a:tc>
+                <a:tc>
+                  <a:txBody>
+                    <a:bodyPr/>
+                    <a:p>
+                      <a:pPr algn="ctr">
+                        <a:buNone/>
+                      </a:pPr>
+                      <a:r>
+                        <a:rPr lang="zh-CN" altLang="en-US" sz="1600"/>
+                        <a:t>不需要特殊支持</a:t>
+                      </a:r>
+                      <a:endParaRPr lang="zh-CN" altLang="en-US" sz="1600"/>
+                    </a:p>
+                  </a:txBody>
+                  <a:tcPr/>
+                </a:tc>
+                <a:tc>
+                  <a:txBody>
+                    <a:bodyPr/>
+                    <a:p>
+                      <a:pPr algn="ctr">
+                        <a:buNone/>
+                      </a:pPr>
+                      <a:r>
+                        <a:rPr lang="zh-CN" altLang="en-US" sz="1600"/>
+                        <a:t>不需要特殊支持</a:t>
+                      </a:r>
+                      <a:endParaRPr lang="zh-CN" altLang="en-US" sz="1600"/>
+                    </a:p>
+                  </a:txBody>
+                  <a:tcPr/>
+                </a:tc>
+              </a:tr>
+              <a:tr h="381000">
+                <a:tc>
+                  <a:txBody>
+                    <a:bodyPr/>
+                    <a:p>
+                      <a:pPr algn="ctr">
+                        <a:buNone/>
+                      </a:pPr>
+                      <a:r>
+                        <a:rPr lang="zh-CN" altLang="en-US" sz="1600"/>
+                        <a:t>历史</a:t>
+                      </a:r>
+                      <a:endParaRPr lang="zh-CN" altLang="en-US" sz="1600"/>
+                    </a:p>
+                  </a:txBody>
+                  <a:tcPr/>
+                </a:tc>
+                <a:tc>
+                  <a:txBody>
+                    <a:bodyPr/>
+                    <a:p>
+                      <a:pPr algn="ctr">
+                        <a:buNone/>
+                      </a:pPr>
+                      <a:r>
+                        <a:rPr lang="zh-CN" altLang="en-US" sz="1600"/>
+                        <a:t>悠久</a:t>
+                      </a:r>
+                      <a:endParaRPr lang="zh-CN" altLang="en-US" sz="1600"/>
+                    </a:p>
+                  </a:txBody>
+                  <a:tcPr/>
+                </a:tc>
+                <a:tc>
+                  <a:txBody>
+                    <a:bodyPr/>
+                    <a:p>
+                      <a:pPr algn="ctr">
+                        <a:buNone/>
+                      </a:pPr>
+                      <a:endParaRPr lang="zh-CN" altLang="en-US" sz="1600"/>
+                    </a:p>
+                  </a:txBody>
+                  <a:tcPr/>
+                </a:tc>
+                <a:tc>
+                  <a:txBody>
+                    <a:bodyPr/>
+                    <a:p>
+                      <a:pPr algn="ctr">
+                        <a:buNone/>
+                      </a:pPr>
+                      <a:r>
+                        <a:rPr lang="zh-CN" altLang="en-US" sz="1600"/>
+                        <a:t>有久远应用</a:t>
+                      </a:r>
+                      <a:endParaRPr lang="zh-CN" altLang="en-US" sz="1600"/>
+                    </a:p>
+                  </a:txBody>
+                  <a:tcPr/>
+                </a:tc>
+                <a:tc>
+                  <a:txBody>
+                    <a:bodyPr/>
+                    <a:p>
+                      <a:pPr algn="ctr">
+                        <a:buNone/>
+                      </a:pPr>
+                      <a:r>
+                        <a:rPr lang="en-US" altLang="zh-CN" sz="1600"/>
+                        <a:t>NEW</a:t>
+                      </a:r>
+                      <a:endParaRPr lang="en-US" altLang="zh-CN" sz="1600"/>
+                    </a:p>
+                  </a:txBody>
+                  <a:tcPr/>
+                </a:tc>
+              </a:tr>
+              <a:tr h="381000">
+                <a:tc>
+                  <a:txBody>
+                    <a:bodyPr/>
+                    <a:p>
+                      <a:pPr algn="ctr">
+                        <a:buNone/>
+                      </a:pPr>
+                      <a:r>
+                        <a:rPr lang="zh-CN" altLang="en-US" sz="1600"/>
+                        <a:t>可靠性</a:t>
+                      </a:r>
+                      <a:endParaRPr lang="zh-CN" altLang="en-US" sz="1600"/>
+                    </a:p>
+                  </a:txBody>
+                  <a:tcPr/>
+                </a:tc>
+                <a:tc>
+                  <a:txBody>
+                    <a:bodyPr/>
+                    <a:p>
+                      <a:pPr algn="ctr">
+                        <a:buNone/>
+                      </a:pPr>
+                      <a:r>
+                        <a:rPr lang="zh-CN" altLang="en-US" sz="1600"/>
+                        <a:t>高</a:t>
+                      </a:r>
+                      <a:endParaRPr lang="zh-CN" altLang="en-US" sz="1600"/>
+                    </a:p>
+                  </a:txBody>
+                  <a:tcPr/>
+                </a:tc>
+                <a:tc>
+                  <a:txBody>
+                    <a:bodyPr/>
+                    <a:p>
+                      <a:pPr algn="ctr">
+                        <a:buNone/>
+                      </a:pPr>
+                      <a:r>
+                        <a:rPr lang="en-US" altLang="zh-CN" sz="1600"/>
+                        <a:t>???</a:t>
+                      </a:r>
+                      <a:endParaRPr lang="en-US" altLang="zh-CN" sz="1600"/>
+                    </a:p>
+                  </a:txBody>
+                  <a:tcPr/>
+                </a:tc>
+                <a:tc>
+                  <a:txBody>
+                    <a:bodyPr/>
+                    <a:p>
+                      <a:pPr algn="ctr">
+                        <a:buNone/>
+                      </a:pPr>
+                      <a:r>
+                        <a:rPr lang="zh-CN" altLang="en-US" sz="1600"/>
+                        <a:t>莫名担心</a:t>
+                      </a:r>
+                      <a:endParaRPr lang="zh-CN" altLang="en-US" sz="1600"/>
+                    </a:p>
+                  </a:txBody>
+                  <a:tcPr/>
+                </a:tc>
+                <a:tc>
+                  <a:txBody>
+                    <a:bodyPr/>
+                    <a:p>
+                      <a:pPr algn="ctr">
+                        <a:buNone/>
+                      </a:pPr>
+                      <a:r>
+                        <a:rPr lang="zh-CN" altLang="en-US" sz="1600"/>
+                        <a:t>预计可靠</a:t>
+                      </a:r>
+                      <a:endParaRPr lang="zh-CN" altLang="en-US" sz="1600"/>
+                    </a:p>
+                  </a:txBody>
+                  <a:tcPr/>
+                </a:tc>
+              </a:tr>
+              <a:tr h="381000">
+                <a:tc>
+                  <a:txBody>
+                    <a:bodyPr/>
+                    <a:p>
+                      <a:pPr algn="ctr">
+                        <a:buNone/>
+                      </a:pPr>
+                      <a:r>
+                        <a:rPr lang="zh-CN" altLang="en-US" sz="1600"/>
+                        <a:t>借鉴</a:t>
+                      </a:r>
+                      <a:endParaRPr lang="zh-CN" altLang="en-US" sz="1600"/>
+                    </a:p>
+                  </a:txBody>
+                  <a:tcPr/>
+                </a:tc>
+                <a:tc>
+                  <a:txBody>
+                    <a:bodyPr/>
+                    <a:p>
+                      <a:pPr algn="ctr">
+                        <a:buNone/>
+                      </a:pPr>
+                      <a:endParaRPr lang="zh-CN" altLang="en-US" sz="1600"/>
+                    </a:p>
+                  </a:txBody>
+                  <a:tcPr/>
+                </a:tc>
+                <a:tc>
+                  <a:txBody>
+                    <a:bodyPr/>
+                    <a:p>
+                      <a:pPr algn="ctr">
+                        <a:buNone/>
+                      </a:pPr>
+                      <a:endParaRPr lang="zh-CN" altLang="en-US" sz="1600"/>
+                    </a:p>
+                  </a:txBody>
+                  <a:tcPr/>
+                </a:tc>
+                <a:tc>
+                  <a:txBody>
+                    <a:bodyPr/>
+                    <a:p>
+                      <a:pPr algn="ctr">
+                        <a:buNone/>
+                      </a:pPr>
+                      <a:endParaRPr lang="zh-CN" altLang="en-US" sz="1600"/>
+                    </a:p>
+                  </a:txBody>
+                  <a:tcPr/>
+                </a:tc>
+                <a:tc>
+                  <a:txBody>
+                    <a:bodyPr/>
+                    <a:p>
+                      <a:pPr algn="ctr">
+                        <a:buNone/>
+                      </a:pPr>
+                      <a:r>
+                        <a:rPr lang="en-US" altLang="zh-CN" sz="1600"/>
+                        <a:t>C#</a:t>
+                      </a:r>
+                      <a:endParaRPr lang="en-US" altLang="zh-CN" sz="1600"/>
+                    </a:p>
+                  </a:txBody>
+                  <a:tcPr/>
+                </a:tc>
+              </a:tr>
+              <a:tr h="381000">
+                <a:tc>
+                  <a:txBody>
+                    <a:bodyPr/>
+                    <a:p>
+                      <a:pPr algn="ctr">
+                        <a:buNone/>
+                      </a:pPr>
+                      <a:r>
+                        <a:rPr lang="zh-CN" altLang="en-US" sz="1600"/>
+                        <a:t>范例</a:t>
+                      </a:r>
+                      <a:endParaRPr lang="zh-CN" altLang="en-US" sz="1600"/>
+                    </a:p>
+                  </a:txBody>
+                  <a:tcPr/>
+                </a:tc>
+                <a:tc>
+                  <a:txBody>
+                    <a:bodyPr/>
+                    <a:p>
+                      <a:pPr algn="ctr">
+                        <a:buNone/>
+                      </a:pPr>
+                      <a:r>
+                        <a:rPr lang="en-US" altLang="zh-CN" sz="1600"/>
+                        <a:t>libgo,...</a:t>
+                      </a:r>
+                      <a:endParaRPr lang="en-US" altLang="zh-CN" sz="1600"/>
+                    </a:p>
+                  </a:txBody>
+                  <a:tcPr/>
+                </a:tc>
+                <a:tc>
+                  <a:txBody>
+                    <a:bodyPr/>
+                    <a:p>
+                      <a:pPr algn="ctr">
+                        <a:buNone/>
+                      </a:pPr>
+                      <a:r>
+                        <a:rPr lang="en-US" altLang="zh-CN" sz="1600"/>
+                        <a:t>libco,...</a:t>
+                      </a:r>
+                      <a:endParaRPr lang="en-US" altLang="zh-CN" sz="1600"/>
+                    </a:p>
+                  </a:txBody>
+                  <a:tcPr/>
+                </a:tc>
+                <a:tc>
+                  <a:txBody>
+                    <a:bodyPr/>
+                    <a:p>
+                      <a:pPr algn="ctr">
+                        <a:buNone/>
+                      </a:pPr>
+                      <a:endParaRPr lang="zh-CN" altLang="en-US" sz="1600"/>
+                    </a:p>
+                  </a:txBody>
+                  <a:tcPr/>
+                </a:tc>
+                <a:tc>
+                  <a:txBody>
+                    <a:bodyPr/>
+                    <a:p>
+                      <a:pPr algn="ctr">
+                        <a:buNone/>
+                      </a:pPr>
+                      <a:r>
+                        <a:rPr lang="en-US" altLang="zh-CN" sz="1600"/>
+                        <a:t>librf,awaitable_tasks</a:t>
+                      </a:r>
+                      <a:endParaRPr lang="en-US" altLang="zh-CN" sz="1600"/>
+                    </a:p>
+                  </a:txBody>
+                  <a:tcPr/>
+                </a:tc>
+              </a:tr>
+            </a:tbl>
+          </a:graphicData>
+        </a:graphic>
+      </p:graphicFrame>
+    </p:spTree>
+  </p:cSld>
+  <p:clrMapOvr>
+    <a:masterClrMapping/>
+  </p:clrMapOvr>
+  <p:timing>
+    <p:tnLst>
+      <p:par>
+        <p:cTn id="1" dur="indefinite" restart="never" nodeType="tmRoot"/>
+      </p:par>
+    </p:tnLst>
+  </p:timing>
+</p:sld>
+</file>
+
+<file path=ppt/slides/slide52.xml><?xml version="1.0" encoding="utf-8"?>
+<p:sld xmlns:a="http://schemas.openxmlformats.org/drawingml/2006/main" xmlns:r="http://schemas.openxmlformats.org/officeDocument/2006/relationships" xmlns:p="http://schemas.openxmlformats.org/presentationml/2006/main">
+  <p:cSld>
+    <p:spTree>
+      <p:nvGrpSpPr>
+        <p:cNvPr id="1" name=""/>
+        <p:cNvGrpSpPr/>
+        <p:nvPr/>
+      </p:nvGrpSpPr>
+      <p:grpSpPr/>
+      <p:sp>
+        <p:nvSpPr>
+          <p:cNvPr id="4" name="内容占位符 4"/>
+          <p:cNvSpPr>
+            <a:spLocks noGrp="1"/>
+          </p:cNvSpPr>
+          <p:nvPr/>
+        </p:nvSpPr>
+        <p:spPr>
+          <a:xfrm>
+            <a:off x="838200" y="1491615"/>
+            <a:ext cx="10515600" cy="1594485"/>
+          </a:xfrm>
+          <a:prstGeom prst="rect">
+            <a:avLst/>
+          </a:prstGeom>
+        </p:spPr>
+        <p:txBody>
+          <a:bodyPr vert="horz" lIns="91440" tIns="45720" rIns="91440" bIns="45720" rtlCol="0">
+            <a:normAutofit/>
+          </a:bodyPr>
+          <a:lstStyle>
+            <a:lvl1pPr marL="228600" indent="-228600" algn="l" defTabSz="914400" rtl="0" eaLnBrk="1" latinLnBrk="0" hangingPunct="1">
+              <a:lnSpc>
+                <a:spcPct val="90000"/>
+              </a:lnSpc>
+              <a:spcBef>
+                <a:spcPts val="1000"/>
+              </a:spcBef>
+              <a:buFont typeface="Arial" panose="020B0604020202020204" pitchFamily="34" charset="0"/>
+              <a:buChar char="•"/>
+              <a:defRPr sz="2800" kern="1200">
+                <a:solidFill>
+                  <a:schemeClr val="tx1"/>
+                </a:solidFill>
+                <a:latin typeface="+mn-lt"/>
+                <a:ea typeface="+mn-ea"/>
+                <a:cs typeface="+mn-cs"/>
+              </a:defRPr>
+            </a:lvl1pPr>
+            <a:lvl2pPr marL="685800" indent="-228600" algn="l" defTabSz="914400" rtl="0" eaLnBrk="1" latinLnBrk="0" hangingPunct="1">
+              <a:lnSpc>
+                <a:spcPct val="90000"/>
+              </a:lnSpc>
+              <a:spcBef>
+                <a:spcPts val="500"/>
+              </a:spcBef>
+              <a:buFont typeface="Arial" panose="020B0604020202020204" pitchFamily="34" charset="0"/>
+              <a:buChar char="•"/>
+              <a:defRPr sz="2400" kern="1200">
+                <a:solidFill>
+                  <a:schemeClr val="tx1"/>
+                </a:solidFill>
+                <a:latin typeface="+mn-lt"/>
+                <a:ea typeface="+mn-ea"/>
+                <a:cs typeface="+mn-cs"/>
+              </a:defRPr>
+            </a:lvl2pPr>
+            <a:lvl3pPr marL="1143000" indent="-228600" algn="l" defTabSz="914400" rtl="0" eaLnBrk="1" latinLnBrk="0" hangingPunct="1">
+              <a:lnSpc>
+                <a:spcPct val="90000"/>
+              </a:lnSpc>
+              <a:spcBef>
+                <a:spcPts val="500"/>
+              </a:spcBef>
+              <a:buFont typeface="Arial" panose="020B0604020202020204" pitchFamily="34" charset="0"/>
+              <a:buChar char="•"/>
+              <a:defRPr sz="2000" kern="1200">
+                <a:solidFill>
+                  <a:schemeClr val="tx1"/>
+                </a:solidFill>
+                <a:latin typeface="+mn-lt"/>
+                <a:ea typeface="+mn-ea"/>
+                <a:cs typeface="+mn-cs"/>
+              </a:defRPr>
+            </a:lvl3pPr>
+            <a:lvl4pPr marL="1600200" indent="-228600" algn="l" defTabSz="914400" rtl="0" eaLnBrk="1" latinLnBrk="0" hangingPunct="1">
+              <a:lnSpc>
+                <a:spcPct val="90000"/>
+              </a:lnSpc>
+              <a:spcBef>
+                <a:spcPts val="500"/>
+              </a:spcBef>
+              <a:buFont typeface="Arial" panose="020B0604020202020204" pitchFamily="34" charset="0"/>
+              <a:buChar char="•"/>
+              <a:defRPr sz="1800" kern="1200">
+                <a:solidFill>
+                  <a:schemeClr val="tx1"/>
+                </a:solidFill>
+                <a:latin typeface="+mn-lt"/>
+                <a:ea typeface="+mn-ea"/>
+                <a:cs typeface="+mn-cs"/>
+              </a:defRPr>
+            </a:lvl4pPr>
+            <a:lvl5pPr marL="2057400" indent="-228600" algn="l" defTabSz="914400" rtl="0" eaLnBrk="1" latinLnBrk="0" hangingPunct="1">
+              <a:lnSpc>
+                <a:spcPct val="90000"/>
+              </a:lnSpc>
+              <a:spcBef>
+                <a:spcPts val="500"/>
+              </a:spcBef>
+              <a:buFont typeface="Arial" panose="020B0604020202020204" pitchFamily="34" charset="0"/>
+              <a:buChar char="•"/>
+              <a:defRPr sz="1800" kern="1200">
+                <a:solidFill>
+                  <a:schemeClr val="tx1"/>
+                </a:solidFill>
+                <a:latin typeface="+mn-lt"/>
+                <a:ea typeface="+mn-ea"/>
+                <a:cs typeface="+mn-cs"/>
+              </a:defRPr>
+            </a:lvl5pPr>
+            <a:lvl6pPr marL="2514600" indent="-228600" algn="l" defTabSz="914400" rtl="0" eaLnBrk="1" latinLnBrk="0" hangingPunct="1">
+              <a:lnSpc>
+                <a:spcPct val="90000"/>
+              </a:lnSpc>
+              <a:spcBef>
+                <a:spcPts val="500"/>
+              </a:spcBef>
+              <a:buFont typeface="Arial" panose="020B0604020202020204" pitchFamily="34" charset="0"/>
+              <a:buChar char="•"/>
+              <a:defRPr sz="1800" kern="1200">
+                <a:solidFill>
+                  <a:schemeClr val="tx1"/>
+                </a:solidFill>
+                <a:latin typeface="+mn-lt"/>
+                <a:ea typeface="+mn-ea"/>
+                <a:cs typeface="+mn-cs"/>
+              </a:defRPr>
+            </a:lvl6pPr>
+            <a:lvl7pPr marL="2971800" indent="-228600" algn="l" defTabSz="914400" rtl="0" eaLnBrk="1" latinLnBrk="0" hangingPunct="1">
+              <a:lnSpc>
+                <a:spcPct val="90000"/>
+              </a:lnSpc>
+              <a:spcBef>
+                <a:spcPts val="500"/>
+              </a:spcBef>
+              <a:buFont typeface="Arial" panose="020B0604020202020204" pitchFamily="34" charset="0"/>
+              <a:buChar char="•"/>
+              <a:defRPr sz="1800" kern="1200">
+                <a:solidFill>
+                  <a:schemeClr val="tx1"/>
+                </a:solidFill>
+                <a:latin typeface="+mn-lt"/>
+                <a:ea typeface="+mn-ea"/>
+                <a:cs typeface="+mn-cs"/>
+              </a:defRPr>
+            </a:lvl7pPr>
+            <a:lvl8pPr marL="3429000" indent="-228600" algn="l" defTabSz="914400" rtl="0" eaLnBrk="1" latinLnBrk="0" hangingPunct="1">
+              <a:lnSpc>
+                <a:spcPct val="90000"/>
+              </a:lnSpc>
+              <a:spcBef>
+                <a:spcPts val="500"/>
+              </a:spcBef>
+              <a:buFont typeface="Arial" panose="020B0604020202020204" pitchFamily="34" charset="0"/>
+              <a:buChar char="•"/>
+              <a:defRPr sz="1800" kern="1200">
+                <a:solidFill>
+                  <a:schemeClr val="tx1"/>
+                </a:solidFill>
+                <a:latin typeface="+mn-lt"/>
+                <a:ea typeface="+mn-ea"/>
+                <a:cs typeface="+mn-cs"/>
+              </a:defRPr>
+            </a:lvl8pPr>
+            <a:lvl9pPr marL="3886200" indent="-228600" algn="l" defTabSz="914400" rtl="0" eaLnBrk="1" latinLnBrk="0" hangingPunct="1">
+              <a:lnSpc>
+                <a:spcPct val="90000"/>
+              </a:lnSpc>
+              <a:spcBef>
+                <a:spcPts val="500"/>
+              </a:spcBef>
+              <a:buFont typeface="Arial" panose="020B0604020202020204" pitchFamily="34" charset="0"/>
+              <a:buChar char="•"/>
+              <a:defRPr sz="1800" kern="1200">
+                <a:solidFill>
+                  <a:schemeClr val="tx1"/>
+                </a:solidFill>
+                <a:latin typeface="+mn-lt"/>
+                <a:ea typeface="+mn-ea"/>
+                <a:cs typeface="+mn-cs"/>
+              </a:defRPr>
+            </a:lvl9pPr>
+          </a:lstStyle>
+          <a:p>
+            <a:pPr marL="0" indent="0" algn="ctr">
+              <a:buNone/>
+            </a:pPr>
+            <a:r>
+              <a:rPr lang="zh-CN" altLang="en-US" sz="3600">
+                <a:solidFill>
+                  <a:schemeClr val="accent5"/>
+                </a:solidFill>
+                <a:latin typeface="Lucida Console" panose="020B0609040504020204" charset="0"/>
+                <a:ea typeface="宋体" panose="02010600030101010101" pitchFamily="2" charset="-122"/>
+                <a:sym typeface="+mn-ea"/>
+              </a:rPr>
+              <a:t>https://github.com/tearshark/librf</a:t>
+            </a:r>
+            <a:endParaRPr lang="zh-CN" altLang="en-US" sz="3600">
+              <a:solidFill>
+                <a:schemeClr val="accent5"/>
+              </a:solidFill>
+              <a:latin typeface="Lucida Console" panose="020B0609040504020204" charset="0"/>
+              <a:ea typeface="宋体" panose="02010600030101010101" pitchFamily="2" charset="-122"/>
+              <a:sym typeface="+mn-ea"/>
+            </a:endParaRPr>
+          </a:p>
+        </p:txBody>
+      </p:sp>
+      <p:sp>
+        <p:nvSpPr>
+          <p:cNvPr id="6" name="标题 5"/>
+          <p:cNvSpPr>
+            <a:spLocks noGrp="1"/>
+          </p:cNvSpPr>
+          <p:nvPr>
+            <p:ph type="title"/>
+          </p:nvPr>
+        </p:nvSpPr>
+        <p:spPr>
+          <a:xfrm>
+            <a:off x="838200" y="365125"/>
+            <a:ext cx="10515600" cy="596900"/>
+          </a:xfrm>
+        </p:spPr>
+        <p:txBody>
+          <a:bodyPr>
+            <a:normAutofit fontScale="90000"/>
+          </a:bodyPr>
+          <a:p>
+            <a:pPr algn="ctr"/>
+            <a:r>
+              <a:rPr lang="en-US">
+                <a:ln w="10160">
+                  <a:solidFill>
+                    <a:srgbClr val="00B050"/>
+                  </a:solidFill>
+                  <a:prstDash val="solid"/>
+                </a:ln>
+                <a:solidFill>
+                  <a:srgbClr val="FFFFFF"/>
+                </a:solidFill>
+                <a:effectLst>
+                  <a:outerShdw blurRad="38100" dist="22860" dir="5400000" algn="tl" rotWithShape="0">
+                    <a:srgbClr val="000000">
+                      <a:alpha val="30000"/>
+                    </a:srgbClr>
+                  </a:outerShdw>
+                </a:effectLst>
+              </a:rPr>
+              <a:t>librf</a:t>
+            </a:r>
+            <a:endParaRPr lang="en-US">
+              <a:ln w="10160">
+                <a:solidFill>
+                  <a:srgbClr val="00B050"/>
+                </a:solidFill>
+                <a:prstDash val="solid"/>
+              </a:ln>
+              <a:solidFill>
+                <a:srgbClr val="FFFFFF"/>
+              </a:solidFill>
+              <a:effectLst>
+                <a:outerShdw blurRad="38100" dist="22860" dir="5400000" algn="tl" rotWithShape="0">
+                  <a:srgbClr val="000000">
+                    <a:alpha val="30000"/>
+                  </a:srgbClr>
+                </a:outerShdw>
+              </a:effectLst>
+            </a:endParaRPr>
+          </a:p>
+        </p:txBody>
+      </p:sp>
+    </p:spTree>
+  </p:cSld>
+  <p:clrMapOvr>
+    <a:masterClrMapping/>
+  </p:clrMapOvr>
+  <p:timing>
+    <p:tnLst>
+      <p:par>
+        <p:cTn id="1" dur="indefinite" restart="never" nodeType="tmRoot"/>
+      </p:par>
+    </p:tnLst>
+  </p:timing>
+</p:sld>
+</file>
+
+<file path=ppt/slides/slide53.xml><?xml version="1.0" encoding="utf-8"?>
+<p:sld xmlns:a="http://schemas.openxmlformats.org/drawingml/2006/main" xmlns:r="http://schemas.openxmlformats.org/officeDocument/2006/relationships" xmlns:p="http://schemas.openxmlformats.org/presentationml/2006/main">
+  <p:cSld>
+    <p:spTree>
+      <p:nvGrpSpPr>
+        <p:cNvPr id="1" name=""/>
+        <p:cNvGrpSpPr/>
+        <p:nvPr/>
+      </p:nvGrpSpPr>
+      <p:grpSpPr/>
+      <p:sp>
+        <p:nvSpPr>
+          <p:cNvPr id="4" name="内容占位符 4"/>
+          <p:cNvSpPr>
+            <a:spLocks noGrp="1"/>
+          </p:cNvSpPr>
+          <p:nvPr/>
+        </p:nvSpPr>
+        <p:spPr>
+          <a:xfrm>
+            <a:off x="838200" y="1491615"/>
+            <a:ext cx="10515600" cy="1594485"/>
+          </a:xfrm>
+          <a:prstGeom prst="rect">
+            <a:avLst/>
+          </a:prstGeom>
+        </p:spPr>
+        <p:txBody>
+          <a:bodyPr vert="horz" lIns="91440" tIns="45720" rIns="91440" bIns="45720" rtlCol="0">
+            <a:normAutofit/>
+          </a:bodyPr>
+          <a:lstStyle>
+            <a:lvl1pPr marL="228600" indent="-228600" algn="l" defTabSz="914400" rtl="0" eaLnBrk="1" latinLnBrk="0" hangingPunct="1">
+              <a:lnSpc>
+                <a:spcPct val="90000"/>
+              </a:lnSpc>
+              <a:spcBef>
+                <a:spcPts val="1000"/>
+              </a:spcBef>
+              <a:buFont typeface="Arial" panose="020B0604020202020204" pitchFamily="34" charset="0"/>
+              <a:buChar char="•"/>
+              <a:defRPr sz="2800" kern="1200">
+                <a:solidFill>
+                  <a:schemeClr val="tx1"/>
+                </a:solidFill>
+                <a:latin typeface="+mn-lt"/>
+                <a:ea typeface="+mn-ea"/>
+                <a:cs typeface="+mn-cs"/>
+              </a:defRPr>
+            </a:lvl1pPr>
+            <a:lvl2pPr marL="685800" indent="-228600" algn="l" defTabSz="914400" rtl="0" eaLnBrk="1" latinLnBrk="0" hangingPunct="1">
+              <a:lnSpc>
+                <a:spcPct val="90000"/>
+              </a:lnSpc>
+              <a:spcBef>
+                <a:spcPts val="500"/>
+              </a:spcBef>
+              <a:buFont typeface="Arial" panose="020B0604020202020204" pitchFamily="34" charset="0"/>
+              <a:buChar char="•"/>
+              <a:defRPr sz="2400" kern="1200">
+                <a:solidFill>
+                  <a:schemeClr val="tx1"/>
+                </a:solidFill>
+                <a:latin typeface="+mn-lt"/>
+                <a:ea typeface="+mn-ea"/>
+                <a:cs typeface="+mn-cs"/>
+              </a:defRPr>
+            </a:lvl2pPr>
+            <a:lvl3pPr marL="1143000" indent="-228600" algn="l" defTabSz="914400" rtl="0" eaLnBrk="1" latinLnBrk="0" hangingPunct="1">
+              <a:lnSpc>
+                <a:spcPct val="90000"/>
+              </a:lnSpc>
+              <a:spcBef>
+                <a:spcPts val="500"/>
+              </a:spcBef>
+              <a:buFont typeface="Arial" panose="020B0604020202020204" pitchFamily="34" charset="0"/>
+              <a:buChar char="•"/>
+              <a:defRPr sz="2000" kern="1200">
+                <a:solidFill>
+                  <a:schemeClr val="tx1"/>
+                </a:solidFill>
+                <a:latin typeface="+mn-lt"/>
+                <a:ea typeface="+mn-ea"/>
+                <a:cs typeface="+mn-cs"/>
+              </a:defRPr>
+            </a:lvl3pPr>
+            <a:lvl4pPr marL="1600200" indent="-228600" algn="l" defTabSz="914400" rtl="0" eaLnBrk="1" latinLnBrk="0" hangingPunct="1">
+              <a:lnSpc>
+                <a:spcPct val="90000"/>
+              </a:lnSpc>
+              <a:spcBef>
+                <a:spcPts val="500"/>
+              </a:spcBef>
+              <a:buFont typeface="Arial" panose="020B0604020202020204" pitchFamily="34" charset="0"/>
+              <a:buChar char="•"/>
+              <a:defRPr sz="1800" kern="1200">
+                <a:solidFill>
+                  <a:schemeClr val="tx1"/>
+                </a:solidFill>
+                <a:latin typeface="+mn-lt"/>
+                <a:ea typeface="+mn-ea"/>
+                <a:cs typeface="+mn-cs"/>
+              </a:defRPr>
+            </a:lvl4pPr>
+            <a:lvl5pPr marL="2057400" indent="-228600" algn="l" defTabSz="914400" rtl="0" eaLnBrk="1" latinLnBrk="0" hangingPunct="1">
+              <a:lnSpc>
+                <a:spcPct val="90000"/>
+              </a:lnSpc>
+              <a:spcBef>
+                <a:spcPts val="500"/>
+              </a:spcBef>
+              <a:buFont typeface="Arial" panose="020B0604020202020204" pitchFamily="34" charset="0"/>
+              <a:buChar char="•"/>
+              <a:defRPr sz="1800" kern="1200">
+                <a:solidFill>
+                  <a:schemeClr val="tx1"/>
+                </a:solidFill>
+                <a:latin typeface="+mn-lt"/>
+                <a:ea typeface="+mn-ea"/>
+                <a:cs typeface="+mn-cs"/>
+              </a:defRPr>
+            </a:lvl5pPr>
+            <a:lvl6pPr marL="2514600" indent="-228600" algn="l" defTabSz="914400" rtl="0" eaLnBrk="1" latinLnBrk="0" hangingPunct="1">
+              <a:lnSpc>
+                <a:spcPct val="90000"/>
+              </a:lnSpc>
+              <a:spcBef>
+                <a:spcPts val="500"/>
+              </a:spcBef>
+              <a:buFont typeface="Arial" panose="020B0604020202020204" pitchFamily="34" charset="0"/>
+              <a:buChar char="•"/>
+              <a:defRPr sz="1800" kern="1200">
+                <a:solidFill>
+                  <a:schemeClr val="tx1"/>
+                </a:solidFill>
+                <a:latin typeface="+mn-lt"/>
+                <a:ea typeface="+mn-ea"/>
+                <a:cs typeface="+mn-cs"/>
+              </a:defRPr>
+            </a:lvl6pPr>
+            <a:lvl7pPr marL="2971800" indent="-228600" algn="l" defTabSz="914400" rtl="0" eaLnBrk="1" latinLnBrk="0" hangingPunct="1">
+              <a:lnSpc>
+                <a:spcPct val="90000"/>
+              </a:lnSpc>
+              <a:spcBef>
+                <a:spcPts val="500"/>
+              </a:spcBef>
+              <a:buFont typeface="Arial" panose="020B0604020202020204" pitchFamily="34" charset="0"/>
+              <a:buChar char="•"/>
+              <a:defRPr sz="1800" kern="1200">
+                <a:solidFill>
+                  <a:schemeClr val="tx1"/>
+                </a:solidFill>
+                <a:latin typeface="+mn-lt"/>
+                <a:ea typeface="+mn-ea"/>
+                <a:cs typeface="+mn-cs"/>
+              </a:defRPr>
+            </a:lvl7pPr>
+            <a:lvl8pPr marL="3429000" indent="-228600" algn="l" defTabSz="914400" rtl="0" eaLnBrk="1" latinLnBrk="0" hangingPunct="1">
+              <a:lnSpc>
+                <a:spcPct val="90000"/>
+              </a:lnSpc>
+              <a:spcBef>
+                <a:spcPts val="500"/>
+              </a:spcBef>
+              <a:buFont typeface="Arial" panose="020B0604020202020204" pitchFamily="34" charset="0"/>
+              <a:buChar char="•"/>
+              <a:defRPr sz="1800" kern="1200">
+                <a:solidFill>
+                  <a:schemeClr val="tx1"/>
+                </a:solidFill>
+                <a:latin typeface="+mn-lt"/>
+                <a:ea typeface="+mn-ea"/>
+                <a:cs typeface="+mn-cs"/>
+              </a:defRPr>
+            </a:lvl8pPr>
+            <a:lvl9pPr marL="3886200" indent="-228600" algn="l" defTabSz="914400" rtl="0" eaLnBrk="1" latinLnBrk="0" hangingPunct="1">
+              <a:lnSpc>
+                <a:spcPct val="90000"/>
+              </a:lnSpc>
+              <a:spcBef>
+                <a:spcPts val="500"/>
+              </a:spcBef>
+              <a:buFont typeface="Arial" panose="020B0604020202020204" pitchFamily="34" charset="0"/>
+              <a:buChar char="•"/>
+              <a:defRPr sz="1800" kern="1200">
+                <a:solidFill>
+                  <a:schemeClr val="tx1"/>
+                </a:solidFill>
+                <a:latin typeface="+mn-lt"/>
+                <a:ea typeface="+mn-ea"/>
+                <a:cs typeface="+mn-cs"/>
+              </a:defRPr>
+            </a:lvl9pPr>
+          </a:lstStyle>
+          <a:p>
+            <a:pPr marL="0" indent="0" algn="ctr">
+              <a:buNone/>
+            </a:pPr>
+            <a:r>
+              <a:rPr lang="zh-CN" altLang="en-US" sz="3600">
+                <a:solidFill>
+                  <a:schemeClr val="accent5"/>
+                </a:solidFill>
+                <a:latin typeface="Lucida Console" panose="020B0609040504020204" charset="0"/>
+                <a:ea typeface="宋体" panose="02010600030101010101" pitchFamily="2" charset="-122"/>
+                <a:sym typeface="+mn-ea"/>
+              </a:rPr>
+              <a:t>https://github.com/tearshark/librf</a:t>
+            </a:r>
+            <a:endParaRPr lang="zh-CN" altLang="en-US" sz="3600">
+              <a:solidFill>
+                <a:schemeClr val="accent5"/>
+              </a:solidFill>
+              <a:latin typeface="Lucida Console" panose="020B0609040504020204" charset="0"/>
+              <a:ea typeface="宋体" panose="02010600030101010101" pitchFamily="2" charset="-122"/>
+              <a:sym typeface="+mn-ea"/>
+            </a:endParaRPr>
+          </a:p>
+        </p:txBody>
+      </p:sp>
+      <p:sp>
+        <p:nvSpPr>
+          <p:cNvPr id="6" name="标题 5"/>
+          <p:cNvSpPr>
+            <a:spLocks noGrp="1"/>
+          </p:cNvSpPr>
+          <p:nvPr>
+            <p:ph type="title"/>
+          </p:nvPr>
+        </p:nvSpPr>
+        <p:spPr>
+          <a:xfrm>
+            <a:off x="838200" y="365125"/>
+            <a:ext cx="10515600" cy="596900"/>
+          </a:xfrm>
+        </p:spPr>
+        <p:txBody>
+          <a:bodyPr>
+            <a:normAutofit fontScale="90000"/>
+          </a:bodyPr>
+          <a:p>
+            <a:pPr algn="ctr"/>
+            <a:r>
+              <a:rPr lang="en-US">
+                <a:ln w="10160">
+                  <a:solidFill>
+                    <a:srgbClr val="00B050"/>
+                  </a:solidFill>
+                  <a:prstDash val="solid"/>
+                </a:ln>
+                <a:solidFill>
+                  <a:srgbClr val="FFFFFF"/>
+                </a:solidFill>
+                <a:effectLst>
+                  <a:outerShdw blurRad="38100" dist="22860" dir="5400000" algn="tl" rotWithShape="0">
+                    <a:srgbClr val="000000">
+                      <a:alpha val="30000"/>
+                    </a:srgbClr>
+                  </a:outerShdw>
+                </a:effectLst>
+              </a:rPr>
+              <a:t>librf</a:t>
+            </a:r>
+            <a:endParaRPr lang="en-US">
+              <a:ln w="10160">
+                <a:solidFill>
+                  <a:srgbClr val="00B050"/>
+                </a:solidFill>
+                <a:prstDash val="solid"/>
+              </a:ln>
+              <a:solidFill>
+                <a:srgbClr val="FFFFFF"/>
+              </a:solidFill>
+              <a:effectLst>
+                <a:outerShdw blurRad="38100" dist="22860" dir="5400000" algn="tl" rotWithShape="0">
+                  <a:srgbClr val="000000">
+                    <a:alpha val="30000"/>
+                  </a:srgbClr>
+                </a:outerShdw>
+              </a:effectLst>
+            </a:endParaRPr>
+          </a:p>
+        </p:txBody>
+      </p:sp>
+    </p:spTree>
+  </p:cSld>
+  <p:clrMapOvr>
+    <a:masterClrMapping/>
+  </p:clrMapOvr>
+  <p:timing>
+    <p:tnLst>
+      <p:par>
+        <p:cTn id="1" dur="indefinite" restart="never" nodeType="tmRoot"/>
+      </p:par>
+    </p:tnLst>
+  </p:timing>
+</p:sld>
+</file>
+
+<file path=ppt/slides/slide54.xml><?xml version="1.0" encoding="utf-8"?>
+<p:sld xmlns:a="http://schemas.openxmlformats.org/drawingml/2006/main" xmlns:r="http://schemas.openxmlformats.org/officeDocument/2006/relationships" xmlns:p="http://schemas.openxmlformats.org/presentationml/2006/main">
+  <p:cSld>
+    <p:spTree>
+      <p:nvGrpSpPr>
+        <p:cNvPr id="1" name=""/>
+        <p:cNvGrpSpPr/>
+        <p:nvPr/>
+      </p:nvGrpSpPr>
+      <p:grpSpPr/>
+      <p:sp>
+        <p:nvSpPr>
+          <p:cNvPr id="4" name="内容占位符 4"/>
+          <p:cNvSpPr>
+            <a:spLocks noGrp="1"/>
+          </p:cNvSpPr>
+          <p:nvPr/>
+        </p:nvSpPr>
+        <p:spPr>
+          <a:xfrm>
+            <a:off x="838200" y="1491615"/>
+            <a:ext cx="10515600" cy="1594485"/>
+          </a:xfrm>
+          <a:prstGeom prst="rect">
+            <a:avLst/>
+          </a:prstGeom>
+        </p:spPr>
+        <p:txBody>
+          <a:bodyPr vert="horz" lIns="91440" tIns="45720" rIns="91440" bIns="45720" rtlCol="0">
+            <a:normAutofit/>
+          </a:bodyPr>
+          <a:lstStyle>
+            <a:lvl1pPr marL="228600" indent="-228600" algn="l" defTabSz="914400" rtl="0" eaLnBrk="1" latinLnBrk="0" hangingPunct="1">
+              <a:lnSpc>
+                <a:spcPct val="90000"/>
+              </a:lnSpc>
+              <a:spcBef>
+                <a:spcPts val="1000"/>
+              </a:spcBef>
+              <a:buFont typeface="Arial" panose="020B0604020202020204" pitchFamily="34" charset="0"/>
+              <a:buChar char="•"/>
+              <a:defRPr sz="2800" kern="1200">
+                <a:solidFill>
+                  <a:schemeClr val="tx1"/>
+                </a:solidFill>
+                <a:latin typeface="+mn-lt"/>
+                <a:ea typeface="+mn-ea"/>
+                <a:cs typeface="+mn-cs"/>
+              </a:defRPr>
+            </a:lvl1pPr>
+            <a:lvl2pPr marL="685800" indent="-228600" algn="l" defTabSz="914400" rtl="0" eaLnBrk="1" latinLnBrk="0" hangingPunct="1">
+              <a:lnSpc>
+                <a:spcPct val="90000"/>
+              </a:lnSpc>
+              <a:spcBef>
+                <a:spcPts val="500"/>
+              </a:spcBef>
+              <a:buFont typeface="Arial" panose="020B0604020202020204" pitchFamily="34" charset="0"/>
+              <a:buChar char="•"/>
+              <a:defRPr sz="2400" kern="1200">
+                <a:solidFill>
+                  <a:schemeClr val="tx1"/>
+                </a:solidFill>
+                <a:latin typeface="+mn-lt"/>
+                <a:ea typeface="+mn-ea"/>
+                <a:cs typeface="+mn-cs"/>
+              </a:defRPr>
+            </a:lvl2pPr>
+            <a:lvl3pPr marL="1143000" indent="-228600" algn="l" defTabSz="914400" rtl="0" eaLnBrk="1" latinLnBrk="0" hangingPunct="1">
+              <a:lnSpc>
+                <a:spcPct val="90000"/>
+              </a:lnSpc>
+              <a:spcBef>
+                <a:spcPts val="500"/>
+              </a:spcBef>
+              <a:buFont typeface="Arial" panose="020B0604020202020204" pitchFamily="34" charset="0"/>
+              <a:buChar char="•"/>
+              <a:defRPr sz="2000" kern="1200">
+                <a:solidFill>
+                  <a:schemeClr val="tx1"/>
+                </a:solidFill>
+                <a:latin typeface="+mn-lt"/>
+                <a:ea typeface="+mn-ea"/>
+                <a:cs typeface="+mn-cs"/>
+              </a:defRPr>
+            </a:lvl3pPr>
+            <a:lvl4pPr marL="1600200" indent="-228600" algn="l" defTabSz="914400" rtl="0" eaLnBrk="1" latinLnBrk="0" hangingPunct="1">
+              <a:lnSpc>
+                <a:spcPct val="90000"/>
+              </a:lnSpc>
+              <a:spcBef>
+                <a:spcPts val="500"/>
+              </a:spcBef>
+              <a:buFont typeface="Arial" panose="020B0604020202020204" pitchFamily="34" charset="0"/>
+              <a:buChar char="•"/>
+              <a:defRPr sz="1800" kern="1200">
+                <a:solidFill>
+                  <a:schemeClr val="tx1"/>
+                </a:solidFill>
+                <a:latin typeface="+mn-lt"/>
+                <a:ea typeface="+mn-ea"/>
+                <a:cs typeface="+mn-cs"/>
+              </a:defRPr>
+            </a:lvl4pPr>
+            <a:lvl5pPr marL="2057400" indent="-228600" algn="l" defTabSz="914400" rtl="0" eaLnBrk="1" latinLnBrk="0" hangingPunct="1">
+              <a:lnSpc>
+                <a:spcPct val="90000"/>
+              </a:lnSpc>
+              <a:spcBef>
+                <a:spcPts val="500"/>
+              </a:spcBef>
+              <a:buFont typeface="Arial" panose="020B0604020202020204" pitchFamily="34" charset="0"/>
+              <a:buChar char="•"/>
+              <a:defRPr sz="1800" kern="1200">
+                <a:solidFill>
+                  <a:schemeClr val="tx1"/>
+                </a:solidFill>
+                <a:latin typeface="+mn-lt"/>
+                <a:ea typeface="+mn-ea"/>
+                <a:cs typeface="+mn-cs"/>
+              </a:defRPr>
+            </a:lvl5pPr>
+            <a:lvl6pPr marL="2514600" indent="-228600" algn="l" defTabSz="914400" rtl="0" eaLnBrk="1" latinLnBrk="0" hangingPunct="1">
+              <a:lnSpc>
+                <a:spcPct val="90000"/>
+              </a:lnSpc>
+              <a:spcBef>
+                <a:spcPts val="500"/>
+              </a:spcBef>
+              <a:buFont typeface="Arial" panose="020B0604020202020204" pitchFamily="34" charset="0"/>
+              <a:buChar char="•"/>
+              <a:defRPr sz="1800" kern="1200">
+                <a:solidFill>
+                  <a:schemeClr val="tx1"/>
+                </a:solidFill>
+                <a:latin typeface="+mn-lt"/>
+                <a:ea typeface="+mn-ea"/>
+                <a:cs typeface="+mn-cs"/>
+              </a:defRPr>
+            </a:lvl6pPr>
+            <a:lvl7pPr marL="2971800" indent="-228600" algn="l" defTabSz="914400" rtl="0" eaLnBrk="1" latinLnBrk="0" hangingPunct="1">
+              <a:lnSpc>
+                <a:spcPct val="90000"/>
+              </a:lnSpc>
+              <a:spcBef>
+                <a:spcPts val="500"/>
+              </a:spcBef>
+              <a:buFont typeface="Arial" panose="020B0604020202020204" pitchFamily="34" charset="0"/>
+              <a:buChar char="•"/>
+              <a:defRPr sz="1800" kern="1200">
+                <a:solidFill>
+                  <a:schemeClr val="tx1"/>
+                </a:solidFill>
+                <a:latin typeface="+mn-lt"/>
+                <a:ea typeface="+mn-ea"/>
+                <a:cs typeface="+mn-cs"/>
+              </a:defRPr>
+            </a:lvl7pPr>
+            <a:lvl8pPr marL="3429000" indent="-228600" algn="l" defTabSz="914400" rtl="0" eaLnBrk="1" latinLnBrk="0" hangingPunct="1">
+              <a:lnSpc>
+                <a:spcPct val="90000"/>
+              </a:lnSpc>
+              <a:spcBef>
+                <a:spcPts val="500"/>
+              </a:spcBef>
+              <a:buFont typeface="Arial" panose="020B0604020202020204" pitchFamily="34" charset="0"/>
+              <a:buChar char="•"/>
+              <a:defRPr sz="1800" kern="1200">
+                <a:solidFill>
+                  <a:schemeClr val="tx1"/>
+                </a:solidFill>
+                <a:latin typeface="+mn-lt"/>
+                <a:ea typeface="+mn-ea"/>
+                <a:cs typeface="+mn-cs"/>
+              </a:defRPr>
+            </a:lvl8pPr>
+            <a:lvl9pPr marL="3886200" indent="-228600" algn="l" defTabSz="914400" rtl="0" eaLnBrk="1" latinLnBrk="0" hangingPunct="1">
+              <a:lnSpc>
+                <a:spcPct val="90000"/>
+              </a:lnSpc>
+              <a:spcBef>
+                <a:spcPts val="500"/>
+              </a:spcBef>
+              <a:buFont typeface="Arial" panose="020B0604020202020204" pitchFamily="34" charset="0"/>
+              <a:buChar char="•"/>
+              <a:defRPr sz="1800" kern="1200">
+                <a:solidFill>
+                  <a:schemeClr val="tx1"/>
+                </a:solidFill>
+                <a:latin typeface="+mn-lt"/>
+                <a:ea typeface="+mn-ea"/>
+                <a:cs typeface="+mn-cs"/>
+              </a:defRPr>
+            </a:lvl9pPr>
+          </a:lstStyle>
+          <a:p>
+            <a:pPr marL="0" indent="0" algn="ctr">
+              <a:buNone/>
+            </a:pPr>
+            <a:r>
+              <a:rPr lang="zh-CN" altLang="en-US" sz="3600">
+                <a:solidFill>
+                  <a:schemeClr val="accent5"/>
+                </a:solidFill>
+                <a:latin typeface="Lucida Console" panose="020B0609040504020204" charset="0"/>
+                <a:ea typeface="宋体" panose="02010600030101010101" pitchFamily="2" charset="-122"/>
+                <a:sym typeface="+mn-ea"/>
+              </a:rPr>
+              <a:t>https://github.com/tearshark/librf</a:t>
+            </a:r>
+            <a:endParaRPr lang="zh-CN" altLang="en-US" sz="3600">
+              <a:solidFill>
+                <a:schemeClr val="accent5"/>
+              </a:solidFill>
+              <a:latin typeface="Lucida Console" panose="020B0609040504020204" charset="0"/>
+              <a:ea typeface="宋体" panose="02010600030101010101" pitchFamily="2" charset="-122"/>
+              <a:sym typeface="+mn-ea"/>
+            </a:endParaRPr>
+          </a:p>
+        </p:txBody>
+      </p:sp>
+      <p:sp>
+        <p:nvSpPr>
+          <p:cNvPr id="6" name="标题 5"/>
+          <p:cNvSpPr>
+            <a:spLocks noGrp="1"/>
+          </p:cNvSpPr>
+          <p:nvPr>
+            <p:ph type="title"/>
+          </p:nvPr>
+        </p:nvSpPr>
+        <p:spPr>
+          <a:xfrm>
+            <a:off x="838200" y="365125"/>
+            <a:ext cx="10515600" cy="596900"/>
+          </a:xfrm>
+        </p:spPr>
+        <p:txBody>
+          <a:bodyPr>
+            <a:normAutofit fontScale="90000"/>
+          </a:bodyPr>
+          <a:p>
+            <a:pPr algn="ctr"/>
+            <a:r>
+              <a:rPr lang="en-US">
+                <a:ln w="10160">
+                  <a:solidFill>
+                    <a:srgbClr val="00B050"/>
+                  </a:solidFill>
+                  <a:prstDash val="solid"/>
+                </a:ln>
+                <a:solidFill>
+                  <a:srgbClr val="FFFFFF"/>
+                </a:solidFill>
+                <a:effectLst>
+                  <a:outerShdw blurRad="38100" dist="22860" dir="5400000" algn="tl" rotWithShape="0">
+                    <a:srgbClr val="000000">
+                      <a:alpha val="30000"/>
+                    </a:srgbClr>
+                  </a:outerShdw>
+                </a:effectLst>
+              </a:rPr>
+              <a:t>librf</a:t>
+            </a:r>
+            <a:endParaRPr lang="en-US">
+              <a:ln w="10160">
+                <a:solidFill>
+                  <a:srgbClr val="00B050"/>
+                </a:solidFill>
+                <a:prstDash val="solid"/>
+              </a:ln>
+              <a:solidFill>
+                <a:srgbClr val="FFFFFF"/>
+              </a:solidFill>
+              <a:effectLst>
+                <a:outerShdw blurRad="38100" dist="22860" dir="5400000" algn="tl" rotWithShape="0">
+                  <a:srgbClr val="000000">
+                    <a:alpha val="30000"/>
+                  </a:srgbClr>
+                </a:outerShdw>
+              </a:effectLst>
+            </a:endParaRPr>
+          </a:p>
+        </p:txBody>
+      </p:sp>
+      <p:sp>
+        <p:nvSpPr>
+          <p:cNvPr id="3" name="内容占位符 4"/>
+          <p:cNvSpPr>
+            <a:spLocks noGrp="1"/>
+          </p:cNvSpPr>
+          <p:nvPr/>
+        </p:nvSpPr>
+        <p:spPr>
+          <a:xfrm>
+            <a:off x="950595" y="2861945"/>
+            <a:ext cx="10515600" cy="1594485"/>
+          </a:xfrm>
+          <a:prstGeom prst="rect">
+            <a:avLst/>
+          </a:prstGeom>
+        </p:spPr>
+        <p:txBody>
+          <a:bodyPr vert="horz" lIns="91440" tIns="45720" rIns="91440" bIns="45720" rtlCol="0">
+            <a:normAutofit/>
+          </a:bodyPr>
+          <a:lstStyle>
+            <a:lvl1pPr marL="228600" indent="-228600" algn="l" defTabSz="914400" rtl="0" eaLnBrk="1" latinLnBrk="0" hangingPunct="1">
+              <a:lnSpc>
+                <a:spcPct val="90000"/>
+              </a:lnSpc>
+              <a:spcBef>
+                <a:spcPts val="1000"/>
+              </a:spcBef>
+              <a:buFont typeface="Arial" panose="020B0604020202020204" pitchFamily="34" charset="0"/>
+              <a:buChar char="•"/>
+              <a:defRPr sz="2800" kern="1200">
+                <a:solidFill>
+                  <a:schemeClr val="tx1"/>
+                </a:solidFill>
+                <a:latin typeface="+mn-lt"/>
+                <a:ea typeface="+mn-ea"/>
+                <a:cs typeface="+mn-cs"/>
+              </a:defRPr>
+            </a:lvl1pPr>
+            <a:lvl2pPr marL="685800" indent="-228600" algn="l" defTabSz="914400" rtl="0" eaLnBrk="1" latinLnBrk="0" hangingPunct="1">
+              <a:lnSpc>
+                <a:spcPct val="90000"/>
+              </a:lnSpc>
+              <a:spcBef>
+                <a:spcPts val="500"/>
+              </a:spcBef>
+              <a:buFont typeface="Arial" panose="020B0604020202020204" pitchFamily="34" charset="0"/>
+              <a:buChar char="•"/>
+              <a:defRPr sz="2400" kern="1200">
+                <a:solidFill>
+                  <a:schemeClr val="tx1"/>
+                </a:solidFill>
+                <a:latin typeface="+mn-lt"/>
+                <a:ea typeface="+mn-ea"/>
+                <a:cs typeface="+mn-cs"/>
+              </a:defRPr>
+            </a:lvl2pPr>
+            <a:lvl3pPr marL="1143000" indent="-228600" algn="l" defTabSz="914400" rtl="0" eaLnBrk="1" latinLnBrk="0" hangingPunct="1">
+              <a:lnSpc>
+                <a:spcPct val="90000"/>
+              </a:lnSpc>
+              <a:spcBef>
+                <a:spcPts val="500"/>
+              </a:spcBef>
+              <a:buFont typeface="Arial" panose="020B0604020202020204" pitchFamily="34" charset="0"/>
+              <a:buChar char="•"/>
+              <a:defRPr sz="2000" kern="1200">
+                <a:solidFill>
+                  <a:schemeClr val="tx1"/>
+                </a:solidFill>
+                <a:latin typeface="+mn-lt"/>
+                <a:ea typeface="+mn-ea"/>
+                <a:cs typeface="+mn-cs"/>
+              </a:defRPr>
+            </a:lvl3pPr>
+            <a:lvl4pPr marL="1600200" indent="-228600" algn="l" defTabSz="914400" rtl="0" eaLnBrk="1" latinLnBrk="0" hangingPunct="1">
+              <a:lnSpc>
+                <a:spcPct val="90000"/>
+              </a:lnSpc>
+              <a:spcBef>
+                <a:spcPts val="500"/>
+              </a:spcBef>
+              <a:buFont typeface="Arial" panose="020B0604020202020204" pitchFamily="34" charset="0"/>
+              <a:buChar char="•"/>
+              <a:defRPr sz="1800" kern="1200">
+                <a:solidFill>
+                  <a:schemeClr val="tx1"/>
+                </a:solidFill>
+                <a:latin typeface="+mn-lt"/>
+                <a:ea typeface="+mn-ea"/>
+                <a:cs typeface="+mn-cs"/>
+              </a:defRPr>
+            </a:lvl4pPr>
+            <a:lvl5pPr marL="2057400" indent="-228600" algn="l" defTabSz="914400" rtl="0" eaLnBrk="1" latinLnBrk="0" hangingPunct="1">
+              <a:lnSpc>
+                <a:spcPct val="90000"/>
+              </a:lnSpc>
+              <a:spcBef>
+                <a:spcPts val="500"/>
+              </a:spcBef>
+              <a:buFont typeface="Arial" panose="020B0604020202020204" pitchFamily="34" charset="0"/>
+              <a:buChar char="•"/>
+              <a:defRPr sz="1800" kern="1200">
+                <a:solidFill>
+                  <a:schemeClr val="tx1"/>
+                </a:solidFill>
+                <a:latin typeface="+mn-lt"/>
+                <a:ea typeface="+mn-ea"/>
+                <a:cs typeface="+mn-cs"/>
+              </a:defRPr>
+            </a:lvl5pPr>
+            <a:lvl6pPr marL="2514600" indent="-228600" algn="l" defTabSz="914400" rtl="0" eaLnBrk="1" latinLnBrk="0" hangingPunct="1">
+              <a:lnSpc>
+                <a:spcPct val="90000"/>
+              </a:lnSpc>
+              <a:spcBef>
+                <a:spcPts val="500"/>
+              </a:spcBef>
+              <a:buFont typeface="Arial" panose="020B0604020202020204" pitchFamily="34" charset="0"/>
+              <a:buChar char="•"/>
+              <a:defRPr sz="1800" kern="1200">
+                <a:solidFill>
+                  <a:schemeClr val="tx1"/>
+                </a:solidFill>
+                <a:latin typeface="+mn-lt"/>
+                <a:ea typeface="+mn-ea"/>
+                <a:cs typeface="+mn-cs"/>
+              </a:defRPr>
+            </a:lvl6pPr>
+            <a:lvl7pPr marL="2971800" indent="-228600" algn="l" defTabSz="914400" rtl="0" eaLnBrk="1" latinLnBrk="0" hangingPunct="1">
+              <a:lnSpc>
+                <a:spcPct val="90000"/>
+              </a:lnSpc>
+              <a:spcBef>
+                <a:spcPts val="500"/>
+              </a:spcBef>
+              <a:buFont typeface="Arial" panose="020B0604020202020204" pitchFamily="34" charset="0"/>
+              <a:buChar char="•"/>
+              <a:defRPr sz="1800" kern="1200">
+                <a:solidFill>
+                  <a:schemeClr val="tx1"/>
+                </a:solidFill>
+                <a:latin typeface="+mn-lt"/>
+                <a:ea typeface="+mn-ea"/>
+                <a:cs typeface="+mn-cs"/>
+              </a:defRPr>
+            </a:lvl7pPr>
+            <a:lvl8pPr marL="3429000" indent="-228600" algn="l" defTabSz="914400" rtl="0" eaLnBrk="1" latinLnBrk="0" hangingPunct="1">
+              <a:lnSpc>
+                <a:spcPct val="90000"/>
+              </a:lnSpc>
+              <a:spcBef>
+                <a:spcPts val="500"/>
+              </a:spcBef>
+              <a:buFont typeface="Arial" panose="020B0604020202020204" pitchFamily="34" charset="0"/>
+              <a:buChar char="•"/>
+              <a:defRPr sz="1800" kern="1200">
+                <a:solidFill>
+                  <a:schemeClr val="tx1"/>
+                </a:solidFill>
+                <a:latin typeface="+mn-lt"/>
+                <a:ea typeface="+mn-ea"/>
+                <a:cs typeface="+mn-cs"/>
+              </a:defRPr>
+            </a:lvl8pPr>
+            <a:lvl9pPr marL="3886200" indent="-228600" algn="l" defTabSz="914400" rtl="0" eaLnBrk="1" latinLnBrk="0" hangingPunct="1">
+              <a:lnSpc>
+                <a:spcPct val="90000"/>
+              </a:lnSpc>
+              <a:spcBef>
+                <a:spcPts val="500"/>
+              </a:spcBef>
+              <a:buFont typeface="Arial" panose="020B0604020202020204" pitchFamily="34" charset="0"/>
+              <a:buChar char="•"/>
+              <a:defRPr sz="1800" kern="1200">
+                <a:solidFill>
+                  <a:schemeClr val="tx1"/>
+                </a:solidFill>
+                <a:latin typeface="+mn-lt"/>
+                <a:ea typeface="+mn-ea"/>
+                <a:cs typeface="+mn-cs"/>
+              </a:defRPr>
+            </a:lvl9pPr>
+          </a:lstStyle>
+          <a:p>
+            <a:pPr marL="0" indent="0" algn="ctr">
+              <a:buNone/>
+            </a:pPr>
+            <a:r>
+              <a:rPr lang="zh-CN" altLang="en-US" sz="3600">
+                <a:solidFill>
+                  <a:schemeClr val="accent5"/>
+                </a:solidFill>
+                <a:latin typeface="Lucida Console" panose="020B0609040504020204" charset="0"/>
+                <a:ea typeface="宋体" panose="02010600030101010101" pitchFamily="2" charset="-122"/>
+                <a:sym typeface="+mn-ea"/>
+              </a:rPr>
+              <a:t>https://github.com/tearshark/resumef</a:t>
+            </a:r>
+            <a:endParaRPr lang="zh-CN" altLang="en-US" sz="3600">
+              <a:solidFill>
+                <a:schemeClr val="accent5"/>
+              </a:solidFill>
+              <a:latin typeface="Lucida Console" panose="020B0609040504020204" charset="0"/>
+              <a:ea typeface="宋体" panose="02010600030101010101" pitchFamily="2" charset="-122"/>
+              <a:sym typeface="+mn-ea"/>
+            </a:endParaRPr>
+          </a:p>
+        </p:txBody>
+      </p:sp>
+    </p:spTree>
+  </p:cSld>
+  <p:clrMapOvr>
+    <a:masterClrMapping/>
+  </p:clrMapOvr>
+  <p:timing>
+    <p:tnLst>
+      <p:par>
+        <p:cTn id="1" dur="indefinite" restart="never" nodeType="tmRoot"/>
+      </p:par>
+    </p:tnLst>
+  </p:timing>
 </p:sld>
 </file>
 
@@ -23273,40 +31595,24 @@
                 <a:ea typeface="MS Gothic" panose="020B0609070205080204" charset="-128"/>
                 <a:sym typeface="+mn-ea"/>
               </a:rPr>
-              <a:t>    </a:t>
-            </a:r>
+              <a:t>    int value;</a:t>
+            </a:r>
+            <a:endParaRPr lang="zh-CN" altLang="en-US" sz="1800">
+              <a:latin typeface="Lucida Console" panose="020B0609040504020204" charset="0"/>
+              <a:ea typeface="MS Gothic" panose="020B0609070205080204" charset="-128"/>
+            </a:endParaRPr>
+          </a:p>
+          <a:p>
+            <a:pPr marL="0" indent="0">
+              <a:buNone/>
+            </a:pPr>
             <a:r>
               <a:rPr lang="zh-CN" altLang="en-US" sz="1800">
                 <a:latin typeface="Lucida Console" panose="020B0609040504020204" charset="0"/>
                 <a:ea typeface="MS Gothic" panose="020B0609070205080204" charset="-128"/>
                 <a:sym typeface="+mn-ea"/>
               </a:rPr>
-              <a:t>int value;</a:t>
-            </a:r>
-            <a:endParaRPr lang="zh-CN" altLang="en-US" sz="1800">
-              <a:latin typeface="Lucida Console" panose="020B0609040504020204" charset="0"/>
-              <a:ea typeface="MS Gothic" panose="020B0609070205080204" charset="-128"/>
-            </a:endParaRPr>
-          </a:p>
-          <a:p>
-            <a:pPr marL="0" indent="0">
-              <a:buNone/>
-            </a:pPr>
-            <a:r>
-              <a:rPr lang="zh-CN" altLang="en-US" sz="1800">
-                <a:latin typeface="Lucida Console" panose="020B0609040504020204" charset="0"/>
-                <a:ea typeface="MS Gothic" panose="020B0609070205080204" charset="-128"/>
-                <a:sym typeface="+mn-ea"/>
-              </a:rPr>
-              <a:t>    </a:t>
-            </a:r>
-            <a:r>
-              <a:rPr lang="zh-CN" altLang="en-US" sz="1800">
-                <a:latin typeface="Lucida Console" panose="020B0609040504020204" charset="0"/>
-                <a:ea typeface="MS Gothic" panose="020B0609070205080204" charset="-128"/>
-                <a:sym typeface="+mn-ea"/>
-              </a:rPr>
-              <a:t>coroutine(int val_) :value(val_) {}</a:t>
+              <a:t>    coroutine(int val_) :value(val_) {}</a:t>
             </a:r>
             <a:endParaRPr lang="zh-CN" altLang="en-US" sz="1800">
               <a:latin typeface="Lucida Console" panose="020B0609040504020204" charset="0"/>
